--- a/document/course1.pptx
+++ b/document/course1.pptx
@@ -4,16 +4,38 @@
   <p:sldMasterIdLst>
     <p:sldMasterId id="2147483723" r:id="rId1"/>
   </p:sldMasterIdLst>
+  <p:notesMasterIdLst>
+    <p:notesMasterId r:id="rId30"/>
+  </p:notesMasterIdLst>
   <p:sldIdLst>
     <p:sldId id="256" r:id="rId2"/>
     <p:sldId id="257" r:id="rId3"/>
-    <p:sldId id="258" r:id="rId4"/>
-    <p:sldId id="259" r:id="rId5"/>
-    <p:sldId id="260" r:id="rId6"/>
-    <p:sldId id="261" r:id="rId7"/>
-    <p:sldId id="262" r:id="rId8"/>
-    <p:sldId id="263" r:id="rId9"/>
-    <p:sldId id="264" r:id="rId10"/>
+    <p:sldId id="266" r:id="rId4"/>
+    <p:sldId id="267" r:id="rId5"/>
+    <p:sldId id="268" r:id="rId6"/>
+    <p:sldId id="258" r:id="rId7"/>
+    <p:sldId id="259" r:id="rId8"/>
+    <p:sldId id="260" r:id="rId9"/>
+    <p:sldId id="261" r:id="rId10"/>
+    <p:sldId id="262" r:id="rId11"/>
+    <p:sldId id="263" r:id="rId12"/>
+    <p:sldId id="264" r:id="rId13"/>
+    <p:sldId id="265" r:id="rId14"/>
+    <p:sldId id="269" r:id="rId15"/>
+    <p:sldId id="273" r:id="rId16"/>
+    <p:sldId id="274" r:id="rId17"/>
+    <p:sldId id="270" r:id="rId18"/>
+    <p:sldId id="272" r:id="rId19"/>
+    <p:sldId id="271" r:id="rId20"/>
+    <p:sldId id="275" r:id="rId21"/>
+    <p:sldId id="276" r:id="rId22"/>
+    <p:sldId id="280" r:id="rId23"/>
+    <p:sldId id="277" r:id="rId24"/>
+    <p:sldId id="278" r:id="rId25"/>
+    <p:sldId id="281" r:id="rId26"/>
+    <p:sldId id="283" r:id="rId27"/>
+    <p:sldId id="279" r:id="rId28"/>
+    <p:sldId id="282" r:id="rId29"/>
   </p:sldIdLst>
   <p:sldSz cx="12192000" cy="6858000"/>
   <p:notesSz cx="6858000" cy="9144000"/>
@@ -120,6 +142,440 @@
 </p:presentation>
 </file>
 
+<file path=ppt/notesMasters/notesMaster1.xml><?xml version="1.0" encoding="utf-8"?>
+<p:notesMaster xmlns:a="http://schemas.openxmlformats.org/drawingml/2006/main" xmlns:r="http://schemas.openxmlformats.org/officeDocument/2006/relationships" xmlns:p="http://schemas.openxmlformats.org/presentationml/2006/main">
+  <p:cSld>
+    <p:bg>
+      <p:bgRef idx="1001">
+        <a:schemeClr val="bg1"/>
+      </p:bgRef>
+    </p:bg>
+    <p:spTree>
+      <p:nvGrpSpPr>
+        <p:cNvPr id="1" name=""/>
+        <p:cNvGrpSpPr/>
+        <p:nvPr/>
+      </p:nvGrpSpPr>
+      <p:grpSpPr>
+        <a:xfrm>
+          <a:off x="0" y="0"/>
+          <a:ext cx="0" cy="0"/>
+          <a:chOff x="0" y="0"/>
+          <a:chExt cx="0" cy="0"/>
+        </a:xfrm>
+      </p:grpSpPr>
+      <p:sp>
+        <p:nvSpPr>
+          <p:cNvPr id="2" name="Header Placeholder 1"/>
+          <p:cNvSpPr>
+            <a:spLocks noGrp="1"/>
+          </p:cNvSpPr>
+          <p:nvPr>
+            <p:ph type="hdr" sz="quarter"/>
+          </p:nvPr>
+        </p:nvSpPr>
+        <p:spPr>
+          <a:xfrm>
+            <a:off x="0" y="0"/>
+            <a:ext cx="2971800" cy="458788"/>
+          </a:xfrm>
+          <a:prstGeom prst="rect">
+            <a:avLst/>
+          </a:prstGeom>
+        </p:spPr>
+        <p:txBody>
+          <a:bodyPr vert="horz" lIns="91440" tIns="45720" rIns="91440" bIns="45720" rtlCol="0"/>
+          <a:lstStyle>
+            <a:lvl1pPr algn="l">
+              <a:defRPr sz="1200"/>
+            </a:lvl1pPr>
+          </a:lstStyle>
+          <a:p>
+            <a:endParaRPr lang="en-US"/>
+          </a:p>
+        </p:txBody>
+      </p:sp>
+      <p:sp>
+        <p:nvSpPr>
+          <p:cNvPr id="3" name="Date Placeholder 2"/>
+          <p:cNvSpPr>
+            <a:spLocks noGrp="1"/>
+          </p:cNvSpPr>
+          <p:nvPr>
+            <p:ph type="dt" idx="1"/>
+          </p:nvPr>
+        </p:nvSpPr>
+        <p:spPr>
+          <a:xfrm>
+            <a:off x="3884613" y="0"/>
+            <a:ext cx="2971800" cy="458788"/>
+          </a:xfrm>
+          <a:prstGeom prst="rect">
+            <a:avLst/>
+          </a:prstGeom>
+        </p:spPr>
+        <p:txBody>
+          <a:bodyPr vert="horz" lIns="91440" tIns="45720" rIns="91440" bIns="45720" rtlCol="0"/>
+          <a:lstStyle>
+            <a:lvl1pPr algn="r">
+              <a:defRPr sz="1200"/>
+            </a:lvl1pPr>
+          </a:lstStyle>
+          <a:p>
+            <a:fld id="{90C9A26C-E32A-0842-B5B6-EF949C454305}" type="datetimeFigureOut">
+              <a:rPr lang="en-US" smtClean="0"/>
+              <a:t>9/10/17</a:t>
+            </a:fld>
+            <a:endParaRPr lang="en-US"/>
+          </a:p>
+        </p:txBody>
+      </p:sp>
+      <p:sp>
+        <p:nvSpPr>
+          <p:cNvPr id="4" name="Slide Image Placeholder 3"/>
+          <p:cNvSpPr>
+            <a:spLocks noGrp="1" noRot="1" noChangeAspect="1"/>
+          </p:cNvSpPr>
+          <p:nvPr>
+            <p:ph type="sldImg" idx="2"/>
+          </p:nvPr>
+        </p:nvSpPr>
+        <p:spPr>
+          <a:xfrm>
+            <a:off x="685800" y="1143000"/>
+            <a:ext cx="5486400" cy="3086100"/>
+          </a:xfrm>
+          <a:prstGeom prst="rect">
+            <a:avLst/>
+          </a:prstGeom>
+          <a:noFill/>
+          <a:ln w="12700">
+            <a:solidFill>
+              <a:prstClr val="black"/>
+            </a:solidFill>
+          </a:ln>
+        </p:spPr>
+        <p:txBody>
+          <a:bodyPr vert="horz" lIns="91440" tIns="45720" rIns="91440" bIns="45720" rtlCol="0" anchor="ctr"/>
+          <a:lstStyle/>
+          <a:p>
+            <a:endParaRPr lang="en-US"/>
+          </a:p>
+        </p:txBody>
+      </p:sp>
+      <p:sp>
+        <p:nvSpPr>
+          <p:cNvPr id="5" name="Notes Placeholder 4"/>
+          <p:cNvSpPr>
+            <a:spLocks noGrp="1"/>
+          </p:cNvSpPr>
+          <p:nvPr>
+            <p:ph type="body" sz="quarter" idx="3"/>
+          </p:nvPr>
+        </p:nvSpPr>
+        <p:spPr>
+          <a:xfrm>
+            <a:off x="685800" y="4400550"/>
+            <a:ext cx="5486400" cy="3600450"/>
+          </a:xfrm>
+          <a:prstGeom prst="rect">
+            <a:avLst/>
+          </a:prstGeom>
+        </p:spPr>
+        <p:txBody>
+          <a:bodyPr vert="horz" lIns="91440" tIns="45720" rIns="91440" bIns="45720" rtlCol="0"/>
+          <a:lstStyle/>
+          <a:p>
+            <a:pPr lvl="0"/>
+            <a:r>
+              <a:rPr lang="en-US" smtClean="0"/>
+              <a:t>Click to edit Master text styles</a:t>
+            </a:r>
+          </a:p>
+          <a:p>
+            <a:pPr lvl="1"/>
+            <a:r>
+              <a:rPr lang="en-US" smtClean="0"/>
+              <a:t>Second level</a:t>
+            </a:r>
+          </a:p>
+          <a:p>
+            <a:pPr lvl="2"/>
+            <a:r>
+              <a:rPr lang="en-US" smtClean="0"/>
+              <a:t>Third level</a:t>
+            </a:r>
+          </a:p>
+          <a:p>
+            <a:pPr lvl="3"/>
+            <a:r>
+              <a:rPr lang="en-US" smtClean="0"/>
+              <a:t>Fourth level</a:t>
+            </a:r>
+          </a:p>
+          <a:p>
+            <a:pPr lvl="4"/>
+            <a:r>
+              <a:rPr lang="en-US" smtClean="0"/>
+              <a:t>Fifth level</a:t>
+            </a:r>
+            <a:endParaRPr lang="en-US"/>
+          </a:p>
+        </p:txBody>
+      </p:sp>
+      <p:sp>
+        <p:nvSpPr>
+          <p:cNvPr id="6" name="Footer Placeholder 5"/>
+          <p:cNvSpPr>
+            <a:spLocks noGrp="1"/>
+          </p:cNvSpPr>
+          <p:nvPr>
+            <p:ph type="ftr" sz="quarter" idx="4"/>
+          </p:nvPr>
+        </p:nvSpPr>
+        <p:spPr>
+          <a:xfrm>
+            <a:off x="0" y="8685213"/>
+            <a:ext cx="2971800" cy="458787"/>
+          </a:xfrm>
+          <a:prstGeom prst="rect">
+            <a:avLst/>
+          </a:prstGeom>
+        </p:spPr>
+        <p:txBody>
+          <a:bodyPr vert="horz" lIns="91440" tIns="45720" rIns="91440" bIns="45720" rtlCol="0" anchor="b"/>
+          <a:lstStyle>
+            <a:lvl1pPr algn="l">
+              <a:defRPr sz="1200"/>
+            </a:lvl1pPr>
+          </a:lstStyle>
+          <a:p>
+            <a:endParaRPr lang="en-US"/>
+          </a:p>
+        </p:txBody>
+      </p:sp>
+      <p:sp>
+        <p:nvSpPr>
+          <p:cNvPr id="7" name="Slide Number Placeholder 6"/>
+          <p:cNvSpPr>
+            <a:spLocks noGrp="1"/>
+          </p:cNvSpPr>
+          <p:nvPr>
+            <p:ph type="sldNum" sz="quarter" idx="5"/>
+          </p:nvPr>
+        </p:nvSpPr>
+        <p:spPr>
+          <a:xfrm>
+            <a:off x="3884613" y="8685213"/>
+            <a:ext cx="2971800" cy="458787"/>
+          </a:xfrm>
+          <a:prstGeom prst="rect">
+            <a:avLst/>
+          </a:prstGeom>
+        </p:spPr>
+        <p:txBody>
+          <a:bodyPr vert="horz" lIns="91440" tIns="45720" rIns="91440" bIns="45720" rtlCol="0" anchor="b"/>
+          <a:lstStyle>
+            <a:lvl1pPr algn="r">
+              <a:defRPr sz="1200"/>
+            </a:lvl1pPr>
+          </a:lstStyle>
+          <a:p>
+            <a:fld id="{4A4B3646-101C-0C45-8140-ABF43D63AFD8}" type="slidenum">
+              <a:rPr lang="en-US" smtClean="0"/>
+              <a:t>‹#›</a:t>
+            </a:fld>
+            <a:endParaRPr lang="en-US"/>
+          </a:p>
+        </p:txBody>
+      </p:sp>
+    </p:spTree>
+    <p:extLst>
+      <p:ext uri="{BB962C8B-B14F-4D97-AF65-F5344CB8AC3E}">
+        <p14:creationId xmlns:p14="http://schemas.microsoft.com/office/powerpoint/2010/main" val="239000363"/>
+      </p:ext>
+    </p:extLst>
+  </p:cSld>
+  <p:clrMap bg1="lt1" tx1="dk1" bg2="lt2" tx2="dk2" accent1="accent1" accent2="accent2" accent3="accent3" accent4="accent4" accent5="accent5" accent6="accent6" hlink="hlink" folHlink="folHlink"/>
+  <p:notesStyle>
+    <a:lvl1pPr marL="0" algn="l" defTabSz="914400" rtl="0" eaLnBrk="1" latinLnBrk="0" hangingPunct="1">
+      <a:defRPr sz="1200" kern="1200">
+        <a:solidFill>
+          <a:schemeClr val="tx1"/>
+        </a:solidFill>
+        <a:latin typeface="+mn-lt"/>
+        <a:ea typeface="+mn-ea"/>
+        <a:cs typeface="+mn-cs"/>
+      </a:defRPr>
+    </a:lvl1pPr>
+    <a:lvl2pPr marL="457200" algn="l" defTabSz="914400" rtl="0" eaLnBrk="1" latinLnBrk="0" hangingPunct="1">
+      <a:defRPr sz="1200" kern="1200">
+        <a:solidFill>
+          <a:schemeClr val="tx1"/>
+        </a:solidFill>
+        <a:latin typeface="+mn-lt"/>
+        <a:ea typeface="+mn-ea"/>
+        <a:cs typeface="+mn-cs"/>
+      </a:defRPr>
+    </a:lvl2pPr>
+    <a:lvl3pPr marL="914400" algn="l" defTabSz="914400" rtl="0" eaLnBrk="1" latinLnBrk="0" hangingPunct="1">
+      <a:defRPr sz="1200" kern="1200">
+        <a:solidFill>
+          <a:schemeClr val="tx1"/>
+        </a:solidFill>
+        <a:latin typeface="+mn-lt"/>
+        <a:ea typeface="+mn-ea"/>
+        <a:cs typeface="+mn-cs"/>
+      </a:defRPr>
+    </a:lvl3pPr>
+    <a:lvl4pPr marL="1371600" algn="l" defTabSz="914400" rtl="0" eaLnBrk="1" latinLnBrk="0" hangingPunct="1">
+      <a:defRPr sz="1200" kern="1200">
+        <a:solidFill>
+          <a:schemeClr val="tx1"/>
+        </a:solidFill>
+        <a:latin typeface="+mn-lt"/>
+        <a:ea typeface="+mn-ea"/>
+        <a:cs typeface="+mn-cs"/>
+      </a:defRPr>
+    </a:lvl4pPr>
+    <a:lvl5pPr marL="1828800" algn="l" defTabSz="914400" rtl="0" eaLnBrk="1" latinLnBrk="0" hangingPunct="1">
+      <a:defRPr sz="1200" kern="1200">
+        <a:solidFill>
+          <a:schemeClr val="tx1"/>
+        </a:solidFill>
+        <a:latin typeface="+mn-lt"/>
+        <a:ea typeface="+mn-ea"/>
+        <a:cs typeface="+mn-cs"/>
+      </a:defRPr>
+    </a:lvl5pPr>
+    <a:lvl6pPr marL="2286000" algn="l" defTabSz="914400" rtl="0" eaLnBrk="1" latinLnBrk="0" hangingPunct="1">
+      <a:defRPr sz="1200" kern="1200">
+        <a:solidFill>
+          <a:schemeClr val="tx1"/>
+        </a:solidFill>
+        <a:latin typeface="+mn-lt"/>
+        <a:ea typeface="+mn-ea"/>
+        <a:cs typeface="+mn-cs"/>
+      </a:defRPr>
+    </a:lvl6pPr>
+    <a:lvl7pPr marL="2743200" algn="l" defTabSz="914400" rtl="0" eaLnBrk="1" latinLnBrk="0" hangingPunct="1">
+      <a:defRPr sz="1200" kern="1200">
+        <a:solidFill>
+          <a:schemeClr val="tx1"/>
+        </a:solidFill>
+        <a:latin typeface="+mn-lt"/>
+        <a:ea typeface="+mn-ea"/>
+        <a:cs typeface="+mn-cs"/>
+      </a:defRPr>
+    </a:lvl7pPr>
+    <a:lvl8pPr marL="3200400" algn="l" defTabSz="914400" rtl="0" eaLnBrk="1" latinLnBrk="0" hangingPunct="1">
+      <a:defRPr sz="1200" kern="1200">
+        <a:solidFill>
+          <a:schemeClr val="tx1"/>
+        </a:solidFill>
+        <a:latin typeface="+mn-lt"/>
+        <a:ea typeface="+mn-ea"/>
+        <a:cs typeface="+mn-cs"/>
+      </a:defRPr>
+    </a:lvl8pPr>
+    <a:lvl9pPr marL="3657600" algn="l" defTabSz="914400" rtl="0" eaLnBrk="1" latinLnBrk="0" hangingPunct="1">
+      <a:defRPr sz="1200" kern="1200">
+        <a:solidFill>
+          <a:schemeClr val="tx1"/>
+        </a:solidFill>
+        <a:latin typeface="+mn-lt"/>
+        <a:ea typeface="+mn-ea"/>
+        <a:cs typeface="+mn-cs"/>
+      </a:defRPr>
+    </a:lvl9pPr>
+  </p:notesStyle>
+</p:notesMaster>
+</file>
+
+<file path=ppt/notesSlides/notesSlide1.xml><?xml version="1.0" encoding="utf-8"?>
+<p:notes xmlns:a="http://schemas.openxmlformats.org/drawingml/2006/main" xmlns:r="http://schemas.openxmlformats.org/officeDocument/2006/relationships" xmlns:p="http://schemas.openxmlformats.org/presentationml/2006/main">
+  <p:cSld>
+    <p:spTree>
+      <p:nvGrpSpPr>
+        <p:cNvPr id="1" name=""/>
+        <p:cNvGrpSpPr/>
+        <p:nvPr/>
+      </p:nvGrpSpPr>
+      <p:grpSpPr>
+        <a:xfrm>
+          <a:off x="0" y="0"/>
+          <a:ext cx="0" cy="0"/>
+          <a:chOff x="0" y="0"/>
+          <a:chExt cx="0" cy="0"/>
+        </a:xfrm>
+      </p:grpSpPr>
+      <p:sp>
+        <p:nvSpPr>
+          <p:cNvPr id="2" name="Slide Image Placeholder 1"/>
+          <p:cNvSpPr>
+            <a:spLocks noGrp="1" noRot="1" noChangeAspect="1"/>
+          </p:cNvSpPr>
+          <p:nvPr>
+            <p:ph type="sldImg"/>
+          </p:nvPr>
+        </p:nvSpPr>
+        <p:spPr/>
+      </p:sp>
+      <p:sp>
+        <p:nvSpPr>
+          <p:cNvPr id="3" name="Notes Placeholder 2"/>
+          <p:cNvSpPr>
+            <a:spLocks noGrp="1"/>
+          </p:cNvSpPr>
+          <p:nvPr>
+            <p:ph type="body" idx="1"/>
+          </p:nvPr>
+        </p:nvSpPr>
+        <p:spPr/>
+        <p:txBody>
+          <a:bodyPr/>
+          <a:lstStyle/>
+          <a:p>
+            <a:endParaRPr lang="en-US" dirty="0"/>
+          </a:p>
+        </p:txBody>
+      </p:sp>
+      <p:sp>
+        <p:nvSpPr>
+          <p:cNvPr id="4" name="Slide Number Placeholder 3"/>
+          <p:cNvSpPr>
+            <a:spLocks noGrp="1"/>
+          </p:cNvSpPr>
+          <p:nvPr>
+            <p:ph type="sldNum" sz="quarter" idx="10"/>
+          </p:nvPr>
+        </p:nvSpPr>
+        <p:spPr/>
+        <p:txBody>
+          <a:bodyPr/>
+          <a:lstStyle/>
+          <a:p>
+            <a:fld id="{4A4B3646-101C-0C45-8140-ABF43D63AFD8}" type="slidenum">
+              <a:rPr lang="en-US" smtClean="0"/>
+              <a:t>20</a:t>
+            </a:fld>
+            <a:endParaRPr lang="en-US"/>
+          </a:p>
+        </p:txBody>
+      </p:sp>
+    </p:spTree>
+    <p:extLst>
+      <p:ext uri="{BB962C8B-B14F-4D97-AF65-F5344CB8AC3E}">
+        <p14:creationId xmlns:p14="http://schemas.microsoft.com/office/powerpoint/2010/main" val="1084681051"/>
+      </p:ext>
+    </p:extLst>
+  </p:cSld>
+  <p:clrMapOvr>
+    <a:masterClrMapping/>
+  </p:clrMapOvr>
+</p:notes>
+</file>
+
 <file path=ppt/slideLayouts/slideLayout1.xml><?xml version="1.0" encoding="utf-8"?>
 <p:sldLayout xmlns:a="http://schemas.openxmlformats.org/drawingml/2006/main" xmlns:r="http://schemas.openxmlformats.org/officeDocument/2006/relationships" xmlns:p="http://schemas.openxmlformats.org/presentationml/2006/main" type="title" preserve="1">
   <p:cSld name="Title Slide">
@@ -308,7 +764,7 @@
           <a:p>
             <a:fld id="{48A87A34-81AB-432B-8DAE-1953F412C126}" type="datetimeFigureOut">
               <a:rPr lang="en-US" smtClean="0"/>
-              <a:t>9/4/17</a:t>
+              <a:t>9/10/17</a:t>
             </a:fld>
             <a:endParaRPr lang="en-US" dirty="0"/>
           </a:p>
@@ -642,7 +1098,7 @@
             <a:fld id="{48A87A34-81AB-432B-8DAE-1953F412C126}" type="datetimeFigureOut">
               <a:rPr lang="en-US" smtClean="0"/>
               <a:pPr/>
-              <a:t>9/4/17</a:t>
+              <a:t>9/10/17</a:t>
             </a:fld>
             <a:endParaRPr lang="en-US" dirty="0"/>
           </a:p>
@@ -1040,7 +1496,7 @@
             <a:fld id="{48A87A34-81AB-432B-8DAE-1953F412C126}" type="datetimeFigureOut">
               <a:rPr lang="en-US" smtClean="0"/>
               <a:pPr/>
-              <a:t>9/4/17</a:t>
+              <a:t>9/10/17</a:t>
             </a:fld>
             <a:endParaRPr lang="en-US" dirty="0"/>
           </a:p>
@@ -1373,7 +1829,7 @@
             <a:fld id="{48A87A34-81AB-432B-8DAE-1953F412C126}" type="datetimeFigureOut">
               <a:rPr lang="en-US" smtClean="0"/>
               <a:pPr/>
-              <a:t>9/4/17</a:t>
+              <a:t>9/10/17</a:t>
             </a:fld>
             <a:endParaRPr lang="en-US" dirty="0"/>
           </a:p>
@@ -1690,7 +2146,7 @@
             <a:fld id="{48A87A34-81AB-432B-8DAE-1953F412C126}" type="datetimeFigureOut">
               <a:rPr lang="en-US" smtClean="0"/>
               <a:pPr/>
-              <a:t>9/4/17</a:t>
+              <a:t>9/10/17</a:t>
             </a:fld>
             <a:endParaRPr lang="en-US" dirty="0"/>
           </a:p>
@@ -2083,7 +2539,7 @@
             <a:fld id="{48A87A34-81AB-432B-8DAE-1953F412C126}" type="datetimeFigureOut">
               <a:rPr lang="en-US" smtClean="0"/>
               <a:pPr/>
-              <a:t>9/4/17</a:t>
+              <a:t>9/10/17</a:t>
             </a:fld>
             <a:endParaRPr lang="en-US" dirty="0"/>
           </a:p>
@@ -2336,7 +2792,7 @@
           <a:p>
             <a:fld id="{48A87A34-81AB-432B-8DAE-1953F412C126}" type="datetimeFigureOut">
               <a:rPr lang="en-US" smtClean="0"/>
-              <a:t>9/4/17</a:t>
+              <a:t>9/10/17</a:t>
             </a:fld>
             <a:endParaRPr lang="en-US" dirty="0"/>
           </a:p>
@@ -2593,7 +3049,7 @@
           <a:p>
             <a:fld id="{48A87A34-81AB-432B-8DAE-1953F412C126}" type="datetimeFigureOut">
               <a:rPr lang="en-US" smtClean="0"/>
-              <a:t>9/4/17</a:t>
+              <a:t>9/10/17</a:t>
             </a:fld>
             <a:endParaRPr lang="en-US" dirty="0"/>
           </a:p>
@@ -2850,7 +3306,7 @@
           <a:p>
             <a:fld id="{48A87A34-81AB-432B-8DAE-1953F412C126}" type="datetimeFigureOut">
               <a:rPr lang="en-US" smtClean="0"/>
-              <a:t>9/4/17</a:t>
+              <a:t>9/10/17</a:t>
             </a:fld>
             <a:endParaRPr lang="en-US" dirty="0"/>
           </a:p>
@@ -3174,7 +3630,7 @@
           <a:p>
             <a:fld id="{48A87A34-81AB-432B-8DAE-1953F412C126}" type="datetimeFigureOut">
               <a:rPr lang="en-US" smtClean="0"/>
-              <a:t>9/4/17</a:t>
+              <a:t>9/10/17</a:t>
             </a:fld>
             <a:endParaRPr lang="en-US" dirty="0"/>
           </a:p>
@@ -3492,7 +3948,7 @@
           <a:p>
             <a:fld id="{48A87A34-81AB-432B-8DAE-1953F412C126}" type="datetimeFigureOut">
               <a:rPr lang="en-US" smtClean="0"/>
-              <a:t>9/4/17</a:t>
+              <a:t>9/10/17</a:t>
             </a:fld>
             <a:endParaRPr lang="en-US" dirty="0"/>
           </a:p>
@@ -3944,7 +4400,7 @@
           <a:p>
             <a:fld id="{48A87A34-81AB-432B-8DAE-1953F412C126}" type="datetimeFigureOut">
               <a:rPr lang="en-US" smtClean="0"/>
-              <a:t>9/4/17</a:t>
+              <a:t>9/10/17</a:t>
             </a:fld>
             <a:endParaRPr lang="en-US" dirty="0"/>
           </a:p>
@@ -4144,7 +4600,7 @@
           <a:p>
             <a:fld id="{48A87A34-81AB-432B-8DAE-1953F412C126}" type="datetimeFigureOut">
               <a:rPr lang="en-US" smtClean="0"/>
-              <a:t>9/4/17</a:t>
+              <a:t>9/10/17</a:t>
             </a:fld>
             <a:endParaRPr lang="en-US" dirty="0"/>
           </a:p>
@@ -4316,7 +4772,7 @@
           <a:p>
             <a:fld id="{48A87A34-81AB-432B-8DAE-1953F412C126}" type="datetimeFigureOut">
               <a:rPr lang="en-US" smtClean="0"/>
-              <a:t>9/4/17</a:t>
+              <a:t>9/10/17</a:t>
             </a:fld>
             <a:endParaRPr lang="en-US" dirty="0"/>
           </a:p>
@@ -4644,7 +5100,7 @@
           <a:p>
             <a:fld id="{48A87A34-81AB-432B-8DAE-1953F412C126}" type="datetimeFigureOut">
               <a:rPr lang="en-US" smtClean="0"/>
-              <a:t>9/4/17</a:t>
+              <a:t>9/10/17</a:t>
             </a:fld>
             <a:endParaRPr lang="en-US" dirty="0"/>
           </a:p>
@@ -4984,7 +5440,7 @@
           <a:p>
             <a:fld id="{48A87A34-81AB-432B-8DAE-1953F412C126}" type="datetimeFigureOut">
               <a:rPr lang="en-US" smtClean="0"/>
-              <a:t>9/4/17</a:t>
+              <a:t>9/10/17</a:t>
             </a:fld>
             <a:endParaRPr lang="en-US" dirty="0"/>
           </a:p>
@@ -7097,7 +7553,7 @@
             <a:fld id="{48A87A34-81AB-432B-8DAE-1953F412C126}" type="datetimeFigureOut">
               <a:rPr lang="en-US" smtClean="0"/>
               <a:pPr/>
-              <a:t>9/4/17</a:t>
+              <a:t>9/10/17</a:t>
             </a:fld>
             <a:endParaRPr lang="en-US" dirty="0"/>
           </a:p>
@@ -7741,7 +8197,7 @@
 </p:sld>
 </file>
 
-<file path=ppt/slides/slide2.xml><?xml version="1.0" encoding="utf-8"?>
+<file path=ppt/slides/slide10.xml><?xml version="1.0" encoding="utf-8"?>
 <p:sld xmlns:a="http://schemas.openxmlformats.org/drawingml/2006/main" xmlns:r="http://schemas.openxmlformats.org/officeDocument/2006/relationships" xmlns:p="http://schemas.openxmlformats.org/presentationml/2006/main">
   <p:cSld>
     <p:spTree>
@@ -7774,851 +8230,6 @@
           <a:lstStyle/>
           <a:p>
             <a:r>
-              <a:rPr lang="en-US" altLang="zh-CN" dirty="0" smtClean="0"/>
-              <a:t>Instructors</a:t>
-            </a:r>
-            <a:endParaRPr lang="en-US" dirty="0"/>
-          </a:p>
-        </p:txBody>
-      </p:sp>
-      <p:sp>
-        <p:nvSpPr>
-          <p:cNvPr id="3" name="Content Placeholder 2"/>
-          <p:cNvSpPr>
-            <a:spLocks noGrp="1"/>
-          </p:cNvSpPr>
-          <p:nvPr>
-            <p:ph idx="1"/>
-          </p:nvPr>
-        </p:nvSpPr>
-        <p:spPr/>
-        <p:txBody>
-          <a:bodyPr/>
-          <a:lstStyle/>
-          <a:p>
-            <a:r>
-              <a:rPr lang="en-US" altLang="zh-CN" dirty="0" smtClean="0"/>
-              <a:t>Charles</a:t>
-            </a:r>
-            <a:r>
-              <a:rPr lang="zh-CN" altLang="en-US" dirty="0" smtClean="0"/>
-              <a:t> </a:t>
-            </a:r>
-            <a:r>
-              <a:rPr lang="en-US" altLang="zh-CN" dirty="0" smtClean="0"/>
-              <a:t>Cao</a:t>
-            </a:r>
-            <a:r>
-              <a:rPr lang="zh-CN" altLang="en-US" dirty="0" smtClean="0"/>
-              <a:t> </a:t>
-            </a:r>
-            <a:endParaRPr lang="en-US" altLang="zh-CN" dirty="0"/>
-          </a:p>
-          <a:p>
-            <a:pPr lvl="1"/>
-            <a:r>
-              <a:rPr lang="en-US" altLang="zh-CN" dirty="0" smtClean="0"/>
-              <a:t>Team</a:t>
-            </a:r>
-            <a:r>
-              <a:rPr lang="zh-CN" altLang="en-US" dirty="0" smtClean="0"/>
-              <a:t> </a:t>
-            </a:r>
-            <a:r>
-              <a:rPr lang="en-US" altLang="zh-CN" dirty="0" smtClean="0"/>
-              <a:t>leader</a:t>
-            </a:r>
-            <a:r>
-              <a:rPr lang="zh-CN" altLang="en-US" dirty="0" smtClean="0"/>
-              <a:t> </a:t>
-            </a:r>
-            <a:r>
-              <a:rPr lang="en-US" altLang="zh-CN" dirty="0" smtClean="0"/>
-              <a:t>of</a:t>
-            </a:r>
-            <a:r>
-              <a:rPr lang="zh-CN" altLang="en-US" dirty="0" smtClean="0"/>
-              <a:t> </a:t>
-            </a:r>
-            <a:r>
-              <a:rPr lang="en-US" altLang="zh-CN" dirty="0" err="1" smtClean="0"/>
-              <a:t>Paysafe</a:t>
-            </a:r>
-            <a:endParaRPr lang="en-US" altLang="zh-CN" dirty="0" smtClean="0"/>
-          </a:p>
-          <a:p>
-            <a:pPr lvl="1"/>
-            <a:r>
-              <a:rPr lang="en-US" altLang="zh-CN" dirty="0" smtClean="0"/>
-              <a:t>Founder</a:t>
-            </a:r>
-            <a:r>
-              <a:rPr lang="zh-CN" altLang="en-US" dirty="0" smtClean="0"/>
-              <a:t> </a:t>
-            </a:r>
-            <a:r>
-              <a:rPr lang="en-US" altLang="zh-CN" dirty="0" smtClean="0"/>
-              <a:t>of</a:t>
-            </a:r>
-            <a:r>
-              <a:rPr lang="zh-CN" altLang="en-US" dirty="0" smtClean="0"/>
-              <a:t> </a:t>
-            </a:r>
-            <a:r>
-              <a:rPr lang="en-US" altLang="zh-CN" dirty="0" err="1" smtClean="0"/>
-              <a:t>ECVictor</a:t>
-            </a:r>
-            <a:r>
-              <a:rPr lang="zh-CN" altLang="en-US" dirty="0" smtClean="0"/>
-              <a:t> </a:t>
-            </a:r>
-            <a:endParaRPr lang="en-US" altLang="zh-CN" dirty="0" smtClean="0"/>
-          </a:p>
-          <a:p>
-            <a:pPr lvl="1"/>
-            <a:r>
-              <a:rPr lang="en-US" altLang="zh-CN" dirty="0" smtClean="0"/>
-              <a:t>10+</a:t>
-            </a:r>
-            <a:r>
-              <a:rPr lang="zh-CN" altLang="en-US" dirty="0" smtClean="0"/>
-              <a:t> </a:t>
-            </a:r>
-            <a:r>
-              <a:rPr lang="en-US" altLang="zh-CN" dirty="0" smtClean="0"/>
-              <a:t>software</a:t>
-            </a:r>
-            <a:r>
-              <a:rPr lang="zh-CN" altLang="en-US" dirty="0" smtClean="0"/>
-              <a:t> </a:t>
-            </a:r>
-            <a:r>
-              <a:rPr lang="en-US" altLang="zh-CN" dirty="0" smtClean="0"/>
-              <a:t>development</a:t>
-            </a:r>
-            <a:r>
-              <a:rPr lang="zh-CN" altLang="en-US" dirty="0" smtClean="0"/>
-              <a:t> </a:t>
-            </a:r>
-            <a:r>
-              <a:rPr lang="en-US" altLang="zh-CN" dirty="0" smtClean="0"/>
-              <a:t>experience</a:t>
-            </a:r>
-          </a:p>
-          <a:p>
-            <a:r>
-              <a:rPr lang="en-US" altLang="zh-CN" dirty="0" smtClean="0"/>
-              <a:t>Tony</a:t>
-            </a:r>
-            <a:r>
-              <a:rPr lang="zh-CN" altLang="en-US" dirty="0" smtClean="0"/>
-              <a:t> </a:t>
-            </a:r>
-            <a:r>
-              <a:rPr lang="en-US" altLang="zh-CN" dirty="0" smtClean="0"/>
-              <a:t>Deng</a:t>
-            </a:r>
-          </a:p>
-          <a:p>
-            <a:pPr lvl="1"/>
-            <a:r>
-              <a:rPr lang="en-US" altLang="zh-CN" dirty="0" err="1" smtClean="0"/>
-              <a:t>Phd</a:t>
-            </a:r>
-            <a:endParaRPr lang="en-US" altLang="zh-CN" dirty="0" smtClean="0"/>
-          </a:p>
-          <a:p>
-            <a:pPr lvl="1"/>
-            <a:r>
-              <a:rPr lang="en-US" altLang="zh-CN" dirty="0" smtClean="0"/>
-              <a:t>Data</a:t>
-            </a:r>
-            <a:r>
-              <a:rPr lang="zh-CN" altLang="en-US" dirty="0" smtClean="0"/>
-              <a:t> </a:t>
-            </a:r>
-            <a:r>
-              <a:rPr lang="en-US" altLang="zh-CN" dirty="0" smtClean="0"/>
-              <a:t>scientist</a:t>
-            </a:r>
-          </a:p>
-          <a:p>
-            <a:r>
-              <a:rPr lang="en-US" altLang="zh-CN" dirty="0" smtClean="0"/>
-              <a:t>Richard</a:t>
-            </a:r>
-            <a:r>
-              <a:rPr lang="zh-CN" altLang="en-US" dirty="0" smtClean="0"/>
-              <a:t> </a:t>
-            </a:r>
-            <a:r>
-              <a:rPr lang="en-US" altLang="zh-CN" dirty="0" smtClean="0"/>
-              <a:t>Yan</a:t>
-            </a:r>
-          </a:p>
-          <a:p>
-            <a:pPr lvl="1"/>
-            <a:r>
-              <a:rPr lang="en-US" altLang="zh-CN" dirty="0" smtClean="0"/>
-              <a:t>Senior</a:t>
-            </a:r>
-            <a:r>
-              <a:rPr lang="zh-CN" altLang="en-US" dirty="0" smtClean="0"/>
-              <a:t> </a:t>
-            </a:r>
-            <a:r>
-              <a:rPr lang="en-US" altLang="zh-CN" dirty="0" smtClean="0"/>
-              <a:t>python</a:t>
-            </a:r>
-            <a:r>
-              <a:rPr lang="zh-CN" altLang="en-US" dirty="0" smtClean="0"/>
-              <a:t> </a:t>
-            </a:r>
-            <a:r>
-              <a:rPr lang="en-US" altLang="zh-CN" dirty="0" smtClean="0"/>
-              <a:t>developer</a:t>
-            </a:r>
-          </a:p>
-          <a:p>
-            <a:endParaRPr lang="en-US" dirty="0"/>
-          </a:p>
-        </p:txBody>
-      </p:sp>
-    </p:spTree>
-    <p:extLst>
-      <p:ext uri="{BB962C8B-B14F-4D97-AF65-F5344CB8AC3E}">
-        <p14:creationId xmlns:p14="http://schemas.microsoft.com/office/powerpoint/2010/main" val="1058489052"/>
-      </p:ext>
-    </p:extLst>
-  </p:cSld>
-  <p:clrMapOvr>
-    <a:masterClrMapping/>
-  </p:clrMapOvr>
-</p:sld>
-</file>
-
-<file path=ppt/slides/slide3.xml><?xml version="1.0" encoding="utf-8"?>
-<p:sld xmlns:a="http://schemas.openxmlformats.org/drawingml/2006/main" xmlns:r="http://schemas.openxmlformats.org/officeDocument/2006/relationships" xmlns:p="http://schemas.openxmlformats.org/presentationml/2006/main">
-  <p:cSld>
-    <p:spTree>
-      <p:nvGrpSpPr>
-        <p:cNvPr id="1" name=""/>
-        <p:cNvGrpSpPr/>
-        <p:nvPr/>
-      </p:nvGrpSpPr>
-      <p:grpSpPr>
-        <a:xfrm>
-          <a:off x="0" y="0"/>
-          <a:ext cx="0" cy="0"/>
-          <a:chOff x="0" y="0"/>
-          <a:chExt cx="0" cy="0"/>
-        </a:xfrm>
-      </p:grpSpPr>
-      <p:sp>
-        <p:nvSpPr>
-          <p:cNvPr id="2" name="Title 1"/>
-          <p:cNvSpPr>
-            <a:spLocks noGrp="1"/>
-          </p:cNvSpPr>
-          <p:nvPr>
-            <p:ph type="title"/>
-          </p:nvPr>
-        </p:nvSpPr>
-        <p:spPr/>
-        <p:txBody>
-          <a:bodyPr/>
-          <a:lstStyle/>
-          <a:p>
-            <a:r>
-              <a:rPr lang="en-US" b="1" dirty="0"/>
-              <a:t>History of Python</a:t>
-            </a:r>
-            <a:br>
-              <a:rPr lang="en-US" b="1" dirty="0"/>
-            </a:br>
-            <a:endParaRPr lang="en-US" dirty="0"/>
-          </a:p>
-        </p:txBody>
-      </p:sp>
-      <p:sp>
-        <p:nvSpPr>
-          <p:cNvPr id="3" name="Content Placeholder 2"/>
-          <p:cNvSpPr>
-            <a:spLocks noGrp="1"/>
-          </p:cNvSpPr>
-          <p:nvPr>
-            <p:ph idx="1"/>
-          </p:nvPr>
-        </p:nvSpPr>
-        <p:spPr/>
-        <p:txBody>
-          <a:bodyPr/>
-          <a:lstStyle/>
-          <a:p>
-            <a:r>
-              <a:rPr lang="en-US" b="1" dirty="0"/>
-              <a:t>Why Python was created?</a:t>
-            </a:r>
-          </a:p>
-          <a:p>
-            <a:r>
-              <a:rPr lang="en-US" dirty="0"/>
-              <a:t>In late 1980s, Guido Van Rossum was working on the Amoeba distributed operating system group. He wanted to use an interpreted language like ABC (ABC has simple easy-to-understand syntax) that could access the Amoeba system calls. So, he decided to create a language that was extensible. This led to a design of new language which was later named Python</a:t>
-            </a:r>
-            <a:r>
-              <a:rPr lang="en-US" dirty="0" smtClean="0"/>
-              <a:t>.</a:t>
-            </a:r>
-          </a:p>
-        </p:txBody>
-      </p:sp>
-    </p:spTree>
-    <p:extLst>
-      <p:ext uri="{BB962C8B-B14F-4D97-AF65-F5344CB8AC3E}">
-        <p14:creationId xmlns:p14="http://schemas.microsoft.com/office/powerpoint/2010/main" val="327591675"/>
-      </p:ext>
-    </p:extLst>
-  </p:cSld>
-  <p:clrMapOvr>
-    <a:masterClrMapping/>
-  </p:clrMapOvr>
-</p:sld>
-</file>
-
-<file path=ppt/slides/slide4.xml><?xml version="1.0" encoding="utf-8"?>
-<p:sld xmlns:a="http://schemas.openxmlformats.org/drawingml/2006/main" xmlns:r="http://schemas.openxmlformats.org/officeDocument/2006/relationships" xmlns:p="http://schemas.openxmlformats.org/presentationml/2006/main">
-  <p:cSld>
-    <p:spTree>
-      <p:nvGrpSpPr>
-        <p:cNvPr id="1" name=""/>
-        <p:cNvGrpSpPr/>
-        <p:nvPr/>
-      </p:nvGrpSpPr>
-      <p:grpSpPr>
-        <a:xfrm>
-          <a:off x="0" y="0"/>
-          <a:ext cx="0" cy="0"/>
-          <a:chOff x="0" y="0"/>
-          <a:chExt cx="0" cy="0"/>
-        </a:xfrm>
-      </p:grpSpPr>
-      <p:sp>
-        <p:nvSpPr>
-          <p:cNvPr id="2" name="Title 1"/>
-          <p:cNvSpPr>
-            <a:spLocks noGrp="1"/>
-          </p:cNvSpPr>
-          <p:nvPr>
-            <p:ph type="title"/>
-          </p:nvPr>
-        </p:nvSpPr>
-        <p:spPr/>
-        <p:txBody>
-          <a:bodyPr/>
-          <a:lstStyle/>
-          <a:p>
-            <a:r>
-              <a:rPr lang="en-US" b="1" dirty="0"/>
-              <a:t>Release Dates of Different Versions</a:t>
-            </a:r>
-            <a:br>
-              <a:rPr lang="en-US" b="1" dirty="0"/>
-            </a:br>
-            <a:endParaRPr lang="en-US" dirty="0"/>
-          </a:p>
-        </p:txBody>
-      </p:sp>
-      <p:graphicFrame>
-        <p:nvGraphicFramePr>
-          <p:cNvPr id="4" name="Content Placeholder 3"/>
-          <p:cNvGraphicFramePr>
-            <a:graphicFrameLocks noGrp="1"/>
-          </p:cNvGraphicFramePr>
-          <p:nvPr>
-            <p:ph idx="1"/>
-            <p:extLst>
-              <p:ext uri="{D42A27DB-BD31-4B8C-83A1-F6EECF244321}">
-                <p14:modId xmlns:p14="http://schemas.microsoft.com/office/powerpoint/2010/main" val="1390491800"/>
-              </p:ext>
-            </p:extLst>
-          </p:nvPr>
-        </p:nvGraphicFramePr>
-        <p:xfrm>
-          <a:off x="2589213" y="2788285"/>
-          <a:ext cx="8915400" cy="2468880"/>
-        </p:xfrm>
-        <a:graphic>
-          <a:graphicData uri="http://schemas.openxmlformats.org/drawingml/2006/table">
-            <a:tbl>
-              <a:tblPr/>
-              <a:tblGrid>
-                <a:gridCol w="4457700"/>
-                <a:gridCol w="4457700"/>
-              </a:tblGrid>
-              <a:tr h="0">
-                <a:tc>
-                  <a:txBody>
-                    <a:bodyPr/>
-                    <a:lstStyle/>
-                    <a:p>
-                      <a:r>
-                        <a:rPr lang="en-US"/>
-                        <a:t>Python 1.0 (first standard release)</a:t>
-                      </a:r>
-                      <a:br>
-                        <a:rPr lang="en-US"/>
-                      </a:br>
-                      <a:r>
-                        <a:rPr lang="en-US"/>
-                        <a:t>Python 1.6 (Last minor version)</a:t>
-                      </a:r>
-                    </a:p>
-                  </a:txBody>
-                  <a:tcPr anchor="ctr">
-                    <a:lnL>
-                      <a:noFill/>
-                    </a:lnL>
-                    <a:lnR>
-                      <a:noFill/>
-                    </a:lnR>
-                    <a:lnT>
-                      <a:noFill/>
-                    </a:lnT>
-                    <a:lnB>
-                      <a:noFill/>
-                    </a:lnB>
-                  </a:tcPr>
-                </a:tc>
-                <a:tc>
-                  <a:txBody>
-                    <a:bodyPr/>
-                    <a:lstStyle/>
-                    <a:p>
-                      <a:r>
-                        <a:rPr lang="en-US"/>
-                        <a:t>January 1994</a:t>
-                      </a:r>
-                      <a:br>
-                        <a:rPr lang="en-US"/>
-                      </a:br>
-                      <a:r>
-                        <a:rPr lang="en-US"/>
-                        <a:t>September 5, 2000</a:t>
-                      </a:r>
-                    </a:p>
-                  </a:txBody>
-                  <a:tcPr anchor="ctr">
-                    <a:lnL>
-                      <a:noFill/>
-                    </a:lnL>
-                    <a:lnR>
-                      <a:noFill/>
-                    </a:lnR>
-                    <a:lnT>
-                      <a:noFill/>
-                    </a:lnT>
-                    <a:lnB>
-                      <a:noFill/>
-                    </a:lnB>
-                  </a:tcPr>
-                </a:tc>
-              </a:tr>
-              <a:tr h="0">
-                <a:tc>
-                  <a:txBody>
-                    <a:bodyPr/>
-                    <a:lstStyle/>
-                    <a:p>
-                      <a:r>
-                        <a:rPr lang="en-US"/>
-                        <a:t>Python 2.0 (Introduced list comprehensions)</a:t>
-                      </a:r>
-                      <a:br>
-                        <a:rPr lang="en-US"/>
-                      </a:br>
-                      <a:r>
-                        <a:rPr lang="en-US"/>
-                        <a:t>Python 2.7 (Last minor version)</a:t>
-                      </a:r>
-                    </a:p>
-                  </a:txBody>
-                  <a:tcPr anchor="ctr">
-                    <a:lnL>
-                      <a:noFill/>
-                    </a:lnL>
-                    <a:lnR>
-                      <a:noFill/>
-                    </a:lnR>
-                    <a:lnT>
-                      <a:noFill/>
-                    </a:lnT>
-                    <a:lnB>
-                      <a:noFill/>
-                    </a:lnB>
-                  </a:tcPr>
-                </a:tc>
-                <a:tc>
-                  <a:txBody>
-                    <a:bodyPr/>
-                    <a:lstStyle/>
-                    <a:p>
-                      <a:r>
-                        <a:rPr lang="en-US"/>
-                        <a:t>October 16, 2000</a:t>
-                      </a:r>
-                      <a:br>
-                        <a:rPr lang="en-US"/>
-                      </a:br>
-                      <a:r>
-                        <a:rPr lang="en-US"/>
-                        <a:t>July 3, 2010</a:t>
-                      </a:r>
-                    </a:p>
-                  </a:txBody>
-                  <a:tcPr anchor="ctr">
-                    <a:lnL>
-                      <a:noFill/>
-                    </a:lnL>
-                    <a:lnR>
-                      <a:noFill/>
-                    </a:lnR>
-                    <a:lnT>
-                      <a:noFill/>
-                    </a:lnT>
-                    <a:lnB>
-                      <a:noFill/>
-                    </a:lnB>
-                  </a:tcPr>
-                </a:tc>
-              </a:tr>
-              <a:tr h="0">
-                <a:tc>
-                  <a:txBody>
-                    <a:bodyPr/>
-                    <a:lstStyle/>
-                    <a:p>
-                      <a:r>
-                        <a:rPr lang="en-US" dirty="0"/>
-                        <a:t>Python 3.0 (Emphasis on removing duplicative constructs and module)</a:t>
-                      </a:r>
-                      <a:br>
-                        <a:rPr lang="en-US" dirty="0"/>
-                      </a:br>
-                      <a:r>
-                        <a:rPr lang="en-US" dirty="0"/>
-                        <a:t>Python </a:t>
-                      </a:r>
-                      <a:r>
-                        <a:rPr lang="en-US" dirty="0" smtClean="0"/>
-                        <a:t>3.</a:t>
-                      </a:r>
-                      <a:r>
-                        <a:rPr lang="en-US" altLang="zh-CN" dirty="0" smtClean="0"/>
-                        <a:t>6.2</a:t>
-                      </a:r>
-                      <a:r>
-                        <a:rPr lang="en-US" dirty="0" smtClean="0"/>
-                        <a:t> </a:t>
-                      </a:r>
-                      <a:r>
-                        <a:rPr lang="en-US" dirty="0"/>
-                        <a:t>(Last updated version)</a:t>
-                      </a:r>
-                    </a:p>
-                  </a:txBody>
-                  <a:tcPr anchor="ctr">
-                    <a:lnL>
-                      <a:noFill/>
-                    </a:lnL>
-                    <a:lnR>
-                      <a:noFill/>
-                    </a:lnR>
-                    <a:lnT>
-                      <a:noFill/>
-                    </a:lnT>
-                    <a:lnB>
-                      <a:noFill/>
-                    </a:lnB>
-                  </a:tcPr>
-                </a:tc>
-                <a:tc>
-                  <a:txBody>
-                    <a:bodyPr/>
-                    <a:lstStyle/>
-                    <a:p>
-                      <a:r>
-                        <a:rPr lang="is-IS" dirty="0"/>
-                        <a:t>December 3, 2008</a:t>
-                      </a:r>
-                      <a:br>
-                        <a:rPr lang="is-IS" dirty="0"/>
-                      </a:br>
-                      <a:r>
-                        <a:rPr lang="is-IS" dirty="0" smtClean="0"/>
-                        <a:t>December 1</a:t>
-                      </a:r>
-                      <a:r>
-                        <a:rPr lang="en-US" altLang="zh-CN" dirty="0" smtClean="0"/>
-                        <a:t>2</a:t>
-                      </a:r>
-                      <a:r>
-                        <a:rPr lang="is-IS" dirty="0" smtClean="0"/>
-                        <a:t>, 201</a:t>
-                      </a:r>
-                      <a:r>
-                        <a:rPr lang="en-US" altLang="zh-CN" dirty="0" smtClean="0"/>
-                        <a:t>6</a:t>
-                      </a:r>
-                      <a:endParaRPr lang="is-IS" dirty="0"/>
-                    </a:p>
-                  </a:txBody>
-                  <a:tcPr anchor="ctr">
-                    <a:lnL>
-                      <a:noFill/>
-                    </a:lnL>
-                    <a:lnR>
-                      <a:noFill/>
-                    </a:lnR>
-                    <a:lnT>
-                      <a:noFill/>
-                    </a:lnT>
-                    <a:lnB>
-                      <a:noFill/>
-                    </a:lnB>
-                  </a:tcPr>
-                </a:tc>
-              </a:tr>
-            </a:tbl>
-          </a:graphicData>
-        </a:graphic>
-      </p:graphicFrame>
-    </p:spTree>
-    <p:extLst>
-      <p:ext uri="{BB962C8B-B14F-4D97-AF65-F5344CB8AC3E}">
-        <p14:creationId xmlns:p14="http://schemas.microsoft.com/office/powerpoint/2010/main" val="879385016"/>
-      </p:ext>
-    </p:extLst>
-  </p:cSld>
-  <p:clrMapOvr>
-    <a:masterClrMapping/>
-  </p:clrMapOvr>
-</p:sld>
-</file>
-
-<file path=ppt/slides/slide5.xml><?xml version="1.0" encoding="utf-8"?>
-<p:sld xmlns:a="http://schemas.openxmlformats.org/drawingml/2006/main" xmlns:r="http://schemas.openxmlformats.org/officeDocument/2006/relationships" xmlns:p="http://schemas.openxmlformats.org/presentationml/2006/main">
-  <p:cSld>
-    <p:spTree>
-      <p:nvGrpSpPr>
-        <p:cNvPr id="1" name=""/>
-        <p:cNvGrpSpPr/>
-        <p:nvPr/>
-      </p:nvGrpSpPr>
-      <p:grpSpPr>
-        <a:xfrm>
-          <a:off x="0" y="0"/>
-          <a:ext cx="0" cy="0"/>
-          <a:chOff x="0" y="0"/>
-          <a:chExt cx="0" cy="0"/>
-        </a:xfrm>
-      </p:grpSpPr>
-      <p:sp>
-        <p:nvSpPr>
-          <p:cNvPr id="2" name="Title 1"/>
-          <p:cNvSpPr>
-            <a:spLocks noGrp="1"/>
-          </p:cNvSpPr>
-          <p:nvPr>
-            <p:ph type="title"/>
-          </p:nvPr>
-        </p:nvSpPr>
-        <p:spPr/>
-        <p:txBody>
-          <a:bodyPr/>
-          <a:lstStyle/>
-          <a:p>
-            <a:r>
-              <a:rPr lang="en-US" b="1" dirty="0"/>
-              <a:t>Run Python on Your Operating System</a:t>
-            </a:r>
-            <a:br>
-              <a:rPr lang="en-US" b="1" dirty="0"/>
-            </a:br>
-            <a:endParaRPr lang="en-US" dirty="0"/>
-          </a:p>
-        </p:txBody>
-      </p:sp>
-      <p:sp>
-        <p:nvSpPr>
-          <p:cNvPr id="3" name="Content Placeholder 2"/>
-          <p:cNvSpPr>
-            <a:spLocks noGrp="1"/>
-          </p:cNvSpPr>
-          <p:nvPr>
-            <p:ph idx="1"/>
-          </p:nvPr>
-        </p:nvSpPr>
-        <p:spPr/>
-        <p:txBody>
-          <a:bodyPr/>
-          <a:lstStyle/>
-          <a:p>
-            <a:r>
-              <a:rPr lang="en-US" dirty="0">
-                <a:hlinkClick r:id="rId2"/>
-              </a:rPr>
-              <a:t>https://www.python.org/downloads/release/python-362</a:t>
-            </a:r>
-            <a:r>
-              <a:rPr lang="en-US" dirty="0" smtClean="0">
-                <a:hlinkClick r:id="rId2"/>
-              </a:rPr>
-              <a:t>/</a:t>
-            </a:r>
-            <a:endParaRPr lang="en-US" dirty="0" smtClean="0"/>
-          </a:p>
-          <a:p>
-            <a:r>
-              <a:rPr lang="en-US" dirty="0"/>
-              <a:t>When the download is complete, open the package and follow the instructions. </a:t>
-            </a:r>
-            <a:r>
-              <a:rPr lang="en-US"/>
-              <a:t>You will see "The installation was successful" message when Python is successfully installed.</a:t>
-            </a:r>
-          </a:p>
-        </p:txBody>
-      </p:sp>
-    </p:spTree>
-    <p:extLst>
-      <p:ext uri="{BB962C8B-B14F-4D97-AF65-F5344CB8AC3E}">
-        <p14:creationId xmlns:p14="http://schemas.microsoft.com/office/powerpoint/2010/main" val="1178005812"/>
-      </p:ext>
-    </p:extLst>
-  </p:cSld>
-  <p:clrMapOvr>
-    <a:masterClrMapping/>
-  </p:clrMapOvr>
-</p:sld>
-</file>
-
-<file path=ppt/slides/slide6.xml><?xml version="1.0" encoding="utf-8"?>
-<p:sld xmlns:a="http://schemas.openxmlformats.org/drawingml/2006/main" xmlns:r="http://schemas.openxmlformats.org/officeDocument/2006/relationships" xmlns:p="http://schemas.openxmlformats.org/presentationml/2006/main">
-  <p:cSld>
-    <p:spTree>
-      <p:nvGrpSpPr>
-        <p:cNvPr id="1" name=""/>
-        <p:cNvGrpSpPr/>
-        <p:nvPr/>
-      </p:nvGrpSpPr>
-      <p:grpSpPr>
-        <a:xfrm>
-          <a:off x="0" y="0"/>
-          <a:ext cx="0" cy="0"/>
-          <a:chOff x="0" y="0"/>
-          <a:chExt cx="0" cy="0"/>
-        </a:xfrm>
-      </p:grpSpPr>
-      <p:sp>
-        <p:nvSpPr>
-          <p:cNvPr id="2" name="Title 1"/>
-          <p:cNvSpPr>
-            <a:spLocks noGrp="1"/>
-          </p:cNvSpPr>
-          <p:nvPr>
-            <p:ph type="title"/>
-          </p:nvPr>
-        </p:nvSpPr>
-        <p:spPr/>
-        <p:txBody>
-          <a:bodyPr/>
-          <a:lstStyle/>
-          <a:p>
-            <a:r>
-              <a:rPr lang="en-US" b="1" dirty="0"/>
-              <a:t>Hello World </a:t>
-            </a:r>
-            <a:r>
-              <a:rPr lang="en-US" b="1" dirty="0" smtClean="0"/>
-              <a:t>Example</a:t>
-            </a:r>
-            <a:endParaRPr lang="en-US" dirty="0"/>
-          </a:p>
-        </p:txBody>
-      </p:sp>
-      <p:sp>
-        <p:nvSpPr>
-          <p:cNvPr id="3" name="Content Placeholder 2"/>
-          <p:cNvSpPr>
-            <a:spLocks noGrp="1"/>
-          </p:cNvSpPr>
-          <p:nvPr>
-            <p:ph idx="1"/>
-          </p:nvPr>
-        </p:nvSpPr>
-        <p:spPr/>
-        <p:txBody>
-          <a:bodyPr/>
-          <a:lstStyle/>
-          <a:p>
-            <a:r>
-              <a:rPr lang="en-US" dirty="0"/>
-              <a:t>print("Hello world</a:t>
-            </a:r>
-            <a:r>
-              <a:rPr lang="en-US" dirty="0" smtClean="0"/>
-              <a:t>!")</a:t>
-            </a:r>
-            <a:endParaRPr lang="en-US" dirty="0"/>
-          </a:p>
-        </p:txBody>
-      </p:sp>
-    </p:spTree>
-    <p:extLst>
-      <p:ext uri="{BB962C8B-B14F-4D97-AF65-F5344CB8AC3E}">
-        <p14:creationId xmlns:p14="http://schemas.microsoft.com/office/powerpoint/2010/main" val="943940222"/>
-      </p:ext>
-    </p:extLst>
-  </p:cSld>
-  <p:clrMapOvr>
-    <a:masterClrMapping/>
-  </p:clrMapOvr>
-</p:sld>
-</file>
-
-<file path=ppt/slides/slide7.xml><?xml version="1.0" encoding="utf-8"?>
-<p:sld xmlns:a="http://schemas.openxmlformats.org/drawingml/2006/main" xmlns:r="http://schemas.openxmlformats.org/officeDocument/2006/relationships" xmlns:p="http://schemas.openxmlformats.org/presentationml/2006/main">
-  <p:cSld>
-    <p:spTree>
-      <p:nvGrpSpPr>
-        <p:cNvPr id="1" name=""/>
-        <p:cNvGrpSpPr/>
-        <p:nvPr/>
-      </p:nvGrpSpPr>
-      <p:grpSpPr>
-        <a:xfrm>
-          <a:off x="0" y="0"/>
-          <a:ext cx="0" cy="0"/>
-          <a:chOff x="0" y="0"/>
-          <a:chExt cx="0" cy="0"/>
-        </a:xfrm>
-      </p:grpSpPr>
-      <p:sp>
-        <p:nvSpPr>
-          <p:cNvPr id="2" name="Title 1"/>
-          <p:cNvSpPr>
-            <a:spLocks noGrp="1"/>
-          </p:cNvSpPr>
-          <p:nvPr>
-            <p:ph type="title"/>
-          </p:nvPr>
-        </p:nvSpPr>
-        <p:spPr/>
-        <p:txBody>
-          <a:bodyPr/>
-          <a:lstStyle/>
-          <a:p>
-            <a:r>
               <a:rPr lang="en-US" b="1" dirty="0"/>
               <a:t>Python Keywords</a:t>
             </a:r>
@@ -8731,7 +8342,7 @@
 </p:sld>
 </file>
 
-<file path=ppt/slides/slide8.xml><?xml version="1.0" encoding="utf-8"?>
+<file path=ppt/slides/slide11.xml><?xml version="1.0" encoding="utf-8"?>
 <p:sld xmlns:a="http://schemas.openxmlformats.org/drawingml/2006/main" xmlns:r="http://schemas.openxmlformats.org/officeDocument/2006/relationships" xmlns:p="http://schemas.openxmlformats.org/presentationml/2006/main">
   <p:cSld>
     <p:spTree>
@@ -8837,6 +8448,5593 @@
 </p:sld>
 </file>
 
+<file path=ppt/slides/slide12.xml><?xml version="1.0" encoding="utf-8"?>
+<p:sld xmlns:a="http://schemas.openxmlformats.org/drawingml/2006/main" xmlns:r="http://schemas.openxmlformats.org/officeDocument/2006/relationships" xmlns:p="http://schemas.openxmlformats.org/presentationml/2006/main">
+  <p:cSld>
+    <p:spTree>
+      <p:nvGrpSpPr>
+        <p:cNvPr id="1" name=""/>
+        <p:cNvGrpSpPr/>
+        <p:nvPr/>
+      </p:nvGrpSpPr>
+      <p:grpSpPr>
+        <a:xfrm>
+          <a:off x="0" y="0"/>
+          <a:ext cx="0" cy="0"/>
+          <a:chOff x="0" y="0"/>
+          <a:chExt cx="0" cy="0"/>
+        </a:xfrm>
+      </p:grpSpPr>
+      <p:sp>
+        <p:nvSpPr>
+          <p:cNvPr id="2" name="Title 1"/>
+          <p:cNvSpPr>
+            <a:spLocks noGrp="1"/>
+          </p:cNvSpPr>
+          <p:nvPr>
+            <p:ph type="title"/>
+          </p:nvPr>
+        </p:nvSpPr>
+        <p:spPr/>
+        <p:txBody>
+          <a:bodyPr/>
+          <a:lstStyle/>
+          <a:p>
+            <a:r>
+              <a:rPr lang="en-US" b="1" dirty="0"/>
+              <a:t>Python Comments</a:t>
+            </a:r>
+            <a:br>
+              <a:rPr lang="en-US" b="1" dirty="0"/>
+            </a:br>
+            <a:endParaRPr lang="en-US" dirty="0"/>
+          </a:p>
+        </p:txBody>
+      </p:sp>
+      <p:sp>
+        <p:nvSpPr>
+          <p:cNvPr id="3" name="Content Placeholder 2"/>
+          <p:cNvSpPr>
+            <a:spLocks noGrp="1"/>
+          </p:cNvSpPr>
+          <p:nvPr>
+            <p:ph idx="1"/>
+          </p:nvPr>
+        </p:nvSpPr>
+        <p:spPr/>
+        <p:txBody>
+          <a:bodyPr/>
+          <a:lstStyle/>
+          <a:p>
+            <a:endParaRPr lang="en-US" dirty="0" smtClean="0"/>
+          </a:p>
+          <a:p>
+            <a:r>
+              <a:rPr lang="en-US" dirty="0"/>
+              <a:t>#This is a comment </a:t>
+            </a:r>
+            <a:endParaRPr lang="en-US" dirty="0" smtClean="0"/>
+          </a:p>
+          <a:p>
+            <a:r>
+              <a:rPr lang="en-US" smtClean="0"/>
+              <a:t>#</a:t>
+            </a:r>
+            <a:r>
+              <a:rPr lang="en-US"/>
+              <a:t>print out Hello </a:t>
+            </a:r>
+            <a:endParaRPr lang="en-US" smtClean="0"/>
+          </a:p>
+          <a:p>
+            <a:r>
+              <a:rPr lang="en-US" smtClean="0"/>
+              <a:t>print</a:t>
+            </a:r>
+            <a:r>
+              <a:rPr lang="en-US"/>
+              <a:t>('Hello')</a:t>
+            </a:r>
+            <a:endParaRPr lang="en-US" dirty="0" smtClean="0"/>
+          </a:p>
+          <a:p>
+            <a:endParaRPr lang="en-US" dirty="0"/>
+          </a:p>
+          <a:p>
+            <a:endParaRPr lang="en-US" dirty="0"/>
+          </a:p>
+          <a:p>
+            <a:r>
+              <a:rPr lang="en-US" dirty="0"/>
+              <a:t>#This is a long comment </a:t>
+            </a:r>
+            <a:endParaRPr lang="en-US" dirty="0" smtClean="0"/>
+          </a:p>
+          <a:p>
+            <a:r>
+              <a:rPr lang="en-US" dirty="0" smtClean="0"/>
+              <a:t>#</a:t>
+            </a:r>
+            <a:r>
+              <a:rPr lang="en-US" dirty="0"/>
+              <a:t>and it extends </a:t>
+            </a:r>
+            <a:endParaRPr lang="en-US" dirty="0" smtClean="0"/>
+          </a:p>
+          <a:p>
+            <a:r>
+              <a:rPr lang="en-US" dirty="0" smtClean="0"/>
+              <a:t>#</a:t>
+            </a:r>
+            <a:r>
+              <a:rPr lang="en-US" dirty="0"/>
+              <a:t>to multiple lines</a:t>
+            </a:r>
+          </a:p>
+        </p:txBody>
+      </p:sp>
+    </p:spTree>
+    <p:extLst>
+      <p:ext uri="{BB962C8B-B14F-4D97-AF65-F5344CB8AC3E}">
+        <p14:creationId xmlns:p14="http://schemas.microsoft.com/office/powerpoint/2010/main" val="1132633606"/>
+      </p:ext>
+    </p:extLst>
+  </p:cSld>
+  <p:clrMapOvr>
+    <a:masterClrMapping/>
+  </p:clrMapOvr>
+</p:sld>
+</file>
+
+<file path=ppt/slides/slide13.xml><?xml version="1.0" encoding="utf-8"?>
+<p:sld xmlns:a="http://schemas.openxmlformats.org/drawingml/2006/main" xmlns:r="http://schemas.openxmlformats.org/officeDocument/2006/relationships" xmlns:p="http://schemas.openxmlformats.org/presentationml/2006/main">
+  <p:cSld>
+    <p:spTree>
+      <p:nvGrpSpPr>
+        <p:cNvPr id="1" name=""/>
+        <p:cNvGrpSpPr/>
+        <p:nvPr/>
+      </p:nvGrpSpPr>
+      <p:grpSpPr>
+        <a:xfrm>
+          <a:off x="0" y="0"/>
+          <a:ext cx="0" cy="0"/>
+          <a:chOff x="0" y="0"/>
+          <a:chExt cx="0" cy="0"/>
+        </a:xfrm>
+      </p:grpSpPr>
+      <p:sp>
+        <p:nvSpPr>
+          <p:cNvPr id="2" name="Title 1"/>
+          <p:cNvSpPr>
+            <a:spLocks noGrp="1"/>
+          </p:cNvSpPr>
+          <p:nvPr>
+            <p:ph type="title"/>
+          </p:nvPr>
+        </p:nvSpPr>
+        <p:spPr/>
+        <p:txBody>
+          <a:bodyPr/>
+          <a:lstStyle/>
+          <a:p>
+            <a:r>
+              <a:rPr lang="en-US" i="1" dirty="0"/>
+              <a:t>Variables and Types</a:t>
+            </a:r>
+            <a:endParaRPr lang="en-US" dirty="0"/>
+          </a:p>
+        </p:txBody>
+      </p:sp>
+      <p:sp>
+        <p:nvSpPr>
+          <p:cNvPr id="3" name="Content Placeholder 2"/>
+          <p:cNvSpPr>
+            <a:spLocks noGrp="1"/>
+          </p:cNvSpPr>
+          <p:nvPr>
+            <p:ph idx="1"/>
+          </p:nvPr>
+        </p:nvSpPr>
+        <p:spPr/>
+        <p:txBody>
+          <a:bodyPr/>
+          <a:lstStyle/>
+          <a:p>
+            <a:r>
+              <a:rPr lang="en-US" b="1" dirty="0" smtClean="0"/>
+              <a:t>Numbers</a:t>
+            </a:r>
+          </a:p>
+          <a:p>
+            <a:pPr lvl="1"/>
+            <a:r>
+              <a:rPr lang="en-US" dirty="0" smtClean="0"/>
+              <a:t>Python </a:t>
+            </a:r>
+            <a:r>
+              <a:rPr lang="en-US" dirty="0"/>
+              <a:t>supports two types of numbers - integers and floating point numbers</a:t>
+            </a:r>
+            <a:r>
+              <a:rPr lang="en-US" dirty="0" smtClean="0"/>
+              <a:t>.</a:t>
+            </a:r>
+          </a:p>
+          <a:p>
+            <a:pPr lvl="1"/>
+            <a:r>
+              <a:rPr lang="en-US" altLang="zh-CN" b="1" dirty="0" err="1" smtClean="0"/>
+              <a:t>E.g</a:t>
+            </a:r>
+            <a:r>
+              <a:rPr lang="zh-CN" altLang="en-US" b="1" dirty="0" smtClean="0"/>
+              <a:t> </a:t>
+            </a:r>
+            <a:r>
+              <a:rPr lang="en-US" altLang="zh-CN" b="1" dirty="0" smtClean="0"/>
+              <a:t>A=7</a:t>
+            </a:r>
+            <a:endParaRPr lang="en-US" b="1" dirty="0"/>
+          </a:p>
+          <a:p>
+            <a:r>
+              <a:rPr lang="en-US" b="1" dirty="0"/>
+              <a:t>Strings</a:t>
+            </a:r>
+          </a:p>
+          <a:p>
+            <a:pPr lvl="1"/>
+            <a:r>
+              <a:rPr lang="en-US" dirty="0"/>
+              <a:t>Strings are defined either with a single quote or a double quotes.</a:t>
+            </a:r>
+          </a:p>
+        </p:txBody>
+      </p:sp>
+    </p:spTree>
+    <p:extLst>
+      <p:ext uri="{BB962C8B-B14F-4D97-AF65-F5344CB8AC3E}">
+        <p14:creationId xmlns:p14="http://schemas.microsoft.com/office/powerpoint/2010/main" val="94175482"/>
+      </p:ext>
+    </p:extLst>
+  </p:cSld>
+  <p:clrMapOvr>
+    <a:masterClrMapping/>
+  </p:clrMapOvr>
+</p:sld>
+</file>
+
+<file path=ppt/slides/slide14.xml><?xml version="1.0" encoding="utf-8"?>
+<p:sld xmlns:a="http://schemas.openxmlformats.org/drawingml/2006/main" xmlns:r="http://schemas.openxmlformats.org/officeDocument/2006/relationships" xmlns:p="http://schemas.openxmlformats.org/presentationml/2006/main">
+  <p:cSld>
+    <p:spTree>
+      <p:nvGrpSpPr>
+        <p:cNvPr id="1" name=""/>
+        <p:cNvGrpSpPr/>
+        <p:nvPr/>
+      </p:nvGrpSpPr>
+      <p:grpSpPr>
+        <a:xfrm>
+          <a:off x="0" y="0"/>
+          <a:ext cx="0" cy="0"/>
+          <a:chOff x="0" y="0"/>
+          <a:chExt cx="0" cy="0"/>
+        </a:xfrm>
+      </p:grpSpPr>
+      <p:sp>
+        <p:nvSpPr>
+          <p:cNvPr id="2" name="Title 1"/>
+          <p:cNvSpPr>
+            <a:spLocks noGrp="1"/>
+          </p:cNvSpPr>
+          <p:nvPr>
+            <p:ph type="title"/>
+          </p:nvPr>
+        </p:nvSpPr>
+        <p:spPr/>
+        <p:txBody>
+          <a:bodyPr>
+            <a:normAutofit/>
+          </a:bodyPr>
+          <a:lstStyle/>
+          <a:p>
+            <a:r>
+              <a:rPr lang="en-US" dirty="0"/>
+              <a:t>Mixing operators between numbers and strings is not </a:t>
+            </a:r>
+            <a:r>
+              <a:rPr lang="en-US" dirty="0" smtClean="0"/>
+              <a:t>supported</a:t>
+            </a:r>
+            <a:endParaRPr lang="en-US" dirty="0"/>
+          </a:p>
+        </p:txBody>
+      </p:sp>
+      <p:sp>
+        <p:nvSpPr>
+          <p:cNvPr id="3" name="Content Placeholder 2"/>
+          <p:cNvSpPr>
+            <a:spLocks noGrp="1"/>
+          </p:cNvSpPr>
+          <p:nvPr>
+            <p:ph idx="1"/>
+          </p:nvPr>
+        </p:nvSpPr>
+        <p:spPr/>
+        <p:txBody>
+          <a:bodyPr/>
+          <a:lstStyle/>
+          <a:p>
+            <a:r>
+              <a:rPr lang="en-US" dirty="0" smtClean="0"/>
+              <a:t>one </a:t>
+            </a:r>
+            <a:r>
+              <a:rPr lang="en-US" dirty="0"/>
+              <a:t>= </a:t>
+            </a:r>
+            <a:r>
+              <a:rPr lang="en-US" dirty="0" smtClean="0"/>
+              <a:t>1</a:t>
+            </a:r>
+          </a:p>
+          <a:p>
+            <a:r>
+              <a:rPr lang="en-US" dirty="0" smtClean="0"/>
+              <a:t>two </a:t>
+            </a:r>
+            <a:r>
+              <a:rPr lang="en-US" dirty="0"/>
+              <a:t>= </a:t>
+            </a:r>
+            <a:r>
+              <a:rPr lang="en-US" dirty="0" smtClean="0"/>
+              <a:t>2</a:t>
+            </a:r>
+          </a:p>
+          <a:p>
+            <a:r>
+              <a:rPr lang="en-US" dirty="0" smtClean="0"/>
+              <a:t>hello </a:t>
+            </a:r>
+            <a:r>
+              <a:rPr lang="en-US" dirty="0"/>
+              <a:t>= "</a:t>
+            </a:r>
+            <a:r>
+              <a:rPr lang="en-US" dirty="0" smtClean="0"/>
+              <a:t>hello”</a:t>
+            </a:r>
+          </a:p>
+          <a:p>
+            <a:r>
+              <a:rPr lang="en-US" dirty="0" smtClean="0"/>
+              <a:t>print(one </a:t>
+            </a:r>
+            <a:r>
+              <a:rPr lang="en-US" dirty="0"/>
+              <a:t>+ two + hello</a:t>
+            </a:r>
+            <a:r>
+              <a:rPr lang="en-US" dirty="0" smtClean="0"/>
+              <a:t>)</a:t>
+            </a:r>
+            <a:endParaRPr lang="en-US" dirty="0"/>
+          </a:p>
+        </p:txBody>
+      </p:sp>
+    </p:spTree>
+    <p:extLst>
+      <p:ext uri="{BB962C8B-B14F-4D97-AF65-F5344CB8AC3E}">
+        <p14:creationId xmlns:p14="http://schemas.microsoft.com/office/powerpoint/2010/main" val="1859324572"/>
+      </p:ext>
+    </p:extLst>
+  </p:cSld>
+  <p:clrMapOvr>
+    <a:masterClrMapping/>
+  </p:clrMapOvr>
+</p:sld>
+</file>
+
+<file path=ppt/slides/slide15.xml><?xml version="1.0" encoding="utf-8"?>
+<p:sld xmlns:a="http://schemas.openxmlformats.org/drawingml/2006/main" xmlns:r="http://schemas.openxmlformats.org/officeDocument/2006/relationships" xmlns:p="http://schemas.openxmlformats.org/presentationml/2006/main">
+  <p:cSld>
+    <p:spTree>
+      <p:nvGrpSpPr>
+        <p:cNvPr id="1" name=""/>
+        <p:cNvGrpSpPr/>
+        <p:nvPr/>
+      </p:nvGrpSpPr>
+      <p:grpSpPr>
+        <a:xfrm>
+          <a:off x="0" y="0"/>
+          <a:ext cx="0" cy="0"/>
+          <a:chOff x="0" y="0"/>
+          <a:chExt cx="0" cy="0"/>
+        </a:xfrm>
+      </p:grpSpPr>
+      <p:sp>
+        <p:nvSpPr>
+          <p:cNvPr id="2" name="Title 1"/>
+          <p:cNvSpPr>
+            <a:spLocks noGrp="1"/>
+          </p:cNvSpPr>
+          <p:nvPr>
+            <p:ph type="title"/>
+          </p:nvPr>
+        </p:nvSpPr>
+        <p:spPr/>
+        <p:txBody>
+          <a:bodyPr/>
+          <a:lstStyle/>
+          <a:p>
+            <a:r>
+              <a:rPr lang="en-US" dirty="0"/>
+              <a:t>Naming Styles</a:t>
+            </a:r>
+          </a:p>
+        </p:txBody>
+      </p:sp>
+      <p:sp>
+        <p:nvSpPr>
+          <p:cNvPr id="3" name="Content Placeholder 2"/>
+          <p:cNvSpPr>
+            <a:spLocks noGrp="1"/>
+          </p:cNvSpPr>
+          <p:nvPr>
+            <p:ph idx="1"/>
+          </p:nvPr>
+        </p:nvSpPr>
+        <p:spPr/>
+        <p:txBody>
+          <a:bodyPr>
+            <a:normAutofit fontScale="92500" lnSpcReduction="20000"/>
+          </a:bodyPr>
+          <a:lstStyle/>
+          <a:p>
+            <a:r>
+              <a:rPr lang="en-US" dirty="0"/>
+              <a:t>b (single lowercase letter)</a:t>
+            </a:r>
+          </a:p>
+          <a:p>
+            <a:r>
+              <a:rPr lang="en-US" dirty="0"/>
+              <a:t>B (single uppercase letter)</a:t>
+            </a:r>
+          </a:p>
+          <a:p>
+            <a:r>
+              <a:rPr lang="en-US" dirty="0"/>
+              <a:t>lowercase</a:t>
+            </a:r>
+          </a:p>
+          <a:p>
+            <a:r>
+              <a:rPr lang="en-US" dirty="0" err="1"/>
+              <a:t>lower_case_with_underscores</a:t>
+            </a:r>
+            <a:endParaRPr lang="en-US" dirty="0"/>
+          </a:p>
+          <a:p>
+            <a:r>
+              <a:rPr lang="en-US" dirty="0"/>
+              <a:t>UPPERCASE</a:t>
+            </a:r>
+          </a:p>
+          <a:p>
+            <a:r>
+              <a:rPr lang="en-US" dirty="0"/>
+              <a:t>UPPER_CASE_WITH_UNDERSCORES</a:t>
+            </a:r>
+          </a:p>
+          <a:p>
+            <a:r>
+              <a:rPr lang="en-US" dirty="0" err="1"/>
+              <a:t>CapitalizedWords</a:t>
+            </a:r>
+            <a:r>
+              <a:rPr lang="en-US" dirty="0"/>
+              <a:t> (or </a:t>
+            </a:r>
+            <a:r>
+              <a:rPr lang="en-US" dirty="0" err="1"/>
+              <a:t>CapWords</a:t>
+            </a:r>
+            <a:r>
+              <a:rPr lang="en-US" dirty="0"/>
+              <a:t>, or </a:t>
+            </a:r>
+            <a:r>
+              <a:rPr lang="en-US" dirty="0" err="1"/>
+              <a:t>CamelCase</a:t>
+            </a:r>
+            <a:r>
+              <a:rPr lang="en-US" dirty="0"/>
+              <a:t> -- so named because of the bumpy look of its </a:t>
+            </a:r>
+            <a:r>
+              <a:rPr lang="en-US" dirty="0" smtClean="0"/>
+              <a:t>letters. </a:t>
+            </a:r>
+            <a:r>
+              <a:rPr lang="en-US" dirty="0"/>
+              <a:t>This is also sometimes known as </a:t>
+            </a:r>
+            <a:r>
+              <a:rPr lang="en-US" dirty="0" err="1"/>
+              <a:t>StudlyCaps</a:t>
+            </a:r>
+            <a:r>
+              <a:rPr lang="en-US" dirty="0"/>
+              <a:t>.</a:t>
+            </a:r>
+          </a:p>
+          <a:p>
+            <a:r>
+              <a:rPr lang="en-US" dirty="0"/>
+              <a:t>Note: When using abbreviations in </a:t>
+            </a:r>
+            <a:r>
+              <a:rPr lang="en-US" dirty="0" err="1"/>
+              <a:t>CapWords</a:t>
+            </a:r>
+            <a:r>
+              <a:rPr lang="en-US" dirty="0"/>
+              <a:t>, capitalize all the letters of the abbreviation. Thus </a:t>
+            </a:r>
+            <a:r>
+              <a:rPr lang="en-US" dirty="0" err="1"/>
+              <a:t>HTTPServerError</a:t>
+            </a:r>
+            <a:r>
+              <a:rPr lang="en-US" dirty="0"/>
+              <a:t> is better than </a:t>
+            </a:r>
+            <a:r>
+              <a:rPr lang="en-US" dirty="0" err="1"/>
+              <a:t>HttpServerError</a:t>
+            </a:r>
+            <a:r>
+              <a:rPr lang="en-US" dirty="0"/>
+              <a:t>.</a:t>
+            </a:r>
+          </a:p>
+          <a:p>
+            <a:r>
+              <a:rPr lang="en-US" dirty="0" err="1"/>
+              <a:t>mixedCase</a:t>
+            </a:r>
+            <a:r>
+              <a:rPr lang="en-US" dirty="0"/>
+              <a:t> (differs from </a:t>
+            </a:r>
+            <a:r>
+              <a:rPr lang="en-US" dirty="0" err="1"/>
+              <a:t>CapitalizedWords</a:t>
+            </a:r>
+            <a:r>
+              <a:rPr lang="en-US" dirty="0"/>
+              <a:t> by initial lowercase character!)</a:t>
+            </a:r>
+          </a:p>
+          <a:p>
+            <a:r>
+              <a:rPr lang="en-US" dirty="0" err="1"/>
+              <a:t>Capitalized_Words_With_Underscores</a:t>
+            </a:r>
+            <a:r>
+              <a:rPr lang="en-US" dirty="0"/>
+              <a:t> (ugly!)</a:t>
+            </a:r>
+          </a:p>
+          <a:p>
+            <a:endParaRPr lang="en-US" dirty="0"/>
+          </a:p>
+        </p:txBody>
+      </p:sp>
+    </p:spTree>
+    <p:extLst>
+      <p:ext uri="{BB962C8B-B14F-4D97-AF65-F5344CB8AC3E}">
+        <p14:creationId xmlns:p14="http://schemas.microsoft.com/office/powerpoint/2010/main" val="2036808549"/>
+      </p:ext>
+    </p:extLst>
+  </p:cSld>
+  <p:clrMapOvr>
+    <a:masterClrMapping/>
+  </p:clrMapOvr>
+</p:sld>
+</file>
+
+<file path=ppt/slides/slide16.xml><?xml version="1.0" encoding="utf-8"?>
+<p:sld xmlns:a="http://schemas.openxmlformats.org/drawingml/2006/main" xmlns:r="http://schemas.openxmlformats.org/officeDocument/2006/relationships" xmlns:p="http://schemas.openxmlformats.org/presentationml/2006/main">
+  <p:cSld>
+    <p:spTree>
+      <p:nvGrpSpPr>
+        <p:cNvPr id="1" name=""/>
+        <p:cNvGrpSpPr/>
+        <p:nvPr/>
+      </p:nvGrpSpPr>
+      <p:grpSpPr>
+        <a:xfrm>
+          <a:off x="0" y="0"/>
+          <a:ext cx="0" cy="0"/>
+          <a:chOff x="0" y="0"/>
+          <a:chExt cx="0" cy="0"/>
+        </a:xfrm>
+      </p:grpSpPr>
+      <p:sp>
+        <p:nvSpPr>
+          <p:cNvPr id="2" name="Title 1"/>
+          <p:cNvSpPr>
+            <a:spLocks noGrp="1"/>
+          </p:cNvSpPr>
+          <p:nvPr>
+            <p:ph type="title"/>
+          </p:nvPr>
+        </p:nvSpPr>
+        <p:spPr/>
+        <p:txBody>
+          <a:bodyPr/>
+          <a:lstStyle/>
+          <a:p>
+            <a:r>
+              <a:rPr lang="en-US" dirty="0"/>
+              <a:t>Tip</a:t>
+            </a:r>
+          </a:p>
+        </p:txBody>
+      </p:sp>
+      <p:sp>
+        <p:nvSpPr>
+          <p:cNvPr id="3" name="Content Placeholder 2"/>
+          <p:cNvSpPr>
+            <a:spLocks noGrp="1"/>
+          </p:cNvSpPr>
+          <p:nvPr>
+            <p:ph idx="1"/>
+          </p:nvPr>
+        </p:nvSpPr>
+        <p:spPr/>
+        <p:txBody>
+          <a:bodyPr>
+            <a:normAutofit fontScale="92500" lnSpcReduction="10000"/>
+          </a:bodyPr>
+          <a:lstStyle/>
+          <a:p>
+            <a:r>
+              <a:rPr lang="en-US" dirty="0" err="1" smtClean="0"/>
+              <a:t>local_var_name</a:t>
+            </a:r>
+            <a:endParaRPr lang="en-US" dirty="0" smtClean="0"/>
+          </a:p>
+          <a:p>
+            <a:r>
+              <a:rPr lang="en-US" dirty="0" smtClean="0"/>
+              <a:t>GLOBAL_VAR_NAME</a:t>
+            </a:r>
+          </a:p>
+          <a:p>
+            <a:r>
+              <a:rPr lang="en-US" dirty="0" err="1"/>
+              <a:t>module_name</a:t>
+            </a:r>
+            <a:endParaRPr lang="en-US" dirty="0"/>
+          </a:p>
+          <a:p>
+            <a:r>
+              <a:rPr lang="en-US" dirty="0"/>
+              <a:t> </a:t>
+            </a:r>
+            <a:r>
+              <a:rPr lang="en-US" dirty="0" err="1"/>
+              <a:t>package_name</a:t>
+            </a:r>
+            <a:endParaRPr lang="en-US" dirty="0"/>
+          </a:p>
+          <a:p>
+            <a:r>
+              <a:rPr lang="en-US" dirty="0" err="1"/>
+              <a:t>ClassName</a:t>
+            </a:r>
+            <a:endParaRPr lang="en-US" dirty="0"/>
+          </a:p>
+          <a:p>
+            <a:r>
+              <a:rPr lang="en-US" dirty="0"/>
+              <a:t> </a:t>
+            </a:r>
+            <a:r>
+              <a:rPr lang="en-US" dirty="0" err="1"/>
+              <a:t>method_name</a:t>
+            </a:r>
+            <a:endParaRPr lang="en-US" dirty="0"/>
+          </a:p>
+          <a:p>
+            <a:r>
+              <a:rPr lang="en-US" dirty="0"/>
+              <a:t> </a:t>
+            </a:r>
+            <a:r>
+              <a:rPr lang="en-US" dirty="0" err="1"/>
+              <a:t>ExceptionName</a:t>
+            </a:r>
+            <a:endParaRPr lang="en-US" dirty="0"/>
+          </a:p>
+          <a:p>
+            <a:r>
+              <a:rPr lang="en-US" dirty="0" err="1"/>
+              <a:t>function_name</a:t>
+            </a:r>
+            <a:endParaRPr lang="en-US" dirty="0"/>
+          </a:p>
+          <a:p>
+            <a:r>
+              <a:rPr lang="en-US" dirty="0" err="1" smtClean="0"/>
+              <a:t>instance_var_name</a:t>
+            </a:r>
+            <a:endParaRPr lang="en-US" dirty="0"/>
+          </a:p>
+          <a:p>
+            <a:r>
+              <a:rPr lang="en-US" dirty="0" err="1" smtClean="0"/>
+              <a:t>function_parameter_name</a:t>
+            </a:r>
+            <a:endParaRPr lang="en-US" dirty="0"/>
+          </a:p>
+          <a:p>
+            <a:endParaRPr lang="en-US" dirty="0"/>
+          </a:p>
+        </p:txBody>
+      </p:sp>
+    </p:spTree>
+    <p:extLst>
+      <p:ext uri="{BB962C8B-B14F-4D97-AF65-F5344CB8AC3E}">
+        <p14:creationId xmlns:p14="http://schemas.microsoft.com/office/powerpoint/2010/main" val="1968690864"/>
+      </p:ext>
+    </p:extLst>
+  </p:cSld>
+  <p:clrMapOvr>
+    <a:masterClrMapping/>
+  </p:clrMapOvr>
+</p:sld>
+</file>
+
+<file path=ppt/slides/slide17.xml><?xml version="1.0" encoding="utf-8"?>
+<p:sld xmlns:a="http://schemas.openxmlformats.org/drawingml/2006/main" xmlns:r="http://schemas.openxmlformats.org/officeDocument/2006/relationships" xmlns:p="http://schemas.openxmlformats.org/presentationml/2006/main">
+  <p:cSld>
+    <p:spTree>
+      <p:nvGrpSpPr>
+        <p:cNvPr id="1" name=""/>
+        <p:cNvGrpSpPr/>
+        <p:nvPr/>
+      </p:nvGrpSpPr>
+      <p:grpSpPr>
+        <a:xfrm>
+          <a:off x="0" y="0"/>
+          <a:ext cx="0" cy="0"/>
+          <a:chOff x="0" y="0"/>
+          <a:chExt cx="0" cy="0"/>
+        </a:xfrm>
+      </p:grpSpPr>
+      <p:sp>
+        <p:nvSpPr>
+          <p:cNvPr id="2" name="Title 1"/>
+          <p:cNvSpPr>
+            <a:spLocks noGrp="1"/>
+          </p:cNvSpPr>
+          <p:nvPr>
+            <p:ph type="title"/>
+          </p:nvPr>
+        </p:nvSpPr>
+        <p:spPr/>
+        <p:txBody>
+          <a:bodyPr/>
+          <a:lstStyle/>
+          <a:p>
+            <a:r>
+              <a:rPr lang="en-US" b="1" dirty="0"/>
+              <a:t>Lists</a:t>
+            </a:r>
+            <a:br>
+              <a:rPr lang="en-US" b="1" dirty="0"/>
+            </a:br>
+            <a:endParaRPr lang="en-US" dirty="0"/>
+          </a:p>
+        </p:txBody>
+      </p:sp>
+      <p:sp>
+        <p:nvSpPr>
+          <p:cNvPr id="3" name="Content Placeholder 2"/>
+          <p:cNvSpPr>
+            <a:spLocks noGrp="1"/>
+          </p:cNvSpPr>
+          <p:nvPr>
+            <p:ph idx="1"/>
+          </p:nvPr>
+        </p:nvSpPr>
+        <p:spPr/>
+        <p:txBody>
+          <a:bodyPr/>
+          <a:lstStyle/>
+          <a:p>
+            <a:r>
+              <a:rPr lang="en-US" dirty="0"/>
+              <a:t>Lists are very similar to </a:t>
+            </a:r>
+            <a:r>
+              <a:rPr lang="en-US" dirty="0" smtClean="0"/>
+              <a:t>arrays</a:t>
+            </a:r>
+          </a:p>
+          <a:p>
+            <a:endParaRPr lang="en-US" dirty="0"/>
+          </a:p>
+          <a:p>
+            <a:pPr lvl="1"/>
+            <a:endParaRPr lang="en-US" dirty="0" smtClean="0"/>
+          </a:p>
+          <a:p>
+            <a:pPr lvl="1"/>
+            <a:r>
+              <a:rPr lang="en-US" dirty="0" err="1" smtClean="0"/>
+              <a:t>mylist</a:t>
+            </a:r>
+            <a:r>
+              <a:rPr lang="en-US" dirty="0" smtClean="0"/>
+              <a:t> </a:t>
+            </a:r>
+            <a:r>
+              <a:rPr lang="en-US" dirty="0"/>
+              <a:t>= </a:t>
+            </a:r>
+            <a:r>
+              <a:rPr lang="en-US" dirty="0" smtClean="0"/>
+              <a:t>[]</a:t>
+            </a:r>
+          </a:p>
+          <a:p>
+            <a:pPr lvl="1"/>
+            <a:r>
+              <a:rPr lang="en-US" dirty="0" err="1" smtClean="0"/>
+              <a:t>mylist.append</a:t>
+            </a:r>
+            <a:r>
+              <a:rPr lang="en-US" dirty="0" smtClean="0"/>
+              <a:t>(1</a:t>
+            </a:r>
+            <a:r>
+              <a:rPr lang="en-US" dirty="0"/>
+              <a:t>)</a:t>
+            </a:r>
+          </a:p>
+        </p:txBody>
+      </p:sp>
+    </p:spTree>
+    <p:extLst>
+      <p:ext uri="{BB962C8B-B14F-4D97-AF65-F5344CB8AC3E}">
+        <p14:creationId xmlns:p14="http://schemas.microsoft.com/office/powerpoint/2010/main" val="1429625206"/>
+      </p:ext>
+    </p:extLst>
+  </p:cSld>
+  <p:clrMapOvr>
+    <a:masterClrMapping/>
+  </p:clrMapOvr>
+</p:sld>
+</file>
+
+<file path=ppt/slides/slide18.xml><?xml version="1.0" encoding="utf-8"?>
+<p:sld xmlns:a="http://schemas.openxmlformats.org/drawingml/2006/main" xmlns:r="http://schemas.openxmlformats.org/officeDocument/2006/relationships" xmlns:p="http://schemas.openxmlformats.org/presentationml/2006/main">
+  <p:cSld>
+    <p:spTree>
+      <p:nvGrpSpPr>
+        <p:cNvPr id="1" name=""/>
+        <p:cNvGrpSpPr/>
+        <p:nvPr/>
+      </p:nvGrpSpPr>
+      <p:grpSpPr>
+        <a:xfrm>
+          <a:off x="0" y="0"/>
+          <a:ext cx="0" cy="0"/>
+          <a:chOff x="0" y="0"/>
+          <a:chExt cx="0" cy="0"/>
+        </a:xfrm>
+      </p:grpSpPr>
+      <p:sp>
+        <p:nvSpPr>
+          <p:cNvPr id="2" name="Title 1"/>
+          <p:cNvSpPr>
+            <a:spLocks noGrp="1"/>
+          </p:cNvSpPr>
+          <p:nvPr>
+            <p:ph type="title"/>
+          </p:nvPr>
+        </p:nvSpPr>
+        <p:spPr/>
+        <p:txBody>
+          <a:bodyPr/>
+          <a:lstStyle/>
+          <a:p>
+            <a:r>
+              <a:rPr lang="en-US" altLang="zh-CN" dirty="0" smtClean="0"/>
+              <a:t>List</a:t>
+            </a:r>
+            <a:r>
+              <a:rPr lang="zh-CN" altLang="en-US" dirty="0" smtClean="0"/>
+              <a:t> </a:t>
+            </a:r>
+            <a:r>
+              <a:rPr lang="en-US" altLang="zh-CN" dirty="0" smtClean="0"/>
+              <a:t>count</a:t>
+            </a:r>
+            <a:r>
+              <a:rPr lang="zh-CN" altLang="en-US" dirty="0" smtClean="0"/>
+              <a:t> </a:t>
+            </a:r>
+            <a:r>
+              <a:rPr lang="en-US" altLang="zh-CN" dirty="0" smtClean="0"/>
+              <a:t>start</a:t>
+            </a:r>
+            <a:r>
+              <a:rPr lang="zh-CN" altLang="en-US" dirty="0" smtClean="0"/>
+              <a:t> </a:t>
+            </a:r>
+            <a:r>
+              <a:rPr lang="en-US" altLang="zh-CN" dirty="0" smtClean="0"/>
+              <a:t>from</a:t>
+            </a:r>
+            <a:r>
+              <a:rPr lang="zh-CN" altLang="en-US" dirty="0" smtClean="0"/>
+              <a:t> </a:t>
+            </a:r>
+            <a:r>
+              <a:rPr lang="en-US" altLang="zh-CN" dirty="0" smtClean="0"/>
+              <a:t>0</a:t>
+            </a:r>
+            <a:endParaRPr lang="en-US" dirty="0"/>
+          </a:p>
+        </p:txBody>
+      </p:sp>
+      <p:sp>
+        <p:nvSpPr>
+          <p:cNvPr id="3" name="Content Placeholder 2"/>
+          <p:cNvSpPr>
+            <a:spLocks noGrp="1"/>
+          </p:cNvSpPr>
+          <p:nvPr>
+            <p:ph idx="1"/>
+          </p:nvPr>
+        </p:nvSpPr>
+        <p:spPr>
+          <a:xfrm>
+            <a:off x="2589212" y="2152261"/>
+            <a:ext cx="8915400" cy="3777622"/>
+          </a:xfrm>
+        </p:spPr>
+        <p:txBody>
+          <a:bodyPr/>
+          <a:lstStyle/>
+          <a:p>
+            <a:r>
+              <a:rPr lang="en-US" altLang="zh-CN" dirty="0" err="1" smtClean="0"/>
+              <a:t>my_list</a:t>
+            </a:r>
+            <a:r>
+              <a:rPr lang="en-US" altLang="zh-CN" dirty="0" smtClean="0"/>
+              <a:t>=[1,2,3,4]</a:t>
+            </a:r>
+          </a:p>
+          <a:p>
+            <a:r>
+              <a:rPr lang="en-US" dirty="0" smtClean="0"/>
+              <a:t>print(</a:t>
+            </a:r>
+            <a:r>
+              <a:rPr lang="en-US" altLang="zh-CN" dirty="0" smtClean="0"/>
+              <a:t>1</a:t>
+            </a:r>
+            <a:r>
+              <a:rPr lang="en-US" dirty="0" smtClean="0"/>
+              <a:t>)</a:t>
+            </a:r>
+            <a:endParaRPr lang="en-US" dirty="0"/>
+          </a:p>
+        </p:txBody>
+      </p:sp>
+    </p:spTree>
+    <p:extLst>
+      <p:ext uri="{BB962C8B-B14F-4D97-AF65-F5344CB8AC3E}">
+        <p14:creationId xmlns:p14="http://schemas.microsoft.com/office/powerpoint/2010/main" val="60413054"/>
+      </p:ext>
+    </p:extLst>
+  </p:cSld>
+  <p:clrMapOvr>
+    <a:masterClrMapping/>
+  </p:clrMapOvr>
+</p:sld>
+</file>
+
+<file path=ppt/slides/slide19.xml><?xml version="1.0" encoding="utf-8"?>
+<p:sld xmlns:a="http://schemas.openxmlformats.org/drawingml/2006/main" xmlns:r="http://schemas.openxmlformats.org/officeDocument/2006/relationships" xmlns:p="http://schemas.openxmlformats.org/presentationml/2006/main">
+  <p:cSld>
+    <p:spTree>
+      <p:nvGrpSpPr>
+        <p:cNvPr id="1" name=""/>
+        <p:cNvGrpSpPr/>
+        <p:nvPr/>
+      </p:nvGrpSpPr>
+      <p:grpSpPr>
+        <a:xfrm>
+          <a:off x="0" y="0"/>
+          <a:ext cx="0" cy="0"/>
+          <a:chOff x="0" y="0"/>
+          <a:chExt cx="0" cy="0"/>
+        </a:xfrm>
+      </p:grpSpPr>
+      <p:sp>
+        <p:nvSpPr>
+          <p:cNvPr id="2" name="Title 1"/>
+          <p:cNvSpPr>
+            <a:spLocks noGrp="1"/>
+          </p:cNvSpPr>
+          <p:nvPr>
+            <p:ph type="title"/>
+          </p:nvPr>
+        </p:nvSpPr>
+        <p:spPr/>
+        <p:txBody>
+          <a:bodyPr/>
+          <a:lstStyle/>
+          <a:p>
+            <a:r>
+              <a:rPr lang="en-US" dirty="0"/>
+              <a:t>Basic Operators</a:t>
+            </a:r>
+          </a:p>
+        </p:txBody>
+      </p:sp>
+      <p:sp>
+        <p:nvSpPr>
+          <p:cNvPr id="3" name="Content Placeholder 2"/>
+          <p:cNvSpPr>
+            <a:spLocks noGrp="1"/>
+          </p:cNvSpPr>
+          <p:nvPr>
+            <p:ph idx="1"/>
+          </p:nvPr>
+        </p:nvSpPr>
+        <p:spPr/>
+        <p:txBody>
+          <a:bodyPr/>
+          <a:lstStyle/>
+          <a:p>
+            <a:r>
+              <a:rPr lang="en-US" dirty="0"/>
+              <a:t>Arithmetic Operators</a:t>
+            </a:r>
+          </a:p>
+          <a:p>
+            <a:r>
+              <a:rPr lang="en-US" dirty="0"/>
+              <a:t>Comparison (Relational) Operators</a:t>
+            </a:r>
+          </a:p>
+          <a:p>
+            <a:r>
+              <a:rPr lang="en-US" dirty="0"/>
+              <a:t>Assignment Operators</a:t>
+            </a:r>
+          </a:p>
+          <a:p>
+            <a:r>
+              <a:rPr lang="en-US" dirty="0"/>
+              <a:t>Logical Operators</a:t>
+            </a:r>
+          </a:p>
+          <a:p>
+            <a:r>
+              <a:rPr lang="en-US" dirty="0"/>
+              <a:t>Bitwise Operators</a:t>
+            </a:r>
+          </a:p>
+          <a:p>
+            <a:r>
+              <a:rPr lang="en-US" dirty="0"/>
+              <a:t>Membership Operators</a:t>
+            </a:r>
+          </a:p>
+          <a:p>
+            <a:r>
+              <a:rPr lang="en-US" dirty="0"/>
+              <a:t>Identity Operators</a:t>
+            </a:r>
+          </a:p>
+          <a:p>
+            <a:endParaRPr lang="en-US" dirty="0"/>
+          </a:p>
+        </p:txBody>
+      </p:sp>
+    </p:spTree>
+    <p:extLst>
+      <p:ext uri="{BB962C8B-B14F-4D97-AF65-F5344CB8AC3E}">
+        <p14:creationId xmlns:p14="http://schemas.microsoft.com/office/powerpoint/2010/main" val="1919943119"/>
+      </p:ext>
+    </p:extLst>
+  </p:cSld>
+  <p:clrMapOvr>
+    <a:masterClrMapping/>
+  </p:clrMapOvr>
+  <p:timing>
+    <p:tnLst>
+      <p:par>
+        <p:cTn id="1" dur="indefinite" restart="never" nodeType="tmRoot"/>
+      </p:par>
+    </p:tnLst>
+  </p:timing>
+</p:sld>
+</file>
+
+<file path=ppt/slides/slide2.xml><?xml version="1.0" encoding="utf-8"?>
+<p:sld xmlns:a="http://schemas.openxmlformats.org/drawingml/2006/main" xmlns:r="http://schemas.openxmlformats.org/officeDocument/2006/relationships" xmlns:p="http://schemas.openxmlformats.org/presentationml/2006/main">
+  <p:cSld>
+    <p:spTree>
+      <p:nvGrpSpPr>
+        <p:cNvPr id="1" name=""/>
+        <p:cNvGrpSpPr/>
+        <p:nvPr/>
+      </p:nvGrpSpPr>
+      <p:grpSpPr>
+        <a:xfrm>
+          <a:off x="0" y="0"/>
+          <a:ext cx="0" cy="0"/>
+          <a:chOff x="0" y="0"/>
+          <a:chExt cx="0" cy="0"/>
+        </a:xfrm>
+      </p:grpSpPr>
+      <p:sp>
+        <p:nvSpPr>
+          <p:cNvPr id="2" name="Title 1"/>
+          <p:cNvSpPr>
+            <a:spLocks noGrp="1"/>
+          </p:cNvSpPr>
+          <p:nvPr>
+            <p:ph type="title"/>
+          </p:nvPr>
+        </p:nvSpPr>
+        <p:spPr/>
+        <p:txBody>
+          <a:bodyPr/>
+          <a:lstStyle/>
+          <a:p>
+            <a:r>
+              <a:rPr lang="en-US" altLang="zh-CN" dirty="0" smtClean="0"/>
+              <a:t>Instructors</a:t>
+            </a:r>
+            <a:endParaRPr lang="en-US" dirty="0"/>
+          </a:p>
+        </p:txBody>
+      </p:sp>
+      <p:sp>
+        <p:nvSpPr>
+          <p:cNvPr id="3" name="Content Placeholder 2"/>
+          <p:cNvSpPr>
+            <a:spLocks noGrp="1"/>
+          </p:cNvSpPr>
+          <p:nvPr>
+            <p:ph idx="1"/>
+          </p:nvPr>
+        </p:nvSpPr>
+        <p:spPr/>
+        <p:txBody>
+          <a:bodyPr/>
+          <a:lstStyle/>
+          <a:p>
+            <a:r>
+              <a:rPr lang="en-US" altLang="zh-CN" dirty="0" smtClean="0"/>
+              <a:t>Charles</a:t>
+            </a:r>
+            <a:r>
+              <a:rPr lang="zh-CN" altLang="en-US" dirty="0" smtClean="0"/>
+              <a:t> </a:t>
+            </a:r>
+            <a:r>
+              <a:rPr lang="en-US" altLang="zh-CN" dirty="0" smtClean="0"/>
+              <a:t>Cao</a:t>
+            </a:r>
+            <a:r>
+              <a:rPr lang="zh-CN" altLang="en-US" dirty="0" smtClean="0"/>
+              <a:t> </a:t>
+            </a:r>
+            <a:endParaRPr lang="en-US" altLang="zh-CN" dirty="0"/>
+          </a:p>
+          <a:p>
+            <a:pPr lvl="1"/>
+            <a:r>
+              <a:rPr lang="en-US" altLang="zh-CN" dirty="0" smtClean="0"/>
+              <a:t>Team</a:t>
+            </a:r>
+            <a:r>
+              <a:rPr lang="zh-CN" altLang="en-US" dirty="0" smtClean="0"/>
+              <a:t> </a:t>
+            </a:r>
+            <a:r>
+              <a:rPr lang="en-US" altLang="zh-CN" dirty="0" smtClean="0"/>
+              <a:t>leader</a:t>
+            </a:r>
+            <a:r>
+              <a:rPr lang="zh-CN" altLang="en-US" dirty="0" smtClean="0"/>
+              <a:t> </a:t>
+            </a:r>
+            <a:r>
+              <a:rPr lang="en-US" altLang="zh-CN" dirty="0" smtClean="0"/>
+              <a:t>of</a:t>
+            </a:r>
+            <a:r>
+              <a:rPr lang="zh-CN" altLang="en-US" dirty="0" smtClean="0"/>
+              <a:t> </a:t>
+            </a:r>
+            <a:r>
+              <a:rPr lang="en-US" altLang="zh-CN" dirty="0" err="1" smtClean="0"/>
+              <a:t>Paysafe</a:t>
+            </a:r>
+            <a:endParaRPr lang="en-US" altLang="zh-CN" dirty="0" smtClean="0"/>
+          </a:p>
+          <a:p>
+            <a:pPr lvl="1"/>
+            <a:r>
+              <a:rPr lang="en-US" altLang="zh-CN" dirty="0" smtClean="0"/>
+              <a:t>Founder</a:t>
+            </a:r>
+            <a:r>
+              <a:rPr lang="zh-CN" altLang="en-US" dirty="0" smtClean="0"/>
+              <a:t> </a:t>
+            </a:r>
+            <a:r>
+              <a:rPr lang="en-US" altLang="zh-CN" dirty="0" smtClean="0"/>
+              <a:t>of</a:t>
+            </a:r>
+            <a:r>
+              <a:rPr lang="zh-CN" altLang="en-US" dirty="0" smtClean="0"/>
+              <a:t> </a:t>
+            </a:r>
+            <a:r>
+              <a:rPr lang="en-US" altLang="zh-CN" dirty="0" err="1" smtClean="0"/>
+              <a:t>ECVictor</a:t>
+            </a:r>
+            <a:r>
+              <a:rPr lang="zh-CN" altLang="en-US" dirty="0" smtClean="0"/>
+              <a:t> </a:t>
+            </a:r>
+            <a:endParaRPr lang="en-US" altLang="zh-CN" dirty="0" smtClean="0"/>
+          </a:p>
+          <a:p>
+            <a:pPr lvl="1"/>
+            <a:r>
+              <a:rPr lang="en-US" altLang="zh-CN" dirty="0" smtClean="0"/>
+              <a:t>10+</a:t>
+            </a:r>
+            <a:r>
+              <a:rPr lang="zh-CN" altLang="en-US" dirty="0" smtClean="0"/>
+              <a:t> </a:t>
+            </a:r>
+            <a:r>
+              <a:rPr lang="en-US" altLang="zh-CN" dirty="0" smtClean="0"/>
+              <a:t>software</a:t>
+            </a:r>
+            <a:r>
+              <a:rPr lang="zh-CN" altLang="en-US" dirty="0" smtClean="0"/>
+              <a:t> </a:t>
+            </a:r>
+            <a:r>
+              <a:rPr lang="en-US" altLang="zh-CN" dirty="0" smtClean="0"/>
+              <a:t>development</a:t>
+            </a:r>
+            <a:r>
+              <a:rPr lang="zh-CN" altLang="en-US" dirty="0" smtClean="0"/>
+              <a:t> </a:t>
+            </a:r>
+            <a:r>
+              <a:rPr lang="en-US" altLang="zh-CN" dirty="0" smtClean="0"/>
+              <a:t>experience</a:t>
+            </a:r>
+          </a:p>
+          <a:p>
+            <a:r>
+              <a:rPr lang="en-US" altLang="zh-CN" dirty="0" smtClean="0"/>
+              <a:t>Dr.</a:t>
+            </a:r>
+            <a:r>
+              <a:rPr lang="zh-CN" altLang="en-US" dirty="0" smtClean="0"/>
+              <a:t> </a:t>
+            </a:r>
+            <a:r>
+              <a:rPr lang="en-US" altLang="zh-CN" dirty="0" smtClean="0"/>
+              <a:t>Tony</a:t>
+            </a:r>
+            <a:r>
+              <a:rPr lang="zh-CN" altLang="en-US" dirty="0" smtClean="0"/>
+              <a:t> </a:t>
+            </a:r>
+            <a:r>
+              <a:rPr lang="en-US" altLang="zh-CN" dirty="0" smtClean="0"/>
+              <a:t>Deng</a:t>
+            </a:r>
+          </a:p>
+          <a:p>
+            <a:pPr lvl="1"/>
+            <a:r>
+              <a:rPr lang="en-US" altLang="zh-CN" dirty="0" smtClean="0"/>
+              <a:t>Data</a:t>
+            </a:r>
+            <a:r>
+              <a:rPr lang="zh-CN" altLang="en-US" dirty="0" smtClean="0"/>
+              <a:t> </a:t>
+            </a:r>
+            <a:r>
+              <a:rPr lang="en-US" altLang="zh-CN" dirty="0" smtClean="0"/>
+              <a:t>scientist</a:t>
+            </a:r>
+          </a:p>
+          <a:p>
+            <a:r>
+              <a:rPr lang="en-US" altLang="zh-CN" dirty="0" smtClean="0"/>
+              <a:t>Richard</a:t>
+            </a:r>
+            <a:r>
+              <a:rPr lang="zh-CN" altLang="en-US" dirty="0" smtClean="0"/>
+              <a:t> </a:t>
+            </a:r>
+            <a:r>
+              <a:rPr lang="en-US" altLang="zh-CN" dirty="0" smtClean="0"/>
+              <a:t>Yan</a:t>
+            </a:r>
+          </a:p>
+          <a:p>
+            <a:pPr lvl="1"/>
+            <a:r>
+              <a:rPr lang="en-US" altLang="zh-CN" dirty="0" smtClean="0"/>
+              <a:t>Senior</a:t>
+            </a:r>
+            <a:r>
+              <a:rPr lang="zh-CN" altLang="en-US" dirty="0" smtClean="0"/>
+              <a:t> </a:t>
+            </a:r>
+            <a:r>
+              <a:rPr lang="en-US" altLang="zh-CN" dirty="0" smtClean="0"/>
+              <a:t>python</a:t>
+            </a:r>
+            <a:r>
+              <a:rPr lang="zh-CN" altLang="en-US" dirty="0" smtClean="0"/>
+              <a:t> </a:t>
+            </a:r>
+            <a:r>
+              <a:rPr lang="en-US" altLang="zh-CN" dirty="0" smtClean="0"/>
+              <a:t>developer</a:t>
+            </a:r>
+          </a:p>
+          <a:p>
+            <a:endParaRPr lang="en-US" dirty="0"/>
+          </a:p>
+        </p:txBody>
+      </p:sp>
+    </p:spTree>
+    <p:extLst>
+      <p:ext uri="{BB962C8B-B14F-4D97-AF65-F5344CB8AC3E}">
+        <p14:creationId xmlns:p14="http://schemas.microsoft.com/office/powerpoint/2010/main" val="1058489052"/>
+      </p:ext>
+    </p:extLst>
+  </p:cSld>
+  <p:clrMapOvr>
+    <a:masterClrMapping/>
+  </p:clrMapOvr>
+</p:sld>
+</file>
+
+<file path=ppt/slides/slide20.xml><?xml version="1.0" encoding="utf-8"?>
+<p:sld xmlns:a="http://schemas.openxmlformats.org/drawingml/2006/main" xmlns:r="http://schemas.openxmlformats.org/officeDocument/2006/relationships" xmlns:p="http://schemas.openxmlformats.org/presentationml/2006/main">
+  <p:cSld>
+    <p:spTree>
+      <p:nvGrpSpPr>
+        <p:cNvPr id="1" name=""/>
+        <p:cNvGrpSpPr/>
+        <p:nvPr/>
+      </p:nvGrpSpPr>
+      <p:grpSpPr>
+        <a:xfrm>
+          <a:off x="0" y="0"/>
+          <a:ext cx="0" cy="0"/>
+          <a:chOff x="0" y="0"/>
+          <a:chExt cx="0" cy="0"/>
+        </a:xfrm>
+      </p:grpSpPr>
+      <p:sp>
+        <p:nvSpPr>
+          <p:cNvPr id="2" name="Title 1"/>
+          <p:cNvSpPr>
+            <a:spLocks noGrp="1"/>
+          </p:cNvSpPr>
+          <p:nvPr>
+            <p:ph type="title"/>
+          </p:nvPr>
+        </p:nvSpPr>
+        <p:spPr/>
+        <p:txBody>
+          <a:bodyPr/>
+          <a:lstStyle/>
+          <a:p>
+            <a:r>
+              <a:rPr lang="en-US" b="1" dirty="0"/>
+              <a:t>Arithmetic </a:t>
+            </a:r>
+            <a:r>
+              <a:rPr lang="en-US" b="1" dirty="0" smtClean="0"/>
+              <a:t>Operators</a:t>
+            </a:r>
+            <a:endParaRPr lang="en-US" dirty="0"/>
+          </a:p>
+        </p:txBody>
+      </p:sp>
+      <p:graphicFrame>
+        <p:nvGraphicFramePr>
+          <p:cNvPr id="6" name="Content Placeholder 5"/>
+          <p:cNvGraphicFramePr>
+            <a:graphicFrameLocks noGrp="1"/>
+          </p:cNvGraphicFramePr>
+          <p:nvPr>
+            <p:ph idx="1"/>
+            <p:extLst>
+              <p:ext uri="{D42A27DB-BD31-4B8C-83A1-F6EECF244321}">
+                <p14:modId xmlns:p14="http://schemas.microsoft.com/office/powerpoint/2010/main" val="2073909584"/>
+              </p:ext>
+            </p:extLst>
+          </p:nvPr>
+        </p:nvGraphicFramePr>
+        <p:xfrm>
+          <a:off x="65314" y="1264555"/>
+          <a:ext cx="12055152" cy="5533887"/>
+        </p:xfrm>
+        <a:graphic>
+          <a:graphicData uri="http://schemas.openxmlformats.org/drawingml/2006/table">
+            <a:tbl>
+              <a:tblPr firstRow="1" bandRow="1">
+                <a:tableStyleId>{5C22544A-7EE6-4342-B048-85BDC9FD1C3A}</a:tableStyleId>
+              </a:tblPr>
+              <a:tblGrid>
+                <a:gridCol w="2610902"/>
+                <a:gridCol w="5425866"/>
+                <a:gridCol w="4018384"/>
+              </a:tblGrid>
+              <a:tr h="370840">
+                <a:tc>
+                  <a:txBody>
+                    <a:bodyPr/>
+                    <a:lstStyle/>
+                    <a:p>
+                      <a:r>
+                        <a:rPr lang="en-US" dirty="0">
+                          <a:effectLst/>
+                        </a:rPr>
+                        <a:t>Operator</a:t>
+                      </a:r>
+                    </a:p>
+                  </a:txBody>
+                  <a:tcPr anchor="ctr"/>
+                </a:tc>
+                <a:tc>
+                  <a:txBody>
+                    <a:bodyPr/>
+                    <a:lstStyle/>
+                    <a:p>
+                      <a:r>
+                        <a:rPr lang="en-US">
+                          <a:effectLst/>
+                        </a:rPr>
+                        <a:t>Description</a:t>
+                      </a:r>
+                    </a:p>
+                  </a:txBody>
+                  <a:tcPr anchor="ctr"/>
+                </a:tc>
+                <a:tc>
+                  <a:txBody>
+                    <a:bodyPr/>
+                    <a:lstStyle/>
+                    <a:p>
+                      <a:r>
+                        <a:rPr lang="en-US"/>
+                        <a:t>Example</a:t>
+                      </a:r>
+                    </a:p>
+                  </a:txBody>
+                  <a:tcPr anchor="ctr"/>
+                </a:tc>
+              </a:tr>
+              <a:tr h="370840">
+                <a:tc>
+                  <a:txBody>
+                    <a:bodyPr/>
+                    <a:lstStyle/>
+                    <a:p>
+                      <a:r>
+                        <a:rPr lang="en-US" dirty="0"/>
+                        <a:t>+ Addition</a:t>
+                      </a:r>
+                    </a:p>
+                  </a:txBody>
+                  <a:tcPr anchor="ctr"/>
+                </a:tc>
+                <a:tc>
+                  <a:txBody>
+                    <a:bodyPr/>
+                    <a:lstStyle/>
+                    <a:p>
+                      <a:r>
+                        <a:rPr lang="en-US"/>
+                        <a:t>Adds values on either side of the operator.</a:t>
+                      </a:r>
+                    </a:p>
+                  </a:txBody>
+                  <a:tcPr anchor="ctr"/>
+                </a:tc>
+                <a:tc>
+                  <a:txBody>
+                    <a:bodyPr/>
+                    <a:lstStyle/>
+                    <a:p>
+                      <a:r>
+                        <a:rPr lang="mr-IN"/>
+                        <a:t>a + b = 30</a:t>
+                      </a:r>
+                    </a:p>
+                  </a:txBody>
+                  <a:tcPr anchor="ctr"/>
+                </a:tc>
+              </a:tr>
+              <a:tr h="370840">
+                <a:tc>
+                  <a:txBody>
+                    <a:bodyPr/>
+                    <a:lstStyle/>
+                    <a:p>
+                      <a:r>
+                        <a:rPr lang="en-US"/>
+                        <a:t>- Subtraction</a:t>
+                      </a:r>
+                    </a:p>
+                  </a:txBody>
+                  <a:tcPr anchor="ctr"/>
+                </a:tc>
+                <a:tc>
+                  <a:txBody>
+                    <a:bodyPr/>
+                    <a:lstStyle/>
+                    <a:p>
+                      <a:r>
+                        <a:rPr lang="en-US"/>
+                        <a:t>Subtracts right hand operand from left hand operand.</a:t>
+                      </a:r>
+                    </a:p>
+                  </a:txBody>
+                  <a:tcPr anchor="ctr"/>
+                </a:tc>
+                <a:tc>
+                  <a:txBody>
+                    <a:bodyPr/>
+                    <a:lstStyle/>
+                    <a:p>
+                      <a:r>
+                        <a:rPr lang="mr-IN"/>
+                        <a:t>a – b = -10</a:t>
+                      </a:r>
+                    </a:p>
+                  </a:txBody>
+                  <a:tcPr anchor="ctr"/>
+                </a:tc>
+              </a:tr>
+              <a:tr h="370840">
+                <a:tc>
+                  <a:txBody>
+                    <a:bodyPr/>
+                    <a:lstStyle/>
+                    <a:p>
+                      <a:r>
+                        <a:rPr lang="en-US"/>
+                        <a:t>* Multiplication</a:t>
+                      </a:r>
+                    </a:p>
+                  </a:txBody>
+                  <a:tcPr anchor="ctr"/>
+                </a:tc>
+                <a:tc>
+                  <a:txBody>
+                    <a:bodyPr/>
+                    <a:lstStyle/>
+                    <a:p>
+                      <a:r>
+                        <a:rPr lang="en-US"/>
+                        <a:t>Multiplies values on either side of the operator</a:t>
+                      </a:r>
+                    </a:p>
+                  </a:txBody>
+                  <a:tcPr anchor="ctr"/>
+                </a:tc>
+                <a:tc>
+                  <a:txBody>
+                    <a:bodyPr/>
+                    <a:lstStyle/>
+                    <a:p>
+                      <a:r>
+                        <a:rPr lang="en-US"/>
+                        <a:t>a * b = 200</a:t>
+                      </a:r>
+                    </a:p>
+                  </a:txBody>
+                  <a:tcPr anchor="ctr"/>
+                </a:tc>
+              </a:tr>
+              <a:tr h="521843">
+                <a:tc>
+                  <a:txBody>
+                    <a:bodyPr/>
+                    <a:lstStyle/>
+                    <a:p>
+                      <a:r>
+                        <a:rPr lang="en-US" dirty="0"/>
+                        <a:t>/ Division</a:t>
+                      </a:r>
+                    </a:p>
+                  </a:txBody>
+                  <a:tcPr anchor="ctr"/>
+                </a:tc>
+                <a:tc>
+                  <a:txBody>
+                    <a:bodyPr/>
+                    <a:lstStyle/>
+                    <a:p>
+                      <a:r>
+                        <a:rPr lang="en-US"/>
+                        <a:t>Divides left hand operand by right hand operand</a:t>
+                      </a:r>
+                    </a:p>
+                  </a:txBody>
+                  <a:tcPr anchor="ctr"/>
+                </a:tc>
+                <a:tc>
+                  <a:txBody>
+                    <a:bodyPr/>
+                    <a:lstStyle/>
+                    <a:p>
+                      <a:r>
+                        <a:rPr lang="mr-IN"/>
+                        <a:t>b / a = 2</a:t>
+                      </a:r>
+                    </a:p>
+                  </a:txBody>
+                  <a:tcPr anchor="ctr"/>
+                </a:tc>
+              </a:tr>
+              <a:tr h="758840">
+                <a:tc>
+                  <a:txBody>
+                    <a:bodyPr/>
+                    <a:lstStyle/>
+                    <a:p>
+                      <a:r>
+                        <a:rPr lang="en-US" dirty="0"/>
+                        <a:t>% Modulus</a:t>
+                      </a:r>
+                    </a:p>
+                  </a:txBody>
+                  <a:tcPr anchor="ctr"/>
+                </a:tc>
+                <a:tc>
+                  <a:txBody>
+                    <a:bodyPr/>
+                    <a:lstStyle/>
+                    <a:p>
+                      <a:r>
+                        <a:rPr lang="en-US"/>
+                        <a:t>Divides left hand operand by right hand operand and returns remainder</a:t>
+                      </a:r>
+                    </a:p>
+                  </a:txBody>
+                  <a:tcPr anchor="ctr"/>
+                </a:tc>
+                <a:tc>
+                  <a:txBody>
+                    <a:bodyPr/>
+                    <a:lstStyle/>
+                    <a:p>
+                      <a:r>
+                        <a:rPr lang="mr-IN" dirty="0" err="1"/>
+                        <a:t>b</a:t>
+                      </a:r>
+                      <a:r>
+                        <a:rPr lang="mr-IN" dirty="0"/>
+                        <a:t> % </a:t>
+                      </a:r>
+                      <a:r>
+                        <a:rPr lang="mr-IN" dirty="0" err="1"/>
+                        <a:t>a</a:t>
+                      </a:r>
+                      <a:r>
+                        <a:rPr lang="mr-IN" dirty="0"/>
+                        <a:t> = 0</a:t>
+                      </a:r>
+                    </a:p>
+                  </a:txBody>
+                  <a:tcPr anchor="ctr"/>
+                </a:tc>
+              </a:tr>
+              <a:tr h="370840">
+                <a:tc>
+                  <a:txBody>
+                    <a:bodyPr/>
+                    <a:lstStyle/>
+                    <a:p>
+                      <a:r>
+                        <a:rPr lang="en-US"/>
+                        <a:t>** Exponent</a:t>
+                      </a:r>
+                    </a:p>
+                  </a:txBody>
+                  <a:tcPr anchor="ctr"/>
+                </a:tc>
+                <a:tc>
+                  <a:txBody>
+                    <a:bodyPr/>
+                    <a:lstStyle/>
+                    <a:p>
+                      <a:r>
+                        <a:rPr lang="en-US"/>
+                        <a:t>Performs exponential (power) calculation on operators</a:t>
+                      </a:r>
+                    </a:p>
+                  </a:txBody>
+                  <a:tcPr anchor="ctr"/>
+                </a:tc>
+                <a:tc>
+                  <a:txBody>
+                    <a:bodyPr/>
+                    <a:lstStyle/>
+                    <a:p>
+                      <a:r>
+                        <a:rPr lang="en-US"/>
+                        <a:t>a**b =10 to the power 20</a:t>
+                      </a:r>
+                    </a:p>
+                  </a:txBody>
+                  <a:tcPr anchor="ctr"/>
+                </a:tc>
+              </a:tr>
+              <a:tr h="1742287">
+                <a:tc>
+                  <a:txBody>
+                    <a:bodyPr/>
+                    <a:lstStyle/>
+                    <a:p>
+                      <a:r>
+                        <a:rPr lang="mr-IN" dirty="0"/>
+                        <a:t>//</a:t>
+                      </a:r>
+                    </a:p>
+                  </a:txBody>
+                  <a:tcPr anchor="ctr"/>
+                </a:tc>
+                <a:tc>
+                  <a:txBody>
+                    <a:bodyPr/>
+                    <a:lstStyle/>
+                    <a:p>
+                      <a:r>
+                        <a:rPr lang="en-US"/>
+                        <a:t>Floor Division - The division of operands where the result is the quotient in which the digits after the decimal point are removed. But if one of the operands is negative, the result is floored, i.e., rounded away from zero (towards negative infinity):</a:t>
+                      </a:r>
+                    </a:p>
+                  </a:txBody>
+                  <a:tcPr anchor="ctr"/>
+                </a:tc>
+                <a:tc>
+                  <a:txBody>
+                    <a:bodyPr/>
+                    <a:lstStyle/>
+                    <a:p>
+                      <a:r>
+                        <a:rPr lang="mr-IN" dirty="0"/>
+                        <a:t>9//2 = 4 </a:t>
+                      </a:r>
+                      <a:r>
+                        <a:rPr lang="mr-IN" dirty="0" err="1"/>
+                        <a:t>and</a:t>
+                      </a:r>
+                      <a:r>
+                        <a:rPr lang="mr-IN" dirty="0"/>
+                        <a:t> 9.0//2.0 = 4.0, -11//3 = -4, -11.0//3 = -4.0</a:t>
+                      </a:r>
+                    </a:p>
+                  </a:txBody>
+                  <a:tcPr anchor="ctr"/>
+                </a:tc>
+              </a:tr>
+            </a:tbl>
+          </a:graphicData>
+        </a:graphic>
+      </p:graphicFrame>
+    </p:spTree>
+    <p:extLst>
+      <p:ext uri="{BB962C8B-B14F-4D97-AF65-F5344CB8AC3E}">
+        <p14:creationId xmlns:p14="http://schemas.microsoft.com/office/powerpoint/2010/main" val="1022973698"/>
+      </p:ext>
+    </p:extLst>
+  </p:cSld>
+  <p:clrMapOvr>
+    <a:masterClrMapping/>
+  </p:clrMapOvr>
+  <p:timing>
+    <p:tnLst>
+      <p:par>
+        <p:cTn id="1" dur="indefinite" restart="never" nodeType="tmRoot"/>
+      </p:par>
+    </p:tnLst>
+  </p:timing>
+</p:sld>
+</file>
+
+<file path=ppt/slides/slide21.xml><?xml version="1.0" encoding="utf-8"?>
+<p:sld xmlns:a="http://schemas.openxmlformats.org/drawingml/2006/main" xmlns:r="http://schemas.openxmlformats.org/officeDocument/2006/relationships" xmlns:p="http://schemas.openxmlformats.org/presentationml/2006/main">
+  <p:cSld>
+    <p:spTree>
+      <p:nvGrpSpPr>
+        <p:cNvPr id="1" name=""/>
+        <p:cNvGrpSpPr/>
+        <p:nvPr/>
+      </p:nvGrpSpPr>
+      <p:grpSpPr>
+        <a:xfrm>
+          <a:off x="0" y="0"/>
+          <a:ext cx="0" cy="0"/>
+          <a:chOff x="0" y="0"/>
+          <a:chExt cx="0" cy="0"/>
+        </a:xfrm>
+      </p:grpSpPr>
+      <p:sp>
+        <p:nvSpPr>
+          <p:cNvPr id="2" name="Title 1"/>
+          <p:cNvSpPr>
+            <a:spLocks noGrp="1"/>
+          </p:cNvSpPr>
+          <p:nvPr>
+            <p:ph type="title"/>
+          </p:nvPr>
+        </p:nvSpPr>
+        <p:spPr/>
+        <p:txBody>
+          <a:bodyPr/>
+          <a:lstStyle/>
+          <a:p>
+            <a:r>
+              <a:rPr lang="en-US" b="1" dirty="0"/>
+              <a:t>Comparison </a:t>
+            </a:r>
+            <a:r>
+              <a:rPr lang="en-US" b="1" dirty="0" smtClean="0"/>
+              <a:t>Operators</a:t>
+            </a:r>
+            <a:endParaRPr lang="en-US" dirty="0"/>
+          </a:p>
+        </p:txBody>
+      </p:sp>
+      <p:graphicFrame>
+        <p:nvGraphicFramePr>
+          <p:cNvPr id="5" name="Content Placeholder 4"/>
+          <p:cNvGraphicFramePr>
+            <a:graphicFrameLocks noGrp="1"/>
+          </p:cNvGraphicFramePr>
+          <p:nvPr>
+            <p:ph idx="1"/>
+            <p:extLst>
+              <p:ext uri="{D42A27DB-BD31-4B8C-83A1-F6EECF244321}">
+                <p14:modId xmlns:p14="http://schemas.microsoft.com/office/powerpoint/2010/main" val="729970197"/>
+              </p:ext>
+            </p:extLst>
+          </p:nvPr>
+        </p:nvGraphicFramePr>
+        <p:xfrm>
+          <a:off x="2589213" y="2133600"/>
+          <a:ext cx="8915400" cy="3333750"/>
+        </p:xfrm>
+        <a:graphic>
+          <a:graphicData uri="http://schemas.openxmlformats.org/drawingml/2006/table">
+            <a:tbl>
+              <a:tblPr firstRow="1" bandRow="1">
+                <a:tableStyleId>{5C22544A-7EE6-4342-B048-85BDC9FD1C3A}</a:tableStyleId>
+              </a:tblPr>
+              <a:tblGrid>
+                <a:gridCol w="2971800"/>
+                <a:gridCol w="2971800"/>
+                <a:gridCol w="2971800"/>
+              </a:tblGrid>
+              <a:tr h="370840">
+                <a:tc>
+                  <a:txBody>
+                    <a:bodyPr/>
+                    <a:lstStyle/>
+                    <a:p>
+                      <a:pPr algn="l" fontAlgn="b"/>
+                      <a:r>
+                        <a:rPr lang="en-US" sz="1200" b="1" i="0" u="none" strike="noStrike" dirty="0">
+                          <a:solidFill>
+                            <a:srgbClr val="000000"/>
+                          </a:solidFill>
+                          <a:effectLst/>
+                          <a:latin typeface="Calibri" charset="0"/>
+                        </a:rPr>
+                        <a:t>Operator</a:t>
+                      </a:r>
+                    </a:p>
+                  </a:txBody>
+                  <a:tcPr marL="6350" marR="6350" marT="6350" marB="0" anchor="b"/>
+                </a:tc>
+                <a:tc>
+                  <a:txBody>
+                    <a:bodyPr/>
+                    <a:lstStyle/>
+                    <a:p>
+                      <a:pPr algn="l" fontAlgn="b"/>
+                      <a:r>
+                        <a:rPr lang="en-US" sz="1200" b="1" i="0" u="none" strike="noStrike">
+                          <a:solidFill>
+                            <a:srgbClr val="000000"/>
+                          </a:solidFill>
+                          <a:effectLst/>
+                          <a:latin typeface="Calibri" charset="0"/>
+                        </a:rPr>
+                        <a:t>Description</a:t>
+                      </a:r>
+                    </a:p>
+                  </a:txBody>
+                  <a:tcPr marL="6350" marR="6350" marT="6350" marB="0" anchor="b"/>
+                </a:tc>
+                <a:tc>
+                  <a:txBody>
+                    <a:bodyPr/>
+                    <a:lstStyle/>
+                    <a:p>
+                      <a:pPr algn="l" fontAlgn="b"/>
+                      <a:r>
+                        <a:rPr lang="en-US" sz="1200" b="1" i="0" u="none" strike="noStrike">
+                          <a:solidFill>
+                            <a:srgbClr val="000000"/>
+                          </a:solidFill>
+                          <a:effectLst/>
+                          <a:latin typeface="Calibri" charset="0"/>
+                        </a:rPr>
+                        <a:t>Example</a:t>
+                      </a:r>
+                    </a:p>
+                  </a:txBody>
+                  <a:tcPr marL="6350" marR="6350" marT="6350" marB="0" anchor="b"/>
+                </a:tc>
+              </a:tr>
+              <a:tr h="370840">
+                <a:tc>
+                  <a:txBody>
+                    <a:bodyPr/>
+                    <a:lstStyle/>
+                    <a:p>
+                      <a:pPr algn="l" fontAlgn="b"/>
+                      <a:r>
+                        <a:rPr lang="mr-IN" sz="1200" b="0" i="0" u="none" strike="noStrike">
+                          <a:solidFill>
+                            <a:srgbClr val="000000"/>
+                          </a:solidFill>
+                          <a:effectLst/>
+                          <a:latin typeface="Calibri" charset="0"/>
+                        </a:rPr>
+                        <a:t>==</a:t>
+                      </a:r>
+                    </a:p>
+                  </a:txBody>
+                  <a:tcPr marL="6350" marR="6350" marT="6350" marB="0" anchor="b"/>
+                </a:tc>
+                <a:tc>
+                  <a:txBody>
+                    <a:bodyPr/>
+                    <a:lstStyle/>
+                    <a:p>
+                      <a:pPr algn="l" fontAlgn="b"/>
+                      <a:r>
+                        <a:rPr lang="en-US" sz="1200" b="0" i="0" u="none" strike="noStrike">
+                          <a:solidFill>
+                            <a:srgbClr val="000000"/>
+                          </a:solidFill>
+                          <a:effectLst/>
+                          <a:latin typeface="Calibri" charset="0"/>
+                        </a:rPr>
+                        <a:t>If the values of two operands are equal, then the condition becomes true.</a:t>
+                      </a:r>
+                    </a:p>
+                  </a:txBody>
+                  <a:tcPr marL="6350" marR="6350" marT="6350" marB="0" anchor="b"/>
+                </a:tc>
+                <a:tc>
+                  <a:txBody>
+                    <a:bodyPr/>
+                    <a:lstStyle/>
+                    <a:p>
+                      <a:pPr algn="l" fontAlgn="b"/>
+                      <a:r>
+                        <a:rPr lang="en-US" sz="1200" b="0" i="0" u="none" strike="noStrike">
+                          <a:solidFill>
+                            <a:srgbClr val="000000"/>
+                          </a:solidFill>
+                          <a:effectLst/>
+                          <a:latin typeface="Calibri" charset="0"/>
+                        </a:rPr>
+                        <a:t>(a == b) is not true.</a:t>
+                      </a:r>
+                    </a:p>
+                  </a:txBody>
+                  <a:tcPr marL="6350" marR="6350" marT="6350" marB="0" anchor="b"/>
+                </a:tc>
+              </a:tr>
+              <a:tr h="370840">
+                <a:tc>
+                  <a:txBody>
+                    <a:bodyPr/>
+                    <a:lstStyle/>
+                    <a:p>
+                      <a:pPr algn="l" fontAlgn="b"/>
+                      <a:r>
+                        <a:rPr lang="mr-IN" sz="1200" b="0" i="0" u="none" strike="noStrike">
+                          <a:solidFill>
+                            <a:srgbClr val="000000"/>
+                          </a:solidFill>
+                          <a:effectLst/>
+                          <a:latin typeface="Calibri" charset="0"/>
+                        </a:rPr>
+                        <a:t>!=</a:t>
+                      </a:r>
+                    </a:p>
+                  </a:txBody>
+                  <a:tcPr marL="6350" marR="6350" marT="6350" marB="0" anchor="b"/>
+                </a:tc>
+                <a:tc gridSpan="2">
+                  <a:txBody>
+                    <a:bodyPr/>
+                    <a:lstStyle/>
+                    <a:p>
+                      <a:pPr algn="l" fontAlgn="b"/>
+                      <a:r>
+                        <a:rPr lang="en-US" sz="1200" b="0" i="0" u="none" strike="noStrike">
+                          <a:solidFill>
+                            <a:srgbClr val="000000"/>
+                          </a:solidFill>
+                          <a:effectLst/>
+                          <a:latin typeface="Calibri" charset="0"/>
+                        </a:rPr>
+                        <a:t>If values of two operands are not equal, then condition becomes true.</a:t>
+                      </a:r>
+                    </a:p>
+                  </a:txBody>
+                  <a:tcPr marL="6350" marR="6350" marT="6350" marB="0" anchor="b"/>
+                </a:tc>
+                <a:tc hMerge="1">
+                  <a:txBody>
+                    <a:bodyPr/>
+                    <a:lstStyle/>
+                    <a:p>
+                      <a:endParaRPr lang="en-US"/>
+                    </a:p>
+                  </a:txBody>
+                  <a:tcPr/>
+                </a:tc>
+              </a:tr>
+              <a:tr h="370840">
+                <a:tc>
+                  <a:txBody>
+                    <a:bodyPr/>
+                    <a:lstStyle/>
+                    <a:p>
+                      <a:pPr algn="l" fontAlgn="b"/>
+                      <a:r>
+                        <a:rPr lang="mr-IN" sz="1200" b="0" i="0" u="none" strike="noStrike">
+                          <a:solidFill>
+                            <a:srgbClr val="000000"/>
+                          </a:solidFill>
+                          <a:effectLst/>
+                          <a:latin typeface="Calibri" charset="0"/>
+                        </a:rPr>
+                        <a:t>&gt;</a:t>
+                      </a:r>
+                    </a:p>
+                  </a:txBody>
+                  <a:tcPr marL="6350" marR="6350" marT="6350" marB="0" anchor="b"/>
+                </a:tc>
+                <a:tc>
+                  <a:txBody>
+                    <a:bodyPr/>
+                    <a:lstStyle/>
+                    <a:p>
+                      <a:pPr algn="l" fontAlgn="b"/>
+                      <a:r>
+                        <a:rPr lang="en-US" sz="1200" b="0" i="0" u="none" strike="noStrike">
+                          <a:solidFill>
+                            <a:srgbClr val="000000"/>
+                          </a:solidFill>
+                          <a:effectLst/>
+                          <a:latin typeface="Calibri" charset="0"/>
+                        </a:rPr>
+                        <a:t>If the value of left operand is greater than the value of right operand, then condition becomes true.</a:t>
+                      </a:r>
+                    </a:p>
+                  </a:txBody>
+                  <a:tcPr marL="6350" marR="6350" marT="6350" marB="0" anchor="b"/>
+                </a:tc>
+                <a:tc>
+                  <a:txBody>
+                    <a:bodyPr/>
+                    <a:lstStyle/>
+                    <a:p>
+                      <a:pPr algn="l" fontAlgn="b"/>
+                      <a:r>
+                        <a:rPr lang="en-US" sz="1200" b="0" i="0" u="none" strike="noStrike">
+                          <a:solidFill>
+                            <a:srgbClr val="000000"/>
+                          </a:solidFill>
+                          <a:effectLst/>
+                          <a:latin typeface="Calibri" charset="0"/>
+                        </a:rPr>
+                        <a:t>(a &gt; b) is not true.</a:t>
+                      </a:r>
+                    </a:p>
+                  </a:txBody>
+                  <a:tcPr marL="6350" marR="6350" marT="6350" marB="0" anchor="b"/>
+                </a:tc>
+              </a:tr>
+              <a:tr h="370840">
+                <a:tc>
+                  <a:txBody>
+                    <a:bodyPr/>
+                    <a:lstStyle/>
+                    <a:p>
+                      <a:pPr algn="l" fontAlgn="b"/>
+                      <a:r>
+                        <a:rPr lang="mr-IN" sz="1200" b="0" i="0" u="none" strike="noStrike">
+                          <a:solidFill>
+                            <a:srgbClr val="000000"/>
+                          </a:solidFill>
+                          <a:effectLst/>
+                          <a:latin typeface="Calibri" charset="0"/>
+                        </a:rPr>
+                        <a:t>&lt;</a:t>
+                      </a:r>
+                    </a:p>
+                  </a:txBody>
+                  <a:tcPr marL="6350" marR="6350" marT="6350" marB="0" anchor="b"/>
+                </a:tc>
+                <a:tc>
+                  <a:txBody>
+                    <a:bodyPr/>
+                    <a:lstStyle/>
+                    <a:p>
+                      <a:pPr algn="l" fontAlgn="b"/>
+                      <a:r>
+                        <a:rPr lang="en-US" sz="1200" b="0" i="0" u="none" strike="noStrike">
+                          <a:solidFill>
+                            <a:srgbClr val="000000"/>
+                          </a:solidFill>
+                          <a:effectLst/>
+                          <a:latin typeface="Calibri" charset="0"/>
+                        </a:rPr>
+                        <a:t>If the value of left operand is less than the value of right operand, then condition becomes true.</a:t>
+                      </a:r>
+                    </a:p>
+                  </a:txBody>
+                  <a:tcPr marL="6350" marR="6350" marT="6350" marB="0" anchor="b"/>
+                </a:tc>
+                <a:tc>
+                  <a:txBody>
+                    <a:bodyPr/>
+                    <a:lstStyle/>
+                    <a:p>
+                      <a:pPr algn="l" fontAlgn="b"/>
+                      <a:r>
+                        <a:rPr lang="en-US" sz="1200" b="0" i="0" u="none" strike="noStrike">
+                          <a:solidFill>
+                            <a:srgbClr val="000000"/>
+                          </a:solidFill>
+                          <a:effectLst/>
+                          <a:latin typeface="Calibri" charset="0"/>
+                        </a:rPr>
+                        <a:t>(a &lt; b) is true.</a:t>
+                      </a:r>
+                    </a:p>
+                  </a:txBody>
+                  <a:tcPr marL="6350" marR="6350" marT="6350" marB="0" anchor="b"/>
+                </a:tc>
+              </a:tr>
+              <a:tr h="370840">
+                <a:tc>
+                  <a:txBody>
+                    <a:bodyPr/>
+                    <a:lstStyle/>
+                    <a:p>
+                      <a:pPr algn="l" fontAlgn="b"/>
+                      <a:r>
+                        <a:rPr lang="mr-IN" sz="1200" b="0" i="0" u="none" strike="noStrike">
+                          <a:solidFill>
+                            <a:srgbClr val="000000"/>
+                          </a:solidFill>
+                          <a:effectLst/>
+                          <a:latin typeface="Calibri" charset="0"/>
+                        </a:rPr>
+                        <a:t>&gt;=</a:t>
+                      </a:r>
+                    </a:p>
+                  </a:txBody>
+                  <a:tcPr marL="6350" marR="6350" marT="6350" marB="0" anchor="b"/>
+                </a:tc>
+                <a:tc>
+                  <a:txBody>
+                    <a:bodyPr/>
+                    <a:lstStyle/>
+                    <a:p>
+                      <a:pPr algn="l" fontAlgn="b"/>
+                      <a:r>
+                        <a:rPr lang="en-US" sz="1200" b="0" i="0" u="none" strike="noStrike">
+                          <a:solidFill>
+                            <a:srgbClr val="000000"/>
+                          </a:solidFill>
+                          <a:effectLst/>
+                          <a:latin typeface="Calibri" charset="0"/>
+                        </a:rPr>
+                        <a:t>If the value of left operand is greater than or equal to the value of right operand, then condition becomes true.</a:t>
+                      </a:r>
+                    </a:p>
+                  </a:txBody>
+                  <a:tcPr marL="6350" marR="6350" marT="6350" marB="0" anchor="b"/>
+                </a:tc>
+                <a:tc>
+                  <a:txBody>
+                    <a:bodyPr/>
+                    <a:lstStyle/>
+                    <a:p>
+                      <a:pPr algn="l" fontAlgn="b"/>
+                      <a:r>
+                        <a:rPr lang="en-US" sz="1200" b="0" i="0" u="none" strike="noStrike">
+                          <a:solidFill>
+                            <a:srgbClr val="000000"/>
+                          </a:solidFill>
+                          <a:effectLst/>
+                          <a:latin typeface="Calibri" charset="0"/>
+                        </a:rPr>
+                        <a:t>(a &gt;= b) is not true.</a:t>
+                      </a:r>
+                    </a:p>
+                  </a:txBody>
+                  <a:tcPr marL="6350" marR="6350" marT="6350" marB="0" anchor="b"/>
+                </a:tc>
+              </a:tr>
+              <a:tr h="370840">
+                <a:tc>
+                  <a:txBody>
+                    <a:bodyPr/>
+                    <a:lstStyle/>
+                    <a:p>
+                      <a:pPr algn="l" fontAlgn="b"/>
+                      <a:r>
+                        <a:rPr lang="mr-IN" sz="1200" b="0" i="0" u="none" strike="noStrike">
+                          <a:solidFill>
+                            <a:srgbClr val="000000"/>
+                          </a:solidFill>
+                          <a:effectLst/>
+                          <a:latin typeface="Calibri" charset="0"/>
+                        </a:rPr>
+                        <a:t>&lt;=</a:t>
+                      </a:r>
+                    </a:p>
+                  </a:txBody>
+                  <a:tcPr marL="6350" marR="6350" marT="6350" marB="0" anchor="b"/>
+                </a:tc>
+                <a:tc>
+                  <a:txBody>
+                    <a:bodyPr/>
+                    <a:lstStyle/>
+                    <a:p>
+                      <a:pPr algn="l" fontAlgn="b"/>
+                      <a:r>
+                        <a:rPr lang="en-US" sz="1200" b="0" i="0" u="none" strike="noStrike">
+                          <a:solidFill>
+                            <a:srgbClr val="000000"/>
+                          </a:solidFill>
+                          <a:effectLst/>
+                          <a:latin typeface="Calibri" charset="0"/>
+                        </a:rPr>
+                        <a:t>If the value of left operand is less than or equal to the value of right operand, then condition becomes true.</a:t>
+                      </a:r>
+                    </a:p>
+                  </a:txBody>
+                  <a:tcPr marL="6350" marR="6350" marT="6350" marB="0" anchor="b"/>
+                </a:tc>
+                <a:tc>
+                  <a:txBody>
+                    <a:bodyPr/>
+                    <a:lstStyle/>
+                    <a:p>
+                      <a:pPr algn="l" fontAlgn="b"/>
+                      <a:r>
+                        <a:rPr lang="mr-IN" sz="1200" b="0" i="0" u="none" strike="noStrike" dirty="0">
+                          <a:solidFill>
+                            <a:srgbClr val="000000"/>
+                          </a:solidFill>
+                          <a:effectLst/>
+                          <a:latin typeface="Calibri" charset="0"/>
+                        </a:rPr>
+                        <a:t>(</a:t>
+                      </a:r>
+                      <a:r>
+                        <a:rPr lang="mr-IN" sz="1200" b="0" i="0" u="none" strike="noStrike" dirty="0" err="1">
+                          <a:solidFill>
+                            <a:srgbClr val="000000"/>
+                          </a:solidFill>
+                          <a:effectLst/>
+                          <a:latin typeface="Calibri" charset="0"/>
+                        </a:rPr>
+                        <a:t>a</a:t>
+                      </a:r>
+                      <a:r>
+                        <a:rPr lang="mr-IN" sz="1200" b="0" i="0" u="none" strike="noStrike" dirty="0">
+                          <a:solidFill>
+                            <a:srgbClr val="000000"/>
+                          </a:solidFill>
+                          <a:effectLst/>
+                          <a:latin typeface="Calibri" charset="0"/>
+                        </a:rPr>
+                        <a:t> &lt;= </a:t>
+                      </a:r>
+                      <a:r>
+                        <a:rPr lang="mr-IN" sz="1200" b="0" i="0" u="none" strike="noStrike" dirty="0" err="1">
+                          <a:solidFill>
+                            <a:srgbClr val="000000"/>
+                          </a:solidFill>
+                          <a:effectLst/>
+                          <a:latin typeface="Calibri" charset="0"/>
+                        </a:rPr>
+                        <a:t>b</a:t>
+                      </a:r>
+                      <a:r>
+                        <a:rPr lang="mr-IN" sz="1200" b="0" i="0" u="none" strike="noStrike" dirty="0">
+                          <a:solidFill>
+                            <a:srgbClr val="000000"/>
+                          </a:solidFill>
+                          <a:effectLst/>
+                          <a:latin typeface="Calibri" charset="0"/>
+                        </a:rPr>
+                        <a:t>) </a:t>
+                      </a:r>
+                      <a:r>
+                        <a:rPr lang="mr-IN" sz="1200" b="0" i="0" u="none" strike="noStrike" dirty="0" err="1">
+                          <a:solidFill>
+                            <a:srgbClr val="000000"/>
+                          </a:solidFill>
+                          <a:effectLst/>
+                          <a:latin typeface="Calibri" charset="0"/>
+                        </a:rPr>
+                        <a:t>is</a:t>
+                      </a:r>
+                      <a:r>
+                        <a:rPr lang="mr-IN" sz="1200" b="0" i="0" u="none" strike="noStrike" dirty="0">
+                          <a:solidFill>
+                            <a:srgbClr val="000000"/>
+                          </a:solidFill>
+                          <a:effectLst/>
+                          <a:latin typeface="Calibri" charset="0"/>
+                        </a:rPr>
+                        <a:t> </a:t>
+                      </a:r>
+                      <a:r>
+                        <a:rPr lang="mr-IN" sz="1200" b="0" i="0" u="none" strike="noStrike" dirty="0" err="1">
+                          <a:solidFill>
+                            <a:srgbClr val="000000"/>
+                          </a:solidFill>
+                          <a:effectLst/>
+                          <a:latin typeface="Calibri" charset="0"/>
+                        </a:rPr>
+                        <a:t>true</a:t>
+                      </a:r>
+                      <a:r>
+                        <a:rPr lang="mr-IN" sz="1200" b="0" i="0" u="none" strike="noStrike" dirty="0">
+                          <a:solidFill>
+                            <a:srgbClr val="000000"/>
+                          </a:solidFill>
+                          <a:effectLst/>
+                          <a:latin typeface="Calibri" charset="0"/>
+                        </a:rPr>
+                        <a:t>.</a:t>
+                      </a:r>
+                    </a:p>
+                  </a:txBody>
+                  <a:tcPr marL="6350" marR="6350" marT="6350" marB="0" anchor="b"/>
+                </a:tc>
+              </a:tr>
+            </a:tbl>
+          </a:graphicData>
+        </a:graphic>
+      </p:graphicFrame>
+    </p:spTree>
+    <p:extLst>
+      <p:ext uri="{BB962C8B-B14F-4D97-AF65-F5344CB8AC3E}">
+        <p14:creationId xmlns:p14="http://schemas.microsoft.com/office/powerpoint/2010/main" val="42785677"/>
+      </p:ext>
+    </p:extLst>
+  </p:cSld>
+  <p:clrMapOvr>
+    <a:masterClrMapping/>
+  </p:clrMapOvr>
+  <p:timing>
+    <p:tnLst>
+      <p:par>
+        <p:cTn id="1" dur="indefinite" restart="never" nodeType="tmRoot"/>
+      </p:par>
+    </p:tnLst>
+  </p:timing>
+</p:sld>
+</file>
+
+<file path=ppt/slides/slide22.xml><?xml version="1.0" encoding="utf-8"?>
+<p:sld xmlns:a="http://schemas.openxmlformats.org/drawingml/2006/main" xmlns:r="http://schemas.openxmlformats.org/officeDocument/2006/relationships" xmlns:p="http://schemas.openxmlformats.org/presentationml/2006/main">
+  <p:cSld>
+    <p:spTree>
+      <p:nvGrpSpPr>
+        <p:cNvPr id="1" name=""/>
+        <p:cNvGrpSpPr/>
+        <p:nvPr/>
+      </p:nvGrpSpPr>
+      <p:grpSpPr>
+        <a:xfrm>
+          <a:off x="0" y="0"/>
+          <a:ext cx="0" cy="0"/>
+          <a:chOff x="0" y="0"/>
+          <a:chExt cx="0" cy="0"/>
+        </a:xfrm>
+      </p:grpSpPr>
+      <p:sp>
+        <p:nvSpPr>
+          <p:cNvPr id="2" name="Title 1"/>
+          <p:cNvSpPr>
+            <a:spLocks noGrp="1"/>
+          </p:cNvSpPr>
+          <p:nvPr>
+            <p:ph type="title"/>
+          </p:nvPr>
+        </p:nvSpPr>
+        <p:spPr/>
+        <p:txBody>
+          <a:bodyPr/>
+          <a:lstStyle/>
+          <a:p>
+            <a:r>
+              <a:rPr lang="en-US" b="1" dirty="0"/>
+              <a:t>Assignment Operators</a:t>
+            </a:r>
+            <a:br>
+              <a:rPr lang="en-US" b="1" dirty="0"/>
+            </a:br>
+            <a:endParaRPr lang="en-US" dirty="0"/>
+          </a:p>
+        </p:txBody>
+      </p:sp>
+      <p:graphicFrame>
+        <p:nvGraphicFramePr>
+          <p:cNvPr id="4" name="Content Placeholder 3"/>
+          <p:cNvGraphicFramePr>
+            <a:graphicFrameLocks noGrp="1"/>
+          </p:cNvGraphicFramePr>
+          <p:nvPr>
+            <p:ph idx="1"/>
+            <p:extLst>
+              <p:ext uri="{D42A27DB-BD31-4B8C-83A1-F6EECF244321}">
+                <p14:modId xmlns:p14="http://schemas.microsoft.com/office/powerpoint/2010/main" val="1885938405"/>
+              </p:ext>
+            </p:extLst>
+          </p:nvPr>
+        </p:nvGraphicFramePr>
+        <p:xfrm>
+          <a:off x="559837" y="1264555"/>
+          <a:ext cx="10627535" cy="6897292"/>
+        </p:xfrm>
+        <a:graphic>
+          <a:graphicData uri="http://schemas.openxmlformats.org/drawingml/2006/table">
+            <a:tbl>
+              <a:tblPr firstRow="1" bandRow="1">
+                <a:tableStyleId>{5C22544A-7EE6-4342-B048-85BDC9FD1C3A}</a:tableStyleId>
+              </a:tblPr>
+              <a:tblGrid>
+                <a:gridCol w="2397967"/>
+                <a:gridCol w="4687056"/>
+                <a:gridCol w="3542512"/>
+              </a:tblGrid>
+              <a:tr h="405052">
+                <a:tc>
+                  <a:txBody>
+                    <a:bodyPr/>
+                    <a:lstStyle/>
+                    <a:p>
+                      <a:r>
+                        <a:rPr lang="en-US" dirty="0">
+                          <a:effectLst/>
+                        </a:rPr>
+                        <a:t>Operator</a:t>
+                      </a:r>
+                    </a:p>
+                  </a:txBody>
+                  <a:tcPr anchor="ctr"/>
+                </a:tc>
+                <a:tc>
+                  <a:txBody>
+                    <a:bodyPr/>
+                    <a:lstStyle/>
+                    <a:p>
+                      <a:r>
+                        <a:rPr lang="en-US">
+                          <a:effectLst/>
+                        </a:rPr>
+                        <a:t>Description</a:t>
+                      </a:r>
+                    </a:p>
+                  </a:txBody>
+                  <a:tcPr anchor="ctr"/>
+                </a:tc>
+                <a:tc>
+                  <a:txBody>
+                    <a:bodyPr/>
+                    <a:lstStyle/>
+                    <a:p>
+                      <a:r>
+                        <a:rPr lang="en-US"/>
+                        <a:t>Example</a:t>
+                      </a:r>
+                    </a:p>
+                  </a:txBody>
+                  <a:tcPr anchor="ctr"/>
+                </a:tc>
+              </a:tr>
+              <a:tr h="370840">
+                <a:tc>
+                  <a:txBody>
+                    <a:bodyPr/>
+                    <a:lstStyle/>
+                    <a:p>
+                      <a:r>
+                        <a:rPr lang="mr-IN"/>
+                        <a:t>=</a:t>
+                      </a:r>
+                    </a:p>
+                  </a:txBody>
+                  <a:tcPr anchor="ctr"/>
+                </a:tc>
+                <a:tc>
+                  <a:txBody>
+                    <a:bodyPr/>
+                    <a:lstStyle/>
+                    <a:p>
+                      <a:r>
+                        <a:rPr lang="en-US"/>
+                        <a:t>Assigns values from right side operands to left side operand</a:t>
+                      </a:r>
+                    </a:p>
+                  </a:txBody>
+                  <a:tcPr anchor="ctr"/>
+                </a:tc>
+                <a:tc>
+                  <a:txBody>
+                    <a:bodyPr/>
+                    <a:lstStyle/>
+                    <a:p>
+                      <a:r>
+                        <a:rPr lang="en-US"/>
+                        <a:t>c = a + b assigns value of a + b into c</a:t>
+                      </a:r>
+                    </a:p>
+                  </a:txBody>
+                  <a:tcPr anchor="ctr"/>
+                </a:tc>
+              </a:tr>
+              <a:tr h="370840">
+                <a:tc>
+                  <a:txBody>
+                    <a:bodyPr/>
+                    <a:lstStyle/>
+                    <a:p>
+                      <a:r>
+                        <a:rPr lang="en-US"/>
+                        <a:t>+= Add AND</a:t>
+                      </a:r>
+                    </a:p>
+                  </a:txBody>
+                  <a:tcPr anchor="ctr"/>
+                </a:tc>
+                <a:tc>
+                  <a:txBody>
+                    <a:bodyPr/>
+                    <a:lstStyle/>
+                    <a:p>
+                      <a:r>
+                        <a:rPr lang="en-US"/>
+                        <a:t>It adds right operand to the left operand and assign the result to left operand</a:t>
+                      </a:r>
+                    </a:p>
+                  </a:txBody>
+                  <a:tcPr anchor="ctr"/>
+                </a:tc>
+                <a:tc>
+                  <a:txBody>
+                    <a:bodyPr/>
+                    <a:lstStyle/>
+                    <a:p>
+                      <a:r>
+                        <a:rPr lang="en-US"/>
+                        <a:t>c += a is equivalent to c = c + a</a:t>
+                      </a:r>
+                    </a:p>
+                  </a:txBody>
+                  <a:tcPr anchor="ctr"/>
+                </a:tc>
+              </a:tr>
+              <a:tr h="370840">
+                <a:tc>
+                  <a:txBody>
+                    <a:bodyPr/>
+                    <a:lstStyle/>
+                    <a:p>
+                      <a:r>
+                        <a:rPr lang="en-US"/>
+                        <a:t>-= Subtract AND</a:t>
+                      </a:r>
+                    </a:p>
+                  </a:txBody>
+                  <a:tcPr anchor="ctr"/>
+                </a:tc>
+                <a:tc>
+                  <a:txBody>
+                    <a:bodyPr/>
+                    <a:lstStyle/>
+                    <a:p>
+                      <a:r>
+                        <a:rPr lang="en-US"/>
+                        <a:t>It subtracts right operand from the left operand and assign the result to left operand</a:t>
+                      </a:r>
+                    </a:p>
+                  </a:txBody>
+                  <a:tcPr anchor="ctr"/>
+                </a:tc>
+                <a:tc>
+                  <a:txBody>
+                    <a:bodyPr/>
+                    <a:lstStyle/>
+                    <a:p>
+                      <a:r>
+                        <a:rPr lang="en-US"/>
+                        <a:t>c -= a is equivalent to c = c - a</a:t>
+                      </a:r>
+                    </a:p>
+                  </a:txBody>
+                  <a:tcPr anchor="ctr"/>
+                </a:tc>
+              </a:tr>
+              <a:tr h="370840">
+                <a:tc>
+                  <a:txBody>
+                    <a:bodyPr/>
+                    <a:lstStyle/>
+                    <a:p>
+                      <a:r>
+                        <a:rPr lang="en-US"/>
+                        <a:t>*= Multiply AND</a:t>
+                      </a:r>
+                    </a:p>
+                  </a:txBody>
+                  <a:tcPr anchor="ctr"/>
+                </a:tc>
+                <a:tc>
+                  <a:txBody>
+                    <a:bodyPr/>
+                    <a:lstStyle/>
+                    <a:p>
+                      <a:r>
+                        <a:rPr lang="en-US"/>
+                        <a:t>It multiplies right operand with the left operand and assign the result to left operand</a:t>
+                      </a:r>
+                    </a:p>
+                  </a:txBody>
+                  <a:tcPr anchor="ctr"/>
+                </a:tc>
+                <a:tc>
+                  <a:txBody>
+                    <a:bodyPr/>
+                    <a:lstStyle/>
+                    <a:p>
+                      <a:r>
+                        <a:rPr lang="en-US"/>
+                        <a:t>c *= a is equivalent to c = c * a</a:t>
+                      </a:r>
+                    </a:p>
+                  </a:txBody>
+                  <a:tcPr anchor="ctr"/>
+                </a:tc>
+              </a:tr>
+              <a:tr h="370840">
+                <a:tc>
+                  <a:txBody>
+                    <a:bodyPr/>
+                    <a:lstStyle/>
+                    <a:p>
+                      <a:r>
+                        <a:rPr lang="en-US"/>
+                        <a:t>/= Divide AND</a:t>
+                      </a:r>
+                    </a:p>
+                  </a:txBody>
+                  <a:tcPr anchor="ctr"/>
+                </a:tc>
+                <a:tc>
+                  <a:txBody>
+                    <a:bodyPr/>
+                    <a:lstStyle/>
+                    <a:p>
+                      <a:r>
+                        <a:rPr lang="en-US"/>
+                        <a:t>It divides left operand with the right operand and assign the result to left operand</a:t>
+                      </a:r>
+                    </a:p>
+                  </a:txBody>
+                  <a:tcPr anchor="ctr"/>
+                </a:tc>
+                <a:tc>
+                  <a:txBody>
+                    <a:bodyPr/>
+                    <a:lstStyle/>
+                    <a:p>
+                      <a:r>
+                        <a:rPr lang="en-US"/>
+                        <a:t>c /= a is equivalent to c = c / ac /= a is equivalent to c = c / a</a:t>
+                      </a:r>
+                    </a:p>
+                  </a:txBody>
+                  <a:tcPr anchor="ctr"/>
+                </a:tc>
+              </a:tr>
+              <a:tr h="370840">
+                <a:tc>
+                  <a:txBody>
+                    <a:bodyPr/>
+                    <a:lstStyle/>
+                    <a:p>
+                      <a:r>
+                        <a:rPr lang="en-US"/>
+                        <a:t>%= Modulus AND</a:t>
+                      </a:r>
+                    </a:p>
+                  </a:txBody>
+                  <a:tcPr anchor="ctr"/>
+                </a:tc>
+                <a:tc>
+                  <a:txBody>
+                    <a:bodyPr/>
+                    <a:lstStyle/>
+                    <a:p>
+                      <a:r>
+                        <a:rPr lang="en-US"/>
+                        <a:t>It takes modulus using two operands and assign the result to left operand</a:t>
+                      </a:r>
+                    </a:p>
+                  </a:txBody>
+                  <a:tcPr anchor="ctr"/>
+                </a:tc>
+                <a:tc>
+                  <a:txBody>
+                    <a:bodyPr/>
+                    <a:lstStyle/>
+                    <a:p>
+                      <a:r>
+                        <a:rPr lang="en-US"/>
+                        <a:t>c %= a is equivalent to c = c % a</a:t>
+                      </a:r>
+                    </a:p>
+                  </a:txBody>
+                  <a:tcPr anchor="ctr"/>
+                </a:tc>
+              </a:tr>
+              <a:tr h="370840">
+                <a:tc>
+                  <a:txBody>
+                    <a:bodyPr/>
+                    <a:lstStyle/>
+                    <a:p>
+                      <a:r>
+                        <a:rPr lang="en-US"/>
+                        <a:t>**= Exponent AND</a:t>
+                      </a:r>
+                    </a:p>
+                  </a:txBody>
+                  <a:tcPr anchor="ctr"/>
+                </a:tc>
+                <a:tc>
+                  <a:txBody>
+                    <a:bodyPr/>
+                    <a:lstStyle/>
+                    <a:p>
+                      <a:r>
+                        <a:rPr lang="en-US"/>
+                        <a:t>Performs exponential (power) calculation on operators and assign value to the left operand</a:t>
+                      </a:r>
+                    </a:p>
+                  </a:txBody>
+                  <a:tcPr anchor="ctr"/>
+                </a:tc>
+                <a:tc>
+                  <a:txBody>
+                    <a:bodyPr/>
+                    <a:lstStyle/>
+                    <a:p>
+                      <a:r>
+                        <a:rPr lang="en-US"/>
+                        <a:t>c **= a is equivalent to c = c ** a</a:t>
+                      </a:r>
+                    </a:p>
+                  </a:txBody>
+                  <a:tcPr anchor="ctr"/>
+                </a:tc>
+              </a:tr>
+              <a:tr h="370840">
+                <a:tc>
+                  <a:txBody>
+                    <a:bodyPr/>
+                    <a:lstStyle/>
+                    <a:p>
+                      <a:r>
+                        <a:rPr lang="en-US"/>
+                        <a:t>//= Floor Division</a:t>
+                      </a:r>
+                    </a:p>
+                  </a:txBody>
+                  <a:tcPr anchor="ctr"/>
+                </a:tc>
+                <a:tc>
+                  <a:txBody>
+                    <a:bodyPr/>
+                    <a:lstStyle/>
+                    <a:p>
+                      <a:r>
+                        <a:rPr lang="en-US"/>
+                        <a:t>It performs floor division on operators and assign value to the left operand</a:t>
+                      </a:r>
+                    </a:p>
+                  </a:txBody>
+                  <a:tcPr anchor="ctr"/>
+                </a:tc>
+                <a:tc>
+                  <a:txBody>
+                    <a:bodyPr/>
+                    <a:lstStyle/>
+                    <a:p>
+                      <a:r>
+                        <a:rPr lang="en-US" dirty="0"/>
+                        <a:t>c //= a is equivalent to c = c // a</a:t>
+                      </a:r>
+                    </a:p>
+                  </a:txBody>
+                  <a:tcPr anchor="ctr"/>
+                </a:tc>
+              </a:tr>
+            </a:tbl>
+          </a:graphicData>
+        </a:graphic>
+      </p:graphicFrame>
+    </p:spTree>
+    <p:extLst>
+      <p:ext uri="{BB962C8B-B14F-4D97-AF65-F5344CB8AC3E}">
+        <p14:creationId xmlns:p14="http://schemas.microsoft.com/office/powerpoint/2010/main" val="152319811"/>
+      </p:ext>
+    </p:extLst>
+  </p:cSld>
+  <p:clrMapOvr>
+    <a:masterClrMapping/>
+  </p:clrMapOvr>
+</p:sld>
+</file>
+
+<file path=ppt/slides/slide23.xml><?xml version="1.0" encoding="utf-8"?>
+<p:sld xmlns:a="http://schemas.openxmlformats.org/drawingml/2006/main" xmlns:r="http://schemas.openxmlformats.org/officeDocument/2006/relationships" xmlns:p="http://schemas.openxmlformats.org/presentationml/2006/main">
+  <p:cSld>
+    <p:spTree>
+      <p:nvGrpSpPr>
+        <p:cNvPr id="1" name=""/>
+        <p:cNvGrpSpPr/>
+        <p:nvPr/>
+      </p:nvGrpSpPr>
+      <p:grpSpPr>
+        <a:xfrm>
+          <a:off x="0" y="0"/>
+          <a:ext cx="0" cy="0"/>
+          <a:chOff x="0" y="0"/>
+          <a:chExt cx="0" cy="0"/>
+        </a:xfrm>
+      </p:grpSpPr>
+      <p:sp>
+        <p:nvSpPr>
+          <p:cNvPr id="2" name="Title 1"/>
+          <p:cNvSpPr>
+            <a:spLocks noGrp="1"/>
+          </p:cNvSpPr>
+          <p:nvPr>
+            <p:ph type="title"/>
+          </p:nvPr>
+        </p:nvSpPr>
+        <p:spPr/>
+        <p:txBody>
+          <a:bodyPr/>
+          <a:lstStyle/>
+          <a:p>
+            <a:r>
+              <a:rPr lang="en-US" dirty="0"/>
+              <a:t>Logical </a:t>
+            </a:r>
+            <a:r>
+              <a:rPr lang="en-US" dirty="0" smtClean="0"/>
+              <a:t>Operators</a:t>
+            </a:r>
+            <a:endParaRPr lang="en-US" dirty="0"/>
+          </a:p>
+        </p:txBody>
+      </p:sp>
+      <p:graphicFrame>
+        <p:nvGraphicFramePr>
+          <p:cNvPr id="4" name="Content Placeholder 3"/>
+          <p:cNvGraphicFramePr>
+            <a:graphicFrameLocks noGrp="1"/>
+          </p:cNvGraphicFramePr>
+          <p:nvPr>
+            <p:ph idx="1"/>
+            <p:extLst>
+              <p:ext uri="{D42A27DB-BD31-4B8C-83A1-F6EECF244321}">
+                <p14:modId xmlns:p14="http://schemas.microsoft.com/office/powerpoint/2010/main" val="65859763"/>
+              </p:ext>
+            </p:extLst>
+          </p:nvPr>
+        </p:nvGraphicFramePr>
+        <p:xfrm>
+          <a:off x="2589213" y="2133600"/>
+          <a:ext cx="8915400" cy="3388360"/>
+        </p:xfrm>
+        <a:graphic>
+          <a:graphicData uri="http://schemas.openxmlformats.org/drawingml/2006/table">
+            <a:tbl>
+              <a:tblPr firstRow="1" bandRow="1">
+                <a:tableStyleId>{5C22544A-7EE6-4342-B048-85BDC9FD1C3A}</a:tableStyleId>
+              </a:tblPr>
+              <a:tblGrid>
+                <a:gridCol w="2971800"/>
+                <a:gridCol w="2971800"/>
+                <a:gridCol w="2971800"/>
+              </a:tblGrid>
+              <a:tr h="370840">
+                <a:tc>
+                  <a:txBody>
+                    <a:bodyPr/>
+                    <a:lstStyle/>
+                    <a:p>
+                      <a:r>
+                        <a:rPr lang="en-US" dirty="0">
+                          <a:effectLst/>
+                        </a:rPr>
+                        <a:t>Operator</a:t>
+                      </a:r>
+                    </a:p>
+                  </a:txBody>
+                  <a:tcPr anchor="ctr"/>
+                </a:tc>
+                <a:tc>
+                  <a:txBody>
+                    <a:bodyPr/>
+                    <a:lstStyle/>
+                    <a:p>
+                      <a:r>
+                        <a:rPr lang="en-US">
+                          <a:effectLst/>
+                        </a:rPr>
+                        <a:t>Description</a:t>
+                      </a:r>
+                    </a:p>
+                  </a:txBody>
+                  <a:tcPr anchor="ctr"/>
+                </a:tc>
+                <a:tc>
+                  <a:txBody>
+                    <a:bodyPr/>
+                    <a:lstStyle/>
+                    <a:p>
+                      <a:r>
+                        <a:rPr lang="en-US"/>
+                        <a:t>Example</a:t>
+                      </a:r>
+                    </a:p>
+                  </a:txBody>
+                  <a:tcPr anchor="ctr"/>
+                </a:tc>
+              </a:tr>
+              <a:tr h="370840">
+                <a:tc>
+                  <a:txBody>
+                    <a:bodyPr/>
+                    <a:lstStyle/>
+                    <a:p>
+                      <a:r>
+                        <a:rPr lang="en-US"/>
+                        <a:t>and Logical AND</a:t>
+                      </a:r>
+                    </a:p>
+                  </a:txBody>
+                  <a:tcPr anchor="ctr"/>
+                </a:tc>
+                <a:tc>
+                  <a:txBody>
+                    <a:bodyPr/>
+                    <a:lstStyle/>
+                    <a:p>
+                      <a:r>
+                        <a:rPr lang="en-US"/>
+                        <a:t>If both the operands are true then condition becomes true.</a:t>
+                      </a:r>
+                    </a:p>
+                  </a:txBody>
+                  <a:tcPr anchor="ctr"/>
+                </a:tc>
+                <a:tc>
+                  <a:txBody>
+                    <a:bodyPr/>
+                    <a:lstStyle/>
+                    <a:p>
+                      <a:r>
+                        <a:rPr lang="en-US"/>
+                        <a:t>(a and b) is true.</a:t>
+                      </a:r>
+                    </a:p>
+                  </a:txBody>
+                  <a:tcPr anchor="ctr"/>
+                </a:tc>
+              </a:tr>
+              <a:tr h="370840">
+                <a:tc>
+                  <a:txBody>
+                    <a:bodyPr/>
+                    <a:lstStyle/>
+                    <a:p>
+                      <a:r>
+                        <a:rPr lang="en-US"/>
+                        <a:t>or Logical OR</a:t>
+                      </a:r>
+                    </a:p>
+                  </a:txBody>
+                  <a:tcPr anchor="ctr"/>
+                </a:tc>
+                <a:tc>
+                  <a:txBody>
+                    <a:bodyPr/>
+                    <a:lstStyle/>
+                    <a:p>
+                      <a:r>
+                        <a:rPr lang="en-US"/>
+                        <a:t>If any of the two operands are non-zero then condition becomes true.</a:t>
+                      </a:r>
+                    </a:p>
+                  </a:txBody>
+                  <a:tcPr anchor="ctr"/>
+                </a:tc>
+                <a:tc>
+                  <a:txBody>
+                    <a:bodyPr/>
+                    <a:lstStyle/>
+                    <a:p>
+                      <a:r>
+                        <a:rPr lang="en-US"/>
+                        <a:t>(a or b) is true.</a:t>
+                      </a:r>
+                    </a:p>
+                  </a:txBody>
+                  <a:tcPr anchor="ctr"/>
+                </a:tc>
+              </a:tr>
+              <a:tr h="370840">
+                <a:tc>
+                  <a:txBody>
+                    <a:bodyPr/>
+                    <a:lstStyle/>
+                    <a:p>
+                      <a:r>
+                        <a:rPr lang="en-US"/>
+                        <a:t>not Logical NOT</a:t>
+                      </a:r>
+                    </a:p>
+                  </a:txBody>
+                  <a:tcPr anchor="ctr"/>
+                </a:tc>
+                <a:tc>
+                  <a:txBody>
+                    <a:bodyPr/>
+                    <a:lstStyle/>
+                    <a:p>
+                      <a:r>
+                        <a:rPr lang="en-US"/>
+                        <a:t>Used to reverse the logical state of its operand.</a:t>
+                      </a:r>
+                    </a:p>
+                  </a:txBody>
+                  <a:tcPr anchor="ctr"/>
+                </a:tc>
+                <a:tc>
+                  <a:txBody>
+                    <a:bodyPr/>
+                    <a:lstStyle/>
+                    <a:p>
+                      <a:r>
+                        <a:rPr lang="en-US" dirty="0"/>
+                        <a:t>Not(a and b) is false. </a:t>
+                      </a:r>
+                    </a:p>
+                  </a:txBody>
+                  <a:tcPr anchor="ctr"/>
+                </a:tc>
+              </a:tr>
+            </a:tbl>
+          </a:graphicData>
+        </a:graphic>
+      </p:graphicFrame>
+    </p:spTree>
+    <p:extLst>
+      <p:ext uri="{BB962C8B-B14F-4D97-AF65-F5344CB8AC3E}">
+        <p14:creationId xmlns:p14="http://schemas.microsoft.com/office/powerpoint/2010/main" val="905566639"/>
+      </p:ext>
+    </p:extLst>
+  </p:cSld>
+  <p:clrMapOvr>
+    <a:masterClrMapping/>
+  </p:clrMapOvr>
+</p:sld>
+</file>
+
+<file path=ppt/slides/slide24.xml><?xml version="1.0" encoding="utf-8"?>
+<p:sld xmlns:a="http://schemas.openxmlformats.org/drawingml/2006/main" xmlns:r="http://schemas.openxmlformats.org/officeDocument/2006/relationships" xmlns:p="http://schemas.openxmlformats.org/presentationml/2006/main">
+  <p:cSld>
+    <p:spTree>
+      <p:nvGrpSpPr>
+        <p:cNvPr id="1" name=""/>
+        <p:cNvGrpSpPr/>
+        <p:nvPr/>
+      </p:nvGrpSpPr>
+      <p:grpSpPr>
+        <a:xfrm>
+          <a:off x="0" y="0"/>
+          <a:ext cx="0" cy="0"/>
+          <a:chOff x="0" y="0"/>
+          <a:chExt cx="0" cy="0"/>
+        </a:xfrm>
+      </p:grpSpPr>
+      <p:sp>
+        <p:nvSpPr>
+          <p:cNvPr id="2" name="Title 1"/>
+          <p:cNvSpPr>
+            <a:spLocks noGrp="1"/>
+          </p:cNvSpPr>
+          <p:nvPr>
+            <p:ph type="title"/>
+          </p:nvPr>
+        </p:nvSpPr>
+        <p:spPr/>
+        <p:txBody>
+          <a:bodyPr/>
+          <a:lstStyle/>
+          <a:p>
+            <a:r>
+              <a:rPr lang="en-US" b="1" dirty="0"/>
+              <a:t>Membership Operators</a:t>
+            </a:r>
+            <a:br>
+              <a:rPr lang="en-US" b="1" dirty="0"/>
+            </a:br>
+            <a:endParaRPr lang="en-US" dirty="0"/>
+          </a:p>
+        </p:txBody>
+      </p:sp>
+      <p:graphicFrame>
+        <p:nvGraphicFramePr>
+          <p:cNvPr id="5" name="Content Placeholder 4"/>
+          <p:cNvGraphicFramePr>
+            <a:graphicFrameLocks noGrp="1"/>
+          </p:cNvGraphicFramePr>
+          <p:nvPr>
+            <p:ph idx="1"/>
+            <p:extLst>
+              <p:ext uri="{D42A27DB-BD31-4B8C-83A1-F6EECF244321}">
+                <p14:modId xmlns:p14="http://schemas.microsoft.com/office/powerpoint/2010/main" val="589080563"/>
+              </p:ext>
+            </p:extLst>
+          </p:nvPr>
+        </p:nvGraphicFramePr>
+        <p:xfrm>
+          <a:off x="2589213" y="2133600"/>
+          <a:ext cx="8915400" cy="3022600"/>
+        </p:xfrm>
+        <a:graphic>
+          <a:graphicData uri="http://schemas.openxmlformats.org/drawingml/2006/table">
+            <a:tbl>
+              <a:tblPr firstRow="1" bandRow="1">
+                <a:tableStyleId>{5C22544A-7EE6-4342-B048-85BDC9FD1C3A}</a:tableStyleId>
+              </a:tblPr>
+              <a:tblGrid>
+                <a:gridCol w="2971800"/>
+                <a:gridCol w="2971800"/>
+                <a:gridCol w="2971800"/>
+              </a:tblGrid>
+              <a:tr h="370840">
+                <a:tc>
+                  <a:txBody>
+                    <a:bodyPr/>
+                    <a:lstStyle/>
+                    <a:p>
+                      <a:r>
+                        <a:rPr lang="en-US" dirty="0">
+                          <a:effectLst/>
+                        </a:rPr>
+                        <a:t>Operator</a:t>
+                      </a:r>
+                    </a:p>
+                  </a:txBody>
+                  <a:tcPr anchor="ctr"/>
+                </a:tc>
+                <a:tc>
+                  <a:txBody>
+                    <a:bodyPr/>
+                    <a:lstStyle/>
+                    <a:p>
+                      <a:r>
+                        <a:rPr lang="en-US">
+                          <a:effectLst/>
+                        </a:rPr>
+                        <a:t>Description</a:t>
+                      </a:r>
+                    </a:p>
+                  </a:txBody>
+                  <a:tcPr anchor="ctr"/>
+                </a:tc>
+                <a:tc>
+                  <a:txBody>
+                    <a:bodyPr/>
+                    <a:lstStyle/>
+                    <a:p>
+                      <a:r>
+                        <a:rPr lang="en-US"/>
+                        <a:t>Example</a:t>
+                      </a:r>
+                    </a:p>
+                  </a:txBody>
+                  <a:tcPr anchor="ctr"/>
+                </a:tc>
+              </a:tr>
+              <a:tr h="370840">
+                <a:tc>
+                  <a:txBody>
+                    <a:bodyPr/>
+                    <a:lstStyle/>
+                    <a:p>
+                      <a:r>
+                        <a:rPr lang="en-US"/>
+                        <a:t>in</a:t>
+                      </a:r>
+                    </a:p>
+                  </a:txBody>
+                  <a:tcPr anchor="ctr"/>
+                </a:tc>
+                <a:tc>
+                  <a:txBody>
+                    <a:bodyPr/>
+                    <a:lstStyle/>
+                    <a:p>
+                      <a:r>
+                        <a:rPr lang="en-US"/>
+                        <a:t>Evaluates to true if it finds a variable in the specified sequence and false otherwise.</a:t>
+                      </a:r>
+                    </a:p>
+                  </a:txBody>
+                  <a:tcPr anchor="ctr"/>
+                </a:tc>
+                <a:tc>
+                  <a:txBody>
+                    <a:bodyPr/>
+                    <a:lstStyle/>
+                    <a:p>
+                      <a:r>
+                        <a:rPr lang="en-US"/>
+                        <a:t>x in y, here in results in a 1 if x is a member of sequence y.</a:t>
+                      </a:r>
+                    </a:p>
+                  </a:txBody>
+                  <a:tcPr anchor="ctr"/>
+                </a:tc>
+              </a:tr>
+              <a:tr h="370840">
+                <a:tc>
+                  <a:txBody>
+                    <a:bodyPr/>
+                    <a:lstStyle/>
+                    <a:p>
+                      <a:r>
+                        <a:rPr lang="en-US"/>
+                        <a:t>not in</a:t>
+                      </a:r>
+                    </a:p>
+                  </a:txBody>
+                  <a:tcPr anchor="ctr"/>
+                </a:tc>
+                <a:tc>
+                  <a:txBody>
+                    <a:bodyPr/>
+                    <a:lstStyle/>
+                    <a:p>
+                      <a:r>
+                        <a:rPr lang="en-US"/>
+                        <a:t>Evaluates to true if it does not finds a variable in the specified sequence and false otherwise.</a:t>
+                      </a:r>
+                    </a:p>
+                  </a:txBody>
+                  <a:tcPr anchor="ctr"/>
+                </a:tc>
+                <a:tc>
+                  <a:txBody>
+                    <a:bodyPr/>
+                    <a:lstStyle/>
+                    <a:p>
+                      <a:r>
+                        <a:rPr lang="en-US" dirty="0"/>
+                        <a:t>x not in y, here not in results in a 1 if x is not a member of sequence y.</a:t>
+                      </a:r>
+                    </a:p>
+                  </a:txBody>
+                  <a:tcPr anchor="ctr"/>
+                </a:tc>
+              </a:tr>
+            </a:tbl>
+          </a:graphicData>
+        </a:graphic>
+      </p:graphicFrame>
+    </p:spTree>
+    <p:extLst>
+      <p:ext uri="{BB962C8B-B14F-4D97-AF65-F5344CB8AC3E}">
+        <p14:creationId xmlns:p14="http://schemas.microsoft.com/office/powerpoint/2010/main" val="947692110"/>
+      </p:ext>
+    </p:extLst>
+  </p:cSld>
+  <p:clrMapOvr>
+    <a:masterClrMapping/>
+  </p:clrMapOvr>
+</p:sld>
+</file>
+
+<file path=ppt/slides/slide25.xml><?xml version="1.0" encoding="utf-8"?>
+<p:sld xmlns:a="http://schemas.openxmlformats.org/drawingml/2006/main" xmlns:r="http://schemas.openxmlformats.org/officeDocument/2006/relationships" xmlns:p="http://schemas.openxmlformats.org/presentationml/2006/main">
+  <p:cSld>
+    <p:spTree>
+      <p:nvGrpSpPr>
+        <p:cNvPr id="1" name=""/>
+        <p:cNvGrpSpPr/>
+        <p:nvPr/>
+      </p:nvGrpSpPr>
+      <p:grpSpPr>
+        <a:xfrm>
+          <a:off x="0" y="0"/>
+          <a:ext cx="0" cy="0"/>
+          <a:chOff x="0" y="0"/>
+          <a:chExt cx="0" cy="0"/>
+        </a:xfrm>
+      </p:grpSpPr>
+      <p:sp>
+        <p:nvSpPr>
+          <p:cNvPr id="2" name="Title 1"/>
+          <p:cNvSpPr>
+            <a:spLocks noGrp="1"/>
+          </p:cNvSpPr>
+          <p:nvPr>
+            <p:ph type="title"/>
+          </p:nvPr>
+        </p:nvSpPr>
+        <p:spPr>
+          <a:xfrm>
+            <a:off x="2676900" y="577457"/>
+            <a:ext cx="8911687" cy="1280890"/>
+          </a:xfrm>
+        </p:spPr>
+        <p:txBody>
+          <a:bodyPr/>
+          <a:lstStyle/>
+          <a:p>
+            <a:r>
+              <a:rPr lang="en-US" b="1" dirty="0"/>
+              <a:t>Identity Operators</a:t>
+            </a:r>
+            <a:br>
+              <a:rPr lang="en-US" b="1" dirty="0"/>
+            </a:br>
+            <a:endParaRPr lang="en-US" dirty="0"/>
+          </a:p>
+        </p:txBody>
+      </p:sp>
+      <p:graphicFrame>
+        <p:nvGraphicFramePr>
+          <p:cNvPr id="4" name="Content Placeholder 3"/>
+          <p:cNvGraphicFramePr>
+            <a:graphicFrameLocks noGrp="1"/>
+          </p:cNvGraphicFramePr>
+          <p:nvPr>
+            <p:ph idx="1"/>
+            <p:extLst>
+              <p:ext uri="{D42A27DB-BD31-4B8C-83A1-F6EECF244321}">
+                <p14:modId xmlns:p14="http://schemas.microsoft.com/office/powerpoint/2010/main" val="733181063"/>
+              </p:ext>
+            </p:extLst>
+          </p:nvPr>
+        </p:nvGraphicFramePr>
+        <p:xfrm>
+          <a:off x="2589213" y="2133600"/>
+          <a:ext cx="8915400" cy="3296920"/>
+        </p:xfrm>
+        <a:graphic>
+          <a:graphicData uri="http://schemas.openxmlformats.org/drawingml/2006/table">
+            <a:tbl>
+              <a:tblPr firstRow="1" bandRow="1">
+                <a:tableStyleId>{5C22544A-7EE6-4342-B048-85BDC9FD1C3A}</a:tableStyleId>
+              </a:tblPr>
+              <a:tblGrid>
+                <a:gridCol w="2971800"/>
+                <a:gridCol w="2971800"/>
+                <a:gridCol w="2971800"/>
+              </a:tblGrid>
+              <a:tr h="370840">
+                <a:tc>
+                  <a:txBody>
+                    <a:bodyPr/>
+                    <a:lstStyle/>
+                    <a:p>
+                      <a:r>
+                        <a:rPr lang="en-US" dirty="0">
+                          <a:effectLst/>
+                        </a:rPr>
+                        <a:t>Operator</a:t>
+                      </a:r>
+                    </a:p>
+                  </a:txBody>
+                  <a:tcPr anchor="ctr"/>
+                </a:tc>
+                <a:tc>
+                  <a:txBody>
+                    <a:bodyPr/>
+                    <a:lstStyle/>
+                    <a:p>
+                      <a:r>
+                        <a:rPr lang="en-US">
+                          <a:effectLst/>
+                        </a:rPr>
+                        <a:t>Description</a:t>
+                      </a:r>
+                    </a:p>
+                  </a:txBody>
+                  <a:tcPr anchor="ctr"/>
+                </a:tc>
+                <a:tc>
+                  <a:txBody>
+                    <a:bodyPr/>
+                    <a:lstStyle/>
+                    <a:p>
+                      <a:r>
+                        <a:rPr lang="en-US"/>
+                        <a:t>Example</a:t>
+                      </a:r>
+                    </a:p>
+                  </a:txBody>
+                  <a:tcPr anchor="ctr"/>
+                </a:tc>
+              </a:tr>
+              <a:tr h="370840">
+                <a:tc>
+                  <a:txBody>
+                    <a:bodyPr/>
+                    <a:lstStyle/>
+                    <a:p>
+                      <a:r>
+                        <a:rPr lang="en-US"/>
+                        <a:t>is</a:t>
+                      </a:r>
+                    </a:p>
+                  </a:txBody>
+                  <a:tcPr anchor="ctr"/>
+                </a:tc>
+                <a:tc>
+                  <a:txBody>
+                    <a:bodyPr/>
+                    <a:lstStyle/>
+                    <a:p>
+                      <a:r>
+                        <a:rPr lang="en-US"/>
+                        <a:t>Evaluates to true if the variables on either side of the operator point to the same object and false otherwise.</a:t>
+                      </a:r>
+                    </a:p>
+                  </a:txBody>
+                  <a:tcPr anchor="ctr"/>
+                </a:tc>
+                <a:tc>
+                  <a:txBody>
+                    <a:bodyPr/>
+                    <a:lstStyle/>
+                    <a:p>
+                      <a:r>
+                        <a:rPr lang="en-US"/>
+                        <a:t>x is y, here </a:t>
+                      </a:r>
+                      <a:r>
+                        <a:rPr lang="en-US" b="1"/>
+                        <a:t>is</a:t>
+                      </a:r>
+                      <a:r>
+                        <a:rPr lang="en-US"/>
+                        <a:t> results in 1 if id(x) equals id(y).</a:t>
+                      </a:r>
+                    </a:p>
+                  </a:txBody>
+                  <a:tcPr anchor="ctr"/>
+                </a:tc>
+              </a:tr>
+              <a:tr h="370840">
+                <a:tc>
+                  <a:txBody>
+                    <a:bodyPr/>
+                    <a:lstStyle/>
+                    <a:p>
+                      <a:r>
+                        <a:rPr lang="en-US"/>
+                        <a:t>is not</a:t>
+                      </a:r>
+                    </a:p>
+                  </a:txBody>
+                  <a:tcPr anchor="ctr"/>
+                </a:tc>
+                <a:tc>
+                  <a:txBody>
+                    <a:bodyPr/>
+                    <a:lstStyle/>
+                    <a:p>
+                      <a:r>
+                        <a:rPr lang="en-US"/>
+                        <a:t>Evaluates to false if the variables on either side of the operator point to the same object and true otherwise.</a:t>
+                      </a:r>
+                    </a:p>
+                  </a:txBody>
+                  <a:tcPr anchor="ctr"/>
+                </a:tc>
+                <a:tc>
+                  <a:txBody>
+                    <a:bodyPr/>
+                    <a:lstStyle/>
+                    <a:p>
+                      <a:r>
+                        <a:rPr lang="en-US" dirty="0"/>
+                        <a:t>x is not y, here </a:t>
+                      </a:r>
+                      <a:r>
+                        <a:rPr lang="en-US" b="1" dirty="0"/>
+                        <a:t>is not</a:t>
+                      </a:r>
+                      <a:r>
+                        <a:rPr lang="en-US" dirty="0"/>
+                        <a:t> results in 1 if id(x) is not equal to id(y).</a:t>
+                      </a:r>
+                    </a:p>
+                  </a:txBody>
+                  <a:tcPr anchor="ctr"/>
+                </a:tc>
+              </a:tr>
+            </a:tbl>
+          </a:graphicData>
+        </a:graphic>
+      </p:graphicFrame>
+    </p:spTree>
+    <p:extLst>
+      <p:ext uri="{BB962C8B-B14F-4D97-AF65-F5344CB8AC3E}">
+        <p14:creationId xmlns:p14="http://schemas.microsoft.com/office/powerpoint/2010/main" val="1003701864"/>
+      </p:ext>
+    </p:extLst>
+  </p:cSld>
+  <p:clrMapOvr>
+    <a:masterClrMapping/>
+  </p:clrMapOvr>
+</p:sld>
+</file>
+
+<file path=ppt/slides/slide26.xml><?xml version="1.0" encoding="utf-8"?>
+<p:sld xmlns:a="http://schemas.openxmlformats.org/drawingml/2006/main" xmlns:r="http://schemas.openxmlformats.org/officeDocument/2006/relationships" xmlns:p="http://schemas.openxmlformats.org/presentationml/2006/main">
+  <p:cSld>
+    <p:spTree>
+      <p:nvGrpSpPr>
+        <p:cNvPr id="1" name=""/>
+        <p:cNvGrpSpPr/>
+        <p:nvPr/>
+      </p:nvGrpSpPr>
+      <p:grpSpPr>
+        <a:xfrm>
+          <a:off x="0" y="0"/>
+          <a:ext cx="0" cy="0"/>
+          <a:chOff x="0" y="0"/>
+          <a:chExt cx="0" cy="0"/>
+        </a:xfrm>
+      </p:grpSpPr>
+      <p:sp>
+        <p:nvSpPr>
+          <p:cNvPr id="2" name="Title 1"/>
+          <p:cNvSpPr>
+            <a:spLocks noGrp="1"/>
+          </p:cNvSpPr>
+          <p:nvPr>
+            <p:ph type="title"/>
+          </p:nvPr>
+        </p:nvSpPr>
+        <p:spPr/>
+        <p:txBody>
+          <a:bodyPr/>
+          <a:lstStyle/>
+          <a:p>
+            <a:r>
+              <a:rPr lang="en-US" b="1" dirty="0"/>
+              <a:t>Bitwise Operators</a:t>
+            </a:r>
+            <a:br>
+              <a:rPr lang="en-US" b="1" dirty="0"/>
+            </a:br>
+            <a:endParaRPr lang="en-US" dirty="0"/>
+          </a:p>
+        </p:txBody>
+      </p:sp>
+      <p:graphicFrame>
+        <p:nvGraphicFramePr>
+          <p:cNvPr id="4" name="Content Placeholder 3"/>
+          <p:cNvGraphicFramePr>
+            <a:graphicFrameLocks noGrp="1"/>
+          </p:cNvGraphicFramePr>
+          <p:nvPr>
+            <p:ph idx="1"/>
+            <p:extLst>
+              <p:ext uri="{D42A27DB-BD31-4B8C-83A1-F6EECF244321}">
+                <p14:modId xmlns:p14="http://schemas.microsoft.com/office/powerpoint/2010/main" val="884039655"/>
+              </p:ext>
+            </p:extLst>
+          </p:nvPr>
+        </p:nvGraphicFramePr>
+        <p:xfrm>
+          <a:off x="401216" y="1264555"/>
+          <a:ext cx="11448630" cy="5303520"/>
+        </p:xfrm>
+        <a:graphic>
+          <a:graphicData uri="http://schemas.openxmlformats.org/drawingml/2006/table">
+            <a:tbl>
+              <a:tblPr firstRow="1" bandRow="1">
+                <a:tableStyleId>{5C22544A-7EE6-4342-B048-85BDC9FD1C3A}</a:tableStyleId>
+              </a:tblPr>
+              <a:tblGrid>
+                <a:gridCol w="3816210"/>
+                <a:gridCol w="3816210"/>
+                <a:gridCol w="3816210"/>
+              </a:tblGrid>
+              <a:tr h="357101">
+                <a:tc>
+                  <a:txBody>
+                    <a:bodyPr/>
+                    <a:lstStyle/>
+                    <a:p>
+                      <a:r>
+                        <a:rPr lang="en-US" dirty="0">
+                          <a:effectLst/>
+                        </a:rPr>
+                        <a:t>Operator</a:t>
+                      </a:r>
+                    </a:p>
+                  </a:txBody>
+                  <a:tcPr anchor="ctr"/>
+                </a:tc>
+                <a:tc>
+                  <a:txBody>
+                    <a:bodyPr/>
+                    <a:lstStyle/>
+                    <a:p>
+                      <a:r>
+                        <a:rPr lang="en-US">
+                          <a:effectLst/>
+                        </a:rPr>
+                        <a:t>Description</a:t>
+                      </a:r>
+                    </a:p>
+                  </a:txBody>
+                  <a:tcPr anchor="ctr"/>
+                </a:tc>
+                <a:tc>
+                  <a:txBody>
+                    <a:bodyPr/>
+                    <a:lstStyle/>
+                    <a:p>
+                      <a:r>
+                        <a:rPr lang="en-US"/>
+                        <a:t>Example</a:t>
+                      </a:r>
+                    </a:p>
+                  </a:txBody>
+                  <a:tcPr anchor="ctr"/>
+                </a:tc>
+              </a:tr>
+              <a:tr h="370840">
+                <a:tc>
+                  <a:txBody>
+                    <a:bodyPr/>
+                    <a:lstStyle/>
+                    <a:p>
+                      <a:r>
+                        <a:rPr lang="en-US"/>
+                        <a:t>&amp; Binary AND</a:t>
+                      </a:r>
+                    </a:p>
+                  </a:txBody>
+                  <a:tcPr anchor="ctr"/>
+                </a:tc>
+                <a:tc>
+                  <a:txBody>
+                    <a:bodyPr/>
+                    <a:lstStyle/>
+                    <a:p>
+                      <a:r>
+                        <a:rPr lang="en-US"/>
+                        <a:t>Operator copies a bit to the result if it exists in both operands </a:t>
+                      </a:r>
+                    </a:p>
+                  </a:txBody>
+                  <a:tcPr anchor="ctr"/>
+                </a:tc>
+                <a:tc>
+                  <a:txBody>
+                    <a:bodyPr/>
+                    <a:lstStyle/>
+                    <a:p>
+                      <a:r>
+                        <a:rPr lang="en-US"/>
+                        <a:t>(a &amp; b) (means 0000 1100)</a:t>
+                      </a:r>
+                    </a:p>
+                  </a:txBody>
+                  <a:tcPr anchor="ctr"/>
+                </a:tc>
+              </a:tr>
+              <a:tr h="370840">
+                <a:tc>
+                  <a:txBody>
+                    <a:bodyPr/>
+                    <a:lstStyle/>
+                    <a:p>
+                      <a:r>
+                        <a:rPr lang="en-US" dirty="0"/>
+                        <a:t>| Binary OR</a:t>
+                      </a:r>
+                    </a:p>
+                  </a:txBody>
+                  <a:tcPr anchor="ctr"/>
+                </a:tc>
+                <a:tc>
+                  <a:txBody>
+                    <a:bodyPr/>
+                    <a:lstStyle/>
+                    <a:p>
+                      <a:r>
+                        <a:rPr lang="en-US"/>
+                        <a:t>It copies a bit if it exists in either operand.</a:t>
+                      </a:r>
+                    </a:p>
+                  </a:txBody>
+                  <a:tcPr anchor="ctr"/>
+                </a:tc>
+                <a:tc>
+                  <a:txBody>
+                    <a:bodyPr/>
+                    <a:lstStyle/>
+                    <a:p>
+                      <a:r>
+                        <a:rPr lang="hr-HR"/>
+                        <a:t>(a | b) = 61 (means 0011 1101)</a:t>
+                      </a:r>
+                    </a:p>
+                  </a:txBody>
+                  <a:tcPr anchor="ctr"/>
+                </a:tc>
+              </a:tr>
+              <a:tr h="370840">
+                <a:tc>
+                  <a:txBody>
+                    <a:bodyPr/>
+                    <a:lstStyle/>
+                    <a:p>
+                      <a:r>
+                        <a:rPr lang="en-US"/>
+                        <a:t>^ Binary XOR</a:t>
+                      </a:r>
+                    </a:p>
+                  </a:txBody>
+                  <a:tcPr anchor="ctr"/>
+                </a:tc>
+                <a:tc>
+                  <a:txBody>
+                    <a:bodyPr/>
+                    <a:lstStyle/>
+                    <a:p>
+                      <a:r>
+                        <a:rPr lang="en-US"/>
+                        <a:t>It copies the bit if it is set in one operand but not both.</a:t>
+                      </a:r>
+                    </a:p>
+                  </a:txBody>
+                  <a:tcPr anchor="ctr"/>
+                </a:tc>
+                <a:tc>
+                  <a:txBody>
+                    <a:bodyPr/>
+                    <a:lstStyle/>
+                    <a:p>
+                      <a:r>
+                        <a:rPr lang="en-US"/>
+                        <a:t>(a ^ b) = 49 (means 0011 0001)</a:t>
+                      </a:r>
+                    </a:p>
+                  </a:txBody>
+                  <a:tcPr anchor="ctr"/>
+                </a:tc>
+              </a:tr>
+              <a:tr h="370840">
+                <a:tc>
+                  <a:txBody>
+                    <a:bodyPr/>
+                    <a:lstStyle/>
+                    <a:p>
+                      <a:r>
+                        <a:rPr lang="en-US"/>
+                        <a:t>~ Binary Ones Complement</a:t>
+                      </a:r>
+                    </a:p>
+                  </a:txBody>
+                  <a:tcPr anchor="ctr"/>
+                </a:tc>
+                <a:tc>
+                  <a:txBody>
+                    <a:bodyPr/>
+                    <a:lstStyle/>
+                    <a:p>
+                      <a:r>
+                        <a:rPr lang="en-US"/>
+                        <a:t>It is unary and has the effect of 'flipping' bits.</a:t>
+                      </a:r>
+                    </a:p>
+                  </a:txBody>
+                  <a:tcPr anchor="ctr"/>
+                </a:tc>
+                <a:tc>
+                  <a:txBody>
+                    <a:bodyPr/>
+                    <a:lstStyle/>
+                    <a:p>
+                      <a:r>
+                        <a:rPr lang="en-US"/>
+                        <a:t>(~a ) = -61 (means 1100 0011 in 2's complement form due to a signed binary number.</a:t>
+                      </a:r>
+                    </a:p>
+                  </a:txBody>
+                  <a:tcPr anchor="ctr"/>
+                </a:tc>
+              </a:tr>
+              <a:tr h="370840">
+                <a:tc>
+                  <a:txBody>
+                    <a:bodyPr/>
+                    <a:lstStyle/>
+                    <a:p>
+                      <a:r>
+                        <a:rPr lang="en-US"/>
+                        <a:t>&lt;&lt; Binary Left Shift</a:t>
+                      </a:r>
+                    </a:p>
+                  </a:txBody>
+                  <a:tcPr anchor="ctr"/>
+                </a:tc>
+                <a:tc>
+                  <a:txBody>
+                    <a:bodyPr/>
+                    <a:lstStyle/>
+                    <a:p>
+                      <a:r>
+                        <a:rPr lang="en-US"/>
+                        <a:t>The left operands value is moved left by the number of bits specified by the right operand.</a:t>
+                      </a:r>
+                    </a:p>
+                  </a:txBody>
+                  <a:tcPr anchor="ctr"/>
+                </a:tc>
+                <a:tc>
+                  <a:txBody>
+                    <a:bodyPr/>
+                    <a:lstStyle/>
+                    <a:p>
+                      <a:r>
+                        <a:rPr lang="cs-CZ"/>
+                        <a:t>a &lt;&lt; 2 = 240 (means 1111 0000)</a:t>
+                      </a:r>
+                    </a:p>
+                  </a:txBody>
+                  <a:tcPr anchor="ctr"/>
+                </a:tc>
+              </a:tr>
+              <a:tr h="370840">
+                <a:tc>
+                  <a:txBody>
+                    <a:bodyPr/>
+                    <a:lstStyle/>
+                    <a:p>
+                      <a:r>
+                        <a:rPr lang="en-US"/>
+                        <a:t>&gt;&gt; Binary Right Shift</a:t>
+                      </a:r>
+                    </a:p>
+                  </a:txBody>
+                  <a:tcPr anchor="ctr"/>
+                </a:tc>
+                <a:tc>
+                  <a:txBody>
+                    <a:bodyPr/>
+                    <a:lstStyle/>
+                    <a:p>
+                      <a:r>
+                        <a:rPr lang="en-US"/>
+                        <a:t>The left operands value is moved right by the number of bits specified by the right operand.</a:t>
+                      </a:r>
+                    </a:p>
+                  </a:txBody>
+                  <a:tcPr anchor="ctr"/>
+                </a:tc>
+                <a:tc>
+                  <a:txBody>
+                    <a:bodyPr/>
+                    <a:lstStyle/>
+                    <a:p>
+                      <a:r>
+                        <a:rPr lang="en-US" dirty="0"/>
+                        <a:t>a &gt;&gt; 2 = 15 (means 0000 1111)</a:t>
+                      </a:r>
+                    </a:p>
+                  </a:txBody>
+                  <a:tcPr anchor="ctr"/>
+                </a:tc>
+              </a:tr>
+            </a:tbl>
+          </a:graphicData>
+        </a:graphic>
+      </p:graphicFrame>
+    </p:spTree>
+    <p:extLst>
+      <p:ext uri="{BB962C8B-B14F-4D97-AF65-F5344CB8AC3E}">
+        <p14:creationId xmlns:p14="http://schemas.microsoft.com/office/powerpoint/2010/main" val="2116655120"/>
+      </p:ext>
+    </p:extLst>
+  </p:cSld>
+  <p:clrMapOvr>
+    <a:masterClrMapping/>
+  </p:clrMapOvr>
+</p:sld>
+</file>
+
+<file path=ppt/slides/slide27.xml><?xml version="1.0" encoding="utf-8"?>
+<p:sld xmlns:a="http://schemas.openxmlformats.org/drawingml/2006/main" xmlns:r="http://schemas.openxmlformats.org/officeDocument/2006/relationships" xmlns:p="http://schemas.openxmlformats.org/presentationml/2006/main">
+  <p:cSld>
+    <p:spTree>
+      <p:nvGrpSpPr>
+        <p:cNvPr id="1" name=""/>
+        <p:cNvGrpSpPr/>
+        <p:nvPr/>
+      </p:nvGrpSpPr>
+      <p:grpSpPr>
+        <a:xfrm>
+          <a:off x="0" y="0"/>
+          <a:ext cx="0" cy="0"/>
+          <a:chOff x="0" y="0"/>
+          <a:chExt cx="0" cy="0"/>
+        </a:xfrm>
+      </p:grpSpPr>
+      <p:sp>
+        <p:nvSpPr>
+          <p:cNvPr id="2" name="Title 1"/>
+          <p:cNvSpPr>
+            <a:spLocks noGrp="1"/>
+          </p:cNvSpPr>
+          <p:nvPr>
+            <p:ph type="title"/>
+          </p:nvPr>
+        </p:nvSpPr>
+        <p:spPr/>
+        <p:txBody>
+          <a:bodyPr/>
+          <a:lstStyle/>
+          <a:p>
+            <a:r>
+              <a:rPr lang="en-US" b="1" dirty="0"/>
+              <a:t>Operators Precedence</a:t>
+            </a:r>
+            <a:br>
+              <a:rPr lang="en-US" b="1" dirty="0"/>
+            </a:br>
+            <a:endParaRPr lang="en-US" dirty="0"/>
+          </a:p>
+        </p:txBody>
+      </p:sp>
+      <p:graphicFrame>
+        <p:nvGraphicFramePr>
+          <p:cNvPr id="4" name="Content Placeholder 3"/>
+          <p:cNvGraphicFramePr>
+            <a:graphicFrameLocks noGrp="1"/>
+          </p:cNvGraphicFramePr>
+          <p:nvPr>
+            <p:ph idx="1"/>
+            <p:extLst>
+              <p:ext uri="{D42A27DB-BD31-4B8C-83A1-F6EECF244321}">
+                <p14:modId xmlns:p14="http://schemas.microsoft.com/office/powerpoint/2010/main" val="1909559959"/>
+              </p:ext>
+            </p:extLst>
+          </p:nvPr>
+        </p:nvGraphicFramePr>
+        <p:xfrm>
+          <a:off x="1926739" y="1340498"/>
+          <a:ext cx="8915400" cy="7086600"/>
+        </p:xfrm>
+        <a:graphic>
+          <a:graphicData uri="http://schemas.openxmlformats.org/drawingml/2006/table">
+            <a:tbl>
+              <a:tblPr firstRow="1" bandRow="1">
+                <a:tableStyleId>{5C22544A-7EE6-4342-B048-85BDC9FD1C3A}</a:tableStyleId>
+              </a:tblPr>
+              <a:tblGrid>
+                <a:gridCol w="2971800"/>
+                <a:gridCol w="2971800"/>
+                <a:gridCol w="2971800"/>
+              </a:tblGrid>
+              <a:tr h="370840">
+                <a:tc>
+                  <a:txBody>
+                    <a:bodyPr/>
+                    <a:lstStyle/>
+                    <a:p>
+                      <a:r>
+                        <a:rPr lang="en-US" dirty="0"/>
+                        <a:t>Operator</a:t>
+                      </a:r>
+                    </a:p>
+                  </a:txBody>
+                  <a:tcPr anchor="ctr"/>
+                </a:tc>
+                <a:tc>
+                  <a:txBody>
+                    <a:bodyPr/>
+                    <a:lstStyle/>
+                    <a:p>
+                      <a:r>
+                        <a:rPr lang="en-US"/>
+                        <a:t>Description</a:t>
+                      </a:r>
+                    </a:p>
+                  </a:txBody>
+                  <a:tcPr anchor="ctr"/>
+                </a:tc>
+                <a:tc>
+                  <a:txBody>
+                    <a:bodyPr/>
+                    <a:lstStyle/>
+                    <a:p>
+                      <a:endParaRPr lang="en-US" dirty="0"/>
+                    </a:p>
+                  </a:txBody>
+                  <a:tcPr/>
+                </a:tc>
+              </a:tr>
+              <a:tr h="370840">
+                <a:tc>
+                  <a:txBody>
+                    <a:bodyPr/>
+                    <a:lstStyle/>
+                    <a:p>
+                      <a:r>
+                        <a:rPr lang="mr-IN"/>
+                        <a:t>**</a:t>
+                      </a:r>
+                    </a:p>
+                  </a:txBody>
+                  <a:tcPr anchor="ctr"/>
+                </a:tc>
+                <a:tc>
+                  <a:txBody>
+                    <a:bodyPr/>
+                    <a:lstStyle/>
+                    <a:p>
+                      <a:r>
+                        <a:rPr lang="en-US"/>
+                        <a:t>Exponentiation (raise to the power)</a:t>
+                      </a:r>
+                    </a:p>
+                  </a:txBody>
+                  <a:tcPr anchor="ctr"/>
+                </a:tc>
+                <a:tc>
+                  <a:txBody>
+                    <a:bodyPr/>
+                    <a:lstStyle/>
+                    <a:p>
+                      <a:endParaRPr lang="en-US"/>
+                    </a:p>
+                  </a:txBody>
+                  <a:tcPr/>
+                </a:tc>
+              </a:tr>
+              <a:tr h="370840">
+                <a:tc>
+                  <a:txBody>
+                    <a:bodyPr/>
+                    <a:lstStyle/>
+                    <a:p>
+                      <a:r>
+                        <a:rPr lang="mr-IN"/>
+                        <a:t>~ + -</a:t>
+                      </a:r>
+                    </a:p>
+                  </a:txBody>
+                  <a:tcPr anchor="ctr"/>
+                </a:tc>
+                <a:tc>
+                  <a:txBody>
+                    <a:bodyPr/>
+                    <a:lstStyle/>
+                    <a:p>
+                      <a:r>
+                        <a:rPr lang="en-US"/>
+                        <a:t>Complement, unary plus and minus (method names for the last two are +@ and -@)</a:t>
+                      </a:r>
+                    </a:p>
+                  </a:txBody>
+                  <a:tcPr anchor="ctr"/>
+                </a:tc>
+                <a:tc>
+                  <a:txBody>
+                    <a:bodyPr/>
+                    <a:lstStyle/>
+                    <a:p>
+                      <a:endParaRPr lang="en-US"/>
+                    </a:p>
+                  </a:txBody>
+                  <a:tcPr/>
+                </a:tc>
+              </a:tr>
+              <a:tr h="370840">
+                <a:tc>
+                  <a:txBody>
+                    <a:bodyPr/>
+                    <a:lstStyle/>
+                    <a:p>
+                      <a:r>
+                        <a:rPr lang="mr-IN"/>
+                        <a:t>* / % //</a:t>
+                      </a:r>
+                    </a:p>
+                  </a:txBody>
+                  <a:tcPr anchor="ctr"/>
+                </a:tc>
+                <a:tc>
+                  <a:txBody>
+                    <a:bodyPr/>
+                    <a:lstStyle/>
+                    <a:p>
+                      <a:r>
+                        <a:rPr lang="en-US"/>
+                        <a:t>Multiply, divide, modulo and floor division</a:t>
+                      </a:r>
+                    </a:p>
+                  </a:txBody>
+                  <a:tcPr anchor="ctr"/>
+                </a:tc>
+                <a:tc>
+                  <a:txBody>
+                    <a:bodyPr/>
+                    <a:lstStyle/>
+                    <a:p>
+                      <a:endParaRPr lang="en-US"/>
+                    </a:p>
+                  </a:txBody>
+                  <a:tcPr/>
+                </a:tc>
+              </a:tr>
+              <a:tr h="370840">
+                <a:tc>
+                  <a:txBody>
+                    <a:bodyPr/>
+                    <a:lstStyle/>
+                    <a:p>
+                      <a:r>
+                        <a:rPr lang="mr-IN"/>
+                        <a:t>+ -</a:t>
+                      </a:r>
+                    </a:p>
+                  </a:txBody>
+                  <a:tcPr anchor="ctr"/>
+                </a:tc>
+                <a:tc>
+                  <a:txBody>
+                    <a:bodyPr/>
+                    <a:lstStyle/>
+                    <a:p>
+                      <a:r>
+                        <a:rPr lang="en-US"/>
+                        <a:t>Addition and subtraction</a:t>
+                      </a:r>
+                    </a:p>
+                  </a:txBody>
+                  <a:tcPr anchor="ctr"/>
+                </a:tc>
+                <a:tc>
+                  <a:txBody>
+                    <a:bodyPr/>
+                    <a:lstStyle/>
+                    <a:p>
+                      <a:endParaRPr lang="en-US"/>
+                    </a:p>
+                  </a:txBody>
+                  <a:tcPr/>
+                </a:tc>
+              </a:tr>
+              <a:tr h="370840">
+                <a:tc>
+                  <a:txBody>
+                    <a:bodyPr/>
+                    <a:lstStyle/>
+                    <a:p>
+                      <a:r>
+                        <a:rPr lang="mr-IN"/>
+                        <a:t>&gt;&gt; &lt;&lt;</a:t>
+                      </a:r>
+                    </a:p>
+                  </a:txBody>
+                  <a:tcPr anchor="ctr"/>
+                </a:tc>
+                <a:tc>
+                  <a:txBody>
+                    <a:bodyPr/>
+                    <a:lstStyle/>
+                    <a:p>
+                      <a:r>
+                        <a:rPr lang="en-US"/>
+                        <a:t>Right and left bitwise shift</a:t>
+                      </a:r>
+                    </a:p>
+                  </a:txBody>
+                  <a:tcPr anchor="ctr"/>
+                </a:tc>
+                <a:tc>
+                  <a:txBody>
+                    <a:bodyPr/>
+                    <a:lstStyle/>
+                    <a:p>
+                      <a:endParaRPr lang="en-US"/>
+                    </a:p>
+                  </a:txBody>
+                  <a:tcPr/>
+                </a:tc>
+              </a:tr>
+              <a:tr h="370840">
+                <a:tc>
+                  <a:txBody>
+                    <a:bodyPr/>
+                    <a:lstStyle/>
+                    <a:p>
+                      <a:r>
+                        <a:rPr lang="uk-UA"/>
+                        <a:t>&amp;</a:t>
+                      </a:r>
+                    </a:p>
+                  </a:txBody>
+                  <a:tcPr anchor="ctr"/>
+                </a:tc>
+                <a:tc>
+                  <a:txBody>
+                    <a:bodyPr/>
+                    <a:lstStyle/>
+                    <a:p>
+                      <a:r>
+                        <a:rPr lang="en-US"/>
+                        <a:t>Bitwise 'AND'</a:t>
+                      </a:r>
+                    </a:p>
+                  </a:txBody>
+                  <a:tcPr anchor="ctr"/>
+                </a:tc>
+                <a:tc>
+                  <a:txBody>
+                    <a:bodyPr/>
+                    <a:lstStyle/>
+                    <a:p>
+                      <a:endParaRPr lang="en-US"/>
+                    </a:p>
+                  </a:txBody>
+                  <a:tcPr anchor="ctr"/>
+                </a:tc>
+              </a:tr>
+              <a:tr h="370840">
+                <a:tc>
+                  <a:txBody>
+                    <a:bodyPr/>
+                    <a:lstStyle/>
+                    <a:p>
+                      <a:r>
+                        <a:rPr lang="hr-HR"/>
+                        <a:t>^ |</a:t>
+                      </a:r>
+                    </a:p>
+                  </a:txBody>
+                  <a:tcPr anchor="ctr"/>
+                </a:tc>
+                <a:tc>
+                  <a:txBody>
+                    <a:bodyPr/>
+                    <a:lstStyle/>
+                    <a:p>
+                      <a:r>
+                        <a:rPr lang="en-US"/>
+                        <a:t>Bitwise exclusive `OR' and regular `OR'</a:t>
+                      </a:r>
+                    </a:p>
+                  </a:txBody>
+                  <a:tcPr anchor="ctr"/>
+                </a:tc>
+                <a:tc>
+                  <a:txBody>
+                    <a:bodyPr/>
+                    <a:lstStyle/>
+                    <a:p>
+                      <a:endParaRPr lang="en-US"/>
+                    </a:p>
+                  </a:txBody>
+                  <a:tcPr/>
+                </a:tc>
+              </a:tr>
+              <a:tr h="370840">
+                <a:tc>
+                  <a:txBody>
+                    <a:bodyPr/>
+                    <a:lstStyle/>
+                    <a:p>
+                      <a:r>
+                        <a:rPr lang="mr-IN"/>
+                        <a:t>&lt;= &lt; &gt; &gt;=</a:t>
+                      </a:r>
+                    </a:p>
+                  </a:txBody>
+                  <a:tcPr anchor="ctr"/>
+                </a:tc>
+                <a:tc>
+                  <a:txBody>
+                    <a:bodyPr/>
+                    <a:lstStyle/>
+                    <a:p>
+                      <a:r>
+                        <a:rPr lang="en-US"/>
+                        <a:t>Comparison operators</a:t>
+                      </a:r>
+                    </a:p>
+                  </a:txBody>
+                  <a:tcPr anchor="ctr"/>
+                </a:tc>
+                <a:tc>
+                  <a:txBody>
+                    <a:bodyPr/>
+                    <a:lstStyle/>
+                    <a:p>
+                      <a:endParaRPr lang="en-US"/>
+                    </a:p>
+                  </a:txBody>
+                  <a:tcPr/>
+                </a:tc>
+              </a:tr>
+              <a:tr h="370840">
+                <a:tc>
+                  <a:txBody>
+                    <a:bodyPr/>
+                    <a:lstStyle/>
+                    <a:p>
+                      <a:r>
+                        <a:rPr lang="mr-IN"/>
+                        <a:t>&lt;&gt; == !=</a:t>
+                      </a:r>
+                    </a:p>
+                  </a:txBody>
+                  <a:tcPr anchor="ctr"/>
+                </a:tc>
+                <a:tc>
+                  <a:txBody>
+                    <a:bodyPr/>
+                    <a:lstStyle/>
+                    <a:p>
+                      <a:r>
+                        <a:rPr lang="en-US"/>
+                        <a:t>Equality operators</a:t>
+                      </a:r>
+                    </a:p>
+                  </a:txBody>
+                  <a:tcPr anchor="ctr"/>
+                </a:tc>
+                <a:tc>
+                  <a:txBody>
+                    <a:bodyPr/>
+                    <a:lstStyle/>
+                    <a:p>
+                      <a:endParaRPr lang="en-US"/>
+                    </a:p>
+                  </a:txBody>
+                  <a:tcPr/>
+                </a:tc>
+              </a:tr>
+              <a:tr h="370840">
+                <a:tc>
+                  <a:txBody>
+                    <a:bodyPr/>
+                    <a:lstStyle/>
+                    <a:p>
+                      <a:r>
+                        <a:rPr lang="mr-IN"/>
+                        <a:t>= %= /= //= -= += *= **=</a:t>
+                      </a:r>
+                    </a:p>
+                  </a:txBody>
+                  <a:tcPr anchor="ctr"/>
+                </a:tc>
+                <a:tc>
+                  <a:txBody>
+                    <a:bodyPr/>
+                    <a:lstStyle/>
+                    <a:p>
+                      <a:r>
+                        <a:rPr lang="en-US"/>
+                        <a:t>Assignment operators</a:t>
+                      </a:r>
+                    </a:p>
+                  </a:txBody>
+                  <a:tcPr anchor="ctr"/>
+                </a:tc>
+                <a:tc>
+                  <a:txBody>
+                    <a:bodyPr/>
+                    <a:lstStyle/>
+                    <a:p>
+                      <a:endParaRPr lang="en-US"/>
+                    </a:p>
+                  </a:txBody>
+                  <a:tcPr/>
+                </a:tc>
+              </a:tr>
+              <a:tr h="370840">
+                <a:tc>
+                  <a:txBody>
+                    <a:bodyPr/>
+                    <a:lstStyle/>
+                    <a:p>
+                      <a:r>
+                        <a:rPr lang="en-US"/>
+                        <a:t>is is not</a:t>
+                      </a:r>
+                    </a:p>
+                  </a:txBody>
+                  <a:tcPr anchor="ctr"/>
+                </a:tc>
+                <a:tc>
+                  <a:txBody>
+                    <a:bodyPr/>
+                    <a:lstStyle/>
+                    <a:p>
+                      <a:r>
+                        <a:rPr lang="en-US"/>
+                        <a:t>Identity operators</a:t>
+                      </a:r>
+                    </a:p>
+                  </a:txBody>
+                  <a:tcPr anchor="ctr"/>
+                </a:tc>
+                <a:tc>
+                  <a:txBody>
+                    <a:bodyPr/>
+                    <a:lstStyle/>
+                    <a:p>
+                      <a:endParaRPr lang="en-US"/>
+                    </a:p>
+                  </a:txBody>
+                  <a:tcPr/>
+                </a:tc>
+              </a:tr>
+              <a:tr h="370840">
+                <a:tc>
+                  <a:txBody>
+                    <a:bodyPr/>
+                    <a:lstStyle/>
+                    <a:p>
+                      <a:r>
+                        <a:rPr lang="en-US"/>
+                        <a:t>in not in</a:t>
+                      </a:r>
+                    </a:p>
+                  </a:txBody>
+                  <a:tcPr anchor="ctr"/>
+                </a:tc>
+                <a:tc>
+                  <a:txBody>
+                    <a:bodyPr/>
+                    <a:lstStyle/>
+                    <a:p>
+                      <a:r>
+                        <a:rPr lang="en-US"/>
+                        <a:t>Membership operators</a:t>
+                      </a:r>
+                    </a:p>
+                  </a:txBody>
+                  <a:tcPr anchor="ctr"/>
+                </a:tc>
+                <a:tc>
+                  <a:txBody>
+                    <a:bodyPr/>
+                    <a:lstStyle/>
+                    <a:p>
+                      <a:endParaRPr lang="en-US"/>
+                    </a:p>
+                  </a:txBody>
+                  <a:tcPr/>
+                </a:tc>
+              </a:tr>
+              <a:tr h="370840">
+                <a:tc>
+                  <a:txBody>
+                    <a:bodyPr/>
+                    <a:lstStyle/>
+                    <a:p>
+                      <a:r>
+                        <a:rPr lang="en-US"/>
+                        <a:t>not or and</a:t>
+                      </a:r>
+                    </a:p>
+                  </a:txBody>
+                  <a:tcPr anchor="ctr"/>
+                </a:tc>
+                <a:tc>
+                  <a:txBody>
+                    <a:bodyPr/>
+                    <a:lstStyle/>
+                    <a:p>
+                      <a:r>
+                        <a:rPr lang="en-US"/>
+                        <a:t>Logical operators</a:t>
+                      </a:r>
+                    </a:p>
+                  </a:txBody>
+                  <a:tcPr anchor="ctr"/>
+                </a:tc>
+                <a:tc>
+                  <a:txBody>
+                    <a:bodyPr/>
+                    <a:lstStyle/>
+                    <a:p>
+                      <a:endParaRPr lang="en-US" dirty="0"/>
+                    </a:p>
+                  </a:txBody>
+                  <a:tcPr/>
+                </a:tc>
+              </a:tr>
+            </a:tbl>
+          </a:graphicData>
+        </a:graphic>
+      </p:graphicFrame>
+    </p:spTree>
+    <p:extLst>
+      <p:ext uri="{BB962C8B-B14F-4D97-AF65-F5344CB8AC3E}">
+        <p14:creationId xmlns:p14="http://schemas.microsoft.com/office/powerpoint/2010/main" val="349428462"/>
+      </p:ext>
+    </p:extLst>
+  </p:cSld>
+  <p:clrMapOvr>
+    <a:masterClrMapping/>
+  </p:clrMapOvr>
+</p:sld>
+</file>
+
+<file path=ppt/slides/slide28.xml><?xml version="1.0" encoding="utf-8"?>
+<p:sld xmlns:a="http://schemas.openxmlformats.org/drawingml/2006/main" xmlns:r="http://schemas.openxmlformats.org/officeDocument/2006/relationships" xmlns:p="http://schemas.openxmlformats.org/presentationml/2006/main">
+  <p:cSld>
+    <p:spTree>
+      <p:nvGrpSpPr>
+        <p:cNvPr id="1" name=""/>
+        <p:cNvGrpSpPr/>
+        <p:nvPr/>
+      </p:nvGrpSpPr>
+      <p:grpSpPr>
+        <a:xfrm>
+          <a:off x="0" y="0"/>
+          <a:ext cx="0" cy="0"/>
+          <a:chOff x="0" y="0"/>
+          <a:chExt cx="0" cy="0"/>
+        </a:xfrm>
+      </p:grpSpPr>
+      <p:sp>
+        <p:nvSpPr>
+          <p:cNvPr id="2" name="Title 1"/>
+          <p:cNvSpPr>
+            <a:spLocks noGrp="1"/>
+          </p:cNvSpPr>
+          <p:nvPr>
+            <p:ph type="title"/>
+          </p:nvPr>
+        </p:nvSpPr>
+        <p:spPr/>
+        <p:txBody>
+          <a:bodyPr/>
+          <a:lstStyle/>
+          <a:p>
+            <a:endParaRPr lang="en-US"/>
+          </a:p>
+        </p:txBody>
+      </p:sp>
+      <p:sp>
+        <p:nvSpPr>
+          <p:cNvPr id="3" name="Content Placeholder 2"/>
+          <p:cNvSpPr>
+            <a:spLocks noGrp="1"/>
+          </p:cNvSpPr>
+          <p:nvPr>
+            <p:ph idx="1"/>
+          </p:nvPr>
+        </p:nvSpPr>
+        <p:spPr/>
+        <p:txBody>
+          <a:bodyPr/>
+          <a:lstStyle/>
+          <a:p>
+            <a:endParaRPr lang="en-US"/>
+          </a:p>
+        </p:txBody>
+      </p:sp>
+    </p:spTree>
+    <p:extLst>
+      <p:ext uri="{BB962C8B-B14F-4D97-AF65-F5344CB8AC3E}">
+        <p14:creationId xmlns:p14="http://schemas.microsoft.com/office/powerpoint/2010/main" val="720291688"/>
+      </p:ext>
+    </p:extLst>
+  </p:cSld>
+  <p:clrMapOvr>
+    <a:masterClrMapping/>
+  </p:clrMapOvr>
+</p:sld>
+</file>
+
+<file path=ppt/slides/slide3.xml><?xml version="1.0" encoding="utf-8"?>
+<p:sld xmlns:a="http://schemas.openxmlformats.org/drawingml/2006/main" xmlns:r="http://schemas.openxmlformats.org/officeDocument/2006/relationships" xmlns:p="http://schemas.openxmlformats.org/presentationml/2006/main">
+  <p:cSld>
+    <p:spTree>
+      <p:nvGrpSpPr>
+        <p:cNvPr id="1" name=""/>
+        <p:cNvGrpSpPr/>
+        <p:nvPr/>
+      </p:nvGrpSpPr>
+      <p:grpSpPr>
+        <a:xfrm>
+          <a:off x="0" y="0"/>
+          <a:ext cx="0" cy="0"/>
+          <a:chOff x="0" y="0"/>
+          <a:chExt cx="0" cy="0"/>
+        </a:xfrm>
+      </p:grpSpPr>
+      <p:sp>
+        <p:nvSpPr>
+          <p:cNvPr id="2" name="Title 1"/>
+          <p:cNvSpPr>
+            <a:spLocks noGrp="1"/>
+          </p:cNvSpPr>
+          <p:nvPr>
+            <p:ph type="title"/>
+          </p:nvPr>
+        </p:nvSpPr>
+        <p:spPr/>
+        <p:txBody>
+          <a:bodyPr/>
+          <a:lstStyle/>
+          <a:p>
+            <a:r>
+              <a:rPr lang="en-US" altLang="zh-CN" dirty="0" smtClean="0"/>
+              <a:t>Course</a:t>
+            </a:r>
+            <a:r>
+              <a:rPr lang="zh-CN" altLang="en-US" dirty="0" smtClean="0"/>
+              <a:t> </a:t>
+            </a:r>
+            <a:r>
+              <a:rPr lang="en-US" altLang="zh-CN" dirty="0" smtClean="0"/>
+              <a:t>Outline</a:t>
+            </a:r>
+            <a:endParaRPr lang="en-US" dirty="0"/>
+          </a:p>
+        </p:txBody>
+      </p:sp>
+      <p:sp>
+        <p:nvSpPr>
+          <p:cNvPr id="3" name="Content Placeholder 2"/>
+          <p:cNvSpPr>
+            <a:spLocks noGrp="1"/>
+          </p:cNvSpPr>
+          <p:nvPr>
+            <p:ph idx="1"/>
+          </p:nvPr>
+        </p:nvSpPr>
+        <p:spPr/>
+        <p:txBody>
+          <a:bodyPr/>
+          <a:lstStyle/>
+          <a:p>
+            <a:r>
+              <a:rPr lang="en-US" i="1" dirty="0" smtClean="0"/>
+              <a:t>Hello</a:t>
+            </a:r>
+            <a:r>
+              <a:rPr lang="en-US" i="1" dirty="0"/>
+              <a:t>, World!</a:t>
+            </a:r>
+            <a:br>
+              <a:rPr lang="en-US" i="1" dirty="0"/>
+            </a:br>
+            <a:r>
+              <a:rPr lang="en-US" i="1" dirty="0"/>
+              <a:t>Variables and Types</a:t>
+            </a:r>
+            <a:br>
+              <a:rPr lang="en-US" i="1" dirty="0"/>
+            </a:br>
+            <a:r>
+              <a:rPr lang="en-US" i="1" dirty="0"/>
+              <a:t>Lists</a:t>
+            </a:r>
+            <a:br>
+              <a:rPr lang="en-US" i="1" dirty="0"/>
+            </a:br>
+            <a:r>
+              <a:rPr lang="en-US" i="1" dirty="0"/>
+              <a:t>Basic Operators</a:t>
+            </a:r>
+            <a:br>
+              <a:rPr lang="en-US" i="1" dirty="0"/>
+            </a:br>
+            <a:r>
+              <a:rPr lang="en-US" i="1" dirty="0"/>
+              <a:t>String Formatting</a:t>
+            </a:r>
+            <a:br>
+              <a:rPr lang="en-US" i="1" dirty="0"/>
+            </a:br>
+            <a:r>
+              <a:rPr lang="en-US" i="1" dirty="0"/>
+              <a:t>Basic String Operations</a:t>
+            </a:r>
+            <a:br>
+              <a:rPr lang="en-US" i="1" dirty="0"/>
+            </a:br>
+            <a:r>
+              <a:rPr lang="en-US" i="1" dirty="0"/>
+              <a:t>Conditions</a:t>
+            </a:r>
+            <a:br>
+              <a:rPr lang="en-US" i="1" dirty="0"/>
+            </a:br>
+            <a:r>
+              <a:rPr lang="en-US" i="1" dirty="0"/>
+              <a:t>Loops</a:t>
+            </a:r>
+            <a:br>
+              <a:rPr lang="en-US" i="1" dirty="0"/>
+            </a:br>
+            <a:r>
+              <a:rPr lang="en-US" i="1" dirty="0"/>
+              <a:t>Functions</a:t>
+            </a:r>
+            <a:br>
+              <a:rPr lang="en-US" i="1" dirty="0"/>
+            </a:br>
+            <a:r>
+              <a:rPr lang="en-US" i="1" dirty="0"/>
+              <a:t>Classes and Objects</a:t>
+            </a:r>
+            <a:br>
+              <a:rPr lang="en-US" i="1" dirty="0"/>
+            </a:br>
+            <a:r>
+              <a:rPr lang="en-US" i="1" dirty="0"/>
+              <a:t>Dictionaries</a:t>
+            </a:r>
+            <a:br>
+              <a:rPr lang="en-US" i="1" dirty="0"/>
+            </a:br>
+            <a:r>
+              <a:rPr lang="en-US" i="1" dirty="0"/>
+              <a:t>Modules and Packages</a:t>
+            </a:r>
+            <a:endParaRPr lang="en-US" dirty="0"/>
+          </a:p>
+        </p:txBody>
+      </p:sp>
+    </p:spTree>
+    <p:extLst>
+      <p:ext uri="{BB962C8B-B14F-4D97-AF65-F5344CB8AC3E}">
+        <p14:creationId xmlns:p14="http://schemas.microsoft.com/office/powerpoint/2010/main" val="900831921"/>
+      </p:ext>
+    </p:extLst>
+  </p:cSld>
+  <p:clrMapOvr>
+    <a:masterClrMapping/>
+  </p:clrMapOvr>
+</p:sld>
+</file>
+
+<file path=ppt/slides/slide4.xml><?xml version="1.0" encoding="utf-8"?>
+<p:sld xmlns:a="http://schemas.openxmlformats.org/drawingml/2006/main" xmlns:r="http://schemas.openxmlformats.org/officeDocument/2006/relationships" xmlns:p="http://schemas.openxmlformats.org/presentationml/2006/main">
+  <p:cSld>
+    <p:spTree>
+      <p:nvGrpSpPr>
+        <p:cNvPr id="1" name=""/>
+        <p:cNvGrpSpPr/>
+        <p:nvPr/>
+      </p:nvGrpSpPr>
+      <p:grpSpPr>
+        <a:xfrm>
+          <a:off x="0" y="0"/>
+          <a:ext cx="0" cy="0"/>
+          <a:chOff x="0" y="0"/>
+          <a:chExt cx="0" cy="0"/>
+        </a:xfrm>
+      </p:grpSpPr>
+      <p:sp>
+        <p:nvSpPr>
+          <p:cNvPr id="2" name="Title 1"/>
+          <p:cNvSpPr>
+            <a:spLocks noGrp="1"/>
+          </p:cNvSpPr>
+          <p:nvPr>
+            <p:ph type="title"/>
+          </p:nvPr>
+        </p:nvSpPr>
+        <p:spPr/>
+        <p:txBody>
+          <a:bodyPr/>
+          <a:lstStyle/>
+          <a:p>
+            <a:r>
+              <a:rPr lang="en-US" altLang="zh-CN" dirty="0" smtClean="0"/>
+              <a:t>Projects</a:t>
+            </a:r>
+            <a:endParaRPr lang="en-US" dirty="0"/>
+          </a:p>
+        </p:txBody>
+      </p:sp>
+      <p:sp>
+        <p:nvSpPr>
+          <p:cNvPr id="3" name="Content Placeholder 2"/>
+          <p:cNvSpPr>
+            <a:spLocks noGrp="1"/>
+          </p:cNvSpPr>
+          <p:nvPr>
+            <p:ph idx="1"/>
+          </p:nvPr>
+        </p:nvSpPr>
+        <p:spPr/>
+        <p:txBody>
+          <a:bodyPr>
+            <a:normAutofit lnSpcReduction="10000"/>
+          </a:bodyPr>
+          <a:lstStyle/>
+          <a:p>
+            <a:r>
+              <a:rPr lang="en-US" i="1" dirty="0"/>
+              <a:t> Automation Testing</a:t>
+            </a:r>
+            <a:br>
+              <a:rPr lang="en-US" i="1" dirty="0"/>
+            </a:br>
+            <a:r>
+              <a:rPr lang="en-US" i="1" dirty="0"/>
+              <a:t>        Selenium Automation testing with Python</a:t>
+            </a:r>
+            <a:br>
+              <a:rPr lang="en-US" i="1" dirty="0"/>
+            </a:br>
+            <a:r>
+              <a:rPr lang="en-US" i="1" dirty="0"/>
+              <a:t>   </a:t>
+            </a:r>
+            <a:endParaRPr lang="en-US" i="1" dirty="0" smtClean="0"/>
+          </a:p>
+          <a:p>
+            <a:r>
+              <a:rPr lang="en-US" i="1" dirty="0" smtClean="0"/>
+              <a:t> </a:t>
+            </a:r>
+            <a:r>
+              <a:rPr lang="en-US" i="1" dirty="0"/>
+              <a:t>Stock Market Prediction in Python</a:t>
+            </a:r>
+            <a:br>
+              <a:rPr lang="en-US" i="1" dirty="0"/>
+            </a:br>
+            <a:r>
+              <a:rPr lang="en-US" i="1" dirty="0"/>
+              <a:t>        The aim of the project is to predict whether future daily returns of a S&amp;P 500 are going to be positive or negative.</a:t>
+            </a:r>
+            <a:br>
+              <a:rPr lang="en-US" i="1" dirty="0"/>
+            </a:br>
+            <a:r>
+              <a:rPr lang="en-US" i="1" dirty="0"/>
+              <a:t>   </a:t>
+            </a:r>
+            <a:endParaRPr lang="en-US" i="1" dirty="0" smtClean="0"/>
+          </a:p>
+          <a:p>
+            <a:r>
+              <a:rPr lang="en-US" i="1" dirty="0" smtClean="0"/>
+              <a:t>Bitcoin/Digital </a:t>
+            </a:r>
+            <a:r>
+              <a:rPr lang="en-US" i="1" dirty="0"/>
+              <a:t>currency Automated Trading  </a:t>
+            </a:r>
+            <a:br>
+              <a:rPr lang="en-US" i="1" dirty="0"/>
+            </a:br>
+            <a:r>
+              <a:rPr lang="en-US" i="1" dirty="0"/>
+              <a:t>         Professional algorithmic trading solution to support automated Bitcoin/Digital currency trading</a:t>
+            </a:r>
+            <a:br>
+              <a:rPr lang="en-US" i="1" dirty="0"/>
+            </a:br>
+            <a:r>
+              <a:rPr lang="en-US" dirty="0"/>
+              <a:t>Reference:</a:t>
+            </a:r>
+            <a:br>
+              <a:rPr lang="en-US" dirty="0"/>
+            </a:br>
+            <a:r>
+              <a:rPr lang="en-US" dirty="0"/>
+              <a:t>    http://</a:t>
+            </a:r>
+            <a:r>
+              <a:rPr lang="en-US" dirty="0" err="1"/>
+              <a:t>francescopochetti.com</a:t>
+            </a:r>
+            <a:r>
+              <a:rPr lang="en-US" dirty="0"/>
+              <a:t>/stock-market-prediction-part-introduction/</a:t>
+            </a:r>
+          </a:p>
+        </p:txBody>
+      </p:sp>
+    </p:spTree>
+    <p:extLst>
+      <p:ext uri="{BB962C8B-B14F-4D97-AF65-F5344CB8AC3E}">
+        <p14:creationId xmlns:p14="http://schemas.microsoft.com/office/powerpoint/2010/main" val="387977645"/>
+      </p:ext>
+    </p:extLst>
+  </p:cSld>
+  <p:clrMapOvr>
+    <a:masterClrMapping/>
+  </p:clrMapOvr>
+</p:sld>
+</file>
+
+<file path=ppt/slides/slide5.xml><?xml version="1.0" encoding="utf-8"?>
+<p:sld xmlns:a="http://schemas.openxmlformats.org/drawingml/2006/main" xmlns:r="http://schemas.openxmlformats.org/officeDocument/2006/relationships" xmlns:p="http://schemas.openxmlformats.org/presentationml/2006/main">
+  <p:cSld>
+    <p:spTree>
+      <p:nvGrpSpPr>
+        <p:cNvPr id="1" name=""/>
+        <p:cNvGrpSpPr/>
+        <p:nvPr/>
+      </p:nvGrpSpPr>
+      <p:grpSpPr>
+        <a:xfrm>
+          <a:off x="0" y="0"/>
+          <a:ext cx="0" cy="0"/>
+          <a:chOff x="0" y="0"/>
+          <a:chExt cx="0" cy="0"/>
+        </a:xfrm>
+      </p:grpSpPr>
+      <p:sp>
+        <p:nvSpPr>
+          <p:cNvPr id="2" name="Title 1"/>
+          <p:cNvSpPr>
+            <a:spLocks noGrp="1"/>
+          </p:cNvSpPr>
+          <p:nvPr>
+            <p:ph type="ctrTitle"/>
+          </p:nvPr>
+        </p:nvSpPr>
+        <p:spPr/>
+        <p:txBody>
+          <a:bodyPr>
+            <a:normAutofit/>
+          </a:bodyPr>
+          <a:lstStyle/>
+          <a:p>
+            <a:r>
+              <a:rPr lang="en-US" b="1" dirty="0"/>
+              <a:t>An Informal Introduction to </a:t>
+            </a:r>
+            <a:r>
+              <a:rPr lang="en-US" b="1" dirty="0" smtClean="0"/>
+              <a:t>Python</a:t>
+            </a:r>
+            <a:endParaRPr lang="en-US" dirty="0"/>
+          </a:p>
+        </p:txBody>
+      </p:sp>
+      <p:sp>
+        <p:nvSpPr>
+          <p:cNvPr id="3" name="Subtitle 2"/>
+          <p:cNvSpPr>
+            <a:spLocks noGrp="1"/>
+          </p:cNvSpPr>
+          <p:nvPr>
+            <p:ph type="subTitle" idx="1"/>
+          </p:nvPr>
+        </p:nvSpPr>
+        <p:spPr/>
+        <p:txBody>
+          <a:bodyPr/>
+          <a:lstStyle/>
+          <a:p>
+            <a:endParaRPr lang="en-US"/>
+          </a:p>
+        </p:txBody>
+      </p:sp>
+    </p:spTree>
+    <p:extLst>
+      <p:ext uri="{BB962C8B-B14F-4D97-AF65-F5344CB8AC3E}">
+        <p14:creationId xmlns:p14="http://schemas.microsoft.com/office/powerpoint/2010/main" val="1063660804"/>
+      </p:ext>
+    </p:extLst>
+  </p:cSld>
+  <p:clrMapOvr>
+    <a:masterClrMapping/>
+  </p:clrMapOvr>
+</p:sld>
+</file>
+
+<file path=ppt/slides/slide6.xml><?xml version="1.0" encoding="utf-8"?>
+<p:sld xmlns:a="http://schemas.openxmlformats.org/drawingml/2006/main" xmlns:r="http://schemas.openxmlformats.org/officeDocument/2006/relationships" xmlns:p="http://schemas.openxmlformats.org/presentationml/2006/main">
+  <p:cSld>
+    <p:spTree>
+      <p:nvGrpSpPr>
+        <p:cNvPr id="1" name=""/>
+        <p:cNvGrpSpPr/>
+        <p:nvPr/>
+      </p:nvGrpSpPr>
+      <p:grpSpPr>
+        <a:xfrm>
+          <a:off x="0" y="0"/>
+          <a:ext cx="0" cy="0"/>
+          <a:chOff x="0" y="0"/>
+          <a:chExt cx="0" cy="0"/>
+        </a:xfrm>
+      </p:grpSpPr>
+      <p:sp>
+        <p:nvSpPr>
+          <p:cNvPr id="2" name="Title 1"/>
+          <p:cNvSpPr>
+            <a:spLocks noGrp="1"/>
+          </p:cNvSpPr>
+          <p:nvPr>
+            <p:ph type="title"/>
+          </p:nvPr>
+        </p:nvSpPr>
+        <p:spPr/>
+        <p:txBody>
+          <a:bodyPr/>
+          <a:lstStyle/>
+          <a:p>
+            <a:r>
+              <a:rPr lang="en-US" b="1" dirty="0"/>
+              <a:t>History of Python</a:t>
+            </a:r>
+            <a:br>
+              <a:rPr lang="en-US" b="1" dirty="0"/>
+            </a:br>
+            <a:endParaRPr lang="en-US" dirty="0"/>
+          </a:p>
+        </p:txBody>
+      </p:sp>
+      <p:sp>
+        <p:nvSpPr>
+          <p:cNvPr id="3" name="Content Placeholder 2"/>
+          <p:cNvSpPr>
+            <a:spLocks noGrp="1"/>
+          </p:cNvSpPr>
+          <p:nvPr>
+            <p:ph idx="1"/>
+          </p:nvPr>
+        </p:nvSpPr>
+        <p:spPr/>
+        <p:txBody>
+          <a:bodyPr/>
+          <a:lstStyle/>
+          <a:p>
+            <a:r>
+              <a:rPr lang="en-US" b="1" dirty="0"/>
+              <a:t>Why Python was created?</a:t>
+            </a:r>
+          </a:p>
+          <a:p>
+            <a:r>
+              <a:rPr lang="en-US" dirty="0"/>
+              <a:t>In late 1980s, Guido Van Rossum was working on the Amoeba distributed operating system group. He wanted to use an interpreted language like ABC (ABC has simple easy-to-understand syntax) that could access the Amoeba system calls. So, he decided to create a language that was extensible. This led to a design of new language which was later named Python</a:t>
+            </a:r>
+            <a:r>
+              <a:rPr lang="en-US" dirty="0" smtClean="0"/>
+              <a:t>.</a:t>
+            </a:r>
+          </a:p>
+        </p:txBody>
+      </p:sp>
+    </p:spTree>
+    <p:extLst>
+      <p:ext uri="{BB962C8B-B14F-4D97-AF65-F5344CB8AC3E}">
+        <p14:creationId xmlns:p14="http://schemas.microsoft.com/office/powerpoint/2010/main" val="327591675"/>
+      </p:ext>
+    </p:extLst>
+  </p:cSld>
+  <p:clrMapOvr>
+    <a:masterClrMapping/>
+  </p:clrMapOvr>
+</p:sld>
+</file>
+
+<file path=ppt/slides/slide7.xml><?xml version="1.0" encoding="utf-8"?>
+<p:sld xmlns:a="http://schemas.openxmlformats.org/drawingml/2006/main" xmlns:r="http://schemas.openxmlformats.org/officeDocument/2006/relationships" xmlns:p="http://schemas.openxmlformats.org/presentationml/2006/main">
+  <p:cSld>
+    <p:spTree>
+      <p:nvGrpSpPr>
+        <p:cNvPr id="1" name=""/>
+        <p:cNvGrpSpPr/>
+        <p:nvPr/>
+      </p:nvGrpSpPr>
+      <p:grpSpPr>
+        <a:xfrm>
+          <a:off x="0" y="0"/>
+          <a:ext cx="0" cy="0"/>
+          <a:chOff x="0" y="0"/>
+          <a:chExt cx="0" cy="0"/>
+        </a:xfrm>
+      </p:grpSpPr>
+      <p:sp>
+        <p:nvSpPr>
+          <p:cNvPr id="2" name="Title 1"/>
+          <p:cNvSpPr>
+            <a:spLocks noGrp="1"/>
+          </p:cNvSpPr>
+          <p:nvPr>
+            <p:ph type="title"/>
+          </p:nvPr>
+        </p:nvSpPr>
+        <p:spPr/>
+        <p:txBody>
+          <a:bodyPr/>
+          <a:lstStyle/>
+          <a:p>
+            <a:r>
+              <a:rPr lang="en-US" b="1" dirty="0"/>
+              <a:t>Release Dates of Different Versions</a:t>
+            </a:r>
+            <a:br>
+              <a:rPr lang="en-US" b="1" dirty="0"/>
+            </a:br>
+            <a:endParaRPr lang="en-US" dirty="0"/>
+          </a:p>
+        </p:txBody>
+      </p:sp>
+      <p:graphicFrame>
+        <p:nvGraphicFramePr>
+          <p:cNvPr id="4" name="Content Placeholder 3"/>
+          <p:cNvGraphicFramePr>
+            <a:graphicFrameLocks noGrp="1"/>
+          </p:cNvGraphicFramePr>
+          <p:nvPr>
+            <p:ph idx="1"/>
+            <p:extLst>
+              <p:ext uri="{D42A27DB-BD31-4B8C-83A1-F6EECF244321}">
+                <p14:modId xmlns:p14="http://schemas.microsoft.com/office/powerpoint/2010/main" val="1390491800"/>
+              </p:ext>
+            </p:extLst>
+          </p:nvPr>
+        </p:nvGraphicFramePr>
+        <p:xfrm>
+          <a:off x="2589213" y="2788285"/>
+          <a:ext cx="8915400" cy="2468880"/>
+        </p:xfrm>
+        <a:graphic>
+          <a:graphicData uri="http://schemas.openxmlformats.org/drawingml/2006/table">
+            <a:tbl>
+              <a:tblPr/>
+              <a:tblGrid>
+                <a:gridCol w="4457700"/>
+                <a:gridCol w="4457700"/>
+              </a:tblGrid>
+              <a:tr h="0">
+                <a:tc>
+                  <a:txBody>
+                    <a:bodyPr/>
+                    <a:lstStyle/>
+                    <a:p>
+                      <a:r>
+                        <a:rPr lang="en-US"/>
+                        <a:t>Python 1.0 (first standard release)</a:t>
+                      </a:r>
+                      <a:br>
+                        <a:rPr lang="en-US"/>
+                      </a:br>
+                      <a:r>
+                        <a:rPr lang="en-US"/>
+                        <a:t>Python 1.6 (Last minor version)</a:t>
+                      </a:r>
+                    </a:p>
+                  </a:txBody>
+                  <a:tcPr anchor="ctr">
+                    <a:lnL>
+                      <a:noFill/>
+                    </a:lnL>
+                    <a:lnR>
+                      <a:noFill/>
+                    </a:lnR>
+                    <a:lnT>
+                      <a:noFill/>
+                    </a:lnT>
+                    <a:lnB>
+                      <a:noFill/>
+                    </a:lnB>
+                  </a:tcPr>
+                </a:tc>
+                <a:tc>
+                  <a:txBody>
+                    <a:bodyPr/>
+                    <a:lstStyle/>
+                    <a:p>
+                      <a:r>
+                        <a:rPr lang="en-US"/>
+                        <a:t>January 1994</a:t>
+                      </a:r>
+                      <a:br>
+                        <a:rPr lang="en-US"/>
+                      </a:br>
+                      <a:r>
+                        <a:rPr lang="en-US"/>
+                        <a:t>September 5, 2000</a:t>
+                      </a:r>
+                    </a:p>
+                  </a:txBody>
+                  <a:tcPr anchor="ctr">
+                    <a:lnL>
+                      <a:noFill/>
+                    </a:lnL>
+                    <a:lnR>
+                      <a:noFill/>
+                    </a:lnR>
+                    <a:lnT>
+                      <a:noFill/>
+                    </a:lnT>
+                    <a:lnB>
+                      <a:noFill/>
+                    </a:lnB>
+                  </a:tcPr>
+                </a:tc>
+              </a:tr>
+              <a:tr h="0">
+                <a:tc>
+                  <a:txBody>
+                    <a:bodyPr/>
+                    <a:lstStyle/>
+                    <a:p>
+                      <a:r>
+                        <a:rPr lang="en-US"/>
+                        <a:t>Python 2.0 (Introduced list comprehensions)</a:t>
+                      </a:r>
+                      <a:br>
+                        <a:rPr lang="en-US"/>
+                      </a:br>
+                      <a:r>
+                        <a:rPr lang="en-US"/>
+                        <a:t>Python 2.7 (Last minor version)</a:t>
+                      </a:r>
+                    </a:p>
+                  </a:txBody>
+                  <a:tcPr anchor="ctr">
+                    <a:lnL>
+                      <a:noFill/>
+                    </a:lnL>
+                    <a:lnR>
+                      <a:noFill/>
+                    </a:lnR>
+                    <a:lnT>
+                      <a:noFill/>
+                    </a:lnT>
+                    <a:lnB>
+                      <a:noFill/>
+                    </a:lnB>
+                  </a:tcPr>
+                </a:tc>
+                <a:tc>
+                  <a:txBody>
+                    <a:bodyPr/>
+                    <a:lstStyle/>
+                    <a:p>
+                      <a:r>
+                        <a:rPr lang="en-US"/>
+                        <a:t>October 16, 2000</a:t>
+                      </a:r>
+                      <a:br>
+                        <a:rPr lang="en-US"/>
+                      </a:br>
+                      <a:r>
+                        <a:rPr lang="en-US"/>
+                        <a:t>July 3, 2010</a:t>
+                      </a:r>
+                    </a:p>
+                  </a:txBody>
+                  <a:tcPr anchor="ctr">
+                    <a:lnL>
+                      <a:noFill/>
+                    </a:lnL>
+                    <a:lnR>
+                      <a:noFill/>
+                    </a:lnR>
+                    <a:lnT>
+                      <a:noFill/>
+                    </a:lnT>
+                    <a:lnB>
+                      <a:noFill/>
+                    </a:lnB>
+                  </a:tcPr>
+                </a:tc>
+              </a:tr>
+              <a:tr h="0">
+                <a:tc>
+                  <a:txBody>
+                    <a:bodyPr/>
+                    <a:lstStyle/>
+                    <a:p>
+                      <a:r>
+                        <a:rPr lang="en-US" dirty="0"/>
+                        <a:t>Python 3.0 (Emphasis on removing duplicative constructs and module)</a:t>
+                      </a:r>
+                      <a:br>
+                        <a:rPr lang="en-US" dirty="0"/>
+                      </a:br>
+                      <a:r>
+                        <a:rPr lang="en-US" dirty="0"/>
+                        <a:t>Python </a:t>
+                      </a:r>
+                      <a:r>
+                        <a:rPr lang="en-US" dirty="0" smtClean="0"/>
+                        <a:t>3.</a:t>
+                      </a:r>
+                      <a:r>
+                        <a:rPr lang="en-US" altLang="zh-CN" dirty="0" smtClean="0"/>
+                        <a:t>6.2</a:t>
+                      </a:r>
+                      <a:r>
+                        <a:rPr lang="en-US" dirty="0" smtClean="0"/>
+                        <a:t> </a:t>
+                      </a:r>
+                      <a:r>
+                        <a:rPr lang="en-US" dirty="0"/>
+                        <a:t>(Last updated version)</a:t>
+                      </a:r>
+                    </a:p>
+                  </a:txBody>
+                  <a:tcPr anchor="ctr">
+                    <a:lnL>
+                      <a:noFill/>
+                    </a:lnL>
+                    <a:lnR>
+                      <a:noFill/>
+                    </a:lnR>
+                    <a:lnT>
+                      <a:noFill/>
+                    </a:lnT>
+                    <a:lnB>
+                      <a:noFill/>
+                    </a:lnB>
+                  </a:tcPr>
+                </a:tc>
+                <a:tc>
+                  <a:txBody>
+                    <a:bodyPr/>
+                    <a:lstStyle/>
+                    <a:p>
+                      <a:r>
+                        <a:rPr lang="is-IS" dirty="0"/>
+                        <a:t>December 3, 2008</a:t>
+                      </a:r>
+                      <a:br>
+                        <a:rPr lang="is-IS" dirty="0"/>
+                      </a:br>
+                      <a:r>
+                        <a:rPr lang="is-IS" dirty="0" smtClean="0"/>
+                        <a:t>December 1</a:t>
+                      </a:r>
+                      <a:r>
+                        <a:rPr lang="en-US" altLang="zh-CN" dirty="0" smtClean="0"/>
+                        <a:t>2</a:t>
+                      </a:r>
+                      <a:r>
+                        <a:rPr lang="is-IS" dirty="0" smtClean="0"/>
+                        <a:t>, 201</a:t>
+                      </a:r>
+                      <a:r>
+                        <a:rPr lang="en-US" altLang="zh-CN" dirty="0" smtClean="0"/>
+                        <a:t>6</a:t>
+                      </a:r>
+                      <a:endParaRPr lang="is-IS" dirty="0"/>
+                    </a:p>
+                  </a:txBody>
+                  <a:tcPr anchor="ctr">
+                    <a:lnL>
+                      <a:noFill/>
+                    </a:lnL>
+                    <a:lnR>
+                      <a:noFill/>
+                    </a:lnR>
+                    <a:lnT>
+                      <a:noFill/>
+                    </a:lnT>
+                    <a:lnB>
+                      <a:noFill/>
+                    </a:lnB>
+                  </a:tcPr>
+                </a:tc>
+              </a:tr>
+            </a:tbl>
+          </a:graphicData>
+        </a:graphic>
+      </p:graphicFrame>
+    </p:spTree>
+    <p:extLst>
+      <p:ext uri="{BB962C8B-B14F-4D97-AF65-F5344CB8AC3E}">
+        <p14:creationId xmlns:p14="http://schemas.microsoft.com/office/powerpoint/2010/main" val="879385016"/>
+      </p:ext>
+    </p:extLst>
+  </p:cSld>
+  <p:clrMapOvr>
+    <a:masterClrMapping/>
+  </p:clrMapOvr>
+</p:sld>
+</file>
+
+<file path=ppt/slides/slide8.xml><?xml version="1.0" encoding="utf-8"?>
+<p:sld xmlns:a="http://schemas.openxmlformats.org/drawingml/2006/main" xmlns:r="http://schemas.openxmlformats.org/officeDocument/2006/relationships" xmlns:p="http://schemas.openxmlformats.org/presentationml/2006/main">
+  <p:cSld>
+    <p:spTree>
+      <p:nvGrpSpPr>
+        <p:cNvPr id="1" name=""/>
+        <p:cNvGrpSpPr/>
+        <p:nvPr/>
+      </p:nvGrpSpPr>
+      <p:grpSpPr>
+        <a:xfrm>
+          <a:off x="0" y="0"/>
+          <a:ext cx="0" cy="0"/>
+          <a:chOff x="0" y="0"/>
+          <a:chExt cx="0" cy="0"/>
+        </a:xfrm>
+      </p:grpSpPr>
+      <p:sp>
+        <p:nvSpPr>
+          <p:cNvPr id="2" name="Title 1"/>
+          <p:cNvSpPr>
+            <a:spLocks noGrp="1"/>
+          </p:cNvSpPr>
+          <p:nvPr>
+            <p:ph type="title"/>
+          </p:nvPr>
+        </p:nvSpPr>
+        <p:spPr/>
+        <p:txBody>
+          <a:bodyPr/>
+          <a:lstStyle/>
+          <a:p>
+            <a:r>
+              <a:rPr lang="en-US" b="1" dirty="0"/>
+              <a:t>Run Python on Your Operating System</a:t>
+            </a:r>
+            <a:br>
+              <a:rPr lang="en-US" b="1" dirty="0"/>
+            </a:br>
+            <a:endParaRPr lang="en-US" dirty="0"/>
+          </a:p>
+        </p:txBody>
+      </p:sp>
+      <p:sp>
+        <p:nvSpPr>
+          <p:cNvPr id="3" name="Content Placeholder 2"/>
+          <p:cNvSpPr>
+            <a:spLocks noGrp="1"/>
+          </p:cNvSpPr>
+          <p:nvPr>
+            <p:ph idx="1"/>
+          </p:nvPr>
+        </p:nvSpPr>
+        <p:spPr/>
+        <p:txBody>
+          <a:bodyPr/>
+          <a:lstStyle/>
+          <a:p>
+            <a:r>
+              <a:rPr lang="en-US" dirty="0">
+                <a:hlinkClick r:id="rId2"/>
+              </a:rPr>
+              <a:t>https://www.python.org/downloads/release/python-362</a:t>
+            </a:r>
+            <a:r>
+              <a:rPr lang="en-US" dirty="0" smtClean="0">
+                <a:hlinkClick r:id="rId2"/>
+              </a:rPr>
+              <a:t>/</a:t>
+            </a:r>
+            <a:endParaRPr lang="en-US" dirty="0" smtClean="0"/>
+          </a:p>
+          <a:p>
+            <a:r>
+              <a:rPr lang="en-US" dirty="0"/>
+              <a:t>When the download is complete, open the package and follow the instructions. </a:t>
+            </a:r>
+            <a:r>
+              <a:rPr lang="en-US"/>
+              <a:t>You will see "The installation was successful" message when Python is successfully installed.</a:t>
+            </a:r>
+          </a:p>
+        </p:txBody>
+      </p:sp>
+    </p:spTree>
+    <p:extLst>
+      <p:ext uri="{BB962C8B-B14F-4D97-AF65-F5344CB8AC3E}">
+        <p14:creationId xmlns:p14="http://schemas.microsoft.com/office/powerpoint/2010/main" val="1178005812"/>
+      </p:ext>
+    </p:extLst>
+  </p:cSld>
+  <p:clrMapOvr>
+    <a:masterClrMapping/>
+  </p:clrMapOvr>
+</p:sld>
+</file>
+
 <file path=ppt/slides/slide9.xml><?xml version="1.0" encoding="utf-8"?>
 <p:sld xmlns:a="http://schemas.openxmlformats.org/drawingml/2006/main" xmlns:r="http://schemas.openxmlformats.org/officeDocument/2006/relationships" xmlns:p="http://schemas.openxmlformats.org/presentationml/2006/main">
   <p:cSld>
@@ -8871,11 +14069,12 @@
           <a:p>
             <a:r>
               <a:rPr lang="en-US" b="1" dirty="0"/>
-              <a:t>Python Comments</a:t>
-            </a:r>
-            <a:br>
-              <a:rPr lang="en-US" b="1" dirty="0"/>
-            </a:br>
+              <a:t>Hello World </a:t>
+            </a:r>
+            <a:r>
+              <a:rPr lang="en-US" b="1" dirty="0" smtClean="0"/>
+              <a:t>Example</a:t>
+            </a:r>
             <a:endParaRPr lang="en-US" dirty="0"/>
           </a:p>
         </p:txBody>
@@ -8895,81 +14094,22 @@
           <a:bodyPr/>
           <a:lstStyle/>
           <a:p>
-            <a:endParaRPr lang="en-US" dirty="0" smtClean="0"/>
-          </a:p>
-          <a:p>
             <a:r>
               <a:rPr lang="en-US" dirty="0"/>
-              <a:t>#This is a comment </a:t>
-            </a:r>
-            <a:endParaRPr lang="en-US" dirty="0" smtClean="0"/>
-          </a:p>
-          <a:p>
-            <a:r>
-              <a:rPr lang="en-US" smtClean="0"/>
-              <a:t>#</a:t>
-            </a:r>
-            <a:r>
-              <a:rPr lang="en-US"/>
-              <a:t>print out </a:t>
-            </a:r>
-            <a:r>
-              <a:rPr lang="en-US"/>
-              <a:t>Hello </a:t>
-            </a:r>
-            <a:endParaRPr lang="en-US" smtClean="0"/>
-          </a:p>
-          <a:p>
-            <a:r>
-              <a:rPr lang="en-US" smtClean="0"/>
-              <a:t>print</a:t>
-            </a:r>
-            <a:r>
-              <a:rPr lang="en-US"/>
-              <a:t>('Hello')</a:t>
-            </a:r>
-            <a:endParaRPr lang="en-US" dirty="0" smtClean="0"/>
-          </a:p>
-          <a:p>
+              <a:t>print("Hello world</a:t>
+            </a:r>
+            <a:r>
+              <a:rPr lang="en-US" dirty="0" smtClean="0"/>
+              <a:t>!")</a:t>
+            </a:r>
             <a:endParaRPr lang="en-US" dirty="0"/>
-          </a:p>
-          <a:p>
-            <a:endParaRPr lang="en-US" dirty="0"/>
-          </a:p>
-          <a:p>
-            <a:r>
-              <a:rPr lang="en-US" dirty="0"/>
-              <a:t>#This is a long comment </a:t>
-            </a:r>
-            <a:endParaRPr lang="en-US" dirty="0" smtClean="0"/>
-          </a:p>
-          <a:p>
-            <a:r>
-              <a:rPr lang="en-US" dirty="0" smtClean="0"/>
-              <a:t>#</a:t>
-            </a:r>
-            <a:r>
-              <a:rPr lang="en-US" dirty="0"/>
-              <a:t>and it extends </a:t>
-            </a:r>
-            <a:endParaRPr lang="en-US" dirty="0" smtClean="0"/>
-          </a:p>
-          <a:p>
-            <a:r>
-              <a:rPr lang="en-US" dirty="0" smtClean="0"/>
-              <a:t>#</a:t>
-            </a:r>
-            <a:r>
-              <a:rPr lang="en-US" dirty="0"/>
-              <a:t>to multiple lines</a:t>
-            </a:r>
           </a:p>
         </p:txBody>
       </p:sp>
     </p:spTree>
     <p:extLst>
       <p:ext uri="{BB962C8B-B14F-4D97-AF65-F5344CB8AC3E}">
-        <p14:creationId xmlns:p14="http://schemas.microsoft.com/office/powerpoint/2010/main" val="1132633606"/>
+        <p14:creationId xmlns:p14="http://schemas.microsoft.com/office/powerpoint/2010/main" val="943940222"/>
       </p:ext>
     </p:extLst>
   </p:cSld>
@@ -9220,4 +14360,265 @@
     </a:ext>
   </a:extLst>
 </a:theme>
+</file>
+
+<file path=ppt/theme/theme2.xml><?xml version="1.0" encoding="utf-8"?>
+<a:theme xmlns:a="http://schemas.openxmlformats.org/drawingml/2006/main" name="Office Theme">
+  <a:themeElements>
+    <a:clrScheme name="Office">
+      <a:dk1>
+        <a:sysClr val="windowText" lastClr="000000"/>
+      </a:dk1>
+      <a:lt1>
+        <a:sysClr val="window" lastClr="FFFFFF"/>
+      </a:lt1>
+      <a:dk2>
+        <a:srgbClr val="44546A"/>
+      </a:dk2>
+      <a:lt2>
+        <a:srgbClr val="E7E6E6"/>
+      </a:lt2>
+      <a:accent1>
+        <a:srgbClr val="4472C4"/>
+      </a:accent1>
+      <a:accent2>
+        <a:srgbClr val="ED7D31"/>
+      </a:accent2>
+      <a:accent3>
+        <a:srgbClr val="A5A5A5"/>
+      </a:accent3>
+      <a:accent4>
+        <a:srgbClr val="FFC000"/>
+      </a:accent4>
+      <a:accent5>
+        <a:srgbClr val="5B9BD5"/>
+      </a:accent5>
+      <a:accent6>
+        <a:srgbClr val="70AD47"/>
+      </a:accent6>
+      <a:hlink>
+        <a:srgbClr val="0563C1"/>
+      </a:hlink>
+      <a:folHlink>
+        <a:srgbClr val="954F72"/>
+      </a:folHlink>
+    </a:clrScheme>
+    <a:fontScheme name="Office">
+      <a:majorFont>
+        <a:latin typeface="Calibri Light" panose="020F0302020204030204"/>
+        <a:ea typeface=""/>
+        <a:cs typeface=""/>
+        <a:font script="Jpan" typeface="Yu Gothic Light"/>
+        <a:font script="Hang" typeface="맑은 고딕"/>
+        <a:font script="Hans" typeface="DengXian Light"/>
+        <a:font script="Hant" typeface="新細明體"/>
+        <a:font script="Arab" typeface="Times New Roman"/>
+        <a:font script="Hebr" typeface="Times New Roman"/>
+        <a:font script="Thai" typeface="Angsana New"/>
+        <a:font script="Ethi" typeface="Nyala"/>
+        <a:font script="Beng" typeface="Vrinda"/>
+        <a:font script="Gujr" typeface="Shruti"/>
+        <a:font script="Khmr" typeface="MoolBoran"/>
+        <a:font script="Knda" typeface="Tunga"/>
+        <a:font script="Guru" typeface="Raavi"/>
+        <a:font script="Cans" typeface="Euphemia"/>
+        <a:font script="Cher" typeface="Plantagenet Cherokee"/>
+        <a:font script="Yiii" typeface="Microsoft Yi Baiti"/>
+        <a:font script="Tibt" typeface="Microsoft Himalaya"/>
+        <a:font script="Thaa" typeface="MV Boli"/>
+        <a:font script="Deva" typeface="Mangal"/>
+        <a:font script="Telu" typeface="Gautami"/>
+        <a:font script="Taml" typeface="Latha"/>
+        <a:font script="Syrc" typeface="Estrangelo Edessa"/>
+        <a:font script="Orya" typeface="Kalinga"/>
+        <a:font script="Mlym" typeface="Kartika"/>
+        <a:font script="Laoo" typeface="DokChampa"/>
+        <a:font script="Sinh" typeface="Iskoola Pota"/>
+        <a:font script="Mong" typeface="Mongolian Baiti"/>
+        <a:font script="Viet" typeface="Times New Roman"/>
+        <a:font script="Uigh" typeface="Microsoft Uighur"/>
+        <a:font script="Geor" typeface="Sylfaen"/>
+      </a:majorFont>
+      <a:minorFont>
+        <a:latin typeface="Calibri" panose="020F0502020204030204"/>
+        <a:ea typeface=""/>
+        <a:cs typeface=""/>
+        <a:font script="Jpan" typeface="Yu Gothic"/>
+        <a:font script="Hang" typeface="맑은 고딕"/>
+        <a:font script="Hans" typeface="DengXian"/>
+        <a:font script="Hant" typeface="新細明體"/>
+        <a:font script="Arab" typeface="Arial"/>
+        <a:font script="Hebr" typeface="Arial"/>
+        <a:font script="Thai" typeface="Cordia New"/>
+        <a:font script="Ethi" typeface="Nyala"/>
+        <a:font script="Beng" typeface="Vrinda"/>
+        <a:font script="Gujr" typeface="Shruti"/>
+        <a:font script="Khmr" typeface="DaunPenh"/>
+        <a:font script="Knda" typeface="Tunga"/>
+        <a:font script="Guru" typeface="Raavi"/>
+        <a:font script="Cans" typeface="Euphemia"/>
+        <a:font script="Cher" typeface="Plantagenet Cherokee"/>
+        <a:font script="Yiii" typeface="Microsoft Yi Baiti"/>
+        <a:font script="Tibt" typeface="Microsoft Himalaya"/>
+        <a:font script="Thaa" typeface="MV Boli"/>
+        <a:font script="Deva" typeface="Mangal"/>
+        <a:font script="Telu" typeface="Gautami"/>
+        <a:font script="Taml" typeface="Latha"/>
+        <a:font script="Syrc" typeface="Estrangelo Edessa"/>
+        <a:font script="Orya" typeface="Kalinga"/>
+        <a:font script="Mlym" typeface="Kartika"/>
+        <a:font script="Laoo" typeface="DokChampa"/>
+        <a:font script="Sinh" typeface="Iskoola Pota"/>
+        <a:font script="Mong" typeface="Mongolian Baiti"/>
+        <a:font script="Viet" typeface="Arial"/>
+        <a:font script="Uigh" typeface="Microsoft Uighur"/>
+        <a:font script="Geor" typeface="Sylfaen"/>
+      </a:minorFont>
+    </a:fontScheme>
+    <a:fmtScheme name="Office">
+      <a:fillStyleLst>
+        <a:solidFill>
+          <a:schemeClr val="phClr"/>
+        </a:solidFill>
+        <a:gradFill rotWithShape="1">
+          <a:gsLst>
+            <a:gs pos="0">
+              <a:schemeClr val="phClr">
+                <a:lumMod val="110000"/>
+                <a:satMod val="105000"/>
+                <a:tint val="67000"/>
+              </a:schemeClr>
+            </a:gs>
+            <a:gs pos="50000">
+              <a:schemeClr val="phClr">
+                <a:lumMod val="105000"/>
+                <a:satMod val="103000"/>
+                <a:tint val="73000"/>
+              </a:schemeClr>
+            </a:gs>
+            <a:gs pos="100000">
+              <a:schemeClr val="phClr">
+                <a:lumMod val="105000"/>
+                <a:satMod val="109000"/>
+                <a:tint val="81000"/>
+              </a:schemeClr>
+            </a:gs>
+          </a:gsLst>
+          <a:lin ang="5400000" scaled="0"/>
+        </a:gradFill>
+        <a:gradFill rotWithShape="1">
+          <a:gsLst>
+            <a:gs pos="0">
+              <a:schemeClr val="phClr">
+                <a:satMod val="103000"/>
+                <a:lumMod val="102000"/>
+                <a:tint val="94000"/>
+              </a:schemeClr>
+            </a:gs>
+            <a:gs pos="50000">
+              <a:schemeClr val="phClr">
+                <a:satMod val="110000"/>
+                <a:lumMod val="100000"/>
+                <a:shade val="100000"/>
+              </a:schemeClr>
+            </a:gs>
+            <a:gs pos="100000">
+              <a:schemeClr val="phClr">
+                <a:lumMod val="99000"/>
+                <a:satMod val="120000"/>
+                <a:shade val="78000"/>
+              </a:schemeClr>
+            </a:gs>
+          </a:gsLst>
+          <a:lin ang="5400000" scaled="0"/>
+        </a:gradFill>
+      </a:fillStyleLst>
+      <a:lnStyleLst>
+        <a:ln w="6350" cap="flat" cmpd="sng" algn="ctr">
+          <a:solidFill>
+            <a:schemeClr val="phClr"/>
+          </a:solidFill>
+          <a:prstDash val="solid"/>
+          <a:miter lim="800000"/>
+        </a:ln>
+        <a:ln w="12700" cap="flat" cmpd="sng" algn="ctr">
+          <a:solidFill>
+            <a:schemeClr val="phClr"/>
+          </a:solidFill>
+          <a:prstDash val="solid"/>
+          <a:miter lim="800000"/>
+        </a:ln>
+        <a:ln w="19050" cap="flat" cmpd="sng" algn="ctr">
+          <a:solidFill>
+            <a:schemeClr val="phClr"/>
+          </a:solidFill>
+          <a:prstDash val="solid"/>
+          <a:miter lim="800000"/>
+        </a:ln>
+      </a:lnStyleLst>
+      <a:effectStyleLst>
+        <a:effectStyle>
+          <a:effectLst/>
+        </a:effectStyle>
+        <a:effectStyle>
+          <a:effectLst/>
+        </a:effectStyle>
+        <a:effectStyle>
+          <a:effectLst>
+            <a:outerShdw blurRad="57150" dist="19050" dir="5400000" algn="ctr" rotWithShape="0">
+              <a:srgbClr val="000000">
+                <a:alpha val="63000"/>
+              </a:srgbClr>
+            </a:outerShdw>
+          </a:effectLst>
+        </a:effectStyle>
+      </a:effectStyleLst>
+      <a:bgFillStyleLst>
+        <a:solidFill>
+          <a:schemeClr val="phClr"/>
+        </a:solidFill>
+        <a:solidFill>
+          <a:schemeClr val="phClr">
+            <a:tint val="95000"/>
+            <a:satMod val="170000"/>
+          </a:schemeClr>
+        </a:solidFill>
+        <a:gradFill rotWithShape="1">
+          <a:gsLst>
+            <a:gs pos="0">
+              <a:schemeClr val="phClr">
+                <a:tint val="93000"/>
+                <a:satMod val="150000"/>
+                <a:shade val="98000"/>
+                <a:lumMod val="102000"/>
+              </a:schemeClr>
+            </a:gs>
+            <a:gs pos="50000">
+              <a:schemeClr val="phClr">
+                <a:tint val="98000"/>
+                <a:satMod val="130000"/>
+                <a:shade val="90000"/>
+                <a:lumMod val="103000"/>
+              </a:schemeClr>
+            </a:gs>
+            <a:gs pos="100000">
+              <a:schemeClr val="phClr">
+                <a:shade val="63000"/>
+                <a:satMod val="120000"/>
+              </a:schemeClr>
+            </a:gs>
+          </a:gsLst>
+          <a:lin ang="5400000" scaled="0"/>
+        </a:gradFill>
+      </a:bgFillStyleLst>
+    </a:fmtScheme>
+  </a:themeElements>
+  <a:objectDefaults/>
+  <a:extraClrSchemeLst/>
+  <a:extLst>
+    <a:ext uri="{05A4C25C-085E-4340-85A3-A5531E510DB2}">
+      <thm15:themeFamily xmlns:thm15="http://schemas.microsoft.com/office/thememl/2012/main" name="Office Theme" id="{62F939B6-93AF-4DB8-9C6B-D6C7DFDC589F}" vid="{4A3C46E8-61CC-4603-A589-7422A47A8E4A}"/>
+    </a:ext>
+  </a:extLst>
+</a:theme>
 </file>
--- a/document/course1.pptx
+++ b/document/course1.pptx
@@ -5,37 +5,39 @@
     <p:sldMasterId id="2147483723" r:id="rId1"/>
   </p:sldMasterIdLst>
   <p:notesMasterIdLst>
-    <p:notesMasterId r:id="rId30"/>
+    <p:notesMasterId r:id="rId32"/>
   </p:notesMasterIdLst>
   <p:sldIdLst>
     <p:sldId id="256" r:id="rId2"/>
     <p:sldId id="257" r:id="rId3"/>
-    <p:sldId id="266" r:id="rId4"/>
-    <p:sldId id="267" r:id="rId5"/>
-    <p:sldId id="268" r:id="rId6"/>
-    <p:sldId id="258" r:id="rId7"/>
-    <p:sldId id="259" r:id="rId8"/>
-    <p:sldId id="260" r:id="rId9"/>
-    <p:sldId id="261" r:id="rId10"/>
-    <p:sldId id="262" r:id="rId11"/>
-    <p:sldId id="263" r:id="rId12"/>
-    <p:sldId id="264" r:id="rId13"/>
-    <p:sldId id="265" r:id="rId14"/>
-    <p:sldId id="269" r:id="rId15"/>
-    <p:sldId id="273" r:id="rId16"/>
-    <p:sldId id="274" r:id="rId17"/>
-    <p:sldId id="270" r:id="rId18"/>
-    <p:sldId id="272" r:id="rId19"/>
-    <p:sldId id="271" r:id="rId20"/>
-    <p:sldId id="275" r:id="rId21"/>
-    <p:sldId id="276" r:id="rId22"/>
-    <p:sldId id="280" r:id="rId23"/>
-    <p:sldId id="277" r:id="rId24"/>
-    <p:sldId id="278" r:id="rId25"/>
-    <p:sldId id="281" r:id="rId26"/>
-    <p:sldId id="283" r:id="rId27"/>
-    <p:sldId id="279" r:id="rId28"/>
-    <p:sldId id="282" r:id="rId29"/>
+    <p:sldId id="284" r:id="rId4"/>
+    <p:sldId id="285" r:id="rId5"/>
+    <p:sldId id="266" r:id="rId6"/>
+    <p:sldId id="267" r:id="rId7"/>
+    <p:sldId id="268" r:id="rId8"/>
+    <p:sldId id="258" r:id="rId9"/>
+    <p:sldId id="259" r:id="rId10"/>
+    <p:sldId id="260" r:id="rId11"/>
+    <p:sldId id="261" r:id="rId12"/>
+    <p:sldId id="262" r:id="rId13"/>
+    <p:sldId id="263" r:id="rId14"/>
+    <p:sldId id="264" r:id="rId15"/>
+    <p:sldId id="265" r:id="rId16"/>
+    <p:sldId id="269" r:id="rId17"/>
+    <p:sldId id="273" r:id="rId18"/>
+    <p:sldId id="274" r:id="rId19"/>
+    <p:sldId id="270" r:id="rId20"/>
+    <p:sldId id="272" r:id="rId21"/>
+    <p:sldId id="271" r:id="rId22"/>
+    <p:sldId id="275" r:id="rId23"/>
+    <p:sldId id="276" r:id="rId24"/>
+    <p:sldId id="280" r:id="rId25"/>
+    <p:sldId id="277" r:id="rId26"/>
+    <p:sldId id="278" r:id="rId27"/>
+    <p:sldId id="281" r:id="rId28"/>
+    <p:sldId id="283" r:id="rId29"/>
+    <p:sldId id="279" r:id="rId30"/>
+    <p:sldId id="282" r:id="rId31"/>
   </p:sldIdLst>
   <p:sldSz cx="12192000" cy="6858000"/>
   <p:notesSz cx="6858000" cy="9144000"/>
@@ -557,7 +559,7 @@
           <a:p>
             <a:fld id="{4A4B3646-101C-0C45-8140-ABF43D63AFD8}" type="slidenum">
               <a:rPr lang="en-US" smtClean="0"/>
-              <a:t>20</a:t>
+              <a:t>22</a:t>
             </a:fld>
             <a:endParaRPr lang="en-US"/>
           </a:p>
@@ -8231,6 +8233,187 @@
           <a:p>
             <a:r>
               <a:rPr lang="en-US" b="1" dirty="0"/>
+              <a:t>Run Python on Your Operating System</a:t>
+            </a:r>
+            <a:br>
+              <a:rPr lang="en-US" b="1" dirty="0"/>
+            </a:br>
+            <a:endParaRPr lang="en-US" dirty="0"/>
+          </a:p>
+        </p:txBody>
+      </p:sp>
+      <p:sp>
+        <p:nvSpPr>
+          <p:cNvPr id="3" name="Content Placeholder 2"/>
+          <p:cNvSpPr>
+            <a:spLocks noGrp="1"/>
+          </p:cNvSpPr>
+          <p:nvPr>
+            <p:ph idx="1"/>
+          </p:nvPr>
+        </p:nvSpPr>
+        <p:spPr/>
+        <p:txBody>
+          <a:bodyPr/>
+          <a:lstStyle/>
+          <a:p>
+            <a:r>
+              <a:rPr lang="en-US" dirty="0">
+                <a:hlinkClick r:id="rId2"/>
+              </a:rPr>
+              <a:t>https://www.python.org/downloads/release/python-362</a:t>
+            </a:r>
+            <a:r>
+              <a:rPr lang="en-US" dirty="0" smtClean="0">
+                <a:hlinkClick r:id="rId2"/>
+              </a:rPr>
+              <a:t>/</a:t>
+            </a:r>
+            <a:endParaRPr lang="en-US" dirty="0" smtClean="0"/>
+          </a:p>
+          <a:p>
+            <a:r>
+              <a:rPr lang="en-US" dirty="0"/>
+              <a:t>When the download is complete, open the package and follow the instructions. </a:t>
+            </a:r>
+            <a:r>
+              <a:rPr lang="en-US"/>
+              <a:t>You will see "The installation was successful" message when Python is successfully installed.</a:t>
+            </a:r>
+          </a:p>
+        </p:txBody>
+      </p:sp>
+    </p:spTree>
+    <p:extLst>
+      <p:ext uri="{BB962C8B-B14F-4D97-AF65-F5344CB8AC3E}">
+        <p14:creationId xmlns:p14="http://schemas.microsoft.com/office/powerpoint/2010/main" val="1178005812"/>
+      </p:ext>
+    </p:extLst>
+  </p:cSld>
+  <p:clrMapOvr>
+    <a:masterClrMapping/>
+  </p:clrMapOvr>
+</p:sld>
+</file>
+
+<file path=ppt/slides/slide11.xml><?xml version="1.0" encoding="utf-8"?>
+<p:sld xmlns:a="http://schemas.openxmlformats.org/drawingml/2006/main" xmlns:r="http://schemas.openxmlformats.org/officeDocument/2006/relationships" xmlns:p="http://schemas.openxmlformats.org/presentationml/2006/main">
+  <p:cSld>
+    <p:spTree>
+      <p:nvGrpSpPr>
+        <p:cNvPr id="1" name=""/>
+        <p:cNvGrpSpPr/>
+        <p:nvPr/>
+      </p:nvGrpSpPr>
+      <p:grpSpPr>
+        <a:xfrm>
+          <a:off x="0" y="0"/>
+          <a:ext cx="0" cy="0"/>
+          <a:chOff x="0" y="0"/>
+          <a:chExt cx="0" cy="0"/>
+        </a:xfrm>
+      </p:grpSpPr>
+      <p:sp>
+        <p:nvSpPr>
+          <p:cNvPr id="2" name="Title 1"/>
+          <p:cNvSpPr>
+            <a:spLocks noGrp="1"/>
+          </p:cNvSpPr>
+          <p:nvPr>
+            <p:ph type="title"/>
+          </p:nvPr>
+        </p:nvSpPr>
+        <p:spPr/>
+        <p:txBody>
+          <a:bodyPr/>
+          <a:lstStyle/>
+          <a:p>
+            <a:r>
+              <a:rPr lang="en-US" b="1" dirty="0"/>
+              <a:t>Hello World </a:t>
+            </a:r>
+            <a:r>
+              <a:rPr lang="en-US" b="1" dirty="0" smtClean="0"/>
+              <a:t>Example</a:t>
+            </a:r>
+            <a:endParaRPr lang="en-US" dirty="0"/>
+          </a:p>
+        </p:txBody>
+      </p:sp>
+      <p:sp>
+        <p:nvSpPr>
+          <p:cNvPr id="3" name="Content Placeholder 2"/>
+          <p:cNvSpPr>
+            <a:spLocks noGrp="1"/>
+          </p:cNvSpPr>
+          <p:nvPr>
+            <p:ph idx="1"/>
+          </p:nvPr>
+        </p:nvSpPr>
+        <p:spPr/>
+        <p:txBody>
+          <a:bodyPr/>
+          <a:lstStyle/>
+          <a:p>
+            <a:r>
+              <a:rPr lang="en-US" dirty="0"/>
+              <a:t>print("Hello world</a:t>
+            </a:r>
+            <a:r>
+              <a:rPr lang="en-US" dirty="0" smtClean="0"/>
+              <a:t>!")</a:t>
+            </a:r>
+            <a:endParaRPr lang="en-US" dirty="0"/>
+          </a:p>
+        </p:txBody>
+      </p:sp>
+    </p:spTree>
+    <p:extLst>
+      <p:ext uri="{BB962C8B-B14F-4D97-AF65-F5344CB8AC3E}">
+        <p14:creationId xmlns:p14="http://schemas.microsoft.com/office/powerpoint/2010/main" val="943940222"/>
+      </p:ext>
+    </p:extLst>
+  </p:cSld>
+  <p:clrMapOvr>
+    <a:masterClrMapping/>
+  </p:clrMapOvr>
+</p:sld>
+</file>
+
+<file path=ppt/slides/slide12.xml><?xml version="1.0" encoding="utf-8"?>
+<p:sld xmlns:a="http://schemas.openxmlformats.org/drawingml/2006/main" xmlns:r="http://schemas.openxmlformats.org/officeDocument/2006/relationships" xmlns:p="http://schemas.openxmlformats.org/presentationml/2006/main">
+  <p:cSld>
+    <p:spTree>
+      <p:nvGrpSpPr>
+        <p:cNvPr id="1" name=""/>
+        <p:cNvGrpSpPr/>
+        <p:nvPr/>
+      </p:nvGrpSpPr>
+      <p:grpSpPr>
+        <a:xfrm>
+          <a:off x="0" y="0"/>
+          <a:ext cx="0" cy="0"/>
+          <a:chOff x="0" y="0"/>
+          <a:chExt cx="0" cy="0"/>
+        </a:xfrm>
+      </p:grpSpPr>
+      <p:sp>
+        <p:nvSpPr>
+          <p:cNvPr id="2" name="Title 1"/>
+          <p:cNvSpPr>
+            <a:spLocks noGrp="1"/>
+          </p:cNvSpPr>
+          <p:nvPr>
+            <p:ph type="title"/>
+          </p:nvPr>
+        </p:nvSpPr>
+        <p:spPr/>
+        <p:txBody>
+          <a:bodyPr/>
+          <a:lstStyle/>
+          <a:p>
+            <a:r>
+              <a:rPr lang="en-US" b="1" dirty="0"/>
               <a:t>Python Keywords</a:t>
             </a:r>
             <a:br>
@@ -8342,7 +8525,7 @@
 </p:sld>
 </file>
 
-<file path=ppt/slides/slide11.xml><?xml version="1.0" encoding="utf-8"?>
+<file path=ppt/slides/slide13.xml><?xml version="1.0" encoding="utf-8"?>
 <p:sld xmlns:a="http://schemas.openxmlformats.org/drawingml/2006/main" xmlns:r="http://schemas.openxmlformats.org/officeDocument/2006/relationships" xmlns:p="http://schemas.openxmlformats.org/presentationml/2006/main">
   <p:cSld>
     <p:spTree>
@@ -8448,263 +8631,6 @@
 </p:sld>
 </file>
 
-<file path=ppt/slides/slide12.xml><?xml version="1.0" encoding="utf-8"?>
-<p:sld xmlns:a="http://schemas.openxmlformats.org/drawingml/2006/main" xmlns:r="http://schemas.openxmlformats.org/officeDocument/2006/relationships" xmlns:p="http://schemas.openxmlformats.org/presentationml/2006/main">
-  <p:cSld>
-    <p:spTree>
-      <p:nvGrpSpPr>
-        <p:cNvPr id="1" name=""/>
-        <p:cNvGrpSpPr/>
-        <p:nvPr/>
-      </p:nvGrpSpPr>
-      <p:grpSpPr>
-        <a:xfrm>
-          <a:off x="0" y="0"/>
-          <a:ext cx="0" cy="0"/>
-          <a:chOff x="0" y="0"/>
-          <a:chExt cx="0" cy="0"/>
-        </a:xfrm>
-      </p:grpSpPr>
-      <p:sp>
-        <p:nvSpPr>
-          <p:cNvPr id="2" name="Title 1"/>
-          <p:cNvSpPr>
-            <a:spLocks noGrp="1"/>
-          </p:cNvSpPr>
-          <p:nvPr>
-            <p:ph type="title"/>
-          </p:nvPr>
-        </p:nvSpPr>
-        <p:spPr/>
-        <p:txBody>
-          <a:bodyPr/>
-          <a:lstStyle/>
-          <a:p>
-            <a:r>
-              <a:rPr lang="en-US" b="1" dirty="0"/>
-              <a:t>Python Comments</a:t>
-            </a:r>
-            <a:br>
-              <a:rPr lang="en-US" b="1" dirty="0"/>
-            </a:br>
-            <a:endParaRPr lang="en-US" dirty="0"/>
-          </a:p>
-        </p:txBody>
-      </p:sp>
-      <p:sp>
-        <p:nvSpPr>
-          <p:cNvPr id="3" name="Content Placeholder 2"/>
-          <p:cNvSpPr>
-            <a:spLocks noGrp="1"/>
-          </p:cNvSpPr>
-          <p:nvPr>
-            <p:ph idx="1"/>
-          </p:nvPr>
-        </p:nvSpPr>
-        <p:spPr/>
-        <p:txBody>
-          <a:bodyPr/>
-          <a:lstStyle/>
-          <a:p>
-            <a:endParaRPr lang="en-US" dirty="0" smtClean="0"/>
-          </a:p>
-          <a:p>
-            <a:r>
-              <a:rPr lang="en-US" dirty="0"/>
-              <a:t>#This is a comment </a:t>
-            </a:r>
-            <a:endParaRPr lang="en-US" dirty="0" smtClean="0"/>
-          </a:p>
-          <a:p>
-            <a:r>
-              <a:rPr lang="en-US" smtClean="0"/>
-              <a:t>#</a:t>
-            </a:r>
-            <a:r>
-              <a:rPr lang="en-US"/>
-              <a:t>print out Hello </a:t>
-            </a:r>
-            <a:endParaRPr lang="en-US" smtClean="0"/>
-          </a:p>
-          <a:p>
-            <a:r>
-              <a:rPr lang="en-US" smtClean="0"/>
-              <a:t>print</a:t>
-            </a:r>
-            <a:r>
-              <a:rPr lang="en-US"/>
-              <a:t>('Hello')</a:t>
-            </a:r>
-            <a:endParaRPr lang="en-US" dirty="0" smtClean="0"/>
-          </a:p>
-          <a:p>
-            <a:endParaRPr lang="en-US" dirty="0"/>
-          </a:p>
-          <a:p>
-            <a:endParaRPr lang="en-US" dirty="0"/>
-          </a:p>
-          <a:p>
-            <a:r>
-              <a:rPr lang="en-US" dirty="0"/>
-              <a:t>#This is a long comment </a:t>
-            </a:r>
-            <a:endParaRPr lang="en-US" dirty="0" smtClean="0"/>
-          </a:p>
-          <a:p>
-            <a:r>
-              <a:rPr lang="en-US" dirty="0" smtClean="0"/>
-              <a:t>#</a:t>
-            </a:r>
-            <a:r>
-              <a:rPr lang="en-US" dirty="0"/>
-              <a:t>and it extends </a:t>
-            </a:r>
-            <a:endParaRPr lang="en-US" dirty="0" smtClean="0"/>
-          </a:p>
-          <a:p>
-            <a:r>
-              <a:rPr lang="en-US" dirty="0" smtClean="0"/>
-              <a:t>#</a:t>
-            </a:r>
-            <a:r>
-              <a:rPr lang="en-US" dirty="0"/>
-              <a:t>to multiple lines</a:t>
-            </a:r>
-          </a:p>
-        </p:txBody>
-      </p:sp>
-    </p:spTree>
-    <p:extLst>
-      <p:ext uri="{BB962C8B-B14F-4D97-AF65-F5344CB8AC3E}">
-        <p14:creationId xmlns:p14="http://schemas.microsoft.com/office/powerpoint/2010/main" val="1132633606"/>
-      </p:ext>
-    </p:extLst>
-  </p:cSld>
-  <p:clrMapOvr>
-    <a:masterClrMapping/>
-  </p:clrMapOvr>
-</p:sld>
-</file>
-
-<file path=ppt/slides/slide13.xml><?xml version="1.0" encoding="utf-8"?>
-<p:sld xmlns:a="http://schemas.openxmlformats.org/drawingml/2006/main" xmlns:r="http://schemas.openxmlformats.org/officeDocument/2006/relationships" xmlns:p="http://schemas.openxmlformats.org/presentationml/2006/main">
-  <p:cSld>
-    <p:spTree>
-      <p:nvGrpSpPr>
-        <p:cNvPr id="1" name=""/>
-        <p:cNvGrpSpPr/>
-        <p:nvPr/>
-      </p:nvGrpSpPr>
-      <p:grpSpPr>
-        <a:xfrm>
-          <a:off x="0" y="0"/>
-          <a:ext cx="0" cy="0"/>
-          <a:chOff x="0" y="0"/>
-          <a:chExt cx="0" cy="0"/>
-        </a:xfrm>
-      </p:grpSpPr>
-      <p:sp>
-        <p:nvSpPr>
-          <p:cNvPr id="2" name="Title 1"/>
-          <p:cNvSpPr>
-            <a:spLocks noGrp="1"/>
-          </p:cNvSpPr>
-          <p:nvPr>
-            <p:ph type="title"/>
-          </p:nvPr>
-        </p:nvSpPr>
-        <p:spPr/>
-        <p:txBody>
-          <a:bodyPr/>
-          <a:lstStyle/>
-          <a:p>
-            <a:r>
-              <a:rPr lang="en-US" i="1" dirty="0"/>
-              <a:t>Variables and Types</a:t>
-            </a:r>
-            <a:endParaRPr lang="en-US" dirty="0"/>
-          </a:p>
-        </p:txBody>
-      </p:sp>
-      <p:sp>
-        <p:nvSpPr>
-          <p:cNvPr id="3" name="Content Placeholder 2"/>
-          <p:cNvSpPr>
-            <a:spLocks noGrp="1"/>
-          </p:cNvSpPr>
-          <p:nvPr>
-            <p:ph idx="1"/>
-          </p:nvPr>
-        </p:nvSpPr>
-        <p:spPr/>
-        <p:txBody>
-          <a:bodyPr/>
-          <a:lstStyle/>
-          <a:p>
-            <a:r>
-              <a:rPr lang="en-US" b="1" dirty="0" smtClean="0"/>
-              <a:t>Numbers</a:t>
-            </a:r>
-          </a:p>
-          <a:p>
-            <a:pPr lvl="1"/>
-            <a:r>
-              <a:rPr lang="en-US" dirty="0" smtClean="0"/>
-              <a:t>Python </a:t>
-            </a:r>
-            <a:r>
-              <a:rPr lang="en-US" dirty="0"/>
-              <a:t>supports two types of numbers - integers and floating point numbers</a:t>
-            </a:r>
-            <a:r>
-              <a:rPr lang="en-US" dirty="0" smtClean="0"/>
-              <a:t>.</a:t>
-            </a:r>
-          </a:p>
-          <a:p>
-            <a:pPr lvl="1"/>
-            <a:r>
-              <a:rPr lang="en-US" altLang="zh-CN" b="1" dirty="0" err="1" smtClean="0"/>
-              <a:t>E.g</a:t>
-            </a:r>
-            <a:r>
-              <a:rPr lang="zh-CN" altLang="en-US" b="1" dirty="0" smtClean="0"/>
-              <a:t> </a:t>
-            </a:r>
-            <a:r>
-              <a:rPr lang="en-US" altLang="zh-CN" b="1" dirty="0" smtClean="0"/>
-              <a:t>A=7</a:t>
-            </a:r>
-            <a:endParaRPr lang="en-US" b="1" dirty="0"/>
-          </a:p>
-          <a:p>
-            <a:r>
-              <a:rPr lang="en-US" b="1" dirty="0"/>
-              <a:t>Strings</a:t>
-            </a:r>
-          </a:p>
-          <a:p>
-            <a:pPr lvl="1"/>
-            <a:r>
-              <a:rPr lang="en-US" dirty="0"/>
-              <a:t>Strings are defined either with a single quote or a double quotes.</a:t>
-            </a:r>
-          </a:p>
-        </p:txBody>
-      </p:sp>
-    </p:spTree>
-    <p:extLst>
-      <p:ext uri="{BB962C8B-B14F-4D97-AF65-F5344CB8AC3E}">
-        <p14:creationId xmlns:p14="http://schemas.microsoft.com/office/powerpoint/2010/main" val="94175482"/>
-      </p:ext>
-    </p:extLst>
-  </p:cSld>
-  <p:clrMapOvr>
-    <a:masterClrMapping/>
-  </p:clrMapOvr>
-</p:sld>
-</file>
-
 <file path=ppt/slides/slide14.xml><?xml version="1.0" encoding="utf-8"?>
 <p:sld xmlns:a="http://schemas.openxmlformats.org/drawingml/2006/main" xmlns:r="http://schemas.openxmlformats.org/officeDocument/2006/relationships" xmlns:p="http://schemas.openxmlformats.org/presentationml/2006/main">
   <p:cSld>
@@ -8734,19 +8660,16 @@
         </p:nvSpPr>
         <p:spPr/>
         <p:txBody>
-          <a:bodyPr>
-            <a:normAutofit/>
-          </a:bodyPr>
+          <a:bodyPr/>
           <a:lstStyle/>
           <a:p>
             <a:r>
-              <a:rPr lang="en-US" dirty="0"/>
-              <a:t>Mixing operators between numbers and strings is not </a:t>
-            </a:r>
-            <a:r>
-              <a:rPr lang="en-US" dirty="0" smtClean="0"/>
-              <a:t>supported</a:t>
-            </a:r>
+              <a:rPr lang="en-US" b="1" dirty="0"/>
+              <a:t>Python Comments</a:t>
+            </a:r>
+            <a:br>
+              <a:rPr lang="en-US" b="1" dirty="0"/>
+            </a:br>
             <a:endParaRPr lang="en-US" dirty="0"/>
           </a:p>
         </p:txBody>
@@ -8766,68 +8689,77 @@
           <a:bodyPr/>
           <a:lstStyle/>
           <a:p>
+            <a:endParaRPr lang="en-US" dirty="0" smtClean="0"/>
+          </a:p>
+          <a:p>
+            <a:r>
+              <a:rPr lang="en-US" dirty="0"/>
+              <a:t>#This is a comment </a:t>
+            </a:r>
+            <a:endParaRPr lang="en-US" dirty="0" smtClean="0"/>
+          </a:p>
+          <a:p>
+            <a:r>
+              <a:rPr lang="en-US" smtClean="0"/>
+              <a:t>#</a:t>
+            </a:r>
+            <a:r>
+              <a:rPr lang="en-US"/>
+              <a:t>print out Hello </a:t>
+            </a:r>
+            <a:endParaRPr lang="en-US" smtClean="0"/>
+          </a:p>
+          <a:p>
+            <a:r>
+              <a:rPr lang="en-US" smtClean="0"/>
+              <a:t>print</a:t>
+            </a:r>
+            <a:r>
+              <a:rPr lang="en-US"/>
+              <a:t>('Hello')</a:t>
+            </a:r>
+            <a:endParaRPr lang="en-US" dirty="0" smtClean="0"/>
+          </a:p>
+          <a:p>
+            <a:endParaRPr lang="en-US" dirty="0"/>
+          </a:p>
+          <a:p>
+            <a:endParaRPr lang="en-US" dirty="0"/>
+          </a:p>
+          <a:p>
+            <a:r>
+              <a:rPr lang="en-US" dirty="0"/>
+              <a:t>#This is a long comment </a:t>
+            </a:r>
+            <a:endParaRPr lang="en-US" dirty="0" smtClean="0"/>
+          </a:p>
+          <a:p>
             <a:r>
               <a:rPr lang="en-US" dirty="0" smtClean="0"/>
-              <a:t>one </a:t>
+              <a:t>#</a:t>
             </a:r>
             <a:r>
               <a:rPr lang="en-US" dirty="0"/>
-              <a:t>= </a:t>
-            </a:r>
+              <a:t>and it extends </a:t>
+            </a:r>
+            <a:endParaRPr lang="en-US" dirty="0" smtClean="0"/>
+          </a:p>
+          <a:p>
             <a:r>
               <a:rPr lang="en-US" dirty="0" smtClean="0"/>
-              <a:t>1</a:t>
-            </a:r>
-          </a:p>
-          <a:p>
-            <a:r>
-              <a:rPr lang="en-US" dirty="0" smtClean="0"/>
-              <a:t>two </a:t>
+              <a:t>#</a:t>
             </a:r>
             <a:r>
               <a:rPr lang="en-US" dirty="0"/>
-              <a:t>= </a:t>
-            </a:r>
-            <a:r>
-              <a:rPr lang="en-US" dirty="0" smtClean="0"/>
-              <a:t>2</a:t>
-            </a:r>
-          </a:p>
-          <a:p>
-            <a:r>
-              <a:rPr lang="en-US" dirty="0" smtClean="0"/>
-              <a:t>hello </a:t>
-            </a:r>
-            <a:r>
-              <a:rPr lang="en-US" dirty="0"/>
-              <a:t>= "</a:t>
-            </a:r>
-            <a:r>
-              <a:rPr lang="en-US" dirty="0" smtClean="0"/>
-              <a:t>hello”</a:t>
-            </a:r>
-          </a:p>
-          <a:p>
-            <a:r>
-              <a:rPr lang="en-US" dirty="0" smtClean="0"/>
-              <a:t>print(one </a:t>
-            </a:r>
-            <a:r>
-              <a:rPr lang="en-US" dirty="0"/>
-              <a:t>+ two + hello</a:t>
-            </a:r>
-            <a:r>
-              <a:rPr lang="en-US" dirty="0" smtClean="0"/>
-              <a:t>)</a:t>
-            </a:r>
-            <a:endParaRPr lang="en-US" dirty="0"/>
+              <a:t>to multiple lines</a:t>
+            </a:r>
           </a:p>
         </p:txBody>
       </p:sp>
     </p:spTree>
     <p:extLst>
       <p:ext uri="{BB962C8B-B14F-4D97-AF65-F5344CB8AC3E}">
-        <p14:creationId xmlns:p14="http://schemas.microsoft.com/office/powerpoint/2010/main" val="1859324572"/>
+        <p14:creationId xmlns:p14="http://schemas.microsoft.com/office/powerpoint/2010/main" val="1132633606"/>
       </p:ext>
     </p:extLst>
   </p:cSld>
@@ -8870,9 +8802,10 @@
           <a:lstStyle/>
           <a:p>
             <a:r>
-              <a:rPr lang="en-US" dirty="0"/>
-              <a:t>Naming Styles</a:t>
-            </a:r>
+              <a:rPr lang="en-US" i="1" dirty="0"/>
+              <a:t>Variables and Types</a:t>
+            </a:r>
+            <a:endParaRPr lang="en-US" dirty="0"/>
           </a:p>
         </p:txBody>
       </p:sp>
@@ -8888,156 +8821,64 @@
         </p:nvSpPr>
         <p:spPr/>
         <p:txBody>
-          <a:bodyPr>
-            <a:normAutofit fontScale="92500" lnSpcReduction="20000"/>
-          </a:bodyPr>
+          <a:bodyPr/>
           <a:lstStyle/>
           <a:p>
             <a:r>
+              <a:rPr lang="en-US" b="1" dirty="0" smtClean="0"/>
+              <a:t>Numbers</a:t>
+            </a:r>
+          </a:p>
+          <a:p>
+            <a:pPr lvl="1"/>
+            <a:r>
+              <a:rPr lang="en-US" dirty="0" smtClean="0"/>
+              <a:t>Python </a:t>
+            </a:r>
+            <a:r>
               <a:rPr lang="en-US" dirty="0"/>
-              <a:t>b (single lowercase letter)</a:t>
-            </a:r>
-          </a:p>
-          <a:p>
+              <a:t>supports two types of numbers - integers and floating point numbers</a:t>
+            </a:r>
+            <a:r>
+              <a:rPr lang="en-US" dirty="0" smtClean="0"/>
+              <a:t>.</a:t>
+            </a:r>
+          </a:p>
+          <a:p>
+            <a:pPr lvl="1"/>
+            <a:r>
+              <a:rPr lang="en-US" altLang="zh-CN" b="1" dirty="0" err="1" smtClean="0"/>
+              <a:t>E.g</a:t>
+            </a:r>
+            <a:r>
+              <a:rPr lang="zh-CN" altLang="en-US" b="1" dirty="0" smtClean="0"/>
+              <a:t> </a:t>
+            </a:r>
+            <a:r>
+              <a:rPr lang="en-US" altLang="zh-CN" b="1" dirty="0" smtClean="0"/>
+              <a:t>A=7</a:t>
+            </a:r>
+            <a:endParaRPr lang="en-US" b="1" dirty="0"/>
+          </a:p>
+          <a:p>
+            <a:r>
+              <a:rPr lang="en-US" b="1" dirty="0"/>
+              <a:t>Strings</a:t>
+            </a:r>
+          </a:p>
+          <a:p>
+            <a:pPr lvl="1"/>
             <a:r>
               <a:rPr lang="en-US" dirty="0"/>
-              <a:t>B (single uppercase letter)</a:t>
-            </a:r>
-          </a:p>
-          <a:p>
-            <a:r>
-              <a:rPr lang="en-US" dirty="0"/>
-              <a:t>lowercase</a:t>
-            </a:r>
-          </a:p>
-          <a:p>
-            <a:r>
-              <a:rPr lang="en-US" dirty="0" err="1"/>
-              <a:t>lower_case_with_underscores</a:t>
-            </a:r>
-            <a:endParaRPr lang="en-US" dirty="0"/>
-          </a:p>
-          <a:p>
-            <a:r>
-              <a:rPr lang="en-US" dirty="0"/>
-              <a:t>UPPERCASE</a:t>
-            </a:r>
-          </a:p>
-          <a:p>
-            <a:r>
-              <a:rPr lang="en-US" dirty="0"/>
-              <a:t>UPPER_CASE_WITH_UNDERSCORES</a:t>
-            </a:r>
-          </a:p>
-          <a:p>
-            <a:r>
-              <a:rPr lang="en-US" dirty="0" err="1"/>
-              <a:t>CapitalizedWords</a:t>
-            </a:r>
-            <a:r>
-              <a:rPr lang="en-US" dirty="0"/>
-              <a:t> (or </a:t>
-            </a:r>
-            <a:r>
-              <a:rPr lang="en-US" dirty="0" err="1"/>
-              <a:t>CapWords</a:t>
-            </a:r>
-            <a:r>
-              <a:rPr lang="en-US" dirty="0"/>
-              <a:t>, or </a:t>
-            </a:r>
-            <a:r>
-              <a:rPr lang="en-US" dirty="0" err="1"/>
-              <a:t>CamelCase</a:t>
-            </a:r>
-            <a:r>
-              <a:rPr lang="en-US" dirty="0"/>
-              <a:t> -- so named because of the bumpy look of its </a:t>
-            </a:r>
-            <a:r>
-              <a:rPr lang="en-US" dirty="0" smtClean="0"/>
-              <a:t>letters. </a:t>
-            </a:r>
-            <a:r>
-              <a:rPr lang="en-US" dirty="0"/>
-              <a:t>This is also sometimes known as </a:t>
-            </a:r>
-            <a:r>
-              <a:rPr lang="en-US" dirty="0" err="1"/>
-              <a:t>StudlyCaps</a:t>
-            </a:r>
-            <a:r>
-              <a:rPr lang="en-US" dirty="0"/>
-              <a:t>.</a:t>
-            </a:r>
-          </a:p>
-          <a:p>
-            <a:r>
-              <a:rPr lang="en-US" dirty="0"/>
-              <a:t>Note: When using abbreviations in </a:t>
-            </a:r>
-            <a:r>
-              <a:rPr lang="en-US" dirty="0" err="1"/>
-              <a:t>CapWords</a:t>
-            </a:r>
-            <a:r>
-              <a:rPr lang="en-US" dirty="0"/>
-              <a:t>, capitalize all the letters of the abbreviation. Thus </a:t>
-            </a:r>
-            <a:r>
-              <a:rPr lang="en-US" dirty="0" err="1"/>
-              <a:t>HTTPServerError</a:t>
-            </a:r>
-            <a:r>
-              <a:rPr lang="en-US" dirty="0"/>
-              <a:t> is better than </a:t>
-            </a:r>
-            <a:r>
-              <a:rPr lang="en-US" dirty="0" err="1"/>
-              <a:t>HttpServerError</a:t>
-            </a:r>
-            <a:r>
-              <a:rPr lang="en-US" dirty="0"/>
-              <a:t>.</a:t>
-            </a:r>
-          </a:p>
-          <a:p>
-            <a:r>
-              <a:rPr lang="en-US" dirty="0" err="1"/>
-              <a:t>mixedCase</a:t>
-            </a:r>
-            <a:r>
-              <a:rPr lang="en-US" dirty="0"/>
-              <a:t> (differs from </a:t>
-            </a:r>
-            <a:r>
-              <a:rPr lang="en-US" dirty="0" err="1"/>
-              <a:t>CapitalizedWords</a:t>
-            </a:r>
-            <a:r>
-              <a:rPr lang="en-US" dirty="0"/>
-              <a:t> by initial lowercase character!)</a:t>
-            </a:r>
-          </a:p>
-          <a:p>
-            <a:r>
-              <a:rPr lang="en-US" dirty="0" err="1"/>
-              <a:t>Capitalized_Words_With_Underscores</a:t>
-            </a:r>
-            <a:r>
-              <a:rPr lang="en-US" dirty="0"/>
-              <a:t> (ugly!)</a:t>
-            </a:r>
-          </a:p>
-          <a:p>
-            <a:endParaRPr lang="en-US" dirty="0"/>
+              <a:t>Strings are defined either with a single quote or a double quotes.</a:t>
+            </a:r>
           </a:p>
         </p:txBody>
       </p:sp>
     </p:spTree>
     <p:extLst>
       <p:ext uri="{BB962C8B-B14F-4D97-AF65-F5344CB8AC3E}">
-        <p14:creationId xmlns:p14="http://schemas.microsoft.com/office/powerpoint/2010/main" val="2036808549"/>
+        <p14:creationId xmlns:p14="http://schemas.microsoft.com/office/powerpoint/2010/main" val="94175482"/>
       </p:ext>
     </p:extLst>
   </p:cSld>
@@ -9076,13 +8917,20 @@
         </p:nvSpPr>
         <p:spPr/>
         <p:txBody>
-          <a:bodyPr/>
+          <a:bodyPr>
+            <a:normAutofit/>
+          </a:bodyPr>
           <a:lstStyle/>
           <a:p>
             <a:r>
               <a:rPr lang="en-US" dirty="0"/>
-              <a:t>Tip</a:t>
-            </a:r>
+              <a:t>Mixing operators between numbers and strings is not </a:t>
+            </a:r>
+            <a:r>
+              <a:rPr lang="en-US" dirty="0" smtClean="0"/>
+              <a:t>supported</a:t>
+            </a:r>
+            <a:endParaRPr lang="en-US" dirty="0"/>
           </a:p>
         </p:txBody>
       </p:sp>
@@ -9098,92 +8946,63 @@
         </p:nvSpPr>
         <p:spPr/>
         <p:txBody>
-          <a:bodyPr>
-            <a:normAutofit fontScale="92500" lnSpcReduction="10000"/>
-          </a:bodyPr>
+          <a:bodyPr/>
           <a:lstStyle/>
           <a:p>
             <a:r>
-              <a:rPr lang="en-US" dirty="0" err="1" smtClean="0"/>
-              <a:t>local_var_name</a:t>
-            </a:r>
-            <a:endParaRPr lang="en-US" dirty="0" smtClean="0"/>
-          </a:p>
-          <a:p>
-            <a:r>
               <a:rPr lang="en-US" dirty="0" smtClean="0"/>
-              <a:t>GLOBAL_VAR_NAME</a:t>
-            </a:r>
-          </a:p>
-          <a:p>
-            <a:r>
-              <a:rPr lang="en-US" dirty="0" err="1"/>
-              <a:t>module_name</a:t>
-            </a:r>
-            <a:endParaRPr lang="en-US" dirty="0"/>
-          </a:p>
-          <a:p>
+              <a:t>one </a:t>
+            </a:r>
             <a:r>
               <a:rPr lang="en-US" dirty="0"/>
-              <a:t> </a:t>
-            </a:r>
-            <a:r>
-              <a:rPr lang="en-US" dirty="0" err="1"/>
-              <a:t>package_name</a:t>
-            </a:r>
-            <a:endParaRPr lang="en-US" dirty="0"/>
-          </a:p>
-          <a:p>
-            <a:r>
-              <a:rPr lang="en-US" dirty="0" err="1"/>
-              <a:t>ClassName</a:t>
-            </a:r>
-            <a:endParaRPr lang="en-US" dirty="0"/>
-          </a:p>
-          <a:p>
+              <a:t>= </a:t>
+            </a:r>
+            <a:r>
+              <a:rPr lang="en-US" dirty="0" smtClean="0"/>
+              <a:t>1</a:t>
+            </a:r>
+          </a:p>
+          <a:p>
+            <a:r>
+              <a:rPr lang="en-US" dirty="0" smtClean="0"/>
+              <a:t>two </a:t>
+            </a:r>
             <a:r>
               <a:rPr lang="en-US" dirty="0"/>
-              <a:t> </a:t>
-            </a:r>
-            <a:r>
-              <a:rPr lang="en-US" dirty="0" err="1"/>
-              <a:t>method_name</a:t>
-            </a:r>
-            <a:endParaRPr lang="en-US" dirty="0"/>
-          </a:p>
-          <a:p>
+              <a:t>= </a:t>
+            </a:r>
+            <a:r>
+              <a:rPr lang="en-US" dirty="0" smtClean="0"/>
+              <a:t>2</a:t>
+            </a:r>
+          </a:p>
+          <a:p>
+            <a:r>
+              <a:rPr lang="en-US" dirty="0" smtClean="0"/>
+              <a:t>hello </a:t>
+            </a:r>
             <a:r>
               <a:rPr lang="en-US" dirty="0"/>
-              <a:t> </a:t>
-            </a:r>
-            <a:r>
-              <a:rPr lang="en-US" dirty="0" err="1"/>
-              <a:t>ExceptionName</a:t>
-            </a:r>
-            <a:endParaRPr lang="en-US" dirty="0"/>
-          </a:p>
-          <a:p>
-            <a:r>
-              <a:rPr lang="en-US" dirty="0" err="1"/>
-              <a:t>function_name</a:t>
-            </a:r>
-            <a:endParaRPr lang="en-US" dirty="0"/>
-          </a:p>
-          <a:p>
-            <a:r>
-              <a:rPr lang="en-US" dirty="0" err="1" smtClean="0"/>
-              <a:t>instance_var_name</a:t>
-            </a:r>
-            <a:endParaRPr lang="en-US" dirty="0"/>
-          </a:p>
-          <a:p>
-            <a:r>
-              <a:rPr lang="en-US" dirty="0" err="1" smtClean="0"/>
-              <a:t>function_parameter_name</a:t>
-            </a:r>
-            <a:endParaRPr lang="en-US" dirty="0"/>
-          </a:p>
-          <a:p>
+              <a:t>= "</a:t>
+            </a:r>
+            <a:r>
+              <a:rPr lang="en-US" dirty="0" smtClean="0"/>
+              <a:t>hello”</a:t>
+            </a:r>
+          </a:p>
+          <a:p>
+            <a:r>
+              <a:rPr lang="en-US" dirty="0" smtClean="0"/>
+              <a:t>print(one </a:t>
+            </a:r>
+            <a:r>
+              <a:rPr lang="en-US" dirty="0"/>
+              <a:t>+ two + hello</a:t>
+            </a:r>
+            <a:r>
+              <a:rPr lang="en-US" dirty="0" smtClean="0"/>
+              <a:t>)</a:t>
+            </a:r>
             <a:endParaRPr lang="en-US" dirty="0"/>
           </a:p>
         </p:txBody>
@@ -9191,7 +9010,7 @@
     </p:spTree>
     <p:extLst>
       <p:ext uri="{BB962C8B-B14F-4D97-AF65-F5344CB8AC3E}">
-        <p14:creationId xmlns:p14="http://schemas.microsoft.com/office/powerpoint/2010/main" val="1968690864"/>
+        <p14:creationId xmlns:p14="http://schemas.microsoft.com/office/powerpoint/2010/main" val="1859324572"/>
       </p:ext>
     </p:extLst>
   </p:cSld>
@@ -9234,13 +9053,9 @@
           <a:lstStyle/>
           <a:p>
             <a:r>
-              <a:rPr lang="en-US" b="1" dirty="0"/>
-              <a:t>Lists</a:t>
-            </a:r>
-            <a:br>
-              <a:rPr lang="en-US" b="1" dirty="0"/>
-            </a:br>
-            <a:endParaRPr lang="en-US" dirty="0"/>
+              <a:rPr lang="en-US" dirty="0"/>
+              <a:t>Naming Styles</a:t>
+            </a:r>
           </a:p>
         </p:txBody>
       </p:sp>
@@ -9256,65 +9071,156 @@
         </p:nvSpPr>
         <p:spPr/>
         <p:txBody>
-          <a:bodyPr/>
+          <a:bodyPr>
+            <a:normAutofit fontScale="92500" lnSpcReduction="20000"/>
+          </a:bodyPr>
           <a:lstStyle/>
           <a:p>
             <a:r>
               <a:rPr lang="en-US" dirty="0"/>
-              <a:t>Lists are very similar to </a:t>
+              <a:t>b (single lowercase letter)</a:t>
+            </a:r>
+          </a:p>
+          <a:p>
+            <a:r>
+              <a:rPr lang="en-US" dirty="0"/>
+              <a:t>B (single uppercase letter)</a:t>
+            </a:r>
+          </a:p>
+          <a:p>
+            <a:r>
+              <a:rPr lang="en-US" dirty="0"/>
+              <a:t>lowercase</a:t>
+            </a:r>
+          </a:p>
+          <a:p>
+            <a:r>
+              <a:rPr lang="en-US" dirty="0" err="1"/>
+              <a:t>lower_case_with_underscores</a:t>
+            </a:r>
+            <a:endParaRPr lang="en-US" dirty="0"/>
+          </a:p>
+          <a:p>
+            <a:r>
+              <a:rPr lang="en-US" dirty="0"/>
+              <a:t>UPPERCASE</a:t>
+            </a:r>
+          </a:p>
+          <a:p>
+            <a:r>
+              <a:rPr lang="en-US" dirty="0"/>
+              <a:t>UPPER_CASE_WITH_UNDERSCORES</a:t>
+            </a:r>
+          </a:p>
+          <a:p>
+            <a:r>
+              <a:rPr lang="en-US" dirty="0" err="1"/>
+              <a:t>CapitalizedWords</a:t>
+            </a:r>
+            <a:r>
+              <a:rPr lang="en-US" dirty="0"/>
+              <a:t> (or </a:t>
+            </a:r>
+            <a:r>
+              <a:rPr lang="en-US" dirty="0" err="1"/>
+              <a:t>CapWords</a:t>
+            </a:r>
+            <a:r>
+              <a:rPr lang="en-US" dirty="0"/>
+              <a:t>, or </a:t>
+            </a:r>
+            <a:r>
+              <a:rPr lang="en-US" dirty="0" err="1"/>
+              <a:t>CamelCase</a:t>
+            </a:r>
+            <a:r>
+              <a:rPr lang="en-US" dirty="0"/>
+              <a:t> -- so named because of the bumpy look of its </a:t>
             </a:r>
             <a:r>
               <a:rPr lang="en-US" dirty="0" smtClean="0"/>
-              <a:t>arrays</a:t>
+              <a:t>letters. </a:t>
+            </a:r>
+            <a:r>
+              <a:rPr lang="en-US" dirty="0"/>
+              <a:t>This is also sometimes known as </a:t>
+            </a:r>
+            <a:r>
+              <a:rPr lang="en-US" dirty="0" err="1"/>
+              <a:t>StudlyCaps</a:t>
+            </a:r>
+            <a:r>
+              <a:rPr lang="en-US" dirty="0"/>
+              <a:t>.</a:t>
+            </a:r>
+          </a:p>
+          <a:p>
+            <a:r>
+              <a:rPr lang="en-US" dirty="0"/>
+              <a:t>Note: When using abbreviations in </a:t>
+            </a:r>
+            <a:r>
+              <a:rPr lang="en-US" dirty="0" err="1"/>
+              <a:t>CapWords</a:t>
+            </a:r>
+            <a:r>
+              <a:rPr lang="en-US" dirty="0"/>
+              <a:t>, capitalize all the letters of the abbreviation. Thus </a:t>
+            </a:r>
+            <a:r>
+              <a:rPr lang="en-US" dirty="0" err="1"/>
+              <a:t>HTTPServerError</a:t>
+            </a:r>
+            <a:r>
+              <a:rPr lang="en-US" dirty="0"/>
+              <a:t> is better than </a:t>
+            </a:r>
+            <a:r>
+              <a:rPr lang="en-US" dirty="0" err="1"/>
+              <a:t>HttpServerError</a:t>
+            </a:r>
+            <a:r>
+              <a:rPr lang="en-US" dirty="0"/>
+              <a:t>.</a:t>
+            </a:r>
+          </a:p>
+          <a:p>
+            <a:r>
+              <a:rPr lang="en-US" dirty="0" err="1"/>
+              <a:t>mixedCase</a:t>
+            </a:r>
+            <a:r>
+              <a:rPr lang="en-US" dirty="0"/>
+              <a:t> (differs from </a:t>
+            </a:r>
+            <a:r>
+              <a:rPr lang="en-US" dirty="0" err="1"/>
+              <a:t>CapitalizedWords</a:t>
+            </a:r>
+            <a:r>
+              <a:rPr lang="en-US" dirty="0"/>
+              <a:t> by initial lowercase character!)</a:t>
+            </a:r>
+          </a:p>
+          <a:p>
+            <a:r>
+              <a:rPr lang="en-US" dirty="0" err="1"/>
+              <a:t>Capitalized_Words_With_Underscores</a:t>
+            </a:r>
+            <a:r>
+              <a:rPr lang="en-US" dirty="0"/>
+              <a:t> (ugly!)</a:t>
             </a:r>
           </a:p>
           <a:p>
             <a:endParaRPr lang="en-US" dirty="0"/>
-          </a:p>
-          <a:p>
-            <a:pPr lvl="1"/>
-            <a:endParaRPr lang="en-US" dirty="0" smtClean="0"/>
-          </a:p>
-          <a:p>
-            <a:pPr lvl="1"/>
-            <a:r>
-              <a:rPr lang="en-US" dirty="0" err="1" smtClean="0"/>
-              <a:t>mylist</a:t>
-            </a:r>
-            <a:r>
-              <a:rPr lang="en-US" dirty="0" smtClean="0"/>
-              <a:t> </a:t>
-            </a:r>
-            <a:r>
-              <a:rPr lang="en-US" dirty="0"/>
-              <a:t>= </a:t>
-            </a:r>
-            <a:r>
-              <a:rPr lang="en-US" dirty="0" smtClean="0"/>
-              <a:t>[]</a:t>
-            </a:r>
-          </a:p>
-          <a:p>
-            <a:pPr lvl="1"/>
-            <a:r>
-              <a:rPr lang="en-US" dirty="0" err="1" smtClean="0"/>
-              <a:t>mylist.append</a:t>
-            </a:r>
-            <a:r>
-              <a:rPr lang="en-US" dirty="0" smtClean="0"/>
-              <a:t>(1</a:t>
-            </a:r>
-            <a:r>
-              <a:rPr lang="en-US" dirty="0"/>
-              <a:t>)</a:t>
-            </a:r>
           </a:p>
         </p:txBody>
       </p:sp>
     </p:spTree>
     <p:extLst>
       <p:ext uri="{BB962C8B-B14F-4D97-AF65-F5344CB8AC3E}">
-        <p14:creationId xmlns:p14="http://schemas.microsoft.com/office/powerpoint/2010/main" val="1429625206"/>
+        <p14:creationId xmlns:p14="http://schemas.microsoft.com/office/powerpoint/2010/main" val="2036808549"/>
       </p:ext>
     </p:extLst>
   </p:cSld>
@@ -9357,42 +9263,9 @@
           <a:lstStyle/>
           <a:p>
             <a:r>
-              <a:rPr lang="en-US" altLang="zh-CN" dirty="0" smtClean="0"/>
-              <a:t>List</a:t>
-            </a:r>
-            <a:r>
-              <a:rPr lang="zh-CN" altLang="en-US" dirty="0" smtClean="0"/>
-              <a:t> </a:t>
-            </a:r>
-            <a:r>
-              <a:rPr lang="en-US" altLang="zh-CN" dirty="0" smtClean="0"/>
-              <a:t>count</a:t>
-            </a:r>
-            <a:r>
-              <a:rPr lang="zh-CN" altLang="en-US" dirty="0" smtClean="0"/>
-              <a:t> </a:t>
-            </a:r>
-            <a:r>
-              <a:rPr lang="en-US" altLang="zh-CN" dirty="0" smtClean="0"/>
-              <a:t>start</a:t>
-            </a:r>
-            <a:r>
-              <a:rPr lang="zh-CN" altLang="en-US" dirty="0" smtClean="0"/>
-              <a:t> </a:t>
-            </a:r>
-            <a:r>
-              <a:rPr lang="en-US" altLang="zh-CN" dirty="0" smtClean="0"/>
-              <a:t>from</a:t>
-            </a:r>
-            <a:r>
-              <a:rPr lang="zh-CN" altLang="en-US" dirty="0" smtClean="0"/>
-              <a:t> </a:t>
-            </a:r>
-            <a:r>
-              <a:rPr lang="en-US" altLang="zh-CN" dirty="0" smtClean="0"/>
-              <a:t>0</a:t>
-            </a:r>
-            <a:endParaRPr lang="en-US" dirty="0"/>
+              <a:rPr lang="en-US" dirty="0"/>
+              <a:t>Tip</a:t>
+            </a:r>
           </a:p>
         </p:txBody>
       </p:sp>
@@ -9406,38 +9279,94 @@
             <p:ph idx="1"/>
           </p:nvPr>
         </p:nvSpPr>
-        <p:spPr>
-          <a:xfrm>
-            <a:off x="2589212" y="2152261"/>
-            <a:ext cx="8915400" cy="3777622"/>
-          </a:xfrm>
-        </p:spPr>
-        <p:txBody>
-          <a:bodyPr/>
+        <p:spPr/>
+        <p:txBody>
+          <a:bodyPr>
+            <a:normAutofit fontScale="92500" lnSpcReduction="10000"/>
+          </a:bodyPr>
           <a:lstStyle/>
           <a:p>
             <a:r>
-              <a:rPr lang="en-US" altLang="zh-CN" dirty="0" err="1" smtClean="0"/>
-              <a:t>my_list</a:t>
-            </a:r>
-            <a:r>
-              <a:rPr lang="en-US" altLang="zh-CN" dirty="0" smtClean="0"/>
-              <a:t>=[1,2,3,4]</a:t>
-            </a:r>
+              <a:rPr lang="en-US" dirty="0" err="1" smtClean="0"/>
+              <a:t>local_var_name</a:t>
+            </a:r>
+            <a:endParaRPr lang="en-US" dirty="0" smtClean="0"/>
           </a:p>
           <a:p>
             <a:r>
               <a:rPr lang="en-US" dirty="0" smtClean="0"/>
-              <a:t>print(</a:t>
-            </a:r>
-            <a:r>
-              <a:rPr lang="en-US" altLang="zh-CN" dirty="0" smtClean="0"/>
-              <a:t>1</a:t>
-            </a:r>
-            <a:r>
-              <a:rPr lang="en-US" dirty="0" smtClean="0"/>
-              <a:t>)</a:t>
-            </a:r>
+              <a:t>GLOBAL_VAR_NAME</a:t>
+            </a:r>
+          </a:p>
+          <a:p>
+            <a:r>
+              <a:rPr lang="en-US" dirty="0" err="1"/>
+              <a:t>module_name</a:t>
+            </a:r>
+            <a:endParaRPr lang="en-US" dirty="0"/>
+          </a:p>
+          <a:p>
+            <a:r>
+              <a:rPr lang="en-US" dirty="0"/>
+              <a:t> </a:t>
+            </a:r>
+            <a:r>
+              <a:rPr lang="en-US" dirty="0" err="1"/>
+              <a:t>package_name</a:t>
+            </a:r>
+            <a:endParaRPr lang="en-US" dirty="0"/>
+          </a:p>
+          <a:p>
+            <a:r>
+              <a:rPr lang="en-US" dirty="0" err="1"/>
+              <a:t>ClassName</a:t>
+            </a:r>
+            <a:endParaRPr lang="en-US" dirty="0"/>
+          </a:p>
+          <a:p>
+            <a:r>
+              <a:rPr lang="en-US" dirty="0"/>
+              <a:t> </a:t>
+            </a:r>
+            <a:r>
+              <a:rPr lang="en-US" dirty="0" err="1"/>
+              <a:t>method_name</a:t>
+            </a:r>
+            <a:endParaRPr lang="en-US" dirty="0"/>
+          </a:p>
+          <a:p>
+            <a:r>
+              <a:rPr lang="en-US" dirty="0"/>
+              <a:t> </a:t>
+            </a:r>
+            <a:r>
+              <a:rPr lang="en-US" dirty="0" err="1"/>
+              <a:t>ExceptionName</a:t>
+            </a:r>
+            <a:endParaRPr lang="en-US" dirty="0"/>
+          </a:p>
+          <a:p>
+            <a:r>
+              <a:rPr lang="en-US" dirty="0" err="1"/>
+              <a:t>function_name</a:t>
+            </a:r>
+            <a:endParaRPr lang="en-US" dirty="0"/>
+          </a:p>
+          <a:p>
+            <a:r>
+              <a:rPr lang="en-US" dirty="0" err="1" smtClean="0"/>
+              <a:t>instance_var_name</a:t>
+            </a:r>
+            <a:endParaRPr lang="en-US" dirty="0"/>
+          </a:p>
+          <a:p>
+            <a:r>
+              <a:rPr lang="en-US" dirty="0" err="1" smtClean="0"/>
+              <a:t>function_parameter_name</a:t>
+            </a:r>
+            <a:endParaRPr lang="en-US" dirty="0"/>
+          </a:p>
+          <a:p>
             <a:endParaRPr lang="en-US" dirty="0"/>
           </a:p>
         </p:txBody>
@@ -9445,7 +9374,7 @@
     </p:spTree>
     <p:extLst>
       <p:ext uri="{BB962C8B-B14F-4D97-AF65-F5344CB8AC3E}">
-        <p14:creationId xmlns:p14="http://schemas.microsoft.com/office/powerpoint/2010/main" val="60413054"/>
+        <p14:creationId xmlns:p14="http://schemas.microsoft.com/office/powerpoint/2010/main" val="1968690864"/>
       </p:ext>
     </p:extLst>
   </p:cSld>
@@ -9488,9 +9417,13 @@
           <a:lstStyle/>
           <a:p>
             <a:r>
-              <a:rPr lang="en-US" dirty="0"/>
-              <a:t>Basic Operators</a:t>
-            </a:r>
+              <a:rPr lang="en-US" b="1" dirty="0"/>
+              <a:t>Lists</a:t>
+            </a:r>
+            <a:br>
+              <a:rPr lang="en-US" b="1" dirty="0"/>
+            </a:br>
+            <a:endParaRPr lang="en-US" dirty="0"/>
           </a:p>
         </p:txBody>
       </p:sp>
@@ -9511,67 +9444,66 @@
           <a:p>
             <a:r>
               <a:rPr lang="en-US" dirty="0"/>
-              <a:t>Arithmetic Operators</a:t>
-            </a:r>
-          </a:p>
-          <a:p>
+              <a:t>Lists are very similar to </a:t>
+            </a:r>
+            <a:r>
+              <a:rPr lang="en-US" dirty="0" smtClean="0"/>
+              <a:t>arrays</a:t>
+            </a:r>
+          </a:p>
+          <a:p>
+            <a:endParaRPr lang="en-US" dirty="0"/>
+          </a:p>
+          <a:p>
+            <a:pPr lvl="1"/>
+            <a:endParaRPr lang="en-US" dirty="0" smtClean="0"/>
+          </a:p>
+          <a:p>
+            <a:pPr lvl="1"/>
+            <a:r>
+              <a:rPr lang="en-US" dirty="0" err="1" smtClean="0"/>
+              <a:t>mylist</a:t>
+            </a:r>
+            <a:r>
+              <a:rPr lang="en-US" dirty="0" smtClean="0"/>
+              <a:t> </a:t>
+            </a:r>
             <a:r>
               <a:rPr lang="en-US" dirty="0"/>
-              <a:t>Comparison (Relational) Operators</a:t>
-            </a:r>
-          </a:p>
-          <a:p>
+              <a:t>= </a:t>
+            </a:r>
+            <a:r>
+              <a:rPr lang="en-US" dirty="0" smtClean="0"/>
+              <a:t>[]</a:t>
+            </a:r>
+          </a:p>
+          <a:p>
+            <a:pPr lvl="1"/>
+            <a:r>
+              <a:rPr lang="en-US" dirty="0" err="1" smtClean="0"/>
+              <a:t>mylist.append</a:t>
+            </a:r>
+            <a:r>
+              <a:rPr lang="en-US" dirty="0" smtClean="0"/>
+              <a:t>(1</a:t>
+            </a:r>
             <a:r>
               <a:rPr lang="en-US" dirty="0"/>
-              <a:t>Assignment Operators</a:t>
-            </a:r>
-          </a:p>
-          <a:p>
-            <a:r>
-              <a:rPr lang="en-US" dirty="0"/>
-              <a:t>Logical Operators</a:t>
-            </a:r>
-          </a:p>
-          <a:p>
-            <a:r>
-              <a:rPr lang="en-US" dirty="0"/>
-              <a:t>Bitwise Operators</a:t>
-            </a:r>
-          </a:p>
-          <a:p>
-            <a:r>
-              <a:rPr lang="en-US" dirty="0"/>
-              <a:t>Membership Operators</a:t>
-            </a:r>
-          </a:p>
-          <a:p>
-            <a:r>
-              <a:rPr lang="en-US" dirty="0"/>
-              <a:t>Identity Operators</a:t>
-            </a:r>
-          </a:p>
-          <a:p>
-            <a:endParaRPr lang="en-US" dirty="0"/>
+              <a:t>)</a:t>
+            </a:r>
           </a:p>
         </p:txBody>
       </p:sp>
     </p:spTree>
     <p:extLst>
       <p:ext uri="{BB962C8B-B14F-4D97-AF65-F5344CB8AC3E}">
-        <p14:creationId xmlns:p14="http://schemas.microsoft.com/office/powerpoint/2010/main" val="1919943119"/>
+        <p14:creationId xmlns:p14="http://schemas.microsoft.com/office/powerpoint/2010/main" val="1429625206"/>
       </p:ext>
     </p:extLst>
   </p:cSld>
   <p:clrMapOvr>
     <a:masterClrMapping/>
   </p:clrMapOvr>
-  <p:timing>
-    <p:tnLst>
-      <p:par>
-        <p:cTn id="1" dur="indefinite" restart="never" nodeType="tmRoot"/>
-      </p:par>
-    </p:tnLst>
-  </p:timing>
 </p:sld>
 </file>
 
@@ -9864,420 +9796,101 @@
           <a:lstStyle/>
           <a:p>
             <a:r>
-              <a:rPr lang="en-US" b="1" dirty="0"/>
-              <a:t>Arithmetic </a:t>
-            </a:r>
-            <a:r>
-              <a:rPr lang="en-US" b="1" dirty="0" smtClean="0"/>
-              <a:t>Operators</a:t>
+              <a:rPr lang="en-US" altLang="zh-CN" dirty="0" smtClean="0"/>
+              <a:t>List</a:t>
+            </a:r>
+            <a:r>
+              <a:rPr lang="zh-CN" altLang="en-US" dirty="0" smtClean="0"/>
+              <a:t> </a:t>
+            </a:r>
+            <a:r>
+              <a:rPr lang="en-US" altLang="zh-CN" dirty="0" smtClean="0"/>
+              <a:t>count</a:t>
+            </a:r>
+            <a:r>
+              <a:rPr lang="zh-CN" altLang="en-US" dirty="0" smtClean="0"/>
+              <a:t> </a:t>
+            </a:r>
+            <a:r>
+              <a:rPr lang="en-US" altLang="zh-CN" dirty="0" smtClean="0"/>
+              <a:t>start</a:t>
+            </a:r>
+            <a:r>
+              <a:rPr lang="zh-CN" altLang="en-US" dirty="0" smtClean="0"/>
+              <a:t> </a:t>
+            </a:r>
+            <a:r>
+              <a:rPr lang="en-US" altLang="zh-CN" dirty="0" smtClean="0"/>
+              <a:t>from</a:t>
+            </a:r>
+            <a:r>
+              <a:rPr lang="zh-CN" altLang="en-US" dirty="0" smtClean="0"/>
+              <a:t> </a:t>
+            </a:r>
+            <a:r>
+              <a:rPr lang="en-US" altLang="zh-CN" dirty="0" smtClean="0"/>
+              <a:t>0</a:t>
             </a:r>
             <a:endParaRPr lang="en-US" dirty="0"/>
           </a:p>
         </p:txBody>
       </p:sp>
-      <p:graphicFrame>
-        <p:nvGraphicFramePr>
-          <p:cNvPr id="6" name="Content Placeholder 5"/>
-          <p:cNvGraphicFramePr>
-            <a:graphicFrameLocks noGrp="1"/>
-          </p:cNvGraphicFramePr>
+      <p:sp>
+        <p:nvSpPr>
+          <p:cNvPr id="3" name="Content Placeholder 2"/>
+          <p:cNvSpPr>
+            <a:spLocks noGrp="1"/>
+          </p:cNvSpPr>
           <p:nvPr>
             <p:ph idx="1"/>
-            <p:extLst>
-              <p:ext uri="{D42A27DB-BD31-4B8C-83A1-F6EECF244321}">
-                <p14:modId xmlns:p14="http://schemas.microsoft.com/office/powerpoint/2010/main" val="2073909584"/>
-              </p:ext>
-            </p:extLst>
-          </p:nvPr>
-        </p:nvGraphicFramePr>
-        <p:xfrm>
-          <a:off x="65314" y="1264555"/>
-          <a:ext cx="12055152" cy="5533887"/>
-        </p:xfrm>
-        <a:graphic>
-          <a:graphicData uri="http://schemas.openxmlformats.org/drawingml/2006/table">
-            <a:tbl>
-              <a:tblPr firstRow="1" bandRow="1">
-                <a:tableStyleId>{5C22544A-7EE6-4342-B048-85BDC9FD1C3A}</a:tableStyleId>
-              </a:tblPr>
-              <a:tblGrid>
-                <a:gridCol w="2610902"/>
-                <a:gridCol w="5425866"/>
-                <a:gridCol w="4018384"/>
-              </a:tblGrid>
-              <a:tr h="370840">
-                <a:tc>
-                  <a:txBody>
-                    <a:bodyPr/>
-                    <a:lstStyle/>
-                    <a:p>
-                      <a:r>
-                        <a:rPr lang="en-US" dirty="0">
-                          <a:effectLst/>
-                        </a:rPr>
-                        <a:t>Operator</a:t>
-                      </a:r>
-                    </a:p>
-                  </a:txBody>
-                  <a:tcPr anchor="ctr"/>
-                </a:tc>
-                <a:tc>
-                  <a:txBody>
-                    <a:bodyPr/>
-                    <a:lstStyle/>
-                    <a:p>
-                      <a:r>
-                        <a:rPr lang="en-US">
-                          <a:effectLst/>
-                        </a:rPr>
-                        <a:t>Description</a:t>
-                      </a:r>
-                    </a:p>
-                  </a:txBody>
-                  <a:tcPr anchor="ctr"/>
-                </a:tc>
-                <a:tc>
-                  <a:txBody>
-                    <a:bodyPr/>
-                    <a:lstStyle/>
-                    <a:p>
-                      <a:r>
-                        <a:rPr lang="en-US"/>
-                        <a:t>Example</a:t>
-                      </a:r>
-                    </a:p>
-                  </a:txBody>
-                  <a:tcPr anchor="ctr"/>
-                </a:tc>
-              </a:tr>
-              <a:tr h="370840">
-                <a:tc>
-                  <a:txBody>
-                    <a:bodyPr/>
-                    <a:lstStyle/>
-                    <a:p>
-                      <a:r>
-                        <a:rPr lang="en-US" dirty="0"/>
-                        <a:t>+ Addition</a:t>
-                      </a:r>
-                    </a:p>
-                  </a:txBody>
-                  <a:tcPr anchor="ctr"/>
-                </a:tc>
-                <a:tc>
-                  <a:txBody>
-                    <a:bodyPr/>
-                    <a:lstStyle/>
-                    <a:p>
-                      <a:r>
-                        <a:rPr lang="en-US"/>
-                        <a:t>Adds values on either side of the operator.</a:t>
-                      </a:r>
-                    </a:p>
-                  </a:txBody>
-                  <a:tcPr anchor="ctr"/>
-                </a:tc>
-                <a:tc>
-                  <a:txBody>
-                    <a:bodyPr/>
-                    <a:lstStyle/>
-                    <a:p>
-                      <a:r>
-                        <a:rPr lang="mr-IN"/>
-                        <a:t>a + b = 30</a:t>
-                      </a:r>
-                    </a:p>
-                  </a:txBody>
-                  <a:tcPr anchor="ctr"/>
-                </a:tc>
-              </a:tr>
-              <a:tr h="370840">
-                <a:tc>
-                  <a:txBody>
-                    <a:bodyPr/>
-                    <a:lstStyle/>
-                    <a:p>
-                      <a:r>
-                        <a:rPr lang="en-US"/>
-                        <a:t>- Subtraction</a:t>
-                      </a:r>
-                    </a:p>
-                  </a:txBody>
-                  <a:tcPr anchor="ctr"/>
-                </a:tc>
-                <a:tc>
-                  <a:txBody>
-                    <a:bodyPr/>
-                    <a:lstStyle/>
-                    <a:p>
-                      <a:r>
-                        <a:rPr lang="en-US"/>
-                        <a:t>Subtracts right hand operand from left hand operand.</a:t>
-                      </a:r>
-                    </a:p>
-                  </a:txBody>
-                  <a:tcPr anchor="ctr"/>
-                </a:tc>
-                <a:tc>
-                  <a:txBody>
-                    <a:bodyPr/>
-                    <a:lstStyle/>
-                    <a:p>
-                      <a:r>
-                        <a:rPr lang="mr-IN"/>
-                        <a:t>a – b = -10</a:t>
-                      </a:r>
-                    </a:p>
-                  </a:txBody>
-                  <a:tcPr anchor="ctr"/>
-                </a:tc>
-              </a:tr>
-              <a:tr h="370840">
-                <a:tc>
-                  <a:txBody>
-                    <a:bodyPr/>
-                    <a:lstStyle/>
-                    <a:p>
-                      <a:r>
-                        <a:rPr lang="en-US"/>
-                        <a:t>* Multiplication</a:t>
-                      </a:r>
-                    </a:p>
-                  </a:txBody>
-                  <a:tcPr anchor="ctr"/>
-                </a:tc>
-                <a:tc>
-                  <a:txBody>
-                    <a:bodyPr/>
-                    <a:lstStyle/>
-                    <a:p>
-                      <a:r>
-                        <a:rPr lang="en-US"/>
-                        <a:t>Multiplies values on either side of the operator</a:t>
-                      </a:r>
-                    </a:p>
-                  </a:txBody>
-                  <a:tcPr anchor="ctr"/>
-                </a:tc>
-                <a:tc>
-                  <a:txBody>
-                    <a:bodyPr/>
-                    <a:lstStyle/>
-                    <a:p>
-                      <a:r>
-                        <a:rPr lang="en-US"/>
-                        <a:t>a * b = 200</a:t>
-                      </a:r>
-                    </a:p>
-                  </a:txBody>
-                  <a:tcPr anchor="ctr"/>
-                </a:tc>
-              </a:tr>
-              <a:tr h="521843">
-                <a:tc>
-                  <a:txBody>
-                    <a:bodyPr/>
-                    <a:lstStyle/>
-                    <a:p>
-                      <a:r>
-                        <a:rPr lang="en-US" dirty="0"/>
-                        <a:t>/ Division</a:t>
-                      </a:r>
-                    </a:p>
-                  </a:txBody>
-                  <a:tcPr anchor="ctr"/>
-                </a:tc>
-                <a:tc>
-                  <a:txBody>
-                    <a:bodyPr/>
-                    <a:lstStyle/>
-                    <a:p>
-                      <a:r>
-                        <a:rPr lang="en-US"/>
-                        <a:t>Divides left hand operand by right hand operand</a:t>
-                      </a:r>
-                    </a:p>
-                  </a:txBody>
-                  <a:tcPr anchor="ctr"/>
-                </a:tc>
-                <a:tc>
-                  <a:txBody>
-                    <a:bodyPr/>
-                    <a:lstStyle/>
-                    <a:p>
-                      <a:r>
-                        <a:rPr lang="mr-IN"/>
-                        <a:t>b / a = 2</a:t>
-                      </a:r>
-                    </a:p>
-                  </a:txBody>
-                  <a:tcPr anchor="ctr"/>
-                </a:tc>
-              </a:tr>
-              <a:tr h="758840">
-                <a:tc>
-                  <a:txBody>
-                    <a:bodyPr/>
-                    <a:lstStyle/>
-                    <a:p>
-                      <a:r>
-                        <a:rPr lang="en-US" dirty="0"/>
-                        <a:t>% Modulus</a:t>
-                      </a:r>
-                    </a:p>
-                  </a:txBody>
-                  <a:tcPr anchor="ctr"/>
-                </a:tc>
-                <a:tc>
-                  <a:txBody>
-                    <a:bodyPr/>
-                    <a:lstStyle/>
-                    <a:p>
-                      <a:r>
-                        <a:rPr lang="en-US"/>
-                        <a:t>Divides left hand operand by right hand operand and returns remainder</a:t>
-                      </a:r>
-                    </a:p>
-                  </a:txBody>
-                  <a:tcPr anchor="ctr"/>
-                </a:tc>
-                <a:tc>
-                  <a:txBody>
-                    <a:bodyPr/>
-                    <a:lstStyle/>
-                    <a:p>
-                      <a:r>
-                        <a:rPr lang="mr-IN" dirty="0" err="1"/>
-                        <a:t>b</a:t>
-                      </a:r>
-                      <a:r>
-                        <a:rPr lang="mr-IN" dirty="0"/>
-                        <a:t> % </a:t>
-                      </a:r>
-                      <a:r>
-                        <a:rPr lang="mr-IN" dirty="0" err="1"/>
-                        <a:t>a</a:t>
-                      </a:r>
-                      <a:r>
-                        <a:rPr lang="mr-IN" dirty="0"/>
-                        <a:t> = 0</a:t>
-                      </a:r>
-                    </a:p>
-                  </a:txBody>
-                  <a:tcPr anchor="ctr"/>
-                </a:tc>
-              </a:tr>
-              <a:tr h="370840">
-                <a:tc>
-                  <a:txBody>
-                    <a:bodyPr/>
-                    <a:lstStyle/>
-                    <a:p>
-                      <a:r>
-                        <a:rPr lang="en-US"/>
-                        <a:t>** Exponent</a:t>
-                      </a:r>
-                    </a:p>
-                  </a:txBody>
-                  <a:tcPr anchor="ctr"/>
-                </a:tc>
-                <a:tc>
-                  <a:txBody>
-                    <a:bodyPr/>
-                    <a:lstStyle/>
-                    <a:p>
-                      <a:r>
-                        <a:rPr lang="en-US"/>
-                        <a:t>Performs exponential (power) calculation on operators</a:t>
-                      </a:r>
-                    </a:p>
-                  </a:txBody>
-                  <a:tcPr anchor="ctr"/>
-                </a:tc>
-                <a:tc>
-                  <a:txBody>
-                    <a:bodyPr/>
-                    <a:lstStyle/>
-                    <a:p>
-                      <a:r>
-                        <a:rPr lang="en-US"/>
-                        <a:t>a**b =10 to the power 20</a:t>
-                      </a:r>
-                    </a:p>
-                  </a:txBody>
-                  <a:tcPr anchor="ctr"/>
-                </a:tc>
-              </a:tr>
-              <a:tr h="1742287">
-                <a:tc>
-                  <a:txBody>
-                    <a:bodyPr/>
-                    <a:lstStyle/>
-                    <a:p>
-                      <a:r>
-                        <a:rPr lang="mr-IN" dirty="0"/>
-                        <a:t>//</a:t>
-                      </a:r>
-                    </a:p>
-                  </a:txBody>
-                  <a:tcPr anchor="ctr"/>
-                </a:tc>
-                <a:tc>
-                  <a:txBody>
-                    <a:bodyPr/>
-                    <a:lstStyle/>
-                    <a:p>
-                      <a:r>
-                        <a:rPr lang="en-US"/>
-                        <a:t>Floor Division - The division of operands where the result is the quotient in which the digits after the decimal point are removed. But if one of the operands is negative, the result is floored, i.e., rounded away from zero (towards negative infinity):</a:t>
-                      </a:r>
-                    </a:p>
-                  </a:txBody>
-                  <a:tcPr anchor="ctr"/>
-                </a:tc>
-                <a:tc>
-                  <a:txBody>
-                    <a:bodyPr/>
-                    <a:lstStyle/>
-                    <a:p>
-                      <a:r>
-                        <a:rPr lang="mr-IN" dirty="0"/>
-                        <a:t>9//2 = 4 </a:t>
-                      </a:r>
-                      <a:r>
-                        <a:rPr lang="mr-IN" dirty="0" err="1"/>
-                        <a:t>and</a:t>
-                      </a:r>
-                      <a:r>
-                        <a:rPr lang="mr-IN" dirty="0"/>
-                        <a:t> 9.0//2.0 = 4.0, -11//3 = -4, -11.0//3 = -4.0</a:t>
-                      </a:r>
-                    </a:p>
-                  </a:txBody>
-                  <a:tcPr anchor="ctr"/>
-                </a:tc>
-              </a:tr>
-            </a:tbl>
-          </a:graphicData>
-        </a:graphic>
-      </p:graphicFrame>
+          </p:nvPr>
+        </p:nvSpPr>
+        <p:spPr>
+          <a:xfrm>
+            <a:off x="2589212" y="2152261"/>
+            <a:ext cx="8915400" cy="3777622"/>
+          </a:xfrm>
+        </p:spPr>
+        <p:txBody>
+          <a:bodyPr/>
+          <a:lstStyle/>
+          <a:p>
+            <a:r>
+              <a:rPr lang="en-US" altLang="zh-CN" dirty="0" err="1" smtClean="0"/>
+              <a:t>my_list</a:t>
+            </a:r>
+            <a:r>
+              <a:rPr lang="en-US" altLang="zh-CN" dirty="0" smtClean="0"/>
+              <a:t>=[1,2,3,4]</a:t>
+            </a:r>
+          </a:p>
+          <a:p>
+            <a:r>
+              <a:rPr lang="en-US" dirty="0" smtClean="0"/>
+              <a:t>print(</a:t>
+            </a:r>
+            <a:r>
+              <a:rPr lang="en-US" altLang="zh-CN" dirty="0" smtClean="0"/>
+              <a:t>1</a:t>
+            </a:r>
+            <a:r>
+              <a:rPr lang="en-US" dirty="0" smtClean="0"/>
+              <a:t>)</a:t>
+            </a:r>
+            <a:endParaRPr lang="en-US" dirty="0"/>
+          </a:p>
+        </p:txBody>
+      </p:sp>
     </p:spTree>
     <p:extLst>
       <p:ext uri="{BB962C8B-B14F-4D97-AF65-F5344CB8AC3E}">
-        <p14:creationId xmlns:p14="http://schemas.microsoft.com/office/powerpoint/2010/main" val="1022973698"/>
+        <p14:creationId xmlns:p14="http://schemas.microsoft.com/office/powerpoint/2010/main" val="60413054"/>
       </p:ext>
     </p:extLst>
   </p:cSld>
   <p:clrMapOvr>
     <a:masterClrMapping/>
   </p:clrMapOvr>
-  <p:timing>
-    <p:tnLst>
-      <p:par>
-        <p:cTn id="1" dur="indefinite" restart="never" nodeType="tmRoot"/>
-      </p:par>
-    </p:tnLst>
-  </p:timing>
 </p:sld>
 </file>
 
@@ -10314,559 +9927,77 @@
           <a:lstStyle/>
           <a:p>
             <a:r>
-              <a:rPr lang="en-US" b="1" dirty="0"/>
-              <a:t>Comparison </a:t>
-            </a:r>
-            <a:r>
-              <a:rPr lang="en-US" b="1" dirty="0" smtClean="0"/>
-              <a:t>Operators</a:t>
-            </a:r>
+              <a:rPr lang="en-US" dirty="0"/>
+              <a:t>Basic Operators</a:t>
+            </a:r>
+          </a:p>
+        </p:txBody>
+      </p:sp>
+      <p:sp>
+        <p:nvSpPr>
+          <p:cNvPr id="3" name="Content Placeholder 2"/>
+          <p:cNvSpPr>
+            <a:spLocks noGrp="1"/>
+          </p:cNvSpPr>
+          <p:nvPr>
+            <p:ph idx="1"/>
+          </p:nvPr>
+        </p:nvSpPr>
+        <p:spPr/>
+        <p:txBody>
+          <a:bodyPr/>
+          <a:lstStyle/>
+          <a:p>
+            <a:r>
+              <a:rPr lang="en-US" dirty="0"/>
+              <a:t>Arithmetic Operators</a:t>
+            </a:r>
+          </a:p>
+          <a:p>
+            <a:r>
+              <a:rPr lang="en-US" dirty="0"/>
+              <a:t>Comparison (Relational) Operators</a:t>
+            </a:r>
+          </a:p>
+          <a:p>
+            <a:r>
+              <a:rPr lang="en-US" dirty="0"/>
+              <a:t>Assignment Operators</a:t>
+            </a:r>
+          </a:p>
+          <a:p>
+            <a:r>
+              <a:rPr lang="en-US" dirty="0"/>
+              <a:t>Logical Operators</a:t>
+            </a:r>
+          </a:p>
+          <a:p>
+            <a:r>
+              <a:rPr lang="en-US" dirty="0"/>
+              <a:t>Bitwise Operators</a:t>
+            </a:r>
+          </a:p>
+          <a:p>
+            <a:r>
+              <a:rPr lang="en-US" dirty="0"/>
+              <a:t>Membership Operators</a:t>
+            </a:r>
+          </a:p>
+          <a:p>
+            <a:r>
+              <a:rPr lang="en-US" dirty="0"/>
+              <a:t>Identity Operators</a:t>
+            </a:r>
+          </a:p>
+          <a:p>
             <a:endParaRPr lang="en-US" dirty="0"/>
           </a:p>
         </p:txBody>
       </p:sp>
-      <p:graphicFrame>
-        <p:nvGraphicFramePr>
-          <p:cNvPr id="5" name="Content Placeholder 4"/>
-          <p:cNvGraphicFramePr>
-            <a:graphicFrameLocks noGrp="1"/>
-          </p:cNvGraphicFramePr>
-          <p:nvPr>
-            <p:ph idx="1"/>
-            <p:extLst>
-              <p:ext uri="{D42A27DB-BD31-4B8C-83A1-F6EECF244321}">
-                <p14:modId xmlns:p14="http://schemas.microsoft.com/office/powerpoint/2010/main" val="729970197"/>
-              </p:ext>
-            </p:extLst>
-          </p:nvPr>
-        </p:nvGraphicFramePr>
-        <p:xfrm>
-          <a:off x="2589213" y="2133600"/>
-          <a:ext cx="8915400" cy="3333750"/>
-        </p:xfrm>
-        <a:graphic>
-          <a:graphicData uri="http://schemas.openxmlformats.org/drawingml/2006/table">
-            <a:tbl>
-              <a:tblPr firstRow="1" bandRow="1">
-                <a:tableStyleId>{5C22544A-7EE6-4342-B048-85BDC9FD1C3A}</a:tableStyleId>
-              </a:tblPr>
-              <a:tblGrid>
-                <a:gridCol w="2971800"/>
-                <a:gridCol w="2971800"/>
-                <a:gridCol w="2971800"/>
-              </a:tblGrid>
-              <a:tr h="370840">
-                <a:tc>
-                  <a:txBody>
-                    <a:bodyPr/>
-                    <a:lstStyle/>
-                    <a:p>
-                      <a:pPr algn="l" fontAlgn="b"/>
-                      <a:r>
-                        <a:rPr lang="en-US" sz="1200" b="1" i="0" u="none" strike="noStrike" dirty="0">
-                          <a:solidFill>
-                            <a:srgbClr val="000000"/>
-                          </a:solidFill>
-                          <a:effectLst/>
-                          <a:latin typeface="Calibri" charset="0"/>
-                        </a:rPr>
-                        <a:t>Operator</a:t>
-                      </a:r>
-                    </a:p>
-                  </a:txBody>
-                  <a:tcPr marL="6350" marR="6350" marT="6350" marB="0" anchor="b"/>
-                </a:tc>
-                <a:tc>
-                  <a:txBody>
-                    <a:bodyPr/>
-                    <a:lstStyle/>
-                    <a:p>
-                      <a:pPr algn="l" fontAlgn="b"/>
-                      <a:r>
-                        <a:rPr lang="en-US" sz="1200" b="1" i="0" u="none" strike="noStrike">
-                          <a:solidFill>
-                            <a:srgbClr val="000000"/>
-                          </a:solidFill>
-                          <a:effectLst/>
-                          <a:latin typeface="Calibri" charset="0"/>
-                        </a:rPr>
-                        <a:t>Description</a:t>
-                      </a:r>
-                    </a:p>
-                  </a:txBody>
-                  <a:tcPr marL="6350" marR="6350" marT="6350" marB="0" anchor="b"/>
-                </a:tc>
-                <a:tc>
-                  <a:txBody>
-                    <a:bodyPr/>
-                    <a:lstStyle/>
-                    <a:p>
-                      <a:pPr algn="l" fontAlgn="b"/>
-                      <a:r>
-                        <a:rPr lang="en-US" sz="1200" b="1" i="0" u="none" strike="noStrike">
-                          <a:solidFill>
-                            <a:srgbClr val="000000"/>
-                          </a:solidFill>
-                          <a:effectLst/>
-                          <a:latin typeface="Calibri" charset="0"/>
-                        </a:rPr>
-                        <a:t>Example</a:t>
-                      </a:r>
-                    </a:p>
-                  </a:txBody>
-                  <a:tcPr marL="6350" marR="6350" marT="6350" marB="0" anchor="b"/>
-                </a:tc>
-              </a:tr>
-              <a:tr h="370840">
-                <a:tc>
-                  <a:txBody>
-                    <a:bodyPr/>
-                    <a:lstStyle/>
-                    <a:p>
-                      <a:pPr algn="l" fontAlgn="b"/>
-                      <a:r>
-                        <a:rPr lang="mr-IN" sz="1200" b="0" i="0" u="none" strike="noStrike">
-                          <a:solidFill>
-                            <a:srgbClr val="000000"/>
-                          </a:solidFill>
-                          <a:effectLst/>
-                          <a:latin typeface="Calibri" charset="0"/>
-                        </a:rPr>
-                        <a:t>==</a:t>
-                      </a:r>
-                    </a:p>
-                  </a:txBody>
-                  <a:tcPr marL="6350" marR="6350" marT="6350" marB="0" anchor="b"/>
-                </a:tc>
-                <a:tc>
-                  <a:txBody>
-                    <a:bodyPr/>
-                    <a:lstStyle/>
-                    <a:p>
-                      <a:pPr algn="l" fontAlgn="b"/>
-                      <a:r>
-                        <a:rPr lang="en-US" sz="1200" b="0" i="0" u="none" strike="noStrike">
-                          <a:solidFill>
-                            <a:srgbClr val="000000"/>
-                          </a:solidFill>
-                          <a:effectLst/>
-                          <a:latin typeface="Calibri" charset="0"/>
-                        </a:rPr>
-                        <a:t>If the values of two operands are equal, then the condition becomes true.</a:t>
-                      </a:r>
-                    </a:p>
-                  </a:txBody>
-                  <a:tcPr marL="6350" marR="6350" marT="6350" marB="0" anchor="b"/>
-                </a:tc>
-                <a:tc>
-                  <a:txBody>
-                    <a:bodyPr/>
-                    <a:lstStyle/>
-                    <a:p>
-                      <a:pPr algn="l" fontAlgn="b"/>
-                      <a:r>
-                        <a:rPr lang="en-US" sz="1200" b="0" i="0" u="none" strike="noStrike">
-                          <a:solidFill>
-                            <a:srgbClr val="000000"/>
-                          </a:solidFill>
-                          <a:effectLst/>
-                          <a:latin typeface="Calibri" charset="0"/>
-                        </a:rPr>
-                        <a:t>(a == b) is not true.</a:t>
-                      </a:r>
-                    </a:p>
-                  </a:txBody>
-                  <a:tcPr marL="6350" marR="6350" marT="6350" marB="0" anchor="b"/>
-                </a:tc>
-              </a:tr>
-              <a:tr h="370840">
-                <a:tc>
-                  <a:txBody>
-                    <a:bodyPr/>
-                    <a:lstStyle/>
-                    <a:p>
-                      <a:pPr algn="l" fontAlgn="b"/>
-                      <a:r>
-                        <a:rPr lang="mr-IN" sz="1200" b="0" i="0" u="none" strike="noStrike">
-                          <a:solidFill>
-                            <a:srgbClr val="000000"/>
-                          </a:solidFill>
-                          <a:effectLst/>
-                          <a:latin typeface="Calibri" charset="0"/>
-                        </a:rPr>
-                        <a:t>!=</a:t>
-                      </a:r>
-                    </a:p>
-                  </a:txBody>
-                  <a:tcPr marL="6350" marR="6350" marT="6350" marB="0" anchor="b"/>
-                </a:tc>
-                <a:tc gridSpan="2">
-                  <a:txBody>
-                    <a:bodyPr/>
-                    <a:lstStyle/>
-                    <a:p>
-                      <a:pPr algn="l" fontAlgn="b"/>
-                      <a:r>
-                        <a:rPr lang="en-US" sz="1200" b="0" i="0" u="none" strike="noStrike">
-                          <a:solidFill>
-                            <a:srgbClr val="000000"/>
-                          </a:solidFill>
-                          <a:effectLst/>
-                          <a:latin typeface="Calibri" charset="0"/>
-                        </a:rPr>
-                        <a:t>If values of two operands are not equal, then condition becomes true.</a:t>
-                      </a:r>
-                    </a:p>
-                  </a:txBody>
-                  <a:tcPr marL="6350" marR="6350" marT="6350" marB="0" anchor="b"/>
-                </a:tc>
-                <a:tc hMerge="1">
-                  <a:txBody>
-                    <a:bodyPr/>
-                    <a:lstStyle/>
-                    <a:p>
-                      <a:endParaRPr lang="en-US"/>
-                    </a:p>
-                  </a:txBody>
-                  <a:tcPr/>
-                </a:tc>
-              </a:tr>
-              <a:tr h="370840">
-                <a:tc>
-                  <a:txBody>
-                    <a:bodyPr/>
-                    <a:lstStyle/>
-                    <a:p>
-                      <a:pPr algn="l" fontAlgn="b"/>
-                      <a:r>
-                        <a:rPr lang="mr-IN" sz="1200" b="0" i="0" u="none" strike="noStrike">
-                          <a:solidFill>
-                            <a:srgbClr val="000000"/>
-                          </a:solidFill>
-                          <a:effectLst/>
-                          <a:latin typeface="Calibri" charset="0"/>
-                        </a:rPr>
-                        <a:t>&gt;</a:t>
-                      </a:r>
-                    </a:p>
-                  </a:txBody>
-                  <a:tcPr marL="6350" marR="6350" marT="6350" marB="0" anchor="b"/>
-                </a:tc>
-                <a:tc>
-                  <a:txBody>
-                    <a:bodyPr/>
-                    <a:lstStyle/>
-                    <a:p>
-                      <a:pPr algn="l" fontAlgn="b"/>
-                      <a:r>
-                        <a:rPr lang="en-US" sz="1200" b="0" i="0" u="none" strike="noStrike">
-                          <a:solidFill>
-                            <a:srgbClr val="000000"/>
-                          </a:solidFill>
-                          <a:effectLst/>
-                          <a:latin typeface="Calibri" charset="0"/>
-                        </a:rPr>
-                        <a:t>If the value of left operand is greater than the value of right operand, then condition becomes true.</a:t>
-                      </a:r>
-                    </a:p>
-                  </a:txBody>
-                  <a:tcPr marL="6350" marR="6350" marT="6350" marB="0" anchor="b"/>
-                </a:tc>
-                <a:tc>
-                  <a:txBody>
-                    <a:bodyPr/>
-                    <a:lstStyle/>
-                    <a:p>
-                      <a:pPr algn="l" fontAlgn="b"/>
-                      <a:r>
-                        <a:rPr lang="en-US" sz="1200" b="0" i="0" u="none" strike="noStrike">
-                          <a:solidFill>
-                            <a:srgbClr val="000000"/>
-                          </a:solidFill>
-                          <a:effectLst/>
-                          <a:latin typeface="Calibri" charset="0"/>
-                        </a:rPr>
-                        <a:t>(a &gt; b) is not true.</a:t>
-                      </a:r>
-                    </a:p>
-                  </a:txBody>
-                  <a:tcPr marL="6350" marR="6350" marT="6350" marB="0" anchor="b"/>
-                </a:tc>
-              </a:tr>
-              <a:tr h="370840">
-                <a:tc>
-                  <a:txBody>
-                    <a:bodyPr/>
-                    <a:lstStyle/>
-                    <a:p>
-                      <a:pPr algn="l" fontAlgn="b"/>
-                      <a:r>
-                        <a:rPr lang="mr-IN" sz="1200" b="0" i="0" u="none" strike="noStrike">
-                          <a:solidFill>
-                            <a:srgbClr val="000000"/>
-                          </a:solidFill>
-                          <a:effectLst/>
-                          <a:latin typeface="Calibri" charset="0"/>
-                        </a:rPr>
-                        <a:t>&lt;</a:t>
-                      </a:r>
-                    </a:p>
-                  </a:txBody>
-                  <a:tcPr marL="6350" marR="6350" marT="6350" marB="0" anchor="b"/>
-                </a:tc>
-                <a:tc>
-                  <a:txBody>
-                    <a:bodyPr/>
-                    <a:lstStyle/>
-                    <a:p>
-                      <a:pPr algn="l" fontAlgn="b"/>
-                      <a:r>
-                        <a:rPr lang="en-US" sz="1200" b="0" i="0" u="none" strike="noStrike">
-                          <a:solidFill>
-                            <a:srgbClr val="000000"/>
-                          </a:solidFill>
-                          <a:effectLst/>
-                          <a:latin typeface="Calibri" charset="0"/>
-                        </a:rPr>
-                        <a:t>If the value of left operand is less than the value of right operand, then condition becomes true.</a:t>
-                      </a:r>
-                    </a:p>
-                  </a:txBody>
-                  <a:tcPr marL="6350" marR="6350" marT="6350" marB="0" anchor="b"/>
-                </a:tc>
-                <a:tc>
-                  <a:txBody>
-                    <a:bodyPr/>
-                    <a:lstStyle/>
-                    <a:p>
-                      <a:pPr algn="l" fontAlgn="b"/>
-                      <a:r>
-                        <a:rPr lang="en-US" sz="1200" b="0" i="0" u="none" strike="noStrike">
-                          <a:solidFill>
-                            <a:srgbClr val="000000"/>
-                          </a:solidFill>
-                          <a:effectLst/>
-                          <a:latin typeface="Calibri" charset="0"/>
-                        </a:rPr>
-                        <a:t>(a &lt; b) is true.</a:t>
-                      </a:r>
-                    </a:p>
-                  </a:txBody>
-                  <a:tcPr marL="6350" marR="6350" marT="6350" marB="0" anchor="b"/>
-                </a:tc>
-              </a:tr>
-              <a:tr h="370840">
-                <a:tc>
-                  <a:txBody>
-                    <a:bodyPr/>
-                    <a:lstStyle/>
-                    <a:p>
-                      <a:pPr algn="l" fontAlgn="b"/>
-                      <a:r>
-                        <a:rPr lang="mr-IN" sz="1200" b="0" i="0" u="none" strike="noStrike">
-                          <a:solidFill>
-                            <a:srgbClr val="000000"/>
-                          </a:solidFill>
-                          <a:effectLst/>
-                          <a:latin typeface="Calibri" charset="0"/>
-                        </a:rPr>
-                        <a:t>&gt;=</a:t>
-                      </a:r>
-                    </a:p>
-                  </a:txBody>
-                  <a:tcPr marL="6350" marR="6350" marT="6350" marB="0" anchor="b"/>
-                </a:tc>
-                <a:tc>
-                  <a:txBody>
-                    <a:bodyPr/>
-                    <a:lstStyle/>
-                    <a:p>
-                      <a:pPr algn="l" fontAlgn="b"/>
-                      <a:r>
-                        <a:rPr lang="en-US" sz="1200" b="0" i="0" u="none" strike="noStrike">
-                          <a:solidFill>
-                            <a:srgbClr val="000000"/>
-                          </a:solidFill>
-                          <a:effectLst/>
-                          <a:latin typeface="Calibri" charset="0"/>
-                        </a:rPr>
-                        <a:t>If the value of left operand is greater than or equal to the value of right operand, then condition becomes true.</a:t>
-                      </a:r>
-                    </a:p>
-                  </a:txBody>
-                  <a:tcPr marL="6350" marR="6350" marT="6350" marB="0" anchor="b"/>
-                </a:tc>
-                <a:tc>
-                  <a:txBody>
-                    <a:bodyPr/>
-                    <a:lstStyle/>
-                    <a:p>
-                      <a:pPr algn="l" fontAlgn="b"/>
-                      <a:r>
-                        <a:rPr lang="en-US" sz="1200" b="0" i="0" u="none" strike="noStrike">
-                          <a:solidFill>
-                            <a:srgbClr val="000000"/>
-                          </a:solidFill>
-                          <a:effectLst/>
-                          <a:latin typeface="Calibri" charset="0"/>
-                        </a:rPr>
-                        <a:t>(a &gt;= b) is not true.</a:t>
-                      </a:r>
-                    </a:p>
-                  </a:txBody>
-                  <a:tcPr marL="6350" marR="6350" marT="6350" marB="0" anchor="b"/>
-                </a:tc>
-              </a:tr>
-              <a:tr h="370840">
-                <a:tc>
-                  <a:txBody>
-                    <a:bodyPr/>
-                    <a:lstStyle/>
-                    <a:p>
-                      <a:pPr algn="l" fontAlgn="b"/>
-                      <a:r>
-                        <a:rPr lang="mr-IN" sz="1200" b="0" i="0" u="none" strike="noStrike">
-                          <a:solidFill>
-                            <a:srgbClr val="000000"/>
-                          </a:solidFill>
-                          <a:effectLst/>
-                          <a:latin typeface="Calibri" charset="0"/>
-                        </a:rPr>
-                        <a:t>&lt;=</a:t>
-                      </a:r>
-                    </a:p>
-                  </a:txBody>
-                  <a:tcPr marL="6350" marR="6350" marT="6350" marB="0" anchor="b"/>
-                </a:tc>
-                <a:tc>
-                  <a:txBody>
-                    <a:bodyPr/>
-                    <a:lstStyle/>
-                    <a:p>
-                      <a:pPr algn="l" fontAlgn="b"/>
-                      <a:r>
-                        <a:rPr lang="en-US" sz="1200" b="0" i="0" u="none" strike="noStrike">
-                          <a:solidFill>
-                            <a:srgbClr val="000000"/>
-                          </a:solidFill>
-                          <a:effectLst/>
-                          <a:latin typeface="Calibri" charset="0"/>
-                        </a:rPr>
-                        <a:t>If the value of left operand is less than or equal to the value of right operand, then condition becomes true.</a:t>
-                      </a:r>
-                    </a:p>
-                  </a:txBody>
-                  <a:tcPr marL="6350" marR="6350" marT="6350" marB="0" anchor="b"/>
-                </a:tc>
-                <a:tc>
-                  <a:txBody>
-                    <a:bodyPr/>
-                    <a:lstStyle/>
-                    <a:p>
-                      <a:pPr algn="l" fontAlgn="b"/>
-                      <a:r>
-                        <a:rPr lang="mr-IN" sz="1200" b="0" i="0" u="none" strike="noStrike" dirty="0">
-                          <a:solidFill>
-                            <a:srgbClr val="000000"/>
-                          </a:solidFill>
-                          <a:effectLst/>
-                          <a:latin typeface="Calibri" charset="0"/>
-                        </a:rPr>
-                        <a:t>(</a:t>
-                      </a:r>
-                      <a:r>
-                        <a:rPr lang="mr-IN" sz="1200" b="0" i="0" u="none" strike="noStrike" dirty="0" err="1">
-                          <a:solidFill>
-                            <a:srgbClr val="000000"/>
-                          </a:solidFill>
-                          <a:effectLst/>
-                          <a:latin typeface="Calibri" charset="0"/>
-                        </a:rPr>
-                        <a:t>a</a:t>
-                      </a:r>
-                      <a:r>
-                        <a:rPr lang="mr-IN" sz="1200" b="0" i="0" u="none" strike="noStrike" dirty="0">
-                          <a:solidFill>
-                            <a:srgbClr val="000000"/>
-                          </a:solidFill>
-                          <a:effectLst/>
-                          <a:latin typeface="Calibri" charset="0"/>
-                        </a:rPr>
-                        <a:t> &lt;= </a:t>
-                      </a:r>
-                      <a:r>
-                        <a:rPr lang="mr-IN" sz="1200" b="0" i="0" u="none" strike="noStrike" dirty="0" err="1">
-                          <a:solidFill>
-                            <a:srgbClr val="000000"/>
-                          </a:solidFill>
-                          <a:effectLst/>
-                          <a:latin typeface="Calibri" charset="0"/>
-                        </a:rPr>
-                        <a:t>b</a:t>
-                      </a:r>
-                      <a:r>
-                        <a:rPr lang="mr-IN" sz="1200" b="0" i="0" u="none" strike="noStrike" dirty="0">
-                          <a:solidFill>
-                            <a:srgbClr val="000000"/>
-                          </a:solidFill>
-                          <a:effectLst/>
-                          <a:latin typeface="Calibri" charset="0"/>
-                        </a:rPr>
-                        <a:t>) </a:t>
-                      </a:r>
-                      <a:r>
-                        <a:rPr lang="mr-IN" sz="1200" b="0" i="0" u="none" strike="noStrike" dirty="0" err="1">
-                          <a:solidFill>
-                            <a:srgbClr val="000000"/>
-                          </a:solidFill>
-                          <a:effectLst/>
-                          <a:latin typeface="Calibri" charset="0"/>
-                        </a:rPr>
-                        <a:t>is</a:t>
-                      </a:r>
-                      <a:r>
-                        <a:rPr lang="mr-IN" sz="1200" b="0" i="0" u="none" strike="noStrike" dirty="0">
-                          <a:solidFill>
-                            <a:srgbClr val="000000"/>
-                          </a:solidFill>
-                          <a:effectLst/>
-                          <a:latin typeface="Calibri" charset="0"/>
-                        </a:rPr>
-                        <a:t> </a:t>
-                      </a:r>
-                      <a:r>
-                        <a:rPr lang="mr-IN" sz="1200" b="0" i="0" u="none" strike="noStrike" dirty="0" err="1">
-                          <a:solidFill>
-                            <a:srgbClr val="000000"/>
-                          </a:solidFill>
-                          <a:effectLst/>
-                          <a:latin typeface="Calibri" charset="0"/>
-                        </a:rPr>
-                        <a:t>true</a:t>
-                      </a:r>
-                      <a:r>
-                        <a:rPr lang="mr-IN" sz="1200" b="0" i="0" u="none" strike="noStrike" dirty="0">
-                          <a:solidFill>
-                            <a:srgbClr val="000000"/>
-                          </a:solidFill>
-                          <a:effectLst/>
-                          <a:latin typeface="Calibri" charset="0"/>
-                        </a:rPr>
-                        <a:t>.</a:t>
-                      </a:r>
-                    </a:p>
-                  </a:txBody>
-                  <a:tcPr marL="6350" marR="6350" marT="6350" marB="0" anchor="b"/>
-                </a:tc>
-              </a:tr>
-            </a:tbl>
-          </a:graphicData>
-        </a:graphic>
-      </p:graphicFrame>
     </p:spTree>
     <p:extLst>
       <p:ext uri="{BB962C8B-B14F-4D97-AF65-F5344CB8AC3E}">
-        <p14:creationId xmlns:p14="http://schemas.microsoft.com/office/powerpoint/2010/main" val="42785677"/>
+        <p14:creationId xmlns:p14="http://schemas.microsoft.com/office/powerpoint/2010/main" val="1919943119"/>
       </p:ext>
     </p:extLst>
   </p:cSld>
@@ -10917,18 +10048,19 @@
           <a:p>
             <a:r>
               <a:rPr lang="en-US" b="1" dirty="0"/>
-              <a:t>Assignment Operators</a:t>
-            </a:r>
-            <a:br>
-              <a:rPr lang="en-US" b="1" dirty="0"/>
-            </a:br>
+              <a:t>Arithmetic </a:t>
+            </a:r>
+            <a:r>
+              <a:rPr lang="en-US" b="1" dirty="0" smtClean="0"/>
+              <a:t>Operators</a:t>
+            </a:r>
             <a:endParaRPr lang="en-US" dirty="0"/>
           </a:p>
         </p:txBody>
       </p:sp>
       <p:graphicFrame>
         <p:nvGraphicFramePr>
-          <p:cNvPr id="4" name="Content Placeholder 3"/>
+          <p:cNvPr id="6" name="Content Placeholder 5"/>
           <p:cNvGraphicFramePr>
             <a:graphicFrameLocks noGrp="1"/>
           </p:cNvGraphicFramePr>
@@ -10936,14 +10068,14 @@
             <p:ph idx="1"/>
             <p:extLst>
               <p:ext uri="{D42A27DB-BD31-4B8C-83A1-F6EECF244321}">
-                <p14:modId xmlns:p14="http://schemas.microsoft.com/office/powerpoint/2010/main" val="1885938405"/>
+                <p14:modId xmlns:p14="http://schemas.microsoft.com/office/powerpoint/2010/main" val="2073909584"/>
               </p:ext>
             </p:extLst>
           </p:nvPr>
         </p:nvGraphicFramePr>
         <p:xfrm>
-          <a:off x="559837" y="1264555"/>
-          <a:ext cx="10627535" cy="6897292"/>
+          <a:off x="65314" y="1264555"/>
+          <a:ext cx="12055152" cy="5533887"/>
         </p:xfrm>
         <a:graphic>
           <a:graphicData uri="http://schemas.openxmlformats.org/drawingml/2006/table">
@@ -10952,11 +10084,11 @@
                 <a:tableStyleId>{5C22544A-7EE6-4342-B048-85BDC9FD1C3A}</a:tableStyleId>
               </a:tblPr>
               <a:tblGrid>
-                <a:gridCol w="2397967"/>
-                <a:gridCol w="4687056"/>
-                <a:gridCol w="3542512"/>
+                <a:gridCol w="2610902"/>
+                <a:gridCol w="5425866"/>
+                <a:gridCol w="4018384"/>
               </a:tblGrid>
-              <a:tr h="405052">
+              <a:tr h="370840">
                 <a:tc>
                   <a:txBody>
                     <a:bodyPr/>
@@ -11008,34 +10140,34 @@
                     <a:lstStyle/>
                     <a:p>
                       <a:r>
+                        <a:rPr lang="en-US" dirty="0"/>
+                        <a:t>+ Addition</a:t>
+                      </a:r>
+                    </a:p>
+                  </a:txBody>
+                  <a:tcPr anchor="ctr"/>
+                </a:tc>
+                <a:tc>
+                  <a:txBody>
+                    <a:bodyPr/>
+                    <a:lstStyle/>
+                    <a:p>
+                      <a:r>
+                        <a:rPr lang="en-US"/>
+                        <a:t>Adds values on either side of the operator.</a:t>
+                      </a:r>
+                    </a:p>
+                  </a:txBody>
+                  <a:tcPr anchor="ctr"/>
+                </a:tc>
+                <a:tc>
+                  <a:txBody>
+                    <a:bodyPr/>
+                    <a:lstStyle/>
+                    <a:p>
+                      <a:r>
                         <a:rPr lang="mr-IN"/>
-                        <a:t>=</a:t>
-                      </a:r>
-                    </a:p>
-                  </a:txBody>
-                  <a:tcPr anchor="ctr"/>
-                </a:tc>
-                <a:tc>
-                  <a:txBody>
-                    <a:bodyPr/>
-                    <a:lstStyle/>
-                    <a:p>
-                      <a:r>
-                        <a:rPr lang="en-US"/>
-                        <a:t>Assigns values from right side operands to left side operand</a:t>
-                      </a:r>
-                    </a:p>
-                  </a:txBody>
-                  <a:tcPr anchor="ctr"/>
-                </a:tc>
-                <a:tc>
-                  <a:txBody>
-                    <a:bodyPr/>
-                    <a:lstStyle/>
-                    <a:p>
-                      <a:r>
-                        <a:rPr lang="en-US"/>
-                        <a:t>c = a + b assigns value of a + b into c</a:t>
+                        <a:t>a + b = 30</a:t>
                       </a:r>
                     </a:p>
                   </a:txBody>
@@ -11050,7 +10182,7 @@
                     <a:p>
                       <a:r>
                         <a:rPr lang="en-US"/>
-                        <a:t>+= Add AND</a:t>
+                        <a:t>- Subtraction</a:t>
                       </a:r>
                     </a:p>
                   </a:txBody>
@@ -11063,7 +10195,7 @@
                     <a:p>
                       <a:r>
                         <a:rPr lang="en-US"/>
-                        <a:t>It adds right operand to the left operand and assign the result to left operand</a:t>
+                        <a:t>Subtracts right hand operand from left hand operand.</a:t>
                       </a:r>
                     </a:p>
                   </a:txBody>
@@ -11075,8 +10207,8 @@
                     <a:lstStyle/>
                     <a:p>
                       <a:r>
-                        <a:rPr lang="en-US"/>
-                        <a:t>c += a is equivalent to c = c + a</a:t>
+                        <a:rPr lang="mr-IN"/>
+                        <a:t>a – b = -10</a:t>
                       </a:r>
                     </a:p>
                   </a:txBody>
@@ -11091,7 +10223,7 @@
                     <a:p>
                       <a:r>
                         <a:rPr lang="en-US"/>
-                        <a:t>-= Subtract AND</a:t>
+                        <a:t>* Multiplication</a:t>
                       </a:r>
                     </a:p>
                   </a:txBody>
@@ -11104,7 +10236,7 @@
                     <a:p>
                       <a:r>
                         <a:rPr lang="en-US"/>
-                        <a:t>It subtracts right operand from the left operand and assign the result to left operand</a:t>
+                        <a:t>Multiplies values on either side of the operator</a:t>
                       </a:r>
                     </a:p>
                   </a:txBody>
@@ -11117,7 +10249,101 @@
                     <a:p>
                       <a:r>
                         <a:rPr lang="en-US"/>
-                        <a:t>c -= a is equivalent to c = c - a</a:t>
+                        <a:t>a * b = 200</a:t>
+                      </a:r>
+                    </a:p>
+                  </a:txBody>
+                  <a:tcPr anchor="ctr"/>
+                </a:tc>
+              </a:tr>
+              <a:tr h="521843">
+                <a:tc>
+                  <a:txBody>
+                    <a:bodyPr/>
+                    <a:lstStyle/>
+                    <a:p>
+                      <a:r>
+                        <a:rPr lang="en-US" dirty="0"/>
+                        <a:t>/ Division</a:t>
+                      </a:r>
+                    </a:p>
+                  </a:txBody>
+                  <a:tcPr anchor="ctr"/>
+                </a:tc>
+                <a:tc>
+                  <a:txBody>
+                    <a:bodyPr/>
+                    <a:lstStyle/>
+                    <a:p>
+                      <a:r>
+                        <a:rPr lang="en-US"/>
+                        <a:t>Divides left hand operand by right hand operand</a:t>
+                      </a:r>
+                    </a:p>
+                  </a:txBody>
+                  <a:tcPr anchor="ctr"/>
+                </a:tc>
+                <a:tc>
+                  <a:txBody>
+                    <a:bodyPr/>
+                    <a:lstStyle/>
+                    <a:p>
+                      <a:r>
+                        <a:rPr lang="mr-IN"/>
+                        <a:t>b / a = 2</a:t>
+                      </a:r>
+                    </a:p>
+                  </a:txBody>
+                  <a:tcPr anchor="ctr"/>
+                </a:tc>
+              </a:tr>
+              <a:tr h="758840">
+                <a:tc>
+                  <a:txBody>
+                    <a:bodyPr/>
+                    <a:lstStyle/>
+                    <a:p>
+                      <a:r>
+                        <a:rPr lang="en-US" dirty="0"/>
+                        <a:t>% Modulus</a:t>
+                      </a:r>
+                    </a:p>
+                  </a:txBody>
+                  <a:tcPr anchor="ctr"/>
+                </a:tc>
+                <a:tc>
+                  <a:txBody>
+                    <a:bodyPr/>
+                    <a:lstStyle/>
+                    <a:p>
+                      <a:r>
+                        <a:rPr lang="en-US"/>
+                        <a:t>Divides left hand operand by right hand operand and returns remainder</a:t>
+                      </a:r>
+                    </a:p>
+                  </a:txBody>
+                  <a:tcPr anchor="ctr"/>
+                </a:tc>
+                <a:tc>
+                  <a:txBody>
+                    <a:bodyPr/>
+                    <a:lstStyle/>
+                    <a:p>
+                      <a:r>
+                        <a:rPr lang="mr-IN" dirty="0" err="1"/>
+                        <a:t>b</a:t>
+                      </a:r>
+                      <a:r>
+                        <a:rPr lang="mr-IN" dirty="0"/>
+                        <a:t> % </a:t>
+                      </a:r>
+                      <a:r>
+                        <a:rPr lang="mr-IN" dirty="0" err="1"/>
+                        <a:t>a</a:t>
+                      </a:r>
+                      <a:r>
+                        <a:rPr lang="mr-IN" dirty="0"/>
+                        <a:t> = 0</a:t>
                       </a:r>
                     </a:p>
                   </a:txBody>
@@ -11132,7 +10358,7 @@
                     <a:p>
                       <a:r>
                         <a:rPr lang="en-US"/>
-                        <a:t>*= Multiply AND</a:t>
+                        <a:t>** Exponent</a:t>
                       </a:r>
                     </a:p>
                   </a:txBody>
@@ -11145,7 +10371,7 @@
                     <a:p>
                       <a:r>
                         <a:rPr lang="en-US"/>
-                        <a:t>It multiplies right operand with the left operand and assign the result to left operand</a:t>
+                        <a:t>Performs exponential (power) calculation on operators</a:t>
                       </a:r>
                     </a:p>
                   </a:txBody>
@@ -11158,14 +10384,27 @@
                     <a:p>
                       <a:r>
                         <a:rPr lang="en-US"/>
-                        <a:t>c *= a is equivalent to c = c * a</a:t>
+                        <a:t>a**b =10 to the power 20</a:t>
                       </a:r>
                     </a:p>
                   </a:txBody>
                   <a:tcPr anchor="ctr"/>
                 </a:tc>
               </a:tr>
-              <a:tr h="370840">
+              <a:tr h="1742287">
+                <a:tc>
+                  <a:txBody>
+                    <a:bodyPr/>
+                    <a:lstStyle/>
+                    <a:p>
+                      <a:r>
+                        <a:rPr lang="mr-IN" dirty="0"/>
+                        <a:t>//</a:t>
+                      </a:r>
+                    </a:p>
+                  </a:txBody>
+                  <a:tcPr anchor="ctr"/>
+                </a:tc>
                 <a:tc>
                   <a:txBody>
                     <a:bodyPr/>
@@ -11173,7 +10412,7 @@
                     <a:p>
                       <a:r>
                         <a:rPr lang="en-US"/>
-                        <a:t>/= Divide AND</a:t>
+                        <a:t>Floor Division - The division of operands where the result is the quotient in which the digits after the decimal point are removed. But if one of the operands is negative, the result is floored, i.e., rounded away from zero (towards negative infinity):</a:t>
                       </a:r>
                     </a:p>
                   </a:txBody>
@@ -11185,144 +10424,16 @@
                     <a:lstStyle/>
                     <a:p>
                       <a:r>
-                        <a:rPr lang="en-US"/>
-                        <a:t>It divides left operand with the right operand and assign the result to left operand</a:t>
-                      </a:r>
-                    </a:p>
-                  </a:txBody>
-                  <a:tcPr anchor="ctr"/>
-                </a:tc>
-                <a:tc>
-                  <a:txBody>
-                    <a:bodyPr/>
-                    <a:lstStyle/>
-                    <a:p>
-                      <a:r>
-                        <a:rPr lang="en-US"/>
-                        <a:t>c /= a is equivalent to c = c / ac /= a is equivalent to c = c / a</a:t>
-                      </a:r>
-                    </a:p>
-                  </a:txBody>
-                  <a:tcPr anchor="ctr"/>
-                </a:tc>
-              </a:tr>
-              <a:tr h="370840">
-                <a:tc>
-                  <a:txBody>
-                    <a:bodyPr/>
-                    <a:lstStyle/>
-                    <a:p>
-                      <a:r>
-                        <a:rPr lang="en-US"/>
-                        <a:t>%= Modulus AND</a:t>
-                      </a:r>
-                    </a:p>
-                  </a:txBody>
-                  <a:tcPr anchor="ctr"/>
-                </a:tc>
-                <a:tc>
-                  <a:txBody>
-                    <a:bodyPr/>
-                    <a:lstStyle/>
-                    <a:p>
-                      <a:r>
-                        <a:rPr lang="en-US"/>
-                        <a:t>It takes modulus using two operands and assign the result to left operand</a:t>
-                      </a:r>
-                    </a:p>
-                  </a:txBody>
-                  <a:tcPr anchor="ctr"/>
-                </a:tc>
-                <a:tc>
-                  <a:txBody>
-                    <a:bodyPr/>
-                    <a:lstStyle/>
-                    <a:p>
-                      <a:r>
-                        <a:rPr lang="en-US"/>
-                        <a:t>c %= a is equivalent to c = c % a</a:t>
-                      </a:r>
-                    </a:p>
-                  </a:txBody>
-                  <a:tcPr anchor="ctr"/>
-                </a:tc>
-              </a:tr>
-              <a:tr h="370840">
-                <a:tc>
-                  <a:txBody>
-                    <a:bodyPr/>
-                    <a:lstStyle/>
-                    <a:p>
-                      <a:r>
-                        <a:rPr lang="en-US"/>
-                        <a:t>**= Exponent AND</a:t>
-                      </a:r>
-                    </a:p>
-                  </a:txBody>
-                  <a:tcPr anchor="ctr"/>
-                </a:tc>
-                <a:tc>
-                  <a:txBody>
-                    <a:bodyPr/>
-                    <a:lstStyle/>
-                    <a:p>
-                      <a:r>
-                        <a:rPr lang="en-US"/>
-                        <a:t>Performs exponential (power) calculation on operators and assign value to the left operand</a:t>
-                      </a:r>
-                    </a:p>
-                  </a:txBody>
-                  <a:tcPr anchor="ctr"/>
-                </a:tc>
-                <a:tc>
-                  <a:txBody>
-                    <a:bodyPr/>
-                    <a:lstStyle/>
-                    <a:p>
-                      <a:r>
-                        <a:rPr lang="en-US"/>
-                        <a:t>c **= a is equivalent to c = c ** a</a:t>
-                      </a:r>
-                    </a:p>
-                  </a:txBody>
-                  <a:tcPr anchor="ctr"/>
-                </a:tc>
-              </a:tr>
-              <a:tr h="370840">
-                <a:tc>
-                  <a:txBody>
-                    <a:bodyPr/>
-                    <a:lstStyle/>
-                    <a:p>
-                      <a:r>
-                        <a:rPr lang="en-US"/>
-                        <a:t>//= Floor Division</a:t>
-                      </a:r>
-                    </a:p>
-                  </a:txBody>
-                  <a:tcPr anchor="ctr"/>
-                </a:tc>
-                <a:tc>
-                  <a:txBody>
-                    <a:bodyPr/>
-                    <a:lstStyle/>
-                    <a:p>
-                      <a:r>
-                        <a:rPr lang="en-US"/>
-                        <a:t>It performs floor division on operators and assign value to the left operand</a:t>
-                      </a:r>
-                    </a:p>
-                  </a:txBody>
-                  <a:tcPr anchor="ctr"/>
-                </a:tc>
-                <a:tc>
-                  <a:txBody>
-                    <a:bodyPr/>
-                    <a:lstStyle/>
-                    <a:p>
-                      <a:r>
-                        <a:rPr lang="en-US" dirty="0"/>
-                        <a:t>c //= a is equivalent to c = c // a</a:t>
+                        <a:rPr lang="mr-IN" dirty="0"/>
+                        <a:t>9//2 = 4 </a:t>
+                      </a:r>
+                      <a:r>
+                        <a:rPr lang="mr-IN" dirty="0" err="1"/>
+                        <a:t>and</a:t>
+                      </a:r>
+                      <a:r>
+                        <a:rPr lang="mr-IN" dirty="0"/>
+                        <a:t> 9.0//2.0 = 4.0, -11//3 = -4, -11.0//3 = -4.0</a:t>
                       </a:r>
                     </a:p>
                   </a:txBody>
@@ -11336,13 +10447,20 @@
     </p:spTree>
     <p:extLst>
       <p:ext uri="{BB962C8B-B14F-4D97-AF65-F5344CB8AC3E}">
-        <p14:creationId xmlns:p14="http://schemas.microsoft.com/office/powerpoint/2010/main" val="152319811"/>
+        <p14:creationId xmlns:p14="http://schemas.microsoft.com/office/powerpoint/2010/main" val="1022973698"/>
       </p:ext>
     </p:extLst>
   </p:cSld>
   <p:clrMapOvr>
     <a:masterClrMapping/>
   </p:clrMapOvr>
+  <p:timing>
+    <p:tnLst>
+      <p:par>
+        <p:cTn id="1" dur="indefinite" restart="never" nodeType="tmRoot"/>
+      </p:par>
+    </p:tnLst>
+  </p:timing>
 </p:sld>
 </file>
 
@@ -11379,11 +10497,11 @@
           <a:lstStyle/>
           <a:p>
             <a:r>
-              <a:rPr lang="en-US" dirty="0"/>
-              <a:t>Logical </a:t>
-            </a:r>
-            <a:r>
-              <a:rPr lang="en-US" dirty="0" smtClean="0"/>
+              <a:rPr lang="en-US" b="1" dirty="0"/>
+              <a:t>Comparison </a:t>
+            </a:r>
+            <a:r>
+              <a:rPr lang="en-US" b="1" dirty="0" smtClean="0"/>
               <a:t>Operators</a:t>
             </a:r>
             <a:endParaRPr lang="en-US" dirty="0"/>
@@ -11392,7 +10510,7 @@
       </p:sp>
       <p:graphicFrame>
         <p:nvGraphicFramePr>
-          <p:cNvPr id="4" name="Content Placeholder 3"/>
+          <p:cNvPr id="5" name="Content Placeholder 4"/>
           <p:cNvGraphicFramePr>
             <a:graphicFrameLocks noGrp="1"/>
           </p:cNvGraphicFramePr>
@@ -11400,14 +10518,14 @@
             <p:ph idx="1"/>
             <p:extLst>
               <p:ext uri="{D42A27DB-BD31-4B8C-83A1-F6EECF244321}">
-                <p14:modId xmlns:p14="http://schemas.microsoft.com/office/powerpoint/2010/main" val="65859763"/>
+                <p14:modId xmlns:p14="http://schemas.microsoft.com/office/powerpoint/2010/main" val="729970197"/>
               </p:ext>
             </p:extLst>
           </p:nvPr>
         </p:nvGraphicFramePr>
         <p:xfrm>
           <a:off x="2589213" y="2133600"/>
-          <a:ext cx="8915400" cy="3388360"/>
+          <a:ext cx="8915400" cy="3333750"/>
         </p:xfrm>
         <a:graphic>
           <a:graphicData uri="http://schemas.openxmlformats.org/drawingml/2006/table">
@@ -11426,43 +10544,60 @@
                     <a:bodyPr/>
                     <a:lstStyle/>
                     <a:p>
-                      <a:r>
-                        <a:rPr lang="en-US" dirty="0">
+                      <a:pPr algn="l" fontAlgn="b"/>
+                      <a:r>
+                        <a:rPr lang="en-US" sz="1200" b="1" i="0" u="none" strike="noStrike" dirty="0">
+                          <a:solidFill>
+                            <a:srgbClr val="000000"/>
+                          </a:solidFill>
                           <a:effectLst/>
+                          <a:latin typeface="Calibri" charset="0"/>
                         </a:rPr>
                         <a:t>Operator</a:t>
                       </a:r>
                     </a:p>
                   </a:txBody>
-                  <a:tcPr anchor="ctr"/>
-                </a:tc>
-                <a:tc>
-                  <a:txBody>
-                    <a:bodyPr/>
-                    <a:lstStyle/>
-                    <a:p>
-                      <a:r>
-                        <a:rPr lang="en-US">
+                  <a:tcPr marL="6350" marR="6350" marT="6350" marB="0" anchor="b"/>
+                </a:tc>
+                <a:tc>
+                  <a:txBody>
+                    <a:bodyPr/>
+                    <a:lstStyle/>
+                    <a:p>
+                      <a:pPr algn="l" fontAlgn="b"/>
+                      <a:r>
+                        <a:rPr lang="en-US" sz="1200" b="1" i="0" u="none" strike="noStrike">
+                          <a:solidFill>
+                            <a:srgbClr val="000000"/>
+                          </a:solidFill>
                           <a:effectLst/>
+                          <a:latin typeface="Calibri" charset="0"/>
                         </a:rPr>
                         <a:t>Description</a:t>
                       </a:r>
                     </a:p>
                   </a:txBody>
-                  <a:tcPr anchor="ctr"/>
-                </a:tc>
-                <a:tc>
-                  <a:txBody>
-                    <a:bodyPr/>
-                    <a:lstStyle/>
-                    <a:p>
-                      <a:r>
-                        <a:rPr lang="en-US"/>
+                  <a:tcPr marL="6350" marR="6350" marT="6350" marB="0" anchor="b"/>
+                </a:tc>
+                <a:tc>
+                  <a:txBody>
+                    <a:bodyPr/>
+                    <a:lstStyle/>
+                    <a:p>
+                      <a:pPr algn="l" fontAlgn="b"/>
+                      <a:r>
+                        <a:rPr lang="en-US" sz="1200" b="1" i="0" u="none" strike="noStrike">
+                          <a:solidFill>
+                            <a:srgbClr val="000000"/>
+                          </a:solidFill>
+                          <a:effectLst/>
+                          <a:latin typeface="Calibri" charset="0"/>
+                        </a:rPr>
                         <a:t>Example</a:t>
                       </a:r>
                     </a:p>
                   </a:txBody>
-                  <a:tcPr anchor="ctr"/>
+                  <a:tcPr marL="6350" marR="6350" marT="6350" marB="0" anchor="b"/>
                 </a:tc>
               </a:tr>
               <a:tr h="370840">
@@ -11471,39 +10606,60 @@
                     <a:bodyPr/>
                     <a:lstStyle/>
                     <a:p>
-                      <a:r>
-                        <a:rPr lang="en-US"/>
-                        <a:t>and Logical AND</a:t>
-                      </a:r>
-                    </a:p>
-                  </a:txBody>
-                  <a:tcPr anchor="ctr"/>
-                </a:tc>
-                <a:tc>
-                  <a:txBody>
-                    <a:bodyPr/>
-                    <a:lstStyle/>
-                    <a:p>
-                      <a:r>
-                        <a:rPr lang="en-US"/>
-                        <a:t>If both the operands are true then condition becomes true.</a:t>
-                      </a:r>
-                    </a:p>
-                  </a:txBody>
-                  <a:tcPr anchor="ctr"/>
-                </a:tc>
-                <a:tc>
-                  <a:txBody>
-                    <a:bodyPr/>
-                    <a:lstStyle/>
-                    <a:p>
-                      <a:r>
-                        <a:rPr lang="en-US"/>
-                        <a:t>(a and b) is true.</a:t>
-                      </a:r>
-                    </a:p>
-                  </a:txBody>
-                  <a:tcPr anchor="ctr"/>
+                      <a:pPr algn="l" fontAlgn="b"/>
+                      <a:r>
+                        <a:rPr lang="mr-IN" sz="1200" b="0" i="0" u="none" strike="noStrike">
+                          <a:solidFill>
+                            <a:srgbClr val="000000"/>
+                          </a:solidFill>
+                          <a:effectLst/>
+                          <a:latin typeface="Calibri" charset="0"/>
+                        </a:rPr>
+                        <a:t>==</a:t>
+                      </a:r>
+                    </a:p>
+                  </a:txBody>
+                  <a:tcPr marL="6350" marR="6350" marT="6350" marB="0" anchor="b"/>
+                </a:tc>
+                <a:tc>
+                  <a:txBody>
+                    <a:bodyPr/>
+                    <a:lstStyle/>
+                    <a:p>
+                      <a:pPr algn="l" fontAlgn="b"/>
+                      <a:r>
+                        <a:rPr lang="en-US" sz="1200" b="0" i="0" u="none" strike="noStrike">
+                          <a:solidFill>
+                            <a:srgbClr val="000000"/>
+                          </a:solidFill>
+                          <a:effectLst/>
+                          <a:latin typeface="Calibri" charset="0"/>
+                        </a:rPr>
+                        <a:t>If the values of two operands are equal, then the condition becomes true.</a:t>
+                      </a:r>
+                    </a:p>
+                  </a:txBody>
+                  <a:tcPr marL="6350" marR="6350" marT="6350" marB="0" anchor="b"/>
+                </a:tc>
+                <a:tc>
+                  <a:txBody>
+                    <a:bodyPr/>
+                    <a:lstStyle/>
+                    <a:p>
+                      <a:pPr algn="l" fontAlgn="b"/>
+                      <a:r>
+                        <a:rPr lang="en-US" sz="1200" b="0" i="0" u="none" strike="noStrike">
+                          <a:solidFill>
+                            <a:srgbClr val="000000"/>
+                          </a:solidFill>
+                          <a:effectLst/>
+                          <a:latin typeface="Calibri" charset="0"/>
+                        </a:rPr>
+                        <a:t>(a == b) is not true.</a:t>
+                      </a:r>
+                    </a:p>
+                  </a:txBody>
+                  <a:tcPr marL="6350" marR="6350" marT="6350" marB="0" anchor="b"/>
                 </a:tc>
               </a:tr>
               <a:tr h="370840">
@@ -11512,39 +10668,50 @@
                     <a:bodyPr/>
                     <a:lstStyle/>
                     <a:p>
-                      <a:r>
-                        <a:rPr lang="en-US"/>
-                        <a:t>or Logical OR</a:t>
-                      </a:r>
-                    </a:p>
-                  </a:txBody>
-                  <a:tcPr anchor="ctr"/>
-                </a:tc>
-                <a:tc>
-                  <a:txBody>
-                    <a:bodyPr/>
-                    <a:lstStyle/>
-                    <a:p>
-                      <a:r>
-                        <a:rPr lang="en-US"/>
-                        <a:t>If any of the two operands are non-zero then condition becomes true.</a:t>
-                      </a:r>
-                    </a:p>
-                  </a:txBody>
-                  <a:tcPr anchor="ctr"/>
-                </a:tc>
-                <a:tc>
-                  <a:txBody>
-                    <a:bodyPr/>
-                    <a:lstStyle/>
-                    <a:p>
-                      <a:r>
-                        <a:rPr lang="en-US"/>
-                        <a:t>(a or b) is true.</a:t>
-                      </a:r>
-                    </a:p>
-                  </a:txBody>
-                  <a:tcPr anchor="ctr"/>
+                      <a:pPr algn="l" fontAlgn="b"/>
+                      <a:r>
+                        <a:rPr lang="mr-IN" sz="1200" b="0" i="0" u="none" strike="noStrike">
+                          <a:solidFill>
+                            <a:srgbClr val="000000"/>
+                          </a:solidFill>
+                          <a:effectLst/>
+                          <a:latin typeface="Calibri" charset="0"/>
+                        </a:rPr>
+                        <a:t>!=</a:t>
+                      </a:r>
+                    </a:p>
+                  </a:txBody>
+                  <a:tcPr marL="6350" marR="6350" marT="6350" marB="0" anchor="b"/>
+                </a:tc>
+                <a:tc gridSpan="2">
+                  <a:txBody>
+                    <a:bodyPr/>
+                    <a:lstStyle/>
+                    <a:p>
+                      <a:pPr algn="l" fontAlgn="b"/>
+                      <a:r>
+                        <a:rPr lang="en-US" sz="1200" b="0" i="0" u="none" strike="noStrike">
+                          <a:solidFill>
+                            <a:srgbClr val="000000"/>
+                          </a:solidFill>
+                          <a:effectLst/>
+                          <a:latin typeface="Calibri" charset="0"/>
+                        </a:rPr>
+                        <a:t>If values of two operands are not equal, then condition becomes true.</a:t>
+                      </a:r>
+                    </a:p>
+                  </a:txBody>
+                  <a:tcPr marL="6350" marR="6350" marT="6350" marB="0" anchor="b"/>
+                </a:tc>
+                <a:tc hMerge="1">
+                  <a:txBody>
+                    <a:bodyPr/>
+                    <a:lstStyle/>
+                    <a:p>
+                      <a:endParaRPr lang="en-US"/>
+                    </a:p>
+                  </a:txBody>
+                  <a:tcPr/>
                 </a:tc>
               </a:tr>
               <a:tr h="370840">
@@ -11553,39 +10720,326 @@
                     <a:bodyPr/>
                     <a:lstStyle/>
                     <a:p>
-                      <a:r>
-                        <a:rPr lang="en-US"/>
-                        <a:t>not Logical NOT</a:t>
-                      </a:r>
-                    </a:p>
-                  </a:txBody>
-                  <a:tcPr anchor="ctr"/>
-                </a:tc>
-                <a:tc>
-                  <a:txBody>
-                    <a:bodyPr/>
-                    <a:lstStyle/>
-                    <a:p>
-                      <a:r>
-                        <a:rPr lang="en-US"/>
-                        <a:t>Used to reverse the logical state of its operand.</a:t>
-                      </a:r>
-                    </a:p>
-                  </a:txBody>
-                  <a:tcPr anchor="ctr"/>
-                </a:tc>
-                <a:tc>
-                  <a:txBody>
-                    <a:bodyPr/>
-                    <a:lstStyle/>
-                    <a:p>
-                      <a:r>
-                        <a:rPr lang="en-US" dirty="0"/>
-                        <a:t>Not(a and b) is false. </a:t>
-                      </a:r>
-                    </a:p>
-                  </a:txBody>
-                  <a:tcPr anchor="ctr"/>
+                      <a:pPr algn="l" fontAlgn="b"/>
+                      <a:r>
+                        <a:rPr lang="mr-IN" sz="1200" b="0" i="0" u="none" strike="noStrike">
+                          <a:solidFill>
+                            <a:srgbClr val="000000"/>
+                          </a:solidFill>
+                          <a:effectLst/>
+                          <a:latin typeface="Calibri" charset="0"/>
+                        </a:rPr>
+                        <a:t>&gt;</a:t>
+                      </a:r>
+                    </a:p>
+                  </a:txBody>
+                  <a:tcPr marL="6350" marR="6350" marT="6350" marB="0" anchor="b"/>
+                </a:tc>
+                <a:tc>
+                  <a:txBody>
+                    <a:bodyPr/>
+                    <a:lstStyle/>
+                    <a:p>
+                      <a:pPr algn="l" fontAlgn="b"/>
+                      <a:r>
+                        <a:rPr lang="en-US" sz="1200" b="0" i="0" u="none" strike="noStrike">
+                          <a:solidFill>
+                            <a:srgbClr val="000000"/>
+                          </a:solidFill>
+                          <a:effectLst/>
+                          <a:latin typeface="Calibri" charset="0"/>
+                        </a:rPr>
+                        <a:t>If the value of left operand is greater than the value of right operand, then condition becomes true.</a:t>
+                      </a:r>
+                    </a:p>
+                  </a:txBody>
+                  <a:tcPr marL="6350" marR="6350" marT="6350" marB="0" anchor="b"/>
+                </a:tc>
+                <a:tc>
+                  <a:txBody>
+                    <a:bodyPr/>
+                    <a:lstStyle/>
+                    <a:p>
+                      <a:pPr algn="l" fontAlgn="b"/>
+                      <a:r>
+                        <a:rPr lang="en-US" sz="1200" b="0" i="0" u="none" strike="noStrike">
+                          <a:solidFill>
+                            <a:srgbClr val="000000"/>
+                          </a:solidFill>
+                          <a:effectLst/>
+                          <a:latin typeface="Calibri" charset="0"/>
+                        </a:rPr>
+                        <a:t>(a &gt; b) is not true.</a:t>
+                      </a:r>
+                    </a:p>
+                  </a:txBody>
+                  <a:tcPr marL="6350" marR="6350" marT="6350" marB="0" anchor="b"/>
+                </a:tc>
+              </a:tr>
+              <a:tr h="370840">
+                <a:tc>
+                  <a:txBody>
+                    <a:bodyPr/>
+                    <a:lstStyle/>
+                    <a:p>
+                      <a:pPr algn="l" fontAlgn="b"/>
+                      <a:r>
+                        <a:rPr lang="mr-IN" sz="1200" b="0" i="0" u="none" strike="noStrike">
+                          <a:solidFill>
+                            <a:srgbClr val="000000"/>
+                          </a:solidFill>
+                          <a:effectLst/>
+                          <a:latin typeface="Calibri" charset="0"/>
+                        </a:rPr>
+                        <a:t>&lt;</a:t>
+                      </a:r>
+                    </a:p>
+                  </a:txBody>
+                  <a:tcPr marL="6350" marR="6350" marT="6350" marB="0" anchor="b"/>
+                </a:tc>
+                <a:tc>
+                  <a:txBody>
+                    <a:bodyPr/>
+                    <a:lstStyle/>
+                    <a:p>
+                      <a:pPr algn="l" fontAlgn="b"/>
+                      <a:r>
+                        <a:rPr lang="en-US" sz="1200" b="0" i="0" u="none" strike="noStrike">
+                          <a:solidFill>
+                            <a:srgbClr val="000000"/>
+                          </a:solidFill>
+                          <a:effectLst/>
+                          <a:latin typeface="Calibri" charset="0"/>
+                        </a:rPr>
+                        <a:t>If the value of left operand is less than the value of right operand, then condition becomes true.</a:t>
+                      </a:r>
+                    </a:p>
+                  </a:txBody>
+                  <a:tcPr marL="6350" marR="6350" marT="6350" marB="0" anchor="b"/>
+                </a:tc>
+                <a:tc>
+                  <a:txBody>
+                    <a:bodyPr/>
+                    <a:lstStyle/>
+                    <a:p>
+                      <a:pPr algn="l" fontAlgn="b"/>
+                      <a:r>
+                        <a:rPr lang="en-US" sz="1200" b="0" i="0" u="none" strike="noStrike">
+                          <a:solidFill>
+                            <a:srgbClr val="000000"/>
+                          </a:solidFill>
+                          <a:effectLst/>
+                          <a:latin typeface="Calibri" charset="0"/>
+                        </a:rPr>
+                        <a:t>(a &lt; b) is true.</a:t>
+                      </a:r>
+                    </a:p>
+                  </a:txBody>
+                  <a:tcPr marL="6350" marR="6350" marT="6350" marB="0" anchor="b"/>
+                </a:tc>
+              </a:tr>
+              <a:tr h="370840">
+                <a:tc>
+                  <a:txBody>
+                    <a:bodyPr/>
+                    <a:lstStyle/>
+                    <a:p>
+                      <a:pPr algn="l" fontAlgn="b"/>
+                      <a:r>
+                        <a:rPr lang="mr-IN" sz="1200" b="0" i="0" u="none" strike="noStrike">
+                          <a:solidFill>
+                            <a:srgbClr val="000000"/>
+                          </a:solidFill>
+                          <a:effectLst/>
+                          <a:latin typeface="Calibri" charset="0"/>
+                        </a:rPr>
+                        <a:t>&gt;=</a:t>
+                      </a:r>
+                    </a:p>
+                  </a:txBody>
+                  <a:tcPr marL="6350" marR="6350" marT="6350" marB="0" anchor="b"/>
+                </a:tc>
+                <a:tc>
+                  <a:txBody>
+                    <a:bodyPr/>
+                    <a:lstStyle/>
+                    <a:p>
+                      <a:pPr algn="l" fontAlgn="b"/>
+                      <a:r>
+                        <a:rPr lang="en-US" sz="1200" b="0" i="0" u="none" strike="noStrike">
+                          <a:solidFill>
+                            <a:srgbClr val="000000"/>
+                          </a:solidFill>
+                          <a:effectLst/>
+                          <a:latin typeface="Calibri" charset="0"/>
+                        </a:rPr>
+                        <a:t>If the value of left operand is greater than or equal to the value of right operand, then condition becomes true.</a:t>
+                      </a:r>
+                    </a:p>
+                  </a:txBody>
+                  <a:tcPr marL="6350" marR="6350" marT="6350" marB="0" anchor="b"/>
+                </a:tc>
+                <a:tc>
+                  <a:txBody>
+                    <a:bodyPr/>
+                    <a:lstStyle/>
+                    <a:p>
+                      <a:pPr algn="l" fontAlgn="b"/>
+                      <a:r>
+                        <a:rPr lang="en-US" sz="1200" b="0" i="0" u="none" strike="noStrike">
+                          <a:solidFill>
+                            <a:srgbClr val="000000"/>
+                          </a:solidFill>
+                          <a:effectLst/>
+                          <a:latin typeface="Calibri" charset="0"/>
+                        </a:rPr>
+                        <a:t>(a &gt;= b) is not true.</a:t>
+                      </a:r>
+                    </a:p>
+                  </a:txBody>
+                  <a:tcPr marL="6350" marR="6350" marT="6350" marB="0" anchor="b"/>
+                </a:tc>
+              </a:tr>
+              <a:tr h="370840">
+                <a:tc>
+                  <a:txBody>
+                    <a:bodyPr/>
+                    <a:lstStyle/>
+                    <a:p>
+                      <a:pPr algn="l" fontAlgn="b"/>
+                      <a:r>
+                        <a:rPr lang="mr-IN" sz="1200" b="0" i="0" u="none" strike="noStrike">
+                          <a:solidFill>
+                            <a:srgbClr val="000000"/>
+                          </a:solidFill>
+                          <a:effectLst/>
+                          <a:latin typeface="Calibri" charset="0"/>
+                        </a:rPr>
+                        <a:t>&lt;=</a:t>
+                      </a:r>
+                    </a:p>
+                  </a:txBody>
+                  <a:tcPr marL="6350" marR="6350" marT="6350" marB="0" anchor="b"/>
+                </a:tc>
+                <a:tc>
+                  <a:txBody>
+                    <a:bodyPr/>
+                    <a:lstStyle/>
+                    <a:p>
+                      <a:pPr algn="l" fontAlgn="b"/>
+                      <a:r>
+                        <a:rPr lang="en-US" sz="1200" b="0" i="0" u="none" strike="noStrike">
+                          <a:solidFill>
+                            <a:srgbClr val="000000"/>
+                          </a:solidFill>
+                          <a:effectLst/>
+                          <a:latin typeface="Calibri" charset="0"/>
+                        </a:rPr>
+                        <a:t>If the value of left operand is less than or equal to the value of right operand, then condition becomes true.</a:t>
+                      </a:r>
+                    </a:p>
+                  </a:txBody>
+                  <a:tcPr marL="6350" marR="6350" marT="6350" marB="0" anchor="b"/>
+                </a:tc>
+                <a:tc>
+                  <a:txBody>
+                    <a:bodyPr/>
+                    <a:lstStyle/>
+                    <a:p>
+                      <a:pPr algn="l" fontAlgn="b"/>
+                      <a:r>
+                        <a:rPr lang="mr-IN" sz="1200" b="0" i="0" u="none" strike="noStrike" dirty="0">
+                          <a:solidFill>
+                            <a:srgbClr val="000000"/>
+                          </a:solidFill>
+                          <a:effectLst/>
+                          <a:latin typeface="Calibri" charset="0"/>
+                        </a:rPr>
+                        <a:t>(</a:t>
+                      </a:r>
+                      <a:r>
+                        <a:rPr lang="mr-IN" sz="1200" b="0" i="0" u="none" strike="noStrike" dirty="0" err="1">
+                          <a:solidFill>
+                            <a:srgbClr val="000000"/>
+                          </a:solidFill>
+                          <a:effectLst/>
+                          <a:latin typeface="Calibri" charset="0"/>
+                        </a:rPr>
+                        <a:t>a</a:t>
+                      </a:r>
+                      <a:r>
+                        <a:rPr lang="mr-IN" sz="1200" b="0" i="0" u="none" strike="noStrike" dirty="0">
+                          <a:solidFill>
+                            <a:srgbClr val="000000"/>
+                          </a:solidFill>
+                          <a:effectLst/>
+                          <a:latin typeface="Calibri" charset="0"/>
+                        </a:rPr>
+                        <a:t> &lt;= </a:t>
+                      </a:r>
+                      <a:r>
+                        <a:rPr lang="mr-IN" sz="1200" b="0" i="0" u="none" strike="noStrike" dirty="0" err="1">
+                          <a:solidFill>
+                            <a:srgbClr val="000000"/>
+                          </a:solidFill>
+                          <a:effectLst/>
+                          <a:latin typeface="Calibri" charset="0"/>
+                        </a:rPr>
+                        <a:t>b</a:t>
+                      </a:r>
+                      <a:r>
+                        <a:rPr lang="mr-IN" sz="1200" b="0" i="0" u="none" strike="noStrike" dirty="0">
+                          <a:solidFill>
+                            <a:srgbClr val="000000"/>
+                          </a:solidFill>
+                          <a:effectLst/>
+                          <a:latin typeface="Calibri" charset="0"/>
+                        </a:rPr>
+                        <a:t>) </a:t>
+                      </a:r>
+                      <a:r>
+                        <a:rPr lang="mr-IN" sz="1200" b="0" i="0" u="none" strike="noStrike" dirty="0" err="1">
+                          <a:solidFill>
+                            <a:srgbClr val="000000"/>
+                          </a:solidFill>
+                          <a:effectLst/>
+                          <a:latin typeface="Calibri" charset="0"/>
+                        </a:rPr>
+                        <a:t>is</a:t>
+                      </a:r>
+                      <a:r>
+                        <a:rPr lang="mr-IN" sz="1200" b="0" i="0" u="none" strike="noStrike" dirty="0">
+                          <a:solidFill>
+                            <a:srgbClr val="000000"/>
+                          </a:solidFill>
+                          <a:effectLst/>
+                          <a:latin typeface="Calibri" charset="0"/>
+                        </a:rPr>
+                        <a:t> </a:t>
+                      </a:r>
+                      <a:r>
+                        <a:rPr lang="mr-IN" sz="1200" b="0" i="0" u="none" strike="noStrike" dirty="0" err="1">
+                          <a:solidFill>
+                            <a:srgbClr val="000000"/>
+                          </a:solidFill>
+                          <a:effectLst/>
+                          <a:latin typeface="Calibri" charset="0"/>
+                        </a:rPr>
+                        <a:t>true</a:t>
+                      </a:r>
+                      <a:r>
+                        <a:rPr lang="mr-IN" sz="1200" b="0" i="0" u="none" strike="noStrike" dirty="0">
+                          <a:solidFill>
+                            <a:srgbClr val="000000"/>
+                          </a:solidFill>
+                          <a:effectLst/>
+                          <a:latin typeface="Calibri" charset="0"/>
+                        </a:rPr>
+                        <a:t>.</a:t>
+                      </a:r>
+                    </a:p>
+                  </a:txBody>
+                  <a:tcPr marL="6350" marR="6350" marT="6350" marB="0" anchor="b"/>
                 </a:tc>
               </a:tr>
             </a:tbl>
@@ -11595,13 +11049,20 @@
     </p:spTree>
     <p:extLst>
       <p:ext uri="{BB962C8B-B14F-4D97-AF65-F5344CB8AC3E}">
-        <p14:creationId xmlns:p14="http://schemas.microsoft.com/office/powerpoint/2010/main" val="905566639"/>
+        <p14:creationId xmlns:p14="http://schemas.microsoft.com/office/powerpoint/2010/main" val="42785677"/>
       </p:ext>
     </p:extLst>
   </p:cSld>
   <p:clrMapOvr>
     <a:masterClrMapping/>
   </p:clrMapOvr>
+  <p:timing>
+    <p:tnLst>
+      <p:par>
+        <p:cTn id="1" dur="indefinite" restart="never" nodeType="tmRoot"/>
+      </p:par>
+    </p:tnLst>
+  </p:timing>
 </p:sld>
 </file>
 
@@ -11639,7 +11100,7 @@
           <a:p>
             <a:r>
               <a:rPr lang="en-US" b="1" dirty="0"/>
-              <a:t>Membership Operators</a:t>
+              <a:t>Assignment Operators</a:t>
             </a:r>
             <a:br>
               <a:rPr lang="en-US" b="1" dirty="0"/>
@@ -11650,7 +11111,7 @@
       </p:sp>
       <p:graphicFrame>
         <p:nvGraphicFramePr>
-          <p:cNvPr id="5" name="Content Placeholder 4"/>
+          <p:cNvPr id="4" name="Content Placeholder 3"/>
           <p:cNvGraphicFramePr>
             <a:graphicFrameLocks noGrp="1"/>
           </p:cNvGraphicFramePr>
@@ -11658,14 +11119,14 @@
             <p:ph idx="1"/>
             <p:extLst>
               <p:ext uri="{D42A27DB-BD31-4B8C-83A1-F6EECF244321}">
-                <p14:modId xmlns:p14="http://schemas.microsoft.com/office/powerpoint/2010/main" val="589080563"/>
+                <p14:modId xmlns:p14="http://schemas.microsoft.com/office/powerpoint/2010/main" val="1885938405"/>
               </p:ext>
             </p:extLst>
           </p:nvPr>
         </p:nvGraphicFramePr>
         <p:xfrm>
-          <a:off x="2589213" y="2133600"/>
-          <a:ext cx="8915400" cy="3022600"/>
+          <a:off x="559837" y="1264555"/>
+          <a:ext cx="10627535" cy="6897292"/>
         </p:xfrm>
         <a:graphic>
           <a:graphicData uri="http://schemas.openxmlformats.org/drawingml/2006/table">
@@ -11674,11 +11135,11 @@
                 <a:tableStyleId>{5C22544A-7EE6-4342-B048-85BDC9FD1C3A}</a:tableStyleId>
               </a:tblPr>
               <a:tblGrid>
-                <a:gridCol w="2971800"/>
-                <a:gridCol w="2971800"/>
-                <a:gridCol w="2971800"/>
+                <a:gridCol w="2397967"/>
+                <a:gridCol w="4687056"/>
+                <a:gridCol w="3542512"/>
               </a:tblGrid>
-              <a:tr h="370840">
+              <a:tr h="405052">
                 <a:tc>
                   <a:txBody>
                     <a:bodyPr/>
@@ -11730,8 +11191,21 @@
                     <a:lstStyle/>
                     <a:p>
                       <a:r>
+                        <a:rPr lang="mr-IN"/>
+                        <a:t>=</a:t>
+                      </a:r>
+                    </a:p>
+                  </a:txBody>
+                  <a:tcPr anchor="ctr"/>
+                </a:tc>
+                <a:tc>
+                  <a:txBody>
+                    <a:bodyPr/>
+                    <a:lstStyle/>
+                    <a:p>
+                      <a:r>
                         <a:rPr lang="en-US"/>
-                        <a:t>in</a:t>
+                        <a:t>Assigns values from right side operands to left side operand</a:t>
                       </a:r>
                     </a:p>
                   </a:txBody>
@@ -11744,20 +11218,7 @@
                     <a:p>
                       <a:r>
                         <a:rPr lang="en-US"/>
-                        <a:t>Evaluates to true if it finds a variable in the specified sequence and false otherwise.</a:t>
-                      </a:r>
-                    </a:p>
-                  </a:txBody>
-                  <a:tcPr anchor="ctr"/>
-                </a:tc>
-                <a:tc>
-                  <a:txBody>
-                    <a:bodyPr/>
-                    <a:lstStyle/>
-                    <a:p>
-                      <a:r>
-                        <a:rPr lang="en-US"/>
-                        <a:t>x in y, here in results in a 1 if x is a member of sequence y.</a:t>
+                        <a:t>c = a + b assigns value of a + b into c</a:t>
                       </a:r>
                     </a:p>
                   </a:txBody>
@@ -11772,7 +11233,7 @@
                     <a:p>
                       <a:r>
                         <a:rPr lang="en-US"/>
-                        <a:t>not in</a:t>
+                        <a:t>+= Add AND</a:t>
                       </a:r>
                     </a:p>
                   </a:txBody>
@@ -11785,7 +11246,7 @@
                     <a:p>
                       <a:r>
                         <a:rPr lang="en-US"/>
-                        <a:t>Evaluates to true if it does not finds a variable in the specified sequence and false otherwise.</a:t>
+                        <a:t>It adds right operand to the left operand and assign the result to left operand</a:t>
                       </a:r>
                     </a:p>
                   </a:txBody>
@@ -11797,8 +11258,254 @@
                     <a:lstStyle/>
                     <a:p>
                       <a:r>
+                        <a:rPr lang="en-US"/>
+                        <a:t>c += a is equivalent to c = c + a</a:t>
+                      </a:r>
+                    </a:p>
+                  </a:txBody>
+                  <a:tcPr anchor="ctr"/>
+                </a:tc>
+              </a:tr>
+              <a:tr h="370840">
+                <a:tc>
+                  <a:txBody>
+                    <a:bodyPr/>
+                    <a:lstStyle/>
+                    <a:p>
+                      <a:r>
+                        <a:rPr lang="en-US"/>
+                        <a:t>-= Subtract AND</a:t>
+                      </a:r>
+                    </a:p>
+                  </a:txBody>
+                  <a:tcPr anchor="ctr"/>
+                </a:tc>
+                <a:tc>
+                  <a:txBody>
+                    <a:bodyPr/>
+                    <a:lstStyle/>
+                    <a:p>
+                      <a:r>
+                        <a:rPr lang="en-US"/>
+                        <a:t>It subtracts right operand from the left operand and assign the result to left operand</a:t>
+                      </a:r>
+                    </a:p>
+                  </a:txBody>
+                  <a:tcPr anchor="ctr"/>
+                </a:tc>
+                <a:tc>
+                  <a:txBody>
+                    <a:bodyPr/>
+                    <a:lstStyle/>
+                    <a:p>
+                      <a:r>
+                        <a:rPr lang="en-US"/>
+                        <a:t>c -= a is equivalent to c = c - a</a:t>
+                      </a:r>
+                    </a:p>
+                  </a:txBody>
+                  <a:tcPr anchor="ctr"/>
+                </a:tc>
+              </a:tr>
+              <a:tr h="370840">
+                <a:tc>
+                  <a:txBody>
+                    <a:bodyPr/>
+                    <a:lstStyle/>
+                    <a:p>
+                      <a:r>
+                        <a:rPr lang="en-US"/>
+                        <a:t>*= Multiply AND</a:t>
+                      </a:r>
+                    </a:p>
+                  </a:txBody>
+                  <a:tcPr anchor="ctr"/>
+                </a:tc>
+                <a:tc>
+                  <a:txBody>
+                    <a:bodyPr/>
+                    <a:lstStyle/>
+                    <a:p>
+                      <a:r>
+                        <a:rPr lang="en-US"/>
+                        <a:t>It multiplies right operand with the left operand and assign the result to left operand</a:t>
+                      </a:r>
+                    </a:p>
+                  </a:txBody>
+                  <a:tcPr anchor="ctr"/>
+                </a:tc>
+                <a:tc>
+                  <a:txBody>
+                    <a:bodyPr/>
+                    <a:lstStyle/>
+                    <a:p>
+                      <a:r>
+                        <a:rPr lang="en-US"/>
+                        <a:t>c *= a is equivalent to c = c * a</a:t>
+                      </a:r>
+                    </a:p>
+                  </a:txBody>
+                  <a:tcPr anchor="ctr"/>
+                </a:tc>
+              </a:tr>
+              <a:tr h="370840">
+                <a:tc>
+                  <a:txBody>
+                    <a:bodyPr/>
+                    <a:lstStyle/>
+                    <a:p>
+                      <a:r>
+                        <a:rPr lang="en-US"/>
+                        <a:t>/= Divide AND</a:t>
+                      </a:r>
+                    </a:p>
+                  </a:txBody>
+                  <a:tcPr anchor="ctr"/>
+                </a:tc>
+                <a:tc>
+                  <a:txBody>
+                    <a:bodyPr/>
+                    <a:lstStyle/>
+                    <a:p>
+                      <a:r>
+                        <a:rPr lang="en-US"/>
+                        <a:t>It divides left operand with the right operand and assign the result to left operand</a:t>
+                      </a:r>
+                    </a:p>
+                  </a:txBody>
+                  <a:tcPr anchor="ctr"/>
+                </a:tc>
+                <a:tc>
+                  <a:txBody>
+                    <a:bodyPr/>
+                    <a:lstStyle/>
+                    <a:p>
+                      <a:r>
+                        <a:rPr lang="en-US"/>
+                        <a:t>c /= a is equivalent to c = c / ac /= a is equivalent to c = c / a</a:t>
+                      </a:r>
+                    </a:p>
+                  </a:txBody>
+                  <a:tcPr anchor="ctr"/>
+                </a:tc>
+              </a:tr>
+              <a:tr h="370840">
+                <a:tc>
+                  <a:txBody>
+                    <a:bodyPr/>
+                    <a:lstStyle/>
+                    <a:p>
+                      <a:r>
+                        <a:rPr lang="en-US"/>
+                        <a:t>%= Modulus AND</a:t>
+                      </a:r>
+                    </a:p>
+                  </a:txBody>
+                  <a:tcPr anchor="ctr"/>
+                </a:tc>
+                <a:tc>
+                  <a:txBody>
+                    <a:bodyPr/>
+                    <a:lstStyle/>
+                    <a:p>
+                      <a:r>
+                        <a:rPr lang="en-US"/>
+                        <a:t>It takes modulus using two operands and assign the result to left operand</a:t>
+                      </a:r>
+                    </a:p>
+                  </a:txBody>
+                  <a:tcPr anchor="ctr"/>
+                </a:tc>
+                <a:tc>
+                  <a:txBody>
+                    <a:bodyPr/>
+                    <a:lstStyle/>
+                    <a:p>
+                      <a:r>
+                        <a:rPr lang="en-US"/>
+                        <a:t>c %= a is equivalent to c = c % a</a:t>
+                      </a:r>
+                    </a:p>
+                  </a:txBody>
+                  <a:tcPr anchor="ctr"/>
+                </a:tc>
+              </a:tr>
+              <a:tr h="370840">
+                <a:tc>
+                  <a:txBody>
+                    <a:bodyPr/>
+                    <a:lstStyle/>
+                    <a:p>
+                      <a:r>
+                        <a:rPr lang="en-US"/>
+                        <a:t>**= Exponent AND</a:t>
+                      </a:r>
+                    </a:p>
+                  </a:txBody>
+                  <a:tcPr anchor="ctr"/>
+                </a:tc>
+                <a:tc>
+                  <a:txBody>
+                    <a:bodyPr/>
+                    <a:lstStyle/>
+                    <a:p>
+                      <a:r>
+                        <a:rPr lang="en-US"/>
+                        <a:t>Performs exponential (power) calculation on operators and assign value to the left operand</a:t>
+                      </a:r>
+                    </a:p>
+                  </a:txBody>
+                  <a:tcPr anchor="ctr"/>
+                </a:tc>
+                <a:tc>
+                  <a:txBody>
+                    <a:bodyPr/>
+                    <a:lstStyle/>
+                    <a:p>
+                      <a:r>
+                        <a:rPr lang="en-US"/>
+                        <a:t>c **= a is equivalent to c = c ** a</a:t>
+                      </a:r>
+                    </a:p>
+                  </a:txBody>
+                  <a:tcPr anchor="ctr"/>
+                </a:tc>
+              </a:tr>
+              <a:tr h="370840">
+                <a:tc>
+                  <a:txBody>
+                    <a:bodyPr/>
+                    <a:lstStyle/>
+                    <a:p>
+                      <a:r>
+                        <a:rPr lang="en-US"/>
+                        <a:t>//= Floor Division</a:t>
+                      </a:r>
+                    </a:p>
+                  </a:txBody>
+                  <a:tcPr anchor="ctr"/>
+                </a:tc>
+                <a:tc>
+                  <a:txBody>
+                    <a:bodyPr/>
+                    <a:lstStyle/>
+                    <a:p>
+                      <a:r>
+                        <a:rPr lang="en-US"/>
+                        <a:t>It performs floor division on operators and assign value to the left operand</a:t>
+                      </a:r>
+                    </a:p>
+                  </a:txBody>
+                  <a:tcPr anchor="ctr"/>
+                </a:tc>
+                <a:tc>
+                  <a:txBody>
+                    <a:bodyPr/>
+                    <a:lstStyle/>
+                    <a:p>
+                      <a:r>
                         <a:rPr lang="en-US" dirty="0"/>
-                        <a:t>x not in y, here not in results in a 1 if x is not a member of sequence y.</a:t>
+                        <a:t>c //= a is equivalent to c = c // a</a:t>
                       </a:r>
                     </a:p>
                   </a:txBody>
@@ -11812,7 +11519,7 @@
     </p:spTree>
     <p:extLst>
       <p:ext uri="{BB962C8B-B14F-4D97-AF65-F5344CB8AC3E}">
-        <p14:creationId xmlns:p14="http://schemas.microsoft.com/office/powerpoint/2010/main" val="947692110"/>
+        <p14:creationId xmlns:p14="http://schemas.microsoft.com/office/powerpoint/2010/main" val="152319811"/>
       </p:ext>
     </p:extLst>
   </p:cSld>
@@ -11849,23 +11556,19 @@
             <p:ph type="title"/>
           </p:nvPr>
         </p:nvSpPr>
-        <p:spPr>
-          <a:xfrm>
-            <a:off x="2676900" y="577457"/>
-            <a:ext cx="8911687" cy="1280890"/>
-          </a:xfrm>
-        </p:spPr>
+        <p:spPr/>
         <p:txBody>
           <a:bodyPr/>
           <a:lstStyle/>
           <a:p>
             <a:r>
-              <a:rPr lang="en-US" b="1" dirty="0"/>
-              <a:t>Identity Operators</a:t>
-            </a:r>
-            <a:br>
-              <a:rPr lang="en-US" b="1" dirty="0"/>
-            </a:br>
+              <a:rPr lang="en-US" dirty="0"/>
+              <a:t>Logical </a:t>
+            </a:r>
+            <a:r>
+              <a:rPr lang="en-US" dirty="0" smtClean="0"/>
+              <a:t>Operators</a:t>
+            </a:r>
             <a:endParaRPr lang="en-US" dirty="0"/>
           </a:p>
         </p:txBody>
@@ -11880,14 +11583,14 @@
             <p:ph idx="1"/>
             <p:extLst>
               <p:ext uri="{D42A27DB-BD31-4B8C-83A1-F6EECF244321}">
-                <p14:modId xmlns:p14="http://schemas.microsoft.com/office/powerpoint/2010/main" val="733181063"/>
+                <p14:modId xmlns:p14="http://schemas.microsoft.com/office/powerpoint/2010/main" val="65859763"/>
               </p:ext>
             </p:extLst>
           </p:nvPr>
         </p:nvGraphicFramePr>
         <p:xfrm>
           <a:off x="2589213" y="2133600"/>
-          <a:ext cx="8915400" cy="3296920"/>
+          <a:ext cx="8915400" cy="3388360"/>
         </p:xfrm>
         <a:graphic>
           <a:graphicData uri="http://schemas.openxmlformats.org/drawingml/2006/table">
@@ -11953,7 +11656,7 @@
                     <a:p>
                       <a:r>
                         <a:rPr lang="en-US"/>
-                        <a:t>is</a:t>
+                        <a:t>and Logical AND</a:t>
                       </a:r>
                     </a:p>
                   </a:txBody>
@@ -11966,7 +11669,7 @@
                     <a:p>
                       <a:r>
                         <a:rPr lang="en-US"/>
-                        <a:t>Evaluates to true if the variables on either side of the operator point to the same object and false otherwise.</a:t>
+                        <a:t>If both the operands are true then condition becomes true.</a:t>
                       </a:r>
                     </a:p>
                   </a:txBody>
@@ -11979,15 +11682,7 @@
                     <a:p>
                       <a:r>
                         <a:rPr lang="en-US"/>
-                        <a:t>x is y, here </a:t>
-                      </a:r>
-                      <a:r>
-                        <a:rPr lang="en-US" b="1"/>
-                        <a:t>is</a:t>
-                      </a:r>
-                      <a:r>
-                        <a:rPr lang="en-US"/>
-                        <a:t> results in 1 if id(x) equals id(y).</a:t>
+                        <a:t>(a and b) is true.</a:t>
                       </a:r>
                     </a:p>
                   </a:txBody>
@@ -12002,7 +11697,7 @@
                     <a:p>
                       <a:r>
                         <a:rPr lang="en-US"/>
-                        <a:t>is not</a:t>
+                        <a:t>or Logical OR</a:t>
                       </a:r>
                     </a:p>
                   </a:txBody>
@@ -12015,7 +11710,7 @@
                     <a:p>
                       <a:r>
                         <a:rPr lang="en-US"/>
-                        <a:t>Evaluates to false if the variables on either side of the operator point to the same object and true otherwise.</a:t>
+                        <a:t>If any of the two operands are non-zero then condition becomes true.</a:t>
                       </a:r>
                     </a:p>
                   </a:txBody>
@@ -12027,16 +11722,49 @@
                     <a:lstStyle/>
                     <a:p>
                       <a:r>
+                        <a:rPr lang="en-US"/>
+                        <a:t>(a or b) is true.</a:t>
+                      </a:r>
+                    </a:p>
+                  </a:txBody>
+                  <a:tcPr anchor="ctr"/>
+                </a:tc>
+              </a:tr>
+              <a:tr h="370840">
+                <a:tc>
+                  <a:txBody>
+                    <a:bodyPr/>
+                    <a:lstStyle/>
+                    <a:p>
+                      <a:r>
+                        <a:rPr lang="en-US"/>
+                        <a:t>not Logical NOT</a:t>
+                      </a:r>
+                    </a:p>
+                  </a:txBody>
+                  <a:tcPr anchor="ctr"/>
+                </a:tc>
+                <a:tc>
+                  <a:txBody>
+                    <a:bodyPr/>
+                    <a:lstStyle/>
+                    <a:p>
+                      <a:r>
+                        <a:rPr lang="en-US"/>
+                        <a:t>Used to reverse the logical state of its operand.</a:t>
+                      </a:r>
+                    </a:p>
+                  </a:txBody>
+                  <a:tcPr anchor="ctr"/>
+                </a:tc>
+                <a:tc>
+                  <a:txBody>
+                    <a:bodyPr/>
+                    <a:lstStyle/>
+                    <a:p>
+                      <a:r>
                         <a:rPr lang="en-US" dirty="0"/>
-                        <a:t>x is not y, here </a:t>
-                      </a:r>
-                      <a:r>
-                        <a:rPr lang="en-US" b="1" dirty="0"/>
-                        <a:t>is not</a:t>
-                      </a:r>
-                      <a:r>
-                        <a:rPr lang="en-US" dirty="0"/>
-                        <a:t> results in 1 if id(x) is not equal to id(y).</a:t>
+                        <a:t>Not(a and b) is false. </a:t>
                       </a:r>
                     </a:p>
                   </a:txBody>
@@ -12050,7 +11778,7 @@
     </p:spTree>
     <p:extLst>
       <p:ext uri="{BB962C8B-B14F-4D97-AF65-F5344CB8AC3E}">
-        <p14:creationId xmlns:p14="http://schemas.microsoft.com/office/powerpoint/2010/main" val="1003701864"/>
+        <p14:creationId xmlns:p14="http://schemas.microsoft.com/office/powerpoint/2010/main" val="905566639"/>
       </p:ext>
     </p:extLst>
   </p:cSld>
@@ -12094,7 +11822,7 @@
           <a:p>
             <a:r>
               <a:rPr lang="en-US" b="1" dirty="0"/>
-              <a:t>Bitwise Operators</a:t>
+              <a:t>Membership Operators</a:t>
             </a:r>
             <a:br>
               <a:rPr lang="en-US" b="1" dirty="0"/>
@@ -12105,7 +11833,7 @@
       </p:sp>
       <p:graphicFrame>
         <p:nvGraphicFramePr>
-          <p:cNvPr id="4" name="Content Placeholder 3"/>
+          <p:cNvPr id="5" name="Content Placeholder 4"/>
           <p:cNvGraphicFramePr>
             <a:graphicFrameLocks noGrp="1"/>
           </p:cNvGraphicFramePr>
@@ -12113,14 +11841,14 @@
             <p:ph idx="1"/>
             <p:extLst>
               <p:ext uri="{D42A27DB-BD31-4B8C-83A1-F6EECF244321}">
-                <p14:modId xmlns:p14="http://schemas.microsoft.com/office/powerpoint/2010/main" val="884039655"/>
+                <p14:modId xmlns:p14="http://schemas.microsoft.com/office/powerpoint/2010/main" val="589080563"/>
               </p:ext>
             </p:extLst>
           </p:nvPr>
         </p:nvGraphicFramePr>
         <p:xfrm>
-          <a:off x="401216" y="1264555"/>
-          <a:ext cx="11448630" cy="5303520"/>
+          <a:off x="2589213" y="2133600"/>
+          <a:ext cx="8915400" cy="3022600"/>
         </p:xfrm>
         <a:graphic>
           <a:graphicData uri="http://schemas.openxmlformats.org/drawingml/2006/table">
@@ -12129,11 +11857,11 @@
                 <a:tableStyleId>{5C22544A-7EE6-4342-B048-85BDC9FD1C3A}</a:tableStyleId>
               </a:tblPr>
               <a:tblGrid>
-                <a:gridCol w="3816210"/>
-                <a:gridCol w="3816210"/>
-                <a:gridCol w="3816210"/>
+                <a:gridCol w="2971800"/>
+                <a:gridCol w="2971800"/>
+                <a:gridCol w="2971800"/>
               </a:tblGrid>
-              <a:tr h="357101">
+              <a:tr h="370840">
                 <a:tc>
                   <a:txBody>
                     <a:bodyPr/>
@@ -12186,7 +11914,7 @@
                     <a:p>
                       <a:r>
                         <a:rPr lang="en-US"/>
-                        <a:t>&amp; Binary AND</a:t>
+                        <a:t>in</a:t>
                       </a:r>
                     </a:p>
                   </a:txBody>
@@ -12199,7 +11927,7 @@
                     <a:p>
                       <a:r>
                         <a:rPr lang="en-US"/>
-                        <a:t>Operator copies a bit to the result if it exists in both operands </a:t>
+                        <a:t>Evaluates to true if it finds a variable in the specified sequence and false otherwise.</a:t>
                       </a:r>
                     </a:p>
                   </a:txBody>
@@ -12212,7 +11940,7 @@
                     <a:p>
                       <a:r>
                         <a:rPr lang="en-US"/>
-                        <a:t>(a &amp; b) (means 0000 1100)</a:t>
+                        <a:t>x in y, here in results in a 1 if x is a member of sequence y.</a:t>
                       </a:r>
                     </a:p>
                   </a:txBody>
@@ -12226,198 +11954,34 @@
                     <a:lstStyle/>
                     <a:p>
                       <a:r>
+                        <a:rPr lang="en-US"/>
+                        <a:t>not in</a:t>
+                      </a:r>
+                    </a:p>
+                  </a:txBody>
+                  <a:tcPr anchor="ctr"/>
+                </a:tc>
+                <a:tc>
+                  <a:txBody>
+                    <a:bodyPr/>
+                    <a:lstStyle/>
+                    <a:p>
+                      <a:r>
+                        <a:rPr lang="en-US"/>
+                        <a:t>Evaluates to true if it does not finds a variable in the specified sequence and false otherwise.</a:t>
+                      </a:r>
+                    </a:p>
+                  </a:txBody>
+                  <a:tcPr anchor="ctr"/>
+                </a:tc>
+                <a:tc>
+                  <a:txBody>
+                    <a:bodyPr/>
+                    <a:lstStyle/>
+                    <a:p>
+                      <a:r>
                         <a:rPr lang="en-US" dirty="0"/>
-                        <a:t>| Binary OR</a:t>
-                      </a:r>
-                    </a:p>
-                  </a:txBody>
-                  <a:tcPr anchor="ctr"/>
-                </a:tc>
-                <a:tc>
-                  <a:txBody>
-                    <a:bodyPr/>
-                    <a:lstStyle/>
-                    <a:p>
-                      <a:r>
-                        <a:rPr lang="en-US"/>
-                        <a:t>It copies a bit if it exists in either operand.</a:t>
-                      </a:r>
-                    </a:p>
-                  </a:txBody>
-                  <a:tcPr anchor="ctr"/>
-                </a:tc>
-                <a:tc>
-                  <a:txBody>
-                    <a:bodyPr/>
-                    <a:lstStyle/>
-                    <a:p>
-                      <a:r>
-                        <a:rPr lang="hr-HR"/>
-                        <a:t>(a | b) = 61 (means 0011 1101)</a:t>
-                      </a:r>
-                    </a:p>
-                  </a:txBody>
-                  <a:tcPr anchor="ctr"/>
-                </a:tc>
-              </a:tr>
-              <a:tr h="370840">
-                <a:tc>
-                  <a:txBody>
-                    <a:bodyPr/>
-                    <a:lstStyle/>
-                    <a:p>
-                      <a:r>
-                        <a:rPr lang="en-US"/>
-                        <a:t>^ Binary XOR</a:t>
-                      </a:r>
-                    </a:p>
-                  </a:txBody>
-                  <a:tcPr anchor="ctr"/>
-                </a:tc>
-                <a:tc>
-                  <a:txBody>
-                    <a:bodyPr/>
-                    <a:lstStyle/>
-                    <a:p>
-                      <a:r>
-                        <a:rPr lang="en-US"/>
-                        <a:t>It copies the bit if it is set in one operand but not both.</a:t>
-                      </a:r>
-                    </a:p>
-                  </a:txBody>
-                  <a:tcPr anchor="ctr"/>
-                </a:tc>
-                <a:tc>
-                  <a:txBody>
-                    <a:bodyPr/>
-                    <a:lstStyle/>
-                    <a:p>
-                      <a:r>
-                        <a:rPr lang="en-US"/>
-                        <a:t>(a ^ b) = 49 (means 0011 0001)</a:t>
-                      </a:r>
-                    </a:p>
-                  </a:txBody>
-                  <a:tcPr anchor="ctr"/>
-                </a:tc>
-              </a:tr>
-              <a:tr h="370840">
-                <a:tc>
-                  <a:txBody>
-                    <a:bodyPr/>
-                    <a:lstStyle/>
-                    <a:p>
-                      <a:r>
-                        <a:rPr lang="en-US"/>
-                        <a:t>~ Binary Ones Complement</a:t>
-                      </a:r>
-                    </a:p>
-                  </a:txBody>
-                  <a:tcPr anchor="ctr"/>
-                </a:tc>
-                <a:tc>
-                  <a:txBody>
-                    <a:bodyPr/>
-                    <a:lstStyle/>
-                    <a:p>
-                      <a:r>
-                        <a:rPr lang="en-US"/>
-                        <a:t>It is unary and has the effect of 'flipping' bits.</a:t>
-                      </a:r>
-                    </a:p>
-                  </a:txBody>
-                  <a:tcPr anchor="ctr"/>
-                </a:tc>
-                <a:tc>
-                  <a:txBody>
-                    <a:bodyPr/>
-                    <a:lstStyle/>
-                    <a:p>
-                      <a:r>
-                        <a:rPr lang="en-US"/>
-                        <a:t>(~a ) = -61 (means 1100 0011 in 2's complement form due to a signed binary number.</a:t>
-                      </a:r>
-                    </a:p>
-                  </a:txBody>
-                  <a:tcPr anchor="ctr"/>
-                </a:tc>
-              </a:tr>
-              <a:tr h="370840">
-                <a:tc>
-                  <a:txBody>
-                    <a:bodyPr/>
-                    <a:lstStyle/>
-                    <a:p>
-                      <a:r>
-                        <a:rPr lang="en-US"/>
-                        <a:t>&lt;&lt; Binary Left Shift</a:t>
-                      </a:r>
-                    </a:p>
-                  </a:txBody>
-                  <a:tcPr anchor="ctr"/>
-                </a:tc>
-                <a:tc>
-                  <a:txBody>
-                    <a:bodyPr/>
-                    <a:lstStyle/>
-                    <a:p>
-                      <a:r>
-                        <a:rPr lang="en-US"/>
-                        <a:t>The left operands value is moved left by the number of bits specified by the right operand.</a:t>
-                      </a:r>
-                    </a:p>
-                  </a:txBody>
-                  <a:tcPr anchor="ctr"/>
-                </a:tc>
-                <a:tc>
-                  <a:txBody>
-                    <a:bodyPr/>
-                    <a:lstStyle/>
-                    <a:p>
-                      <a:r>
-                        <a:rPr lang="cs-CZ"/>
-                        <a:t>a &lt;&lt; 2 = 240 (means 1111 0000)</a:t>
-                      </a:r>
-                    </a:p>
-                  </a:txBody>
-                  <a:tcPr anchor="ctr"/>
-                </a:tc>
-              </a:tr>
-              <a:tr h="370840">
-                <a:tc>
-                  <a:txBody>
-                    <a:bodyPr/>
-                    <a:lstStyle/>
-                    <a:p>
-                      <a:r>
-                        <a:rPr lang="en-US"/>
-                        <a:t>&gt;&gt; Binary Right Shift</a:t>
-                      </a:r>
-                    </a:p>
-                  </a:txBody>
-                  <a:tcPr anchor="ctr"/>
-                </a:tc>
-                <a:tc>
-                  <a:txBody>
-                    <a:bodyPr/>
-                    <a:lstStyle/>
-                    <a:p>
-                      <a:r>
-                        <a:rPr lang="en-US"/>
-                        <a:t>The left operands value is moved right by the number of bits specified by the right operand.</a:t>
-                      </a:r>
-                    </a:p>
-                  </a:txBody>
-                  <a:tcPr anchor="ctr"/>
-                </a:tc>
-                <a:tc>
-                  <a:txBody>
-                    <a:bodyPr/>
-                    <a:lstStyle/>
-                    <a:p>
-                      <a:r>
-                        <a:rPr lang="en-US" dirty="0"/>
-                        <a:t>a &gt;&gt; 2 = 15 (means 0000 1111)</a:t>
+                        <a:t>x not in y, here not in results in a 1 if x is not a member of sequence y.</a:t>
                       </a:r>
                     </a:p>
                   </a:txBody>
@@ -12431,7 +11995,7 @@
     </p:spTree>
     <p:extLst>
       <p:ext uri="{BB962C8B-B14F-4D97-AF65-F5344CB8AC3E}">
-        <p14:creationId xmlns:p14="http://schemas.microsoft.com/office/powerpoint/2010/main" val="2116655120"/>
+        <p14:creationId xmlns:p14="http://schemas.microsoft.com/office/powerpoint/2010/main" val="947692110"/>
       </p:ext>
     </p:extLst>
   </p:cSld>
@@ -12468,14 +12032,19 @@
             <p:ph type="title"/>
           </p:nvPr>
         </p:nvSpPr>
-        <p:spPr/>
+        <p:spPr>
+          <a:xfrm>
+            <a:off x="2676900" y="577457"/>
+            <a:ext cx="8911687" cy="1280890"/>
+          </a:xfrm>
+        </p:spPr>
         <p:txBody>
           <a:bodyPr/>
           <a:lstStyle/>
           <a:p>
             <a:r>
               <a:rPr lang="en-US" b="1" dirty="0"/>
-              <a:t>Operators Precedence</a:t>
+              <a:t>Identity Operators</a:t>
             </a:r>
             <a:br>
               <a:rPr lang="en-US" b="1" dirty="0"/>
@@ -12494,14 +12063,14 @@
             <p:ph idx="1"/>
             <p:extLst>
               <p:ext uri="{D42A27DB-BD31-4B8C-83A1-F6EECF244321}">
-                <p14:modId xmlns:p14="http://schemas.microsoft.com/office/powerpoint/2010/main" val="1909559959"/>
+                <p14:modId xmlns:p14="http://schemas.microsoft.com/office/powerpoint/2010/main" val="733181063"/>
               </p:ext>
             </p:extLst>
           </p:nvPr>
         </p:nvGraphicFramePr>
         <p:xfrm>
-          <a:off x="1926739" y="1340498"/>
-          <a:ext cx="8915400" cy="7086600"/>
+          <a:off x="2589213" y="2133600"/>
+          <a:ext cx="8915400" cy="3296920"/>
         </p:xfrm>
         <a:graphic>
           <a:graphicData uri="http://schemas.openxmlformats.org/drawingml/2006/table">
@@ -12521,7 +12090,9 @@
                     <a:lstStyle/>
                     <a:p>
                       <a:r>
-                        <a:rPr lang="en-US" dirty="0"/>
+                        <a:rPr lang="en-US" dirty="0">
+                          <a:effectLst/>
+                        </a:rPr>
                         <a:t>Operator</a:t>
                       </a:r>
                     </a:p>
@@ -12534,22 +12105,27 @@
                     <a:lstStyle/>
                     <a:p>
                       <a:r>
+                        <a:rPr lang="en-US">
+                          <a:effectLst/>
+                        </a:rPr>
+                        <a:t>Description</a:t>
+                      </a:r>
+                    </a:p>
+                  </a:txBody>
+                  <a:tcPr anchor="ctr"/>
+                </a:tc>
+                <a:tc>
+                  <a:txBody>
+                    <a:bodyPr/>
+                    <a:lstStyle/>
+                    <a:p>
+                      <a:r>
                         <a:rPr lang="en-US"/>
-                        <a:t>Description</a:t>
+                        <a:t>Example</a:t>
                       </a:r>
                     </a:p>
                   </a:txBody>
                   <a:tcPr anchor="ctr"/>
-                </a:tc>
-                <a:tc>
-                  <a:txBody>
-                    <a:bodyPr/>
-                    <a:lstStyle/>
-                    <a:p>
-                      <a:endParaRPr lang="en-US" dirty="0"/>
-                    </a:p>
-                  </a:txBody>
-                  <a:tcPr/>
                 </a:tc>
               </a:tr>
               <a:tr h="370840">
@@ -12559,8 +12135,8 @@
                     <a:lstStyle/>
                     <a:p>
                       <a:r>
-                        <a:rPr lang="mr-IN"/>
-                        <a:t>**</a:t>
+                        <a:rPr lang="en-US"/>
+                        <a:t>is</a:t>
                       </a:r>
                     </a:p>
                   </a:txBody>
@@ -12573,7 +12149,7 @@
                     <a:p>
                       <a:r>
                         <a:rPr lang="en-US"/>
-                        <a:t>Exponentiation (raise to the power)</a:t>
+                        <a:t>Evaluates to true if the variables on either side of the operator point to the same object and false otherwise.</a:t>
                       </a:r>
                     </a:p>
                   </a:txBody>
@@ -12584,10 +12160,21 @@
                     <a:bodyPr/>
                     <a:lstStyle/>
                     <a:p>
-                      <a:endParaRPr lang="en-US"/>
-                    </a:p>
-                  </a:txBody>
-                  <a:tcPr/>
+                      <a:r>
+                        <a:rPr lang="en-US"/>
+                        <a:t>x is y, here </a:t>
+                      </a:r>
+                      <a:r>
+                        <a:rPr lang="en-US" b="1"/>
+                        <a:t>is</a:t>
+                      </a:r>
+                      <a:r>
+                        <a:rPr lang="en-US"/>
+                        <a:t> results in 1 if id(x) equals id(y).</a:t>
+                      </a:r>
+                    </a:p>
+                  </a:txBody>
+                  <a:tcPr anchor="ctr"/>
                 </a:tc>
               </a:tr>
               <a:tr h="370840">
@@ -12597,8 +12184,8 @@
                     <a:lstStyle/>
                     <a:p>
                       <a:r>
-                        <a:rPr lang="mr-IN"/>
-                        <a:t>~ + -</a:t>
+                        <a:rPr lang="en-US"/>
+                        <a:t>is not</a:t>
                       </a:r>
                     </a:p>
                   </a:txBody>
@@ -12611,7 +12198,7 @@
                     <a:p>
                       <a:r>
                         <a:rPr lang="en-US"/>
-                        <a:t>Complement, unary plus and minus (method names for the last two are +@ and -@)</a:t>
+                        <a:t>Evaluates to false if the variables on either side of the operator point to the same object and true otherwise.</a:t>
                       </a:r>
                     </a:p>
                   </a:txBody>
@@ -12622,428 +12209,21 @@
                     <a:bodyPr/>
                     <a:lstStyle/>
                     <a:p>
-                      <a:endParaRPr lang="en-US"/>
-                    </a:p>
-                  </a:txBody>
-                  <a:tcPr/>
-                </a:tc>
-              </a:tr>
-              <a:tr h="370840">
-                <a:tc>
-                  <a:txBody>
-                    <a:bodyPr/>
-                    <a:lstStyle/>
-                    <a:p>
-                      <a:r>
-                        <a:rPr lang="mr-IN"/>
-                        <a:t>* / % //</a:t>
+                      <a:r>
+                        <a:rPr lang="en-US" dirty="0"/>
+                        <a:t>x is not y, here </a:t>
+                      </a:r>
+                      <a:r>
+                        <a:rPr lang="en-US" b="1" dirty="0"/>
+                        <a:t>is not</a:t>
+                      </a:r>
+                      <a:r>
+                        <a:rPr lang="en-US" dirty="0"/>
+                        <a:t> results in 1 if id(x) is not equal to id(y).</a:t>
                       </a:r>
                     </a:p>
                   </a:txBody>
                   <a:tcPr anchor="ctr"/>
-                </a:tc>
-                <a:tc>
-                  <a:txBody>
-                    <a:bodyPr/>
-                    <a:lstStyle/>
-                    <a:p>
-                      <a:r>
-                        <a:rPr lang="en-US"/>
-                        <a:t>Multiply, divide, modulo and floor division</a:t>
-                      </a:r>
-                    </a:p>
-                  </a:txBody>
-                  <a:tcPr anchor="ctr"/>
-                </a:tc>
-                <a:tc>
-                  <a:txBody>
-                    <a:bodyPr/>
-                    <a:lstStyle/>
-                    <a:p>
-                      <a:endParaRPr lang="en-US"/>
-                    </a:p>
-                  </a:txBody>
-                  <a:tcPr/>
-                </a:tc>
-              </a:tr>
-              <a:tr h="370840">
-                <a:tc>
-                  <a:txBody>
-                    <a:bodyPr/>
-                    <a:lstStyle/>
-                    <a:p>
-                      <a:r>
-                        <a:rPr lang="mr-IN"/>
-                        <a:t>+ -</a:t>
-                      </a:r>
-                    </a:p>
-                  </a:txBody>
-                  <a:tcPr anchor="ctr"/>
-                </a:tc>
-                <a:tc>
-                  <a:txBody>
-                    <a:bodyPr/>
-                    <a:lstStyle/>
-                    <a:p>
-                      <a:r>
-                        <a:rPr lang="en-US"/>
-                        <a:t>Addition and subtraction</a:t>
-                      </a:r>
-                    </a:p>
-                  </a:txBody>
-                  <a:tcPr anchor="ctr"/>
-                </a:tc>
-                <a:tc>
-                  <a:txBody>
-                    <a:bodyPr/>
-                    <a:lstStyle/>
-                    <a:p>
-                      <a:endParaRPr lang="en-US"/>
-                    </a:p>
-                  </a:txBody>
-                  <a:tcPr/>
-                </a:tc>
-              </a:tr>
-              <a:tr h="370840">
-                <a:tc>
-                  <a:txBody>
-                    <a:bodyPr/>
-                    <a:lstStyle/>
-                    <a:p>
-                      <a:r>
-                        <a:rPr lang="mr-IN"/>
-                        <a:t>&gt;&gt; &lt;&lt;</a:t>
-                      </a:r>
-                    </a:p>
-                  </a:txBody>
-                  <a:tcPr anchor="ctr"/>
-                </a:tc>
-                <a:tc>
-                  <a:txBody>
-                    <a:bodyPr/>
-                    <a:lstStyle/>
-                    <a:p>
-                      <a:r>
-                        <a:rPr lang="en-US"/>
-                        <a:t>Right and left bitwise shift</a:t>
-                      </a:r>
-                    </a:p>
-                  </a:txBody>
-                  <a:tcPr anchor="ctr"/>
-                </a:tc>
-                <a:tc>
-                  <a:txBody>
-                    <a:bodyPr/>
-                    <a:lstStyle/>
-                    <a:p>
-                      <a:endParaRPr lang="en-US"/>
-                    </a:p>
-                  </a:txBody>
-                  <a:tcPr/>
-                </a:tc>
-              </a:tr>
-              <a:tr h="370840">
-                <a:tc>
-                  <a:txBody>
-                    <a:bodyPr/>
-                    <a:lstStyle/>
-                    <a:p>
-                      <a:r>
-                        <a:rPr lang="uk-UA"/>
-                        <a:t>&amp;</a:t>
-                      </a:r>
-                    </a:p>
-                  </a:txBody>
-                  <a:tcPr anchor="ctr"/>
-                </a:tc>
-                <a:tc>
-                  <a:txBody>
-                    <a:bodyPr/>
-                    <a:lstStyle/>
-                    <a:p>
-                      <a:r>
-                        <a:rPr lang="en-US"/>
-                        <a:t>Bitwise 'AND'</a:t>
-                      </a:r>
-                    </a:p>
-                  </a:txBody>
-                  <a:tcPr anchor="ctr"/>
-                </a:tc>
-                <a:tc>
-                  <a:txBody>
-                    <a:bodyPr/>
-                    <a:lstStyle/>
-                    <a:p>
-                      <a:endParaRPr lang="en-US"/>
-                    </a:p>
-                  </a:txBody>
-                  <a:tcPr anchor="ctr"/>
-                </a:tc>
-              </a:tr>
-              <a:tr h="370840">
-                <a:tc>
-                  <a:txBody>
-                    <a:bodyPr/>
-                    <a:lstStyle/>
-                    <a:p>
-                      <a:r>
-                        <a:rPr lang="hr-HR"/>
-                        <a:t>^ |</a:t>
-                      </a:r>
-                    </a:p>
-                  </a:txBody>
-                  <a:tcPr anchor="ctr"/>
-                </a:tc>
-                <a:tc>
-                  <a:txBody>
-                    <a:bodyPr/>
-                    <a:lstStyle/>
-                    <a:p>
-                      <a:r>
-                        <a:rPr lang="en-US"/>
-                        <a:t>Bitwise exclusive `OR' and regular `OR'</a:t>
-                      </a:r>
-                    </a:p>
-                  </a:txBody>
-                  <a:tcPr anchor="ctr"/>
-                </a:tc>
-                <a:tc>
-                  <a:txBody>
-                    <a:bodyPr/>
-                    <a:lstStyle/>
-                    <a:p>
-                      <a:endParaRPr lang="en-US"/>
-                    </a:p>
-                  </a:txBody>
-                  <a:tcPr/>
-                </a:tc>
-              </a:tr>
-              <a:tr h="370840">
-                <a:tc>
-                  <a:txBody>
-                    <a:bodyPr/>
-                    <a:lstStyle/>
-                    <a:p>
-                      <a:r>
-                        <a:rPr lang="mr-IN"/>
-                        <a:t>&lt;= &lt; &gt; &gt;=</a:t>
-                      </a:r>
-                    </a:p>
-                  </a:txBody>
-                  <a:tcPr anchor="ctr"/>
-                </a:tc>
-                <a:tc>
-                  <a:txBody>
-                    <a:bodyPr/>
-                    <a:lstStyle/>
-                    <a:p>
-                      <a:r>
-                        <a:rPr lang="en-US"/>
-                        <a:t>Comparison operators</a:t>
-                      </a:r>
-                    </a:p>
-                  </a:txBody>
-                  <a:tcPr anchor="ctr"/>
-                </a:tc>
-                <a:tc>
-                  <a:txBody>
-                    <a:bodyPr/>
-                    <a:lstStyle/>
-                    <a:p>
-                      <a:endParaRPr lang="en-US"/>
-                    </a:p>
-                  </a:txBody>
-                  <a:tcPr/>
-                </a:tc>
-              </a:tr>
-              <a:tr h="370840">
-                <a:tc>
-                  <a:txBody>
-                    <a:bodyPr/>
-                    <a:lstStyle/>
-                    <a:p>
-                      <a:r>
-                        <a:rPr lang="mr-IN"/>
-                        <a:t>&lt;&gt; == !=</a:t>
-                      </a:r>
-                    </a:p>
-                  </a:txBody>
-                  <a:tcPr anchor="ctr"/>
-                </a:tc>
-                <a:tc>
-                  <a:txBody>
-                    <a:bodyPr/>
-                    <a:lstStyle/>
-                    <a:p>
-                      <a:r>
-                        <a:rPr lang="en-US"/>
-                        <a:t>Equality operators</a:t>
-                      </a:r>
-                    </a:p>
-                  </a:txBody>
-                  <a:tcPr anchor="ctr"/>
-                </a:tc>
-                <a:tc>
-                  <a:txBody>
-                    <a:bodyPr/>
-                    <a:lstStyle/>
-                    <a:p>
-                      <a:endParaRPr lang="en-US"/>
-                    </a:p>
-                  </a:txBody>
-                  <a:tcPr/>
-                </a:tc>
-              </a:tr>
-              <a:tr h="370840">
-                <a:tc>
-                  <a:txBody>
-                    <a:bodyPr/>
-                    <a:lstStyle/>
-                    <a:p>
-                      <a:r>
-                        <a:rPr lang="mr-IN"/>
-                        <a:t>= %= /= //= -= += *= **=</a:t>
-                      </a:r>
-                    </a:p>
-                  </a:txBody>
-                  <a:tcPr anchor="ctr"/>
-                </a:tc>
-                <a:tc>
-                  <a:txBody>
-                    <a:bodyPr/>
-                    <a:lstStyle/>
-                    <a:p>
-                      <a:r>
-                        <a:rPr lang="en-US"/>
-                        <a:t>Assignment operators</a:t>
-                      </a:r>
-                    </a:p>
-                  </a:txBody>
-                  <a:tcPr anchor="ctr"/>
-                </a:tc>
-                <a:tc>
-                  <a:txBody>
-                    <a:bodyPr/>
-                    <a:lstStyle/>
-                    <a:p>
-                      <a:endParaRPr lang="en-US"/>
-                    </a:p>
-                  </a:txBody>
-                  <a:tcPr/>
-                </a:tc>
-              </a:tr>
-              <a:tr h="370840">
-                <a:tc>
-                  <a:txBody>
-                    <a:bodyPr/>
-                    <a:lstStyle/>
-                    <a:p>
-                      <a:r>
-                        <a:rPr lang="en-US"/>
-                        <a:t>is is not</a:t>
-                      </a:r>
-                    </a:p>
-                  </a:txBody>
-                  <a:tcPr anchor="ctr"/>
-                </a:tc>
-                <a:tc>
-                  <a:txBody>
-                    <a:bodyPr/>
-                    <a:lstStyle/>
-                    <a:p>
-                      <a:r>
-                        <a:rPr lang="en-US"/>
-                        <a:t>Identity operators</a:t>
-                      </a:r>
-                    </a:p>
-                  </a:txBody>
-                  <a:tcPr anchor="ctr"/>
-                </a:tc>
-                <a:tc>
-                  <a:txBody>
-                    <a:bodyPr/>
-                    <a:lstStyle/>
-                    <a:p>
-                      <a:endParaRPr lang="en-US"/>
-                    </a:p>
-                  </a:txBody>
-                  <a:tcPr/>
-                </a:tc>
-              </a:tr>
-              <a:tr h="370840">
-                <a:tc>
-                  <a:txBody>
-                    <a:bodyPr/>
-                    <a:lstStyle/>
-                    <a:p>
-                      <a:r>
-                        <a:rPr lang="en-US"/>
-                        <a:t>in not in</a:t>
-                      </a:r>
-                    </a:p>
-                  </a:txBody>
-                  <a:tcPr anchor="ctr"/>
-                </a:tc>
-                <a:tc>
-                  <a:txBody>
-                    <a:bodyPr/>
-                    <a:lstStyle/>
-                    <a:p>
-                      <a:r>
-                        <a:rPr lang="en-US"/>
-                        <a:t>Membership operators</a:t>
-                      </a:r>
-                    </a:p>
-                  </a:txBody>
-                  <a:tcPr anchor="ctr"/>
-                </a:tc>
-                <a:tc>
-                  <a:txBody>
-                    <a:bodyPr/>
-                    <a:lstStyle/>
-                    <a:p>
-                      <a:endParaRPr lang="en-US"/>
-                    </a:p>
-                  </a:txBody>
-                  <a:tcPr/>
-                </a:tc>
-              </a:tr>
-              <a:tr h="370840">
-                <a:tc>
-                  <a:txBody>
-                    <a:bodyPr/>
-                    <a:lstStyle/>
-                    <a:p>
-                      <a:r>
-                        <a:rPr lang="en-US"/>
-                        <a:t>not or and</a:t>
-                      </a:r>
-                    </a:p>
-                  </a:txBody>
-                  <a:tcPr anchor="ctr"/>
-                </a:tc>
-                <a:tc>
-                  <a:txBody>
-                    <a:bodyPr/>
-                    <a:lstStyle/>
-                    <a:p>
-                      <a:r>
-                        <a:rPr lang="en-US"/>
-                        <a:t>Logical operators</a:t>
-                      </a:r>
-                    </a:p>
-                  </a:txBody>
-                  <a:tcPr anchor="ctr"/>
-                </a:tc>
-                <a:tc>
-                  <a:txBody>
-                    <a:bodyPr/>
-                    <a:lstStyle/>
-                    <a:p>
-                      <a:endParaRPr lang="en-US" dirty="0"/>
-                    </a:p>
-                  </a:txBody>
-                  <a:tcPr/>
                 </a:tc>
               </a:tr>
             </a:tbl>
@@ -13053,7 +12233,7 @@
     </p:spTree>
     <p:extLst>
       <p:ext uri="{BB962C8B-B14F-4D97-AF65-F5344CB8AC3E}">
-        <p14:creationId xmlns:p14="http://schemas.microsoft.com/office/powerpoint/2010/main" val="349428462"/>
+        <p14:creationId xmlns:p14="http://schemas.microsoft.com/office/powerpoint/2010/main" val="1003701864"/>
       </p:ext>
     </p:extLst>
   </p:cSld>
@@ -13095,18 +12275,380 @@
           <a:bodyPr/>
           <a:lstStyle/>
           <a:p>
-            <a:endParaRPr lang="en-US"/>
-          </a:p>
-        </p:txBody>
-      </p:sp>
-      <p:sp>
-        <p:nvSpPr>
-          <p:cNvPr id="3" name="Content Placeholder 2"/>
+            <a:r>
+              <a:rPr lang="en-US" b="1" dirty="0"/>
+              <a:t>Bitwise Operators</a:t>
+            </a:r>
+            <a:br>
+              <a:rPr lang="en-US" b="1" dirty="0"/>
+            </a:br>
+            <a:endParaRPr lang="en-US" dirty="0"/>
+          </a:p>
+        </p:txBody>
+      </p:sp>
+      <p:graphicFrame>
+        <p:nvGraphicFramePr>
+          <p:cNvPr id="4" name="Content Placeholder 3"/>
+          <p:cNvGraphicFramePr>
+            <a:graphicFrameLocks noGrp="1"/>
+          </p:cNvGraphicFramePr>
+          <p:nvPr>
+            <p:ph idx="1"/>
+            <p:extLst>
+              <p:ext uri="{D42A27DB-BD31-4B8C-83A1-F6EECF244321}">
+                <p14:modId xmlns:p14="http://schemas.microsoft.com/office/powerpoint/2010/main" val="884039655"/>
+              </p:ext>
+            </p:extLst>
+          </p:nvPr>
+        </p:nvGraphicFramePr>
+        <p:xfrm>
+          <a:off x="401216" y="1264555"/>
+          <a:ext cx="11448630" cy="5303520"/>
+        </p:xfrm>
+        <a:graphic>
+          <a:graphicData uri="http://schemas.openxmlformats.org/drawingml/2006/table">
+            <a:tbl>
+              <a:tblPr firstRow="1" bandRow="1">
+                <a:tableStyleId>{5C22544A-7EE6-4342-B048-85BDC9FD1C3A}</a:tableStyleId>
+              </a:tblPr>
+              <a:tblGrid>
+                <a:gridCol w="3816210"/>
+                <a:gridCol w="3816210"/>
+                <a:gridCol w="3816210"/>
+              </a:tblGrid>
+              <a:tr h="357101">
+                <a:tc>
+                  <a:txBody>
+                    <a:bodyPr/>
+                    <a:lstStyle/>
+                    <a:p>
+                      <a:r>
+                        <a:rPr lang="en-US" dirty="0">
+                          <a:effectLst/>
+                        </a:rPr>
+                        <a:t>Operator</a:t>
+                      </a:r>
+                    </a:p>
+                  </a:txBody>
+                  <a:tcPr anchor="ctr"/>
+                </a:tc>
+                <a:tc>
+                  <a:txBody>
+                    <a:bodyPr/>
+                    <a:lstStyle/>
+                    <a:p>
+                      <a:r>
+                        <a:rPr lang="en-US">
+                          <a:effectLst/>
+                        </a:rPr>
+                        <a:t>Description</a:t>
+                      </a:r>
+                    </a:p>
+                  </a:txBody>
+                  <a:tcPr anchor="ctr"/>
+                </a:tc>
+                <a:tc>
+                  <a:txBody>
+                    <a:bodyPr/>
+                    <a:lstStyle/>
+                    <a:p>
+                      <a:r>
+                        <a:rPr lang="en-US"/>
+                        <a:t>Example</a:t>
+                      </a:r>
+                    </a:p>
+                  </a:txBody>
+                  <a:tcPr anchor="ctr"/>
+                </a:tc>
+              </a:tr>
+              <a:tr h="370840">
+                <a:tc>
+                  <a:txBody>
+                    <a:bodyPr/>
+                    <a:lstStyle/>
+                    <a:p>
+                      <a:r>
+                        <a:rPr lang="en-US"/>
+                        <a:t>&amp; Binary AND</a:t>
+                      </a:r>
+                    </a:p>
+                  </a:txBody>
+                  <a:tcPr anchor="ctr"/>
+                </a:tc>
+                <a:tc>
+                  <a:txBody>
+                    <a:bodyPr/>
+                    <a:lstStyle/>
+                    <a:p>
+                      <a:r>
+                        <a:rPr lang="en-US"/>
+                        <a:t>Operator copies a bit to the result if it exists in both operands </a:t>
+                      </a:r>
+                    </a:p>
+                  </a:txBody>
+                  <a:tcPr anchor="ctr"/>
+                </a:tc>
+                <a:tc>
+                  <a:txBody>
+                    <a:bodyPr/>
+                    <a:lstStyle/>
+                    <a:p>
+                      <a:r>
+                        <a:rPr lang="en-US"/>
+                        <a:t>(a &amp; b) (means 0000 1100)</a:t>
+                      </a:r>
+                    </a:p>
+                  </a:txBody>
+                  <a:tcPr anchor="ctr"/>
+                </a:tc>
+              </a:tr>
+              <a:tr h="370840">
+                <a:tc>
+                  <a:txBody>
+                    <a:bodyPr/>
+                    <a:lstStyle/>
+                    <a:p>
+                      <a:r>
+                        <a:rPr lang="en-US" dirty="0"/>
+                        <a:t>| Binary OR</a:t>
+                      </a:r>
+                    </a:p>
+                  </a:txBody>
+                  <a:tcPr anchor="ctr"/>
+                </a:tc>
+                <a:tc>
+                  <a:txBody>
+                    <a:bodyPr/>
+                    <a:lstStyle/>
+                    <a:p>
+                      <a:r>
+                        <a:rPr lang="en-US"/>
+                        <a:t>It copies a bit if it exists in either operand.</a:t>
+                      </a:r>
+                    </a:p>
+                  </a:txBody>
+                  <a:tcPr anchor="ctr"/>
+                </a:tc>
+                <a:tc>
+                  <a:txBody>
+                    <a:bodyPr/>
+                    <a:lstStyle/>
+                    <a:p>
+                      <a:r>
+                        <a:rPr lang="hr-HR"/>
+                        <a:t>(a | b) = 61 (means 0011 1101)</a:t>
+                      </a:r>
+                    </a:p>
+                  </a:txBody>
+                  <a:tcPr anchor="ctr"/>
+                </a:tc>
+              </a:tr>
+              <a:tr h="370840">
+                <a:tc>
+                  <a:txBody>
+                    <a:bodyPr/>
+                    <a:lstStyle/>
+                    <a:p>
+                      <a:r>
+                        <a:rPr lang="en-US"/>
+                        <a:t>^ Binary XOR</a:t>
+                      </a:r>
+                    </a:p>
+                  </a:txBody>
+                  <a:tcPr anchor="ctr"/>
+                </a:tc>
+                <a:tc>
+                  <a:txBody>
+                    <a:bodyPr/>
+                    <a:lstStyle/>
+                    <a:p>
+                      <a:r>
+                        <a:rPr lang="en-US"/>
+                        <a:t>It copies the bit if it is set in one operand but not both.</a:t>
+                      </a:r>
+                    </a:p>
+                  </a:txBody>
+                  <a:tcPr anchor="ctr"/>
+                </a:tc>
+                <a:tc>
+                  <a:txBody>
+                    <a:bodyPr/>
+                    <a:lstStyle/>
+                    <a:p>
+                      <a:r>
+                        <a:rPr lang="en-US"/>
+                        <a:t>(a ^ b) = 49 (means 0011 0001)</a:t>
+                      </a:r>
+                    </a:p>
+                  </a:txBody>
+                  <a:tcPr anchor="ctr"/>
+                </a:tc>
+              </a:tr>
+              <a:tr h="370840">
+                <a:tc>
+                  <a:txBody>
+                    <a:bodyPr/>
+                    <a:lstStyle/>
+                    <a:p>
+                      <a:r>
+                        <a:rPr lang="en-US"/>
+                        <a:t>~ Binary Ones Complement</a:t>
+                      </a:r>
+                    </a:p>
+                  </a:txBody>
+                  <a:tcPr anchor="ctr"/>
+                </a:tc>
+                <a:tc>
+                  <a:txBody>
+                    <a:bodyPr/>
+                    <a:lstStyle/>
+                    <a:p>
+                      <a:r>
+                        <a:rPr lang="en-US"/>
+                        <a:t>It is unary and has the effect of 'flipping' bits.</a:t>
+                      </a:r>
+                    </a:p>
+                  </a:txBody>
+                  <a:tcPr anchor="ctr"/>
+                </a:tc>
+                <a:tc>
+                  <a:txBody>
+                    <a:bodyPr/>
+                    <a:lstStyle/>
+                    <a:p>
+                      <a:r>
+                        <a:rPr lang="en-US"/>
+                        <a:t>(~a ) = -61 (means 1100 0011 in 2's complement form due to a signed binary number.</a:t>
+                      </a:r>
+                    </a:p>
+                  </a:txBody>
+                  <a:tcPr anchor="ctr"/>
+                </a:tc>
+              </a:tr>
+              <a:tr h="370840">
+                <a:tc>
+                  <a:txBody>
+                    <a:bodyPr/>
+                    <a:lstStyle/>
+                    <a:p>
+                      <a:r>
+                        <a:rPr lang="en-US"/>
+                        <a:t>&lt;&lt; Binary Left Shift</a:t>
+                      </a:r>
+                    </a:p>
+                  </a:txBody>
+                  <a:tcPr anchor="ctr"/>
+                </a:tc>
+                <a:tc>
+                  <a:txBody>
+                    <a:bodyPr/>
+                    <a:lstStyle/>
+                    <a:p>
+                      <a:r>
+                        <a:rPr lang="en-US"/>
+                        <a:t>The left operands value is moved left by the number of bits specified by the right operand.</a:t>
+                      </a:r>
+                    </a:p>
+                  </a:txBody>
+                  <a:tcPr anchor="ctr"/>
+                </a:tc>
+                <a:tc>
+                  <a:txBody>
+                    <a:bodyPr/>
+                    <a:lstStyle/>
+                    <a:p>
+                      <a:r>
+                        <a:rPr lang="cs-CZ"/>
+                        <a:t>a &lt;&lt; 2 = 240 (means 1111 0000)</a:t>
+                      </a:r>
+                    </a:p>
+                  </a:txBody>
+                  <a:tcPr anchor="ctr"/>
+                </a:tc>
+              </a:tr>
+              <a:tr h="370840">
+                <a:tc>
+                  <a:txBody>
+                    <a:bodyPr/>
+                    <a:lstStyle/>
+                    <a:p>
+                      <a:r>
+                        <a:rPr lang="en-US"/>
+                        <a:t>&gt;&gt; Binary Right Shift</a:t>
+                      </a:r>
+                    </a:p>
+                  </a:txBody>
+                  <a:tcPr anchor="ctr"/>
+                </a:tc>
+                <a:tc>
+                  <a:txBody>
+                    <a:bodyPr/>
+                    <a:lstStyle/>
+                    <a:p>
+                      <a:r>
+                        <a:rPr lang="en-US"/>
+                        <a:t>The left operands value is moved right by the number of bits specified by the right operand.</a:t>
+                      </a:r>
+                    </a:p>
+                  </a:txBody>
+                  <a:tcPr anchor="ctr"/>
+                </a:tc>
+                <a:tc>
+                  <a:txBody>
+                    <a:bodyPr/>
+                    <a:lstStyle/>
+                    <a:p>
+                      <a:r>
+                        <a:rPr lang="en-US" dirty="0"/>
+                        <a:t>a &gt;&gt; 2 = 15 (means 0000 1111)</a:t>
+                      </a:r>
+                    </a:p>
+                  </a:txBody>
+                  <a:tcPr anchor="ctr"/>
+                </a:tc>
+              </a:tr>
+            </a:tbl>
+          </a:graphicData>
+        </a:graphic>
+      </p:graphicFrame>
+    </p:spTree>
+    <p:extLst>
+      <p:ext uri="{BB962C8B-B14F-4D97-AF65-F5344CB8AC3E}">
+        <p14:creationId xmlns:p14="http://schemas.microsoft.com/office/powerpoint/2010/main" val="2116655120"/>
+      </p:ext>
+    </p:extLst>
+  </p:cSld>
+  <p:clrMapOvr>
+    <a:masterClrMapping/>
+  </p:clrMapOvr>
+</p:sld>
+</file>
+
+<file path=ppt/slides/slide29.xml><?xml version="1.0" encoding="utf-8"?>
+<p:sld xmlns:a="http://schemas.openxmlformats.org/drawingml/2006/main" xmlns:r="http://schemas.openxmlformats.org/officeDocument/2006/relationships" xmlns:p="http://schemas.openxmlformats.org/presentationml/2006/main">
+  <p:cSld>
+    <p:spTree>
+      <p:nvGrpSpPr>
+        <p:cNvPr id="1" name=""/>
+        <p:cNvGrpSpPr/>
+        <p:nvPr/>
+      </p:nvGrpSpPr>
+      <p:grpSpPr>
+        <a:xfrm>
+          <a:off x="0" y="0"/>
+          <a:ext cx="0" cy="0"/>
+          <a:chOff x="0" y="0"/>
+          <a:chExt cx="0" cy="0"/>
+        </a:xfrm>
+      </p:grpSpPr>
+      <p:sp>
+        <p:nvSpPr>
+          <p:cNvPr id="2" name="Title 1"/>
           <p:cNvSpPr>
             <a:spLocks noGrp="1"/>
           </p:cNvSpPr>
           <p:nvPr>
-            <p:ph idx="1"/>
+            <p:ph type="title"/>
           </p:nvPr>
         </p:nvSpPr>
         <p:spPr/>
@@ -13114,14 +12656,587 @@
           <a:bodyPr/>
           <a:lstStyle/>
           <a:p>
-            <a:endParaRPr lang="en-US"/>
-          </a:p>
-        </p:txBody>
-      </p:sp>
+            <a:r>
+              <a:rPr lang="en-US" b="1" dirty="0"/>
+              <a:t>Operators Precedence</a:t>
+            </a:r>
+            <a:br>
+              <a:rPr lang="en-US" b="1" dirty="0"/>
+            </a:br>
+            <a:endParaRPr lang="en-US" dirty="0"/>
+          </a:p>
+        </p:txBody>
+      </p:sp>
+      <p:graphicFrame>
+        <p:nvGraphicFramePr>
+          <p:cNvPr id="4" name="Content Placeholder 3"/>
+          <p:cNvGraphicFramePr>
+            <a:graphicFrameLocks noGrp="1"/>
+          </p:cNvGraphicFramePr>
+          <p:nvPr>
+            <p:ph idx="1"/>
+            <p:extLst>
+              <p:ext uri="{D42A27DB-BD31-4B8C-83A1-F6EECF244321}">
+                <p14:modId xmlns:p14="http://schemas.microsoft.com/office/powerpoint/2010/main" val="1909559959"/>
+              </p:ext>
+            </p:extLst>
+          </p:nvPr>
+        </p:nvGraphicFramePr>
+        <p:xfrm>
+          <a:off x="1926739" y="1340498"/>
+          <a:ext cx="8915400" cy="7086600"/>
+        </p:xfrm>
+        <a:graphic>
+          <a:graphicData uri="http://schemas.openxmlformats.org/drawingml/2006/table">
+            <a:tbl>
+              <a:tblPr firstRow="1" bandRow="1">
+                <a:tableStyleId>{5C22544A-7EE6-4342-B048-85BDC9FD1C3A}</a:tableStyleId>
+              </a:tblPr>
+              <a:tblGrid>
+                <a:gridCol w="2971800"/>
+                <a:gridCol w="2971800"/>
+                <a:gridCol w="2971800"/>
+              </a:tblGrid>
+              <a:tr h="370840">
+                <a:tc>
+                  <a:txBody>
+                    <a:bodyPr/>
+                    <a:lstStyle/>
+                    <a:p>
+                      <a:r>
+                        <a:rPr lang="en-US" dirty="0"/>
+                        <a:t>Operator</a:t>
+                      </a:r>
+                    </a:p>
+                  </a:txBody>
+                  <a:tcPr anchor="ctr"/>
+                </a:tc>
+                <a:tc>
+                  <a:txBody>
+                    <a:bodyPr/>
+                    <a:lstStyle/>
+                    <a:p>
+                      <a:r>
+                        <a:rPr lang="en-US"/>
+                        <a:t>Description</a:t>
+                      </a:r>
+                    </a:p>
+                  </a:txBody>
+                  <a:tcPr anchor="ctr"/>
+                </a:tc>
+                <a:tc>
+                  <a:txBody>
+                    <a:bodyPr/>
+                    <a:lstStyle/>
+                    <a:p>
+                      <a:endParaRPr lang="en-US" dirty="0"/>
+                    </a:p>
+                  </a:txBody>
+                  <a:tcPr/>
+                </a:tc>
+              </a:tr>
+              <a:tr h="370840">
+                <a:tc>
+                  <a:txBody>
+                    <a:bodyPr/>
+                    <a:lstStyle/>
+                    <a:p>
+                      <a:r>
+                        <a:rPr lang="mr-IN"/>
+                        <a:t>**</a:t>
+                      </a:r>
+                    </a:p>
+                  </a:txBody>
+                  <a:tcPr anchor="ctr"/>
+                </a:tc>
+                <a:tc>
+                  <a:txBody>
+                    <a:bodyPr/>
+                    <a:lstStyle/>
+                    <a:p>
+                      <a:r>
+                        <a:rPr lang="en-US"/>
+                        <a:t>Exponentiation (raise to the power)</a:t>
+                      </a:r>
+                    </a:p>
+                  </a:txBody>
+                  <a:tcPr anchor="ctr"/>
+                </a:tc>
+                <a:tc>
+                  <a:txBody>
+                    <a:bodyPr/>
+                    <a:lstStyle/>
+                    <a:p>
+                      <a:endParaRPr lang="en-US"/>
+                    </a:p>
+                  </a:txBody>
+                  <a:tcPr/>
+                </a:tc>
+              </a:tr>
+              <a:tr h="370840">
+                <a:tc>
+                  <a:txBody>
+                    <a:bodyPr/>
+                    <a:lstStyle/>
+                    <a:p>
+                      <a:r>
+                        <a:rPr lang="mr-IN"/>
+                        <a:t>~ + -</a:t>
+                      </a:r>
+                    </a:p>
+                  </a:txBody>
+                  <a:tcPr anchor="ctr"/>
+                </a:tc>
+                <a:tc>
+                  <a:txBody>
+                    <a:bodyPr/>
+                    <a:lstStyle/>
+                    <a:p>
+                      <a:r>
+                        <a:rPr lang="en-US"/>
+                        <a:t>Complement, unary plus and minus (method names for the last two are +@ and -@)</a:t>
+                      </a:r>
+                    </a:p>
+                  </a:txBody>
+                  <a:tcPr anchor="ctr"/>
+                </a:tc>
+                <a:tc>
+                  <a:txBody>
+                    <a:bodyPr/>
+                    <a:lstStyle/>
+                    <a:p>
+                      <a:endParaRPr lang="en-US"/>
+                    </a:p>
+                  </a:txBody>
+                  <a:tcPr/>
+                </a:tc>
+              </a:tr>
+              <a:tr h="370840">
+                <a:tc>
+                  <a:txBody>
+                    <a:bodyPr/>
+                    <a:lstStyle/>
+                    <a:p>
+                      <a:r>
+                        <a:rPr lang="mr-IN"/>
+                        <a:t>* / % //</a:t>
+                      </a:r>
+                    </a:p>
+                  </a:txBody>
+                  <a:tcPr anchor="ctr"/>
+                </a:tc>
+                <a:tc>
+                  <a:txBody>
+                    <a:bodyPr/>
+                    <a:lstStyle/>
+                    <a:p>
+                      <a:r>
+                        <a:rPr lang="en-US"/>
+                        <a:t>Multiply, divide, modulo and floor division</a:t>
+                      </a:r>
+                    </a:p>
+                  </a:txBody>
+                  <a:tcPr anchor="ctr"/>
+                </a:tc>
+                <a:tc>
+                  <a:txBody>
+                    <a:bodyPr/>
+                    <a:lstStyle/>
+                    <a:p>
+                      <a:endParaRPr lang="en-US"/>
+                    </a:p>
+                  </a:txBody>
+                  <a:tcPr/>
+                </a:tc>
+              </a:tr>
+              <a:tr h="370840">
+                <a:tc>
+                  <a:txBody>
+                    <a:bodyPr/>
+                    <a:lstStyle/>
+                    <a:p>
+                      <a:r>
+                        <a:rPr lang="mr-IN"/>
+                        <a:t>+ -</a:t>
+                      </a:r>
+                    </a:p>
+                  </a:txBody>
+                  <a:tcPr anchor="ctr"/>
+                </a:tc>
+                <a:tc>
+                  <a:txBody>
+                    <a:bodyPr/>
+                    <a:lstStyle/>
+                    <a:p>
+                      <a:r>
+                        <a:rPr lang="en-US"/>
+                        <a:t>Addition and subtraction</a:t>
+                      </a:r>
+                    </a:p>
+                  </a:txBody>
+                  <a:tcPr anchor="ctr"/>
+                </a:tc>
+                <a:tc>
+                  <a:txBody>
+                    <a:bodyPr/>
+                    <a:lstStyle/>
+                    <a:p>
+                      <a:endParaRPr lang="en-US"/>
+                    </a:p>
+                  </a:txBody>
+                  <a:tcPr/>
+                </a:tc>
+              </a:tr>
+              <a:tr h="370840">
+                <a:tc>
+                  <a:txBody>
+                    <a:bodyPr/>
+                    <a:lstStyle/>
+                    <a:p>
+                      <a:r>
+                        <a:rPr lang="mr-IN"/>
+                        <a:t>&gt;&gt; &lt;&lt;</a:t>
+                      </a:r>
+                    </a:p>
+                  </a:txBody>
+                  <a:tcPr anchor="ctr"/>
+                </a:tc>
+                <a:tc>
+                  <a:txBody>
+                    <a:bodyPr/>
+                    <a:lstStyle/>
+                    <a:p>
+                      <a:r>
+                        <a:rPr lang="en-US"/>
+                        <a:t>Right and left bitwise shift</a:t>
+                      </a:r>
+                    </a:p>
+                  </a:txBody>
+                  <a:tcPr anchor="ctr"/>
+                </a:tc>
+                <a:tc>
+                  <a:txBody>
+                    <a:bodyPr/>
+                    <a:lstStyle/>
+                    <a:p>
+                      <a:endParaRPr lang="en-US"/>
+                    </a:p>
+                  </a:txBody>
+                  <a:tcPr/>
+                </a:tc>
+              </a:tr>
+              <a:tr h="370840">
+                <a:tc>
+                  <a:txBody>
+                    <a:bodyPr/>
+                    <a:lstStyle/>
+                    <a:p>
+                      <a:r>
+                        <a:rPr lang="uk-UA"/>
+                        <a:t>&amp;</a:t>
+                      </a:r>
+                    </a:p>
+                  </a:txBody>
+                  <a:tcPr anchor="ctr"/>
+                </a:tc>
+                <a:tc>
+                  <a:txBody>
+                    <a:bodyPr/>
+                    <a:lstStyle/>
+                    <a:p>
+                      <a:r>
+                        <a:rPr lang="en-US"/>
+                        <a:t>Bitwise 'AND'</a:t>
+                      </a:r>
+                    </a:p>
+                  </a:txBody>
+                  <a:tcPr anchor="ctr"/>
+                </a:tc>
+                <a:tc>
+                  <a:txBody>
+                    <a:bodyPr/>
+                    <a:lstStyle/>
+                    <a:p>
+                      <a:endParaRPr lang="en-US"/>
+                    </a:p>
+                  </a:txBody>
+                  <a:tcPr anchor="ctr"/>
+                </a:tc>
+              </a:tr>
+              <a:tr h="370840">
+                <a:tc>
+                  <a:txBody>
+                    <a:bodyPr/>
+                    <a:lstStyle/>
+                    <a:p>
+                      <a:r>
+                        <a:rPr lang="hr-HR"/>
+                        <a:t>^ |</a:t>
+                      </a:r>
+                    </a:p>
+                  </a:txBody>
+                  <a:tcPr anchor="ctr"/>
+                </a:tc>
+                <a:tc>
+                  <a:txBody>
+                    <a:bodyPr/>
+                    <a:lstStyle/>
+                    <a:p>
+                      <a:r>
+                        <a:rPr lang="en-US"/>
+                        <a:t>Bitwise exclusive `OR' and regular `OR'</a:t>
+                      </a:r>
+                    </a:p>
+                  </a:txBody>
+                  <a:tcPr anchor="ctr"/>
+                </a:tc>
+                <a:tc>
+                  <a:txBody>
+                    <a:bodyPr/>
+                    <a:lstStyle/>
+                    <a:p>
+                      <a:endParaRPr lang="en-US"/>
+                    </a:p>
+                  </a:txBody>
+                  <a:tcPr/>
+                </a:tc>
+              </a:tr>
+              <a:tr h="370840">
+                <a:tc>
+                  <a:txBody>
+                    <a:bodyPr/>
+                    <a:lstStyle/>
+                    <a:p>
+                      <a:r>
+                        <a:rPr lang="mr-IN"/>
+                        <a:t>&lt;= &lt; &gt; &gt;=</a:t>
+                      </a:r>
+                    </a:p>
+                  </a:txBody>
+                  <a:tcPr anchor="ctr"/>
+                </a:tc>
+                <a:tc>
+                  <a:txBody>
+                    <a:bodyPr/>
+                    <a:lstStyle/>
+                    <a:p>
+                      <a:r>
+                        <a:rPr lang="en-US"/>
+                        <a:t>Comparison operators</a:t>
+                      </a:r>
+                    </a:p>
+                  </a:txBody>
+                  <a:tcPr anchor="ctr"/>
+                </a:tc>
+                <a:tc>
+                  <a:txBody>
+                    <a:bodyPr/>
+                    <a:lstStyle/>
+                    <a:p>
+                      <a:endParaRPr lang="en-US"/>
+                    </a:p>
+                  </a:txBody>
+                  <a:tcPr/>
+                </a:tc>
+              </a:tr>
+              <a:tr h="370840">
+                <a:tc>
+                  <a:txBody>
+                    <a:bodyPr/>
+                    <a:lstStyle/>
+                    <a:p>
+                      <a:r>
+                        <a:rPr lang="mr-IN"/>
+                        <a:t>&lt;&gt; == !=</a:t>
+                      </a:r>
+                    </a:p>
+                  </a:txBody>
+                  <a:tcPr anchor="ctr"/>
+                </a:tc>
+                <a:tc>
+                  <a:txBody>
+                    <a:bodyPr/>
+                    <a:lstStyle/>
+                    <a:p>
+                      <a:r>
+                        <a:rPr lang="en-US"/>
+                        <a:t>Equality operators</a:t>
+                      </a:r>
+                    </a:p>
+                  </a:txBody>
+                  <a:tcPr anchor="ctr"/>
+                </a:tc>
+                <a:tc>
+                  <a:txBody>
+                    <a:bodyPr/>
+                    <a:lstStyle/>
+                    <a:p>
+                      <a:endParaRPr lang="en-US"/>
+                    </a:p>
+                  </a:txBody>
+                  <a:tcPr/>
+                </a:tc>
+              </a:tr>
+              <a:tr h="370840">
+                <a:tc>
+                  <a:txBody>
+                    <a:bodyPr/>
+                    <a:lstStyle/>
+                    <a:p>
+                      <a:r>
+                        <a:rPr lang="mr-IN"/>
+                        <a:t>= %= /= //= -= += *= **=</a:t>
+                      </a:r>
+                    </a:p>
+                  </a:txBody>
+                  <a:tcPr anchor="ctr"/>
+                </a:tc>
+                <a:tc>
+                  <a:txBody>
+                    <a:bodyPr/>
+                    <a:lstStyle/>
+                    <a:p>
+                      <a:r>
+                        <a:rPr lang="en-US"/>
+                        <a:t>Assignment operators</a:t>
+                      </a:r>
+                    </a:p>
+                  </a:txBody>
+                  <a:tcPr anchor="ctr"/>
+                </a:tc>
+                <a:tc>
+                  <a:txBody>
+                    <a:bodyPr/>
+                    <a:lstStyle/>
+                    <a:p>
+                      <a:endParaRPr lang="en-US"/>
+                    </a:p>
+                  </a:txBody>
+                  <a:tcPr/>
+                </a:tc>
+              </a:tr>
+              <a:tr h="370840">
+                <a:tc>
+                  <a:txBody>
+                    <a:bodyPr/>
+                    <a:lstStyle/>
+                    <a:p>
+                      <a:r>
+                        <a:rPr lang="en-US"/>
+                        <a:t>is is not</a:t>
+                      </a:r>
+                    </a:p>
+                  </a:txBody>
+                  <a:tcPr anchor="ctr"/>
+                </a:tc>
+                <a:tc>
+                  <a:txBody>
+                    <a:bodyPr/>
+                    <a:lstStyle/>
+                    <a:p>
+                      <a:r>
+                        <a:rPr lang="en-US"/>
+                        <a:t>Identity operators</a:t>
+                      </a:r>
+                    </a:p>
+                  </a:txBody>
+                  <a:tcPr anchor="ctr"/>
+                </a:tc>
+                <a:tc>
+                  <a:txBody>
+                    <a:bodyPr/>
+                    <a:lstStyle/>
+                    <a:p>
+                      <a:endParaRPr lang="en-US"/>
+                    </a:p>
+                  </a:txBody>
+                  <a:tcPr/>
+                </a:tc>
+              </a:tr>
+              <a:tr h="370840">
+                <a:tc>
+                  <a:txBody>
+                    <a:bodyPr/>
+                    <a:lstStyle/>
+                    <a:p>
+                      <a:r>
+                        <a:rPr lang="en-US"/>
+                        <a:t>in not in</a:t>
+                      </a:r>
+                    </a:p>
+                  </a:txBody>
+                  <a:tcPr anchor="ctr"/>
+                </a:tc>
+                <a:tc>
+                  <a:txBody>
+                    <a:bodyPr/>
+                    <a:lstStyle/>
+                    <a:p>
+                      <a:r>
+                        <a:rPr lang="en-US"/>
+                        <a:t>Membership operators</a:t>
+                      </a:r>
+                    </a:p>
+                  </a:txBody>
+                  <a:tcPr anchor="ctr"/>
+                </a:tc>
+                <a:tc>
+                  <a:txBody>
+                    <a:bodyPr/>
+                    <a:lstStyle/>
+                    <a:p>
+                      <a:endParaRPr lang="en-US"/>
+                    </a:p>
+                  </a:txBody>
+                  <a:tcPr/>
+                </a:tc>
+              </a:tr>
+              <a:tr h="370840">
+                <a:tc>
+                  <a:txBody>
+                    <a:bodyPr/>
+                    <a:lstStyle/>
+                    <a:p>
+                      <a:r>
+                        <a:rPr lang="en-US"/>
+                        <a:t>not or and</a:t>
+                      </a:r>
+                    </a:p>
+                  </a:txBody>
+                  <a:tcPr anchor="ctr"/>
+                </a:tc>
+                <a:tc>
+                  <a:txBody>
+                    <a:bodyPr/>
+                    <a:lstStyle/>
+                    <a:p>
+                      <a:r>
+                        <a:rPr lang="en-US"/>
+                        <a:t>Logical operators</a:t>
+                      </a:r>
+                    </a:p>
+                  </a:txBody>
+                  <a:tcPr anchor="ctr"/>
+                </a:tc>
+                <a:tc>
+                  <a:txBody>
+                    <a:bodyPr/>
+                    <a:lstStyle/>
+                    <a:p>
+                      <a:endParaRPr lang="en-US" dirty="0"/>
+                    </a:p>
+                  </a:txBody>
+                  <a:tcPr/>
+                </a:tc>
+              </a:tr>
+            </a:tbl>
+          </a:graphicData>
+        </a:graphic>
+      </p:graphicFrame>
     </p:spTree>
     <p:extLst>
       <p:ext uri="{BB962C8B-B14F-4D97-AF65-F5344CB8AC3E}">
-        <p14:creationId xmlns:p14="http://schemas.microsoft.com/office/powerpoint/2010/main" val="720291688"/>
+        <p14:creationId xmlns:p14="http://schemas.microsoft.com/office/powerpoint/2010/main" val="349428462"/>
       </p:ext>
     </p:extLst>
   </p:cSld>
@@ -13165,7 +13280,7 @@
           <a:p>
             <a:r>
               <a:rPr lang="en-US" altLang="zh-CN" dirty="0" smtClean="0"/>
-              <a:t>Course</a:t>
+              <a:t>Python</a:t>
             </a:r>
             <a:r>
               <a:rPr lang="zh-CN" altLang="en-US" dirty="0" smtClean="0"/>
@@ -13173,7 +13288,11 @@
             </a:r>
             <a:r>
               <a:rPr lang="en-US" altLang="zh-CN" dirty="0" smtClean="0"/>
-              <a:t>Outline</a:t>
+              <a:t>Salary</a:t>
+            </a:r>
+            <a:r>
+              <a:rPr lang="zh-CN" altLang="en-US" dirty="0" smtClean="0"/>
+              <a:t>  </a:t>
             </a:r>
             <a:endParaRPr lang="en-US" dirty="0"/>
           </a:p>
@@ -13189,104 +13308,175 @@
             <p:ph idx="1"/>
           </p:nvPr>
         </p:nvSpPr>
-        <p:spPr/>
-        <p:txBody>
-          <a:bodyPr/>
+        <p:spPr>
+          <a:xfrm>
+            <a:off x="2601270" y="2170922"/>
+            <a:ext cx="8915400" cy="3777622"/>
+          </a:xfrm>
+        </p:spPr>
+        <p:txBody>
+          <a:bodyPr>
+            <a:normAutofit fontScale="92500" lnSpcReduction="20000"/>
+          </a:bodyPr>
           <a:lstStyle/>
           <a:p>
             <a:r>
-              <a:rPr lang="en-US" i="1" dirty="0" smtClean="0"/>
-              <a:t>Hello</a:t>
-            </a:r>
-            <a:r>
-              <a:rPr lang="en-US" i="1" dirty="0"/>
-              <a:t>, World!</a:t>
-            </a:r>
-            <a:br>
-              <a:rPr lang="en-US" i="1" dirty="0"/>
-            </a:br>
-            <a:r>
-              <a:rPr lang="en-US" i="1" dirty="0"/>
-              <a:t>Variables and Types</a:t>
-            </a:r>
-            <a:br>
-              <a:rPr lang="en-US" i="1" dirty="0"/>
-            </a:br>
-            <a:r>
-              <a:rPr lang="en-US" i="1" dirty="0"/>
-              <a:t>Lists</a:t>
-            </a:r>
-            <a:br>
-              <a:rPr lang="en-US" i="1" dirty="0"/>
-            </a:br>
-            <a:r>
-              <a:rPr lang="en-US" i="1" dirty="0"/>
-              <a:t>Basic Operators</a:t>
-            </a:r>
-            <a:br>
-              <a:rPr lang="en-US" i="1" dirty="0"/>
-            </a:br>
-            <a:r>
-              <a:rPr lang="en-US" i="1" dirty="0"/>
-              <a:t>String Formatting</a:t>
-            </a:r>
-            <a:br>
-              <a:rPr lang="en-US" i="1" dirty="0"/>
-            </a:br>
-            <a:r>
-              <a:rPr lang="en-US" i="1" dirty="0"/>
-              <a:t>Basic String Operations</a:t>
-            </a:r>
-            <a:br>
-              <a:rPr lang="en-US" i="1" dirty="0"/>
-            </a:br>
-            <a:r>
-              <a:rPr lang="en-US" i="1" dirty="0"/>
-              <a:t>Conditions</a:t>
-            </a:r>
-            <a:br>
-              <a:rPr lang="en-US" i="1" dirty="0"/>
-            </a:br>
-            <a:r>
-              <a:rPr lang="en-US" i="1" dirty="0"/>
-              <a:t>Loops</a:t>
-            </a:r>
-            <a:br>
-              <a:rPr lang="en-US" i="1" dirty="0"/>
-            </a:br>
-            <a:r>
-              <a:rPr lang="en-US" i="1" dirty="0"/>
-              <a:t>Functions</a:t>
-            </a:r>
-            <a:br>
-              <a:rPr lang="en-US" i="1" dirty="0"/>
-            </a:br>
-            <a:r>
-              <a:rPr lang="en-US" i="1" dirty="0"/>
-              <a:t>Classes and Objects</a:t>
-            </a:r>
-            <a:br>
-              <a:rPr lang="en-US" i="1" dirty="0"/>
-            </a:br>
-            <a:r>
-              <a:rPr lang="en-US" i="1" dirty="0"/>
-              <a:t>Dictionaries</a:t>
-            </a:r>
-            <a:br>
-              <a:rPr lang="en-US" i="1" dirty="0"/>
-            </a:br>
-            <a:r>
-              <a:rPr lang="en-US" i="1" dirty="0"/>
-              <a:t>Modules and Packages</a:t>
-            </a:r>
+              <a:rPr lang="en-US" dirty="0">
+                <a:hlinkClick r:id="rId2"/>
+              </a:rPr>
+              <a:t>http://</a:t>
+            </a:r>
+            <a:r>
+              <a:rPr lang="en-US" dirty="0" smtClean="0">
+                <a:hlinkClick r:id="rId2"/>
+              </a:rPr>
+              <a:t>www.payscale.com/research/CA/Skill=Python/Salary</a:t>
+            </a:r>
+            <a:endParaRPr lang="en-US" dirty="0" smtClean="0"/>
+          </a:p>
+          <a:p>
             <a:endParaRPr lang="en-US" dirty="0"/>
           </a:p>
-        </p:txBody>
-      </p:sp>
+          <a:p>
+            <a:endParaRPr lang="en-US" dirty="0" smtClean="0"/>
+          </a:p>
+          <a:p>
+            <a:endParaRPr lang="en-US" dirty="0"/>
+          </a:p>
+          <a:p>
+            <a:endParaRPr lang="en-US" dirty="0" smtClean="0"/>
+          </a:p>
+          <a:p>
+            <a:endParaRPr lang="en-US" dirty="0"/>
+          </a:p>
+          <a:p>
+            <a:endParaRPr lang="en-US" dirty="0" smtClean="0"/>
+          </a:p>
+          <a:p>
+            <a:endParaRPr lang="en-US" dirty="0"/>
+          </a:p>
+          <a:p>
+            <a:endParaRPr lang="en-US" dirty="0" smtClean="0"/>
+          </a:p>
+          <a:p>
+            <a:endParaRPr lang="en-US" dirty="0"/>
+          </a:p>
+          <a:p>
+            <a:r>
+              <a:rPr lang="en-US" dirty="0" smtClean="0">
+                <a:hlinkClick r:id="rId2"/>
+              </a:rPr>
+              <a:t>http</a:t>
+            </a:r>
+            <a:r>
+              <a:rPr lang="en-US" dirty="0">
+                <a:hlinkClick r:id="rId2"/>
+              </a:rPr>
+              <a:t>://www.payscale.com/research/CA/Skill=Python/Salary</a:t>
+            </a:r>
+            <a:endParaRPr lang="en-US" dirty="0"/>
+          </a:p>
+          <a:p>
+            <a:endParaRPr lang="en-US" dirty="0"/>
+          </a:p>
+        </p:txBody>
+      </p:sp>
+      <p:pic>
+        <p:nvPicPr>
+          <p:cNvPr id="4" name="Picture 3"/>
+          <p:cNvPicPr>
+            <a:picLocks noChangeAspect="1"/>
+          </p:cNvPicPr>
+          <p:nvPr/>
+        </p:nvPicPr>
+        <p:blipFill>
+          <a:blip r:embed="rId3"/>
+          <a:stretch>
+            <a:fillRect/>
+          </a:stretch>
+        </p:blipFill>
+        <p:spPr>
+          <a:xfrm>
+            <a:off x="2479972" y="1264555"/>
+            <a:ext cx="7056064" cy="4791013"/>
+          </a:xfrm>
+          <a:prstGeom prst="rect">
+            <a:avLst/>
+          </a:prstGeom>
+        </p:spPr>
+      </p:pic>
     </p:spTree>
     <p:extLst>
       <p:ext uri="{BB962C8B-B14F-4D97-AF65-F5344CB8AC3E}">
-        <p14:creationId xmlns:p14="http://schemas.microsoft.com/office/powerpoint/2010/main" val="900831921"/>
+        <p14:creationId xmlns:p14="http://schemas.microsoft.com/office/powerpoint/2010/main" val="962835290"/>
+      </p:ext>
+    </p:extLst>
+  </p:cSld>
+  <p:clrMapOvr>
+    <a:masterClrMapping/>
+  </p:clrMapOvr>
+</p:sld>
+</file>
+
+<file path=ppt/slides/slide30.xml><?xml version="1.0" encoding="utf-8"?>
+<p:sld xmlns:a="http://schemas.openxmlformats.org/drawingml/2006/main" xmlns:r="http://schemas.openxmlformats.org/officeDocument/2006/relationships" xmlns:p="http://schemas.openxmlformats.org/presentationml/2006/main">
+  <p:cSld>
+    <p:spTree>
+      <p:nvGrpSpPr>
+        <p:cNvPr id="1" name=""/>
+        <p:cNvGrpSpPr/>
+        <p:nvPr/>
+      </p:nvGrpSpPr>
+      <p:grpSpPr>
+        <a:xfrm>
+          <a:off x="0" y="0"/>
+          <a:ext cx="0" cy="0"/>
+          <a:chOff x="0" y="0"/>
+          <a:chExt cx="0" cy="0"/>
+        </a:xfrm>
+      </p:grpSpPr>
+      <p:sp>
+        <p:nvSpPr>
+          <p:cNvPr id="2" name="Title 1"/>
+          <p:cNvSpPr>
+            <a:spLocks noGrp="1"/>
+          </p:cNvSpPr>
+          <p:nvPr>
+            <p:ph type="title"/>
+          </p:nvPr>
+        </p:nvSpPr>
+        <p:spPr/>
+        <p:txBody>
+          <a:bodyPr/>
+          <a:lstStyle/>
+          <a:p>
+            <a:endParaRPr lang="en-US"/>
+          </a:p>
+        </p:txBody>
+      </p:sp>
+      <p:sp>
+        <p:nvSpPr>
+          <p:cNvPr id="3" name="Content Placeholder 2"/>
+          <p:cNvSpPr>
+            <a:spLocks noGrp="1"/>
+          </p:cNvSpPr>
+          <p:nvPr>
+            <p:ph idx="1"/>
+          </p:nvPr>
+        </p:nvSpPr>
+        <p:spPr/>
+        <p:txBody>
+          <a:bodyPr/>
+          <a:lstStyle/>
+          <a:p>
+            <a:endParaRPr lang="en-US"/>
+          </a:p>
+        </p:txBody>
+      </p:sp>
+    </p:spTree>
+    <p:extLst>
+      <p:ext uri="{BB962C8B-B14F-4D97-AF65-F5344CB8AC3E}">
+        <p14:creationId xmlns:p14="http://schemas.microsoft.com/office/powerpoint/2010/main" val="720291688"/>
       </p:ext>
     </p:extLst>
   </p:cSld>
@@ -13329,120 +13519,51 @@
           <a:lstStyle/>
           <a:p>
             <a:r>
-              <a:rPr lang="en-US" altLang="zh-CN" dirty="0" smtClean="0"/>
-              <a:t>Projects</a:t>
+              <a:rPr lang="en-US" b="1" dirty="0"/>
+              <a:t>Common Career Paths for </a:t>
+            </a:r>
+            <a:r>
+              <a:rPr lang="en-US" b="1"/>
+              <a:t>Data </a:t>
+            </a:r>
+            <a:r>
+              <a:rPr lang="en-US" b="1" smtClean="0"/>
+              <a:t>Analyst</a:t>
             </a:r>
             <a:endParaRPr lang="en-US" dirty="0"/>
           </a:p>
         </p:txBody>
       </p:sp>
-      <p:sp>
-        <p:nvSpPr>
-          <p:cNvPr id="3" name="Content Placeholder 2"/>
-          <p:cNvSpPr>
-            <a:spLocks noGrp="1"/>
-          </p:cNvSpPr>
+      <p:pic>
+        <p:nvPicPr>
+          <p:cNvPr id="4" name="Content Placeholder 3"/>
+          <p:cNvPicPr>
+            <a:picLocks noGrp="1" noChangeAspect="1"/>
+          </p:cNvPicPr>
           <p:nvPr>
             <p:ph idx="1"/>
           </p:nvPr>
-        </p:nvSpPr>
-        <p:spPr/>
-        <p:txBody>
-          <a:bodyPr>
-            <a:normAutofit lnSpcReduction="10000"/>
-          </a:bodyPr>
-          <a:lstStyle/>
-          <a:p>
-            <a:r>
-              <a:rPr lang="en-US" i="1" dirty="0"/>
-              <a:t> Automation Testing</a:t>
-            </a:r>
-            <a:br>
-              <a:rPr lang="en-US" i="1" dirty="0"/>
-            </a:br>
-            <a:r>
-              <a:rPr lang="en-US" i="1" dirty="0"/>
-              <a:t>        Selenium Automation testing with Python</a:t>
-            </a:r>
-            <a:br>
-              <a:rPr lang="en-US" i="1" dirty="0"/>
-            </a:br>
-            <a:r>
-              <a:rPr lang="en-US" i="1" dirty="0"/>
-              <a:t>   </a:t>
-            </a:r>
-            <a:endParaRPr lang="en-US" i="1" dirty="0" smtClean="0"/>
-          </a:p>
-          <a:p>
-            <a:r>
-              <a:rPr lang="en-US" i="1" dirty="0" smtClean="0"/>
-              <a:t> </a:t>
-            </a:r>
-            <a:r>
-              <a:rPr lang="en-US" i="1" dirty="0"/>
-              <a:t>Stock Market Prediction in Python</a:t>
-            </a:r>
-            <a:br>
-              <a:rPr lang="en-US" i="1" dirty="0"/>
-            </a:br>
-            <a:r>
-              <a:rPr lang="en-US" i="1" dirty="0"/>
-              <a:t>        The aim of the project is to predict whether future daily returns of a S&amp;P 500 are going to be positive or negative.</a:t>
-            </a:r>
-            <a:br>
-              <a:rPr lang="en-US" i="1" dirty="0"/>
-            </a:br>
-            <a:r>
-              <a:rPr lang="en-US" i="1" dirty="0"/>
-              <a:t>   </a:t>
-            </a:r>
-            <a:endParaRPr lang="en-US" i="1" dirty="0" smtClean="0"/>
-          </a:p>
-          <a:p>
-            <a:r>
-              <a:rPr lang="en-US" i="1" dirty="0" smtClean="0"/>
-              <a:t>Bitcoin/Digital </a:t>
-            </a:r>
-            <a:r>
-              <a:rPr lang="en-US" i="1" dirty="0"/>
-              <a:t>currency Automated Trading  </a:t>
-            </a:r>
-            <a:br>
-              <a:rPr lang="en-US" i="1" dirty="0"/>
-            </a:br>
-            <a:r>
-              <a:rPr lang="en-US" i="1" dirty="0"/>
-              <a:t>         Professional algorithmic trading solution to support automated Bitcoin/Digital currency trading</a:t>
-            </a:r>
-            <a:br>
-              <a:rPr lang="en-US" i="1" dirty="0"/>
-            </a:br>
-            <a:r>
-              <a:rPr lang="en-US" dirty="0"/>
-              <a:t>Reference:</a:t>
-            </a:r>
-            <a:br>
-              <a:rPr lang="en-US" dirty="0"/>
-            </a:br>
-            <a:r>
-              <a:rPr lang="en-US" dirty="0"/>
-              <a:t>    http://</a:t>
-            </a:r>
-            <a:r>
-              <a:rPr lang="en-US" dirty="0" err="1"/>
-              <a:t>francescopochetti.com</a:t>
-            </a:r>
-            <a:r>
-              <a:rPr lang="en-US" dirty="0"/>
-              <a:t>/stock-market-prediction-part-introduction/</a:t>
-            </a:r>
-          </a:p>
-        </p:txBody>
-      </p:sp>
+        </p:nvPicPr>
+        <p:blipFill>
+          <a:blip r:embed="rId2"/>
+          <a:stretch>
+            <a:fillRect/>
+          </a:stretch>
+        </p:blipFill>
+        <p:spPr>
+          <a:xfrm>
+            <a:off x="2592925" y="1662776"/>
+            <a:ext cx="5914123" cy="4976862"/>
+          </a:xfrm>
+          <a:prstGeom prst="rect">
+            <a:avLst/>
+          </a:prstGeom>
+        </p:spPr>
+      </p:pic>
     </p:spTree>
     <p:extLst>
       <p:ext uri="{BB962C8B-B14F-4D97-AF65-F5344CB8AC3E}">
-        <p14:creationId xmlns:p14="http://schemas.microsoft.com/office/powerpoint/2010/main" val="387977645"/>
+        <p14:creationId xmlns:p14="http://schemas.microsoft.com/office/powerpoint/2010/main" val="1825222239"/>
       </p:ext>
     </p:extLst>
   </p:cSld>
@@ -13476,23 +13597,25 @@
             <a:spLocks noGrp="1"/>
           </p:cNvSpPr>
           <p:nvPr>
-            <p:ph type="ctrTitle"/>
+            <p:ph type="title"/>
           </p:nvPr>
         </p:nvSpPr>
         <p:spPr/>
         <p:txBody>
-          <a:bodyPr>
-            <a:normAutofit/>
-          </a:bodyPr>
+          <a:bodyPr/>
           <a:lstStyle/>
           <a:p>
             <a:r>
-              <a:rPr lang="en-US" b="1" dirty="0"/>
-              <a:t>An Informal Introduction to </a:t>
-            </a:r>
-            <a:r>
-              <a:rPr lang="en-US" b="1" dirty="0" smtClean="0"/>
-              <a:t>Python</a:t>
+              <a:rPr lang="en-US" altLang="zh-CN" dirty="0" smtClean="0"/>
+              <a:t>Course</a:t>
+            </a:r>
+            <a:r>
+              <a:rPr lang="zh-CN" altLang="en-US" dirty="0" smtClean="0"/>
+              <a:t> </a:t>
+            </a:r>
+            <a:r>
+              <a:rPr lang="en-US" altLang="zh-CN" dirty="0" smtClean="0"/>
+              <a:t>Outline</a:t>
             </a:r>
             <a:endParaRPr lang="en-US" dirty="0"/>
           </a:p>
@@ -13500,12 +13623,12 @@
       </p:sp>
       <p:sp>
         <p:nvSpPr>
-          <p:cNvPr id="3" name="Subtitle 2"/>
+          <p:cNvPr id="3" name="Content Placeholder 2"/>
           <p:cNvSpPr>
             <a:spLocks noGrp="1"/>
           </p:cNvSpPr>
           <p:nvPr>
-            <p:ph type="subTitle" idx="1"/>
+            <p:ph idx="1"/>
           </p:nvPr>
         </p:nvSpPr>
         <p:spPr/>
@@ -13513,14 +13636,99 @@
           <a:bodyPr/>
           <a:lstStyle/>
           <a:p>
-            <a:endParaRPr lang="en-US"/>
+            <a:r>
+              <a:rPr lang="en-US" i="1" dirty="0" smtClean="0"/>
+              <a:t>Hello</a:t>
+            </a:r>
+            <a:r>
+              <a:rPr lang="en-US" i="1" dirty="0"/>
+              <a:t>, World!</a:t>
+            </a:r>
+            <a:br>
+              <a:rPr lang="en-US" i="1" dirty="0"/>
+            </a:br>
+            <a:r>
+              <a:rPr lang="en-US" i="1" dirty="0"/>
+              <a:t>Variables and Types</a:t>
+            </a:r>
+            <a:br>
+              <a:rPr lang="en-US" i="1" dirty="0"/>
+            </a:br>
+            <a:r>
+              <a:rPr lang="en-US" i="1" dirty="0"/>
+              <a:t>Lists</a:t>
+            </a:r>
+            <a:br>
+              <a:rPr lang="en-US" i="1" dirty="0"/>
+            </a:br>
+            <a:r>
+              <a:rPr lang="en-US" i="1" dirty="0"/>
+              <a:t>Basic Operators</a:t>
+            </a:r>
+            <a:br>
+              <a:rPr lang="en-US" i="1" dirty="0"/>
+            </a:br>
+            <a:r>
+              <a:rPr lang="en-US" i="1" dirty="0"/>
+              <a:t>String Formatting</a:t>
+            </a:r>
+            <a:br>
+              <a:rPr lang="en-US" i="1" dirty="0"/>
+            </a:br>
+            <a:r>
+              <a:rPr lang="en-US" i="1" dirty="0"/>
+              <a:t>Basic String Operations</a:t>
+            </a:r>
+            <a:br>
+              <a:rPr lang="en-US" i="1" dirty="0"/>
+            </a:br>
+            <a:r>
+              <a:rPr lang="en-US" i="1" dirty="0"/>
+              <a:t>Conditions</a:t>
+            </a:r>
+            <a:br>
+              <a:rPr lang="en-US" i="1" dirty="0"/>
+            </a:br>
+            <a:r>
+              <a:rPr lang="en-US" i="1" dirty="0"/>
+              <a:t>Loops</a:t>
+            </a:r>
+            <a:br>
+              <a:rPr lang="en-US" i="1" dirty="0"/>
+            </a:br>
+            <a:r>
+              <a:rPr lang="en-US" i="1" dirty="0"/>
+              <a:t>Functions</a:t>
+            </a:r>
+            <a:br>
+              <a:rPr lang="en-US" i="1" dirty="0"/>
+            </a:br>
+            <a:r>
+              <a:rPr lang="en-US" i="1" dirty="0"/>
+              <a:t>Classes and Objects</a:t>
+            </a:r>
+            <a:br>
+              <a:rPr lang="en-US" i="1" dirty="0"/>
+            </a:br>
+            <a:r>
+              <a:rPr lang="en-US" i="1" dirty="0"/>
+              <a:t>Dictionaries</a:t>
+            </a:r>
+            <a:br>
+              <a:rPr lang="en-US" i="1" dirty="0"/>
+            </a:br>
+            <a:r>
+              <a:rPr lang="en-US" i="1" dirty="0"/>
+              <a:t>Modules and Packages</a:t>
+            </a:r>
+            <a:endParaRPr lang="en-US" dirty="0"/>
           </a:p>
         </p:txBody>
       </p:sp>
     </p:spTree>
     <p:extLst>
       <p:ext uri="{BB962C8B-B14F-4D97-AF65-F5344CB8AC3E}">
-        <p14:creationId xmlns:p14="http://schemas.microsoft.com/office/powerpoint/2010/main" val="1063660804"/>
+        <p14:creationId xmlns:p14="http://schemas.microsoft.com/office/powerpoint/2010/main" val="900831921"/>
       </p:ext>
     </p:extLst>
   </p:cSld>
@@ -13563,12 +13771,9 @@
           <a:lstStyle/>
           <a:p>
             <a:r>
-              <a:rPr lang="en-US" b="1" dirty="0"/>
-              <a:t>History of Python</a:t>
-            </a:r>
-            <a:br>
-              <a:rPr lang="en-US" b="1" dirty="0"/>
-            </a:br>
+              <a:rPr lang="en-US" altLang="zh-CN" dirty="0" smtClean="0"/>
+              <a:t>Projects</a:t>
+            </a:r>
             <a:endParaRPr lang="en-US" dirty="0"/>
           </a:p>
         </p:txBody>
@@ -13585,22 +13790,93 @@
         </p:nvSpPr>
         <p:spPr/>
         <p:txBody>
-          <a:bodyPr/>
+          <a:bodyPr>
+            <a:normAutofit lnSpcReduction="10000"/>
+          </a:bodyPr>
           <a:lstStyle/>
           <a:p>
             <a:r>
-              <a:rPr lang="en-US" b="1" dirty="0"/>
-              <a:t>Why Python was created?</a:t>
-            </a:r>
-          </a:p>
-          <a:p>
+              <a:rPr lang="en-US" i="1" dirty="0"/>
+              <a:t> Automation Testing</a:t>
+            </a:r>
+            <a:br>
+              <a:rPr lang="en-US" i="1" dirty="0"/>
+            </a:br>
+            <a:r>
+              <a:rPr lang="en-US" i="1" dirty="0"/>
+              <a:t>        Selenium Automation testing with Python</a:t>
+            </a:r>
+            <a:br>
+              <a:rPr lang="en-US" i="1" dirty="0"/>
+            </a:br>
+            <a:r>
+              <a:rPr lang="en-US" i="1" dirty="0"/>
+              <a:t>   </a:t>
+            </a:r>
+            <a:endParaRPr lang="en-US" i="1" dirty="0" smtClean="0"/>
+          </a:p>
+          <a:p>
+            <a:r>
+              <a:rPr lang="en-US" i="1" dirty="0" smtClean="0"/>
+              <a:t> </a:t>
+            </a:r>
+            <a:r>
+              <a:rPr lang="en-US" i="1" dirty="0"/>
+              <a:t>Stock Market Prediction in Python</a:t>
+            </a:r>
+            <a:br>
+              <a:rPr lang="en-US" i="1" dirty="0"/>
+            </a:br>
+            <a:r>
+              <a:rPr lang="en-US" i="1" dirty="0"/>
+              <a:t>        The aim of the project is to predict whether future daily returns of a S&amp;P 500 are going to be positive or negative.</a:t>
+            </a:r>
+            <a:br>
+              <a:rPr lang="en-US" i="1" dirty="0"/>
+            </a:br>
+            <a:r>
+              <a:rPr lang="en-US" i="1" dirty="0"/>
+              <a:t>   </a:t>
+            </a:r>
+            <a:endParaRPr lang="en-US" i="1" dirty="0" smtClean="0"/>
+          </a:p>
+          <a:p>
+            <a:r>
+              <a:rPr lang="en-US" i="1" dirty="0" smtClean="0"/>
+              <a:t>Bitcoin/Digital </a:t>
+            </a:r>
+            <a:r>
+              <a:rPr lang="en-US" i="1" dirty="0"/>
+              <a:t>currency Automated Trading  </a:t>
+            </a:r>
+            <a:br>
+              <a:rPr lang="en-US" i="1" dirty="0"/>
+            </a:br>
+            <a:r>
+              <a:rPr lang="en-US" i="1" dirty="0"/>
+              <a:t>         Professional algorithmic trading solution to support automated Bitcoin/Digital currency trading</a:t>
+            </a:r>
+            <a:br>
+              <a:rPr lang="en-US" i="1" dirty="0"/>
+            </a:br>
             <a:r>
               <a:rPr lang="en-US" dirty="0"/>
-              <a:t>In late 1980s, Guido Van Rossum was working on the Amoeba distributed operating system group. He wanted to use an interpreted language like ABC (ABC has simple easy-to-understand syntax) that could access the Amoeba system calls. So, he decided to create a language that was extensible. This led to a design of new language which was later named Python</a:t>
-            </a:r>
-            <a:r>
-              <a:rPr lang="en-US" dirty="0" smtClean="0"/>
-              <a:t>.</a:t>
+              <a:t>Reference:</a:t>
+            </a:r>
+            <a:br>
+              <a:rPr lang="en-US" dirty="0"/>
+            </a:br>
+            <a:r>
+              <a:rPr lang="en-US" dirty="0"/>
+              <a:t>    http://</a:t>
+            </a:r>
+            <a:r>
+              <a:rPr lang="en-US" dirty="0" err="1"/>
+              <a:t>francescopochetti.com</a:t>
+            </a:r>
+            <a:r>
+              <a:rPr lang="en-US" dirty="0"/>
+              <a:t>/stock-market-prediction-part-introduction/</a:t>
             </a:r>
           </a:p>
         </p:txBody>
@@ -13608,7 +13884,7 @@
     </p:spTree>
     <p:extLst>
       <p:ext uri="{BB962C8B-B14F-4D97-AF65-F5344CB8AC3E}">
-        <p14:creationId xmlns:p14="http://schemas.microsoft.com/office/powerpoint/2010/main" val="327591675"/>
+        <p14:creationId xmlns:p14="http://schemas.microsoft.com/office/powerpoint/2010/main" val="387977645"/>
       </p:ext>
     </p:extLst>
   </p:cSld>
@@ -13642,7 +13918,36 @@
             <a:spLocks noGrp="1"/>
           </p:cNvSpPr>
           <p:nvPr>
-            <p:ph type="title"/>
+            <p:ph type="ctrTitle"/>
+          </p:nvPr>
+        </p:nvSpPr>
+        <p:spPr/>
+        <p:txBody>
+          <a:bodyPr>
+            <a:normAutofit/>
+          </a:bodyPr>
+          <a:lstStyle/>
+          <a:p>
+            <a:r>
+              <a:rPr lang="en-US" b="1" dirty="0"/>
+              <a:t>An Informal Introduction to </a:t>
+            </a:r>
+            <a:r>
+              <a:rPr lang="en-US" b="1" dirty="0" smtClean="0"/>
+              <a:t>Python</a:t>
+            </a:r>
+            <a:endParaRPr lang="en-US" dirty="0"/>
+          </a:p>
+        </p:txBody>
+      </p:sp>
+      <p:sp>
+        <p:nvSpPr>
+          <p:cNvPr id="3" name="Subtitle 2"/>
+          <p:cNvSpPr>
+            <a:spLocks noGrp="1"/>
+          </p:cNvSpPr>
+          <p:nvPr>
+            <p:ph type="subTitle" idx="1"/>
           </p:nvPr>
         </p:nvSpPr>
         <p:spPr/>
@@ -13650,285 +13955,14 @@
           <a:bodyPr/>
           <a:lstStyle/>
           <a:p>
-            <a:r>
-              <a:rPr lang="en-US" b="1" dirty="0"/>
-              <a:t>Release Dates of Different Versions</a:t>
-            </a:r>
-            <a:br>
-              <a:rPr lang="en-US" b="1" dirty="0"/>
-            </a:br>
-            <a:endParaRPr lang="en-US" dirty="0"/>
-          </a:p>
-        </p:txBody>
-      </p:sp>
-      <p:graphicFrame>
-        <p:nvGraphicFramePr>
-          <p:cNvPr id="4" name="Content Placeholder 3"/>
-          <p:cNvGraphicFramePr>
-            <a:graphicFrameLocks noGrp="1"/>
-          </p:cNvGraphicFramePr>
-          <p:nvPr>
-            <p:ph idx="1"/>
-            <p:extLst>
-              <p:ext uri="{D42A27DB-BD31-4B8C-83A1-F6EECF244321}">
-                <p14:modId xmlns:p14="http://schemas.microsoft.com/office/powerpoint/2010/main" val="1390491800"/>
-              </p:ext>
-            </p:extLst>
-          </p:nvPr>
-        </p:nvGraphicFramePr>
-        <p:xfrm>
-          <a:off x="2589213" y="2788285"/>
-          <a:ext cx="8915400" cy="2468880"/>
-        </p:xfrm>
-        <a:graphic>
-          <a:graphicData uri="http://schemas.openxmlformats.org/drawingml/2006/table">
-            <a:tbl>
-              <a:tblPr/>
-              <a:tblGrid>
-                <a:gridCol w="4457700"/>
-                <a:gridCol w="4457700"/>
-              </a:tblGrid>
-              <a:tr h="0">
-                <a:tc>
-                  <a:txBody>
-                    <a:bodyPr/>
-                    <a:lstStyle/>
-                    <a:p>
-                      <a:r>
-                        <a:rPr lang="en-US"/>
-                        <a:t>Python 1.0 (first standard release)</a:t>
-                      </a:r>
-                      <a:br>
-                        <a:rPr lang="en-US"/>
-                      </a:br>
-                      <a:r>
-                        <a:rPr lang="en-US"/>
-                        <a:t>Python 1.6 (Last minor version)</a:t>
-                      </a:r>
-                    </a:p>
-                  </a:txBody>
-                  <a:tcPr anchor="ctr">
-                    <a:lnL>
-                      <a:noFill/>
-                    </a:lnL>
-                    <a:lnR>
-                      <a:noFill/>
-                    </a:lnR>
-                    <a:lnT>
-                      <a:noFill/>
-                    </a:lnT>
-                    <a:lnB>
-                      <a:noFill/>
-                    </a:lnB>
-                  </a:tcPr>
-                </a:tc>
-                <a:tc>
-                  <a:txBody>
-                    <a:bodyPr/>
-                    <a:lstStyle/>
-                    <a:p>
-                      <a:r>
-                        <a:rPr lang="en-US"/>
-                        <a:t>January 1994</a:t>
-                      </a:r>
-                      <a:br>
-                        <a:rPr lang="en-US"/>
-                      </a:br>
-                      <a:r>
-                        <a:rPr lang="en-US"/>
-                        <a:t>September 5, 2000</a:t>
-                      </a:r>
-                    </a:p>
-                  </a:txBody>
-                  <a:tcPr anchor="ctr">
-                    <a:lnL>
-                      <a:noFill/>
-                    </a:lnL>
-                    <a:lnR>
-                      <a:noFill/>
-                    </a:lnR>
-                    <a:lnT>
-                      <a:noFill/>
-                    </a:lnT>
-                    <a:lnB>
-                      <a:noFill/>
-                    </a:lnB>
-                  </a:tcPr>
-                </a:tc>
-              </a:tr>
-              <a:tr h="0">
-                <a:tc>
-                  <a:txBody>
-                    <a:bodyPr/>
-                    <a:lstStyle/>
-                    <a:p>
-                      <a:r>
-                        <a:rPr lang="en-US"/>
-                        <a:t>Python 2.0 (Introduced list comprehensions)</a:t>
-                      </a:r>
-                      <a:br>
-                        <a:rPr lang="en-US"/>
-                      </a:br>
-                      <a:r>
-                        <a:rPr lang="en-US"/>
-                        <a:t>Python 2.7 (Last minor version)</a:t>
-                      </a:r>
-                    </a:p>
-                  </a:txBody>
-                  <a:tcPr anchor="ctr">
-                    <a:lnL>
-                      <a:noFill/>
-                    </a:lnL>
-                    <a:lnR>
-                      <a:noFill/>
-                    </a:lnR>
-                    <a:lnT>
-                      <a:noFill/>
-                    </a:lnT>
-                    <a:lnB>
-                      <a:noFill/>
-                    </a:lnB>
-                  </a:tcPr>
-                </a:tc>
-                <a:tc>
-                  <a:txBody>
-                    <a:bodyPr/>
-                    <a:lstStyle/>
-                    <a:p>
-                      <a:r>
-                        <a:rPr lang="en-US"/>
-                        <a:t>October 16, 2000</a:t>
-                      </a:r>
-                      <a:br>
-                        <a:rPr lang="en-US"/>
-                      </a:br>
-                      <a:r>
-                        <a:rPr lang="en-US"/>
-                        <a:t>July 3, 2010</a:t>
-                      </a:r>
-                    </a:p>
-                  </a:txBody>
-                  <a:tcPr anchor="ctr">
-                    <a:lnL>
-                      <a:noFill/>
-                    </a:lnL>
-                    <a:lnR>
-                      <a:noFill/>
-                    </a:lnR>
-                    <a:lnT>
-                      <a:noFill/>
-                    </a:lnT>
-                    <a:lnB>
-                      <a:noFill/>
-                    </a:lnB>
-                  </a:tcPr>
-                </a:tc>
-              </a:tr>
-              <a:tr h="0">
-                <a:tc>
-                  <a:txBody>
-                    <a:bodyPr/>
-                    <a:lstStyle/>
-                    <a:p>
-                      <a:r>
-                        <a:rPr lang="en-US" dirty="0"/>
-                        <a:t>Python 3.0 (Emphasis on removing duplicative constructs and module)</a:t>
-                      </a:r>
-                      <a:br>
-                        <a:rPr lang="en-US" dirty="0"/>
-                      </a:br>
-                      <a:r>
-                        <a:rPr lang="en-US" dirty="0"/>
-                        <a:t>Python </a:t>
-                      </a:r>
-                      <a:r>
-                        <a:rPr lang="en-US" dirty="0" smtClean="0"/>
-                        <a:t>3.</a:t>
-                      </a:r>
-                      <a:r>
-                        <a:rPr lang="en-US" altLang="zh-CN" dirty="0" smtClean="0"/>
-                        <a:t>6.2</a:t>
-                      </a:r>
-                      <a:r>
-                        <a:rPr lang="en-US" dirty="0" smtClean="0"/>
-                        <a:t> </a:t>
-                      </a:r>
-                      <a:r>
-                        <a:rPr lang="en-US" dirty="0"/>
-                        <a:t>(Last updated version)</a:t>
-                      </a:r>
-                    </a:p>
-                  </a:txBody>
-                  <a:tcPr anchor="ctr">
-                    <a:lnL>
-                      <a:noFill/>
-                    </a:lnL>
-                    <a:lnR>
-                      <a:noFill/>
-                    </a:lnR>
-                    <a:lnT>
-                      <a:noFill/>
-                    </a:lnT>
-                    <a:lnB>
-                      <a:noFill/>
-                    </a:lnB>
-                  </a:tcPr>
-                </a:tc>
-                <a:tc>
-                  <a:txBody>
-                    <a:bodyPr/>
-                    <a:lstStyle/>
-                    <a:p>
-                      <a:r>
-                        <a:rPr lang="is-IS" dirty="0"/>
-                        <a:t>December 3, 2008</a:t>
-                      </a:r>
-                      <a:br>
-                        <a:rPr lang="is-IS" dirty="0"/>
-                      </a:br>
-                      <a:r>
-                        <a:rPr lang="is-IS" dirty="0" smtClean="0"/>
-                        <a:t>December 1</a:t>
-                      </a:r>
-                      <a:r>
-                        <a:rPr lang="en-US" altLang="zh-CN" dirty="0" smtClean="0"/>
-                        <a:t>2</a:t>
-                      </a:r>
-                      <a:r>
-                        <a:rPr lang="is-IS" dirty="0" smtClean="0"/>
-                        <a:t>, 201</a:t>
-                      </a:r>
-                      <a:r>
-                        <a:rPr lang="en-US" altLang="zh-CN" dirty="0" smtClean="0"/>
-                        <a:t>6</a:t>
-                      </a:r>
-                      <a:endParaRPr lang="is-IS" dirty="0"/>
-                    </a:p>
-                  </a:txBody>
-                  <a:tcPr anchor="ctr">
-                    <a:lnL>
-                      <a:noFill/>
-                    </a:lnL>
-                    <a:lnR>
-                      <a:noFill/>
-                    </a:lnR>
-                    <a:lnT>
-                      <a:noFill/>
-                    </a:lnT>
-                    <a:lnB>
-                      <a:noFill/>
-                    </a:lnB>
-                  </a:tcPr>
-                </a:tc>
-              </a:tr>
-            </a:tbl>
-          </a:graphicData>
-        </a:graphic>
-      </p:graphicFrame>
+            <a:endParaRPr lang="en-US"/>
+          </a:p>
+        </p:txBody>
+      </p:sp>
     </p:spTree>
     <p:extLst>
       <p:ext uri="{BB962C8B-B14F-4D97-AF65-F5344CB8AC3E}">
-        <p14:creationId xmlns:p14="http://schemas.microsoft.com/office/powerpoint/2010/main" val="879385016"/>
+        <p14:creationId xmlns:p14="http://schemas.microsoft.com/office/powerpoint/2010/main" val="1063660804"/>
       </p:ext>
     </p:extLst>
   </p:cSld>
@@ -13972,7 +14006,7 @@
           <a:p>
             <a:r>
               <a:rPr lang="en-US" b="1" dirty="0"/>
-              <a:t>Run Python on Your Operating System</a:t>
+              <a:t>History of Python</a:t>
             </a:r>
             <a:br>
               <a:rPr lang="en-US" b="1" dirty="0"/>
@@ -13997,27 +14031,18 @@
           <a:lstStyle/>
           <a:p>
             <a:r>
-              <a:rPr lang="en-US" dirty="0">
-                <a:hlinkClick r:id="rId2"/>
-              </a:rPr>
-              <a:t>https://www.python.org/downloads/release/python-362</a:t>
-            </a:r>
-            <a:r>
-              <a:rPr lang="en-US" dirty="0" smtClean="0">
-                <a:hlinkClick r:id="rId2"/>
-              </a:rPr>
-              <a:t>/</a:t>
-            </a:r>
-            <a:endParaRPr lang="en-US" dirty="0" smtClean="0"/>
+              <a:rPr lang="en-US" b="1" dirty="0"/>
+              <a:t>Why Python was created?</a:t>
+            </a:r>
           </a:p>
           <a:p>
             <a:r>
               <a:rPr lang="en-US" dirty="0"/>
-              <a:t>When the download is complete, open the package and follow the instructions. </a:t>
-            </a:r>
-            <a:r>
-              <a:rPr lang="en-US"/>
-              <a:t>You will see "The installation was successful" message when Python is successfully installed.</a:t>
+              <a:t>In late 1980s, Guido Van Rossum was working on the Amoeba distributed operating system group. He wanted to use an interpreted language like ABC (ABC has simple easy-to-understand syntax) that could access the Amoeba system calls. So, he decided to create a language that was extensible. This led to a design of new language which was later named Python</a:t>
+            </a:r>
+            <a:r>
+              <a:rPr lang="en-US" dirty="0" smtClean="0"/>
+              <a:t>.</a:t>
             </a:r>
           </a:p>
         </p:txBody>
@@ -14025,7 +14050,7 @@
     </p:spTree>
     <p:extLst>
       <p:ext uri="{BB962C8B-B14F-4D97-AF65-F5344CB8AC3E}">
-        <p14:creationId xmlns:p14="http://schemas.microsoft.com/office/powerpoint/2010/main" val="1178005812"/>
+        <p14:creationId xmlns:p14="http://schemas.microsoft.com/office/powerpoint/2010/main" val="327591675"/>
       </p:ext>
     </p:extLst>
   </p:cSld>
@@ -14069,47 +14094,283 @@
           <a:p>
             <a:r>
               <a:rPr lang="en-US" b="1" dirty="0"/>
-              <a:t>Hello World </a:t>
-            </a:r>
-            <a:r>
-              <a:rPr lang="en-US" b="1" dirty="0" smtClean="0"/>
-              <a:t>Example</a:t>
-            </a:r>
+              <a:t>Release Dates of Different Versions</a:t>
+            </a:r>
+            <a:br>
+              <a:rPr lang="en-US" b="1" dirty="0"/>
+            </a:br>
             <a:endParaRPr lang="en-US" dirty="0"/>
           </a:p>
         </p:txBody>
       </p:sp>
-      <p:sp>
-        <p:nvSpPr>
-          <p:cNvPr id="3" name="Content Placeholder 2"/>
-          <p:cNvSpPr>
-            <a:spLocks noGrp="1"/>
-          </p:cNvSpPr>
+      <p:graphicFrame>
+        <p:nvGraphicFramePr>
+          <p:cNvPr id="4" name="Content Placeholder 3"/>
+          <p:cNvGraphicFramePr>
+            <a:graphicFrameLocks noGrp="1"/>
+          </p:cNvGraphicFramePr>
           <p:nvPr>
             <p:ph idx="1"/>
-          </p:nvPr>
-        </p:nvSpPr>
-        <p:spPr/>
-        <p:txBody>
-          <a:bodyPr/>
-          <a:lstStyle/>
-          <a:p>
-            <a:r>
-              <a:rPr lang="en-US" dirty="0"/>
-              <a:t>print("Hello world</a:t>
-            </a:r>
-            <a:r>
-              <a:rPr lang="en-US" dirty="0" smtClean="0"/>
-              <a:t>!")</a:t>
-            </a:r>
-            <a:endParaRPr lang="en-US" dirty="0"/>
-          </a:p>
-        </p:txBody>
-      </p:sp>
+            <p:extLst>
+              <p:ext uri="{D42A27DB-BD31-4B8C-83A1-F6EECF244321}">
+                <p14:modId xmlns:p14="http://schemas.microsoft.com/office/powerpoint/2010/main" val="1390491800"/>
+              </p:ext>
+            </p:extLst>
+          </p:nvPr>
+        </p:nvGraphicFramePr>
+        <p:xfrm>
+          <a:off x="2589213" y="2788285"/>
+          <a:ext cx="8915400" cy="2468880"/>
+        </p:xfrm>
+        <a:graphic>
+          <a:graphicData uri="http://schemas.openxmlformats.org/drawingml/2006/table">
+            <a:tbl>
+              <a:tblPr/>
+              <a:tblGrid>
+                <a:gridCol w="4457700"/>
+                <a:gridCol w="4457700"/>
+              </a:tblGrid>
+              <a:tr h="0">
+                <a:tc>
+                  <a:txBody>
+                    <a:bodyPr/>
+                    <a:lstStyle/>
+                    <a:p>
+                      <a:r>
+                        <a:rPr lang="en-US"/>
+                        <a:t>Python 1.0 (first standard release)</a:t>
+                      </a:r>
+                      <a:br>
+                        <a:rPr lang="en-US"/>
+                      </a:br>
+                      <a:r>
+                        <a:rPr lang="en-US"/>
+                        <a:t>Python 1.6 (Last minor version)</a:t>
+                      </a:r>
+                    </a:p>
+                  </a:txBody>
+                  <a:tcPr anchor="ctr">
+                    <a:lnL>
+                      <a:noFill/>
+                    </a:lnL>
+                    <a:lnR>
+                      <a:noFill/>
+                    </a:lnR>
+                    <a:lnT>
+                      <a:noFill/>
+                    </a:lnT>
+                    <a:lnB>
+                      <a:noFill/>
+                    </a:lnB>
+                  </a:tcPr>
+                </a:tc>
+                <a:tc>
+                  <a:txBody>
+                    <a:bodyPr/>
+                    <a:lstStyle/>
+                    <a:p>
+                      <a:r>
+                        <a:rPr lang="en-US"/>
+                        <a:t>January 1994</a:t>
+                      </a:r>
+                      <a:br>
+                        <a:rPr lang="en-US"/>
+                      </a:br>
+                      <a:r>
+                        <a:rPr lang="en-US"/>
+                        <a:t>September 5, 2000</a:t>
+                      </a:r>
+                    </a:p>
+                  </a:txBody>
+                  <a:tcPr anchor="ctr">
+                    <a:lnL>
+                      <a:noFill/>
+                    </a:lnL>
+                    <a:lnR>
+                      <a:noFill/>
+                    </a:lnR>
+                    <a:lnT>
+                      <a:noFill/>
+                    </a:lnT>
+                    <a:lnB>
+                      <a:noFill/>
+                    </a:lnB>
+                  </a:tcPr>
+                </a:tc>
+              </a:tr>
+              <a:tr h="0">
+                <a:tc>
+                  <a:txBody>
+                    <a:bodyPr/>
+                    <a:lstStyle/>
+                    <a:p>
+                      <a:r>
+                        <a:rPr lang="en-US"/>
+                        <a:t>Python 2.0 (Introduced list comprehensions)</a:t>
+                      </a:r>
+                      <a:br>
+                        <a:rPr lang="en-US"/>
+                      </a:br>
+                      <a:r>
+                        <a:rPr lang="en-US"/>
+                        <a:t>Python 2.7 (Last minor version)</a:t>
+                      </a:r>
+                    </a:p>
+                  </a:txBody>
+                  <a:tcPr anchor="ctr">
+                    <a:lnL>
+                      <a:noFill/>
+                    </a:lnL>
+                    <a:lnR>
+                      <a:noFill/>
+                    </a:lnR>
+                    <a:lnT>
+                      <a:noFill/>
+                    </a:lnT>
+                    <a:lnB>
+                      <a:noFill/>
+                    </a:lnB>
+                  </a:tcPr>
+                </a:tc>
+                <a:tc>
+                  <a:txBody>
+                    <a:bodyPr/>
+                    <a:lstStyle/>
+                    <a:p>
+                      <a:r>
+                        <a:rPr lang="en-US"/>
+                        <a:t>October 16, 2000</a:t>
+                      </a:r>
+                      <a:br>
+                        <a:rPr lang="en-US"/>
+                      </a:br>
+                      <a:r>
+                        <a:rPr lang="en-US"/>
+                        <a:t>July 3, 2010</a:t>
+                      </a:r>
+                    </a:p>
+                  </a:txBody>
+                  <a:tcPr anchor="ctr">
+                    <a:lnL>
+                      <a:noFill/>
+                    </a:lnL>
+                    <a:lnR>
+                      <a:noFill/>
+                    </a:lnR>
+                    <a:lnT>
+                      <a:noFill/>
+                    </a:lnT>
+                    <a:lnB>
+                      <a:noFill/>
+                    </a:lnB>
+                  </a:tcPr>
+                </a:tc>
+              </a:tr>
+              <a:tr h="0">
+                <a:tc>
+                  <a:txBody>
+                    <a:bodyPr/>
+                    <a:lstStyle/>
+                    <a:p>
+                      <a:r>
+                        <a:rPr lang="en-US" dirty="0"/>
+                        <a:t>Python 3.0 (Emphasis on removing duplicative constructs and module)</a:t>
+                      </a:r>
+                      <a:br>
+                        <a:rPr lang="en-US" dirty="0"/>
+                      </a:br>
+                      <a:r>
+                        <a:rPr lang="en-US" dirty="0"/>
+                        <a:t>Python </a:t>
+                      </a:r>
+                      <a:r>
+                        <a:rPr lang="en-US" dirty="0" smtClean="0"/>
+                        <a:t>3.</a:t>
+                      </a:r>
+                      <a:r>
+                        <a:rPr lang="en-US" altLang="zh-CN" dirty="0" smtClean="0"/>
+                        <a:t>6.2</a:t>
+                      </a:r>
+                      <a:r>
+                        <a:rPr lang="en-US" dirty="0" smtClean="0"/>
+                        <a:t> </a:t>
+                      </a:r>
+                      <a:r>
+                        <a:rPr lang="en-US" dirty="0"/>
+                        <a:t>(Last updated version)</a:t>
+                      </a:r>
+                    </a:p>
+                  </a:txBody>
+                  <a:tcPr anchor="ctr">
+                    <a:lnL>
+                      <a:noFill/>
+                    </a:lnL>
+                    <a:lnR>
+                      <a:noFill/>
+                    </a:lnR>
+                    <a:lnT>
+                      <a:noFill/>
+                    </a:lnT>
+                    <a:lnB>
+                      <a:noFill/>
+                    </a:lnB>
+                  </a:tcPr>
+                </a:tc>
+                <a:tc>
+                  <a:txBody>
+                    <a:bodyPr/>
+                    <a:lstStyle/>
+                    <a:p>
+                      <a:r>
+                        <a:rPr lang="is-IS" dirty="0"/>
+                        <a:t>December 3, 2008</a:t>
+                      </a:r>
+                      <a:br>
+                        <a:rPr lang="is-IS" dirty="0"/>
+                      </a:br>
+                      <a:r>
+                        <a:rPr lang="is-IS" dirty="0" smtClean="0"/>
+                        <a:t>December 1</a:t>
+                      </a:r>
+                      <a:r>
+                        <a:rPr lang="en-US" altLang="zh-CN" dirty="0" smtClean="0"/>
+                        <a:t>2</a:t>
+                      </a:r>
+                      <a:r>
+                        <a:rPr lang="is-IS" dirty="0" smtClean="0"/>
+                        <a:t>, 201</a:t>
+                      </a:r>
+                      <a:r>
+                        <a:rPr lang="en-US" altLang="zh-CN" dirty="0" smtClean="0"/>
+                        <a:t>6</a:t>
+                      </a:r>
+                      <a:endParaRPr lang="is-IS" dirty="0"/>
+                    </a:p>
+                  </a:txBody>
+                  <a:tcPr anchor="ctr">
+                    <a:lnL>
+                      <a:noFill/>
+                    </a:lnL>
+                    <a:lnR>
+                      <a:noFill/>
+                    </a:lnR>
+                    <a:lnT>
+                      <a:noFill/>
+                    </a:lnT>
+                    <a:lnB>
+                      <a:noFill/>
+                    </a:lnB>
+                  </a:tcPr>
+                </a:tc>
+              </a:tr>
+            </a:tbl>
+          </a:graphicData>
+        </a:graphic>
+      </p:graphicFrame>
     </p:spTree>
     <p:extLst>
       <p:ext uri="{BB962C8B-B14F-4D97-AF65-F5344CB8AC3E}">
-        <p14:creationId xmlns:p14="http://schemas.microsoft.com/office/powerpoint/2010/main" val="943940222"/>
+        <p14:creationId xmlns:p14="http://schemas.microsoft.com/office/powerpoint/2010/main" val="879385016"/>
       </p:ext>
     </p:extLst>
   </p:cSld>

--- a/document/course1.pptx
+++ b/document/course1.pptx
@@ -226,7 +226,7 @@
           <a:p>
             <a:fld id="{90C9A26C-E32A-0842-B5B6-EF949C454305}" type="datetimeFigureOut">
               <a:rPr lang="en-US" smtClean="0"/>
-              <a:t>9/10/17</a:t>
+              <a:t>6/23/18</a:t>
             </a:fld>
             <a:endParaRPr lang="en-US"/>
           </a:p>
@@ -290,38 +290,37 @@
           <a:p>
             <a:pPr lvl="0"/>
             <a:r>
-              <a:rPr lang="en-US" smtClean="0"/>
+              <a:rPr lang="en-US"/>
               <a:t>Click to edit Master text styles</a:t>
             </a:r>
           </a:p>
           <a:p>
             <a:pPr lvl="1"/>
             <a:r>
-              <a:rPr lang="en-US" smtClean="0"/>
+              <a:rPr lang="en-US"/>
               <a:t>Second level</a:t>
             </a:r>
           </a:p>
           <a:p>
             <a:pPr lvl="2"/>
             <a:r>
-              <a:rPr lang="en-US" smtClean="0"/>
+              <a:rPr lang="en-US"/>
               <a:t>Third level</a:t>
             </a:r>
           </a:p>
           <a:p>
             <a:pPr lvl="3"/>
             <a:r>
-              <a:rPr lang="en-US" smtClean="0"/>
+              <a:rPr lang="en-US"/>
               <a:t>Fourth level</a:t>
             </a:r>
           </a:p>
           <a:p>
             <a:pPr lvl="4"/>
             <a:r>
-              <a:rPr lang="en-US" smtClean="0"/>
+              <a:rPr lang="en-US"/>
               <a:t>Fifth level</a:t>
             </a:r>
-            <a:endParaRPr lang="en-US"/>
           </a:p>
         </p:txBody>
       </p:sp>
@@ -538,6 +537,93 @@
           <a:bodyPr/>
           <a:lstStyle/>
           <a:p>
+            <a:r>
+              <a:rPr lang="en-US" dirty="0"/>
+              <a:t>	</a:t>
+            </a:r>
+          </a:p>
+        </p:txBody>
+      </p:sp>
+      <p:sp>
+        <p:nvSpPr>
+          <p:cNvPr id="4" name="Slide Number Placeholder 3"/>
+          <p:cNvSpPr>
+            <a:spLocks noGrp="1"/>
+          </p:cNvSpPr>
+          <p:nvPr>
+            <p:ph type="sldNum" sz="quarter" idx="10"/>
+          </p:nvPr>
+        </p:nvSpPr>
+        <p:spPr/>
+        <p:txBody>
+          <a:bodyPr/>
+          <a:lstStyle/>
+          <a:p>
+            <a:fld id="{4A4B3646-101C-0C45-8140-ABF43D63AFD8}" type="slidenum">
+              <a:rPr lang="en-US" smtClean="0"/>
+              <a:t>10</a:t>
+            </a:fld>
+            <a:endParaRPr lang="en-US"/>
+          </a:p>
+        </p:txBody>
+      </p:sp>
+    </p:spTree>
+    <p:extLst>
+      <p:ext uri="{BB962C8B-B14F-4D97-AF65-F5344CB8AC3E}">
+        <p14:creationId xmlns:p14="http://schemas.microsoft.com/office/powerpoint/2010/main" val="1108256070"/>
+      </p:ext>
+    </p:extLst>
+  </p:cSld>
+  <p:clrMapOvr>
+    <a:masterClrMapping/>
+  </p:clrMapOvr>
+</p:notes>
+</file>
+
+<file path=ppt/notesSlides/notesSlide2.xml><?xml version="1.0" encoding="utf-8"?>
+<p:notes xmlns:a="http://schemas.openxmlformats.org/drawingml/2006/main" xmlns:r="http://schemas.openxmlformats.org/officeDocument/2006/relationships" xmlns:p="http://schemas.openxmlformats.org/presentationml/2006/main">
+  <p:cSld>
+    <p:spTree>
+      <p:nvGrpSpPr>
+        <p:cNvPr id="1" name=""/>
+        <p:cNvGrpSpPr/>
+        <p:nvPr/>
+      </p:nvGrpSpPr>
+      <p:grpSpPr>
+        <a:xfrm>
+          <a:off x="0" y="0"/>
+          <a:ext cx="0" cy="0"/>
+          <a:chOff x="0" y="0"/>
+          <a:chExt cx="0" cy="0"/>
+        </a:xfrm>
+      </p:grpSpPr>
+      <p:sp>
+        <p:nvSpPr>
+          <p:cNvPr id="2" name="Slide Image Placeholder 1"/>
+          <p:cNvSpPr>
+            <a:spLocks noGrp="1" noRot="1" noChangeAspect="1"/>
+          </p:cNvSpPr>
+          <p:nvPr>
+            <p:ph type="sldImg"/>
+          </p:nvPr>
+        </p:nvSpPr>
+        <p:spPr/>
+      </p:sp>
+      <p:sp>
+        <p:nvSpPr>
+          <p:cNvPr id="3" name="Notes Placeholder 2"/>
+          <p:cNvSpPr>
+            <a:spLocks noGrp="1"/>
+          </p:cNvSpPr>
+          <p:nvPr>
+            <p:ph type="body" idx="1"/>
+          </p:nvPr>
+        </p:nvSpPr>
+        <p:spPr/>
+        <p:txBody>
+          <a:bodyPr/>
+          <a:lstStyle/>
+          <a:p>
             <a:endParaRPr lang="en-US" dirty="0"/>
           </a:p>
         </p:txBody>
@@ -622,7 +708,7 @@
           </a:lstStyle>
           <a:p>
             <a:r>
-              <a:rPr lang="en-US" smtClean="0"/>
+              <a:rPr lang="en-US"/>
               <a:t>Click to edit Master title style</a:t>
             </a:r>
             <a:endParaRPr lang="en-US" dirty="0"/>
@@ -742,7 +828,7 @@
           </a:lstStyle>
           <a:p>
             <a:r>
-              <a:rPr lang="en-US" smtClean="0"/>
+              <a:rPr lang="en-US"/>
               <a:t>Click to edit Master subtitle style</a:t>
             </a:r>
             <a:endParaRPr lang="en-US" dirty="0"/>
@@ -766,7 +852,7 @@
           <a:p>
             <a:fld id="{48A87A34-81AB-432B-8DAE-1953F412C126}" type="datetimeFigureOut">
               <a:rPr lang="en-US" smtClean="0"/>
-              <a:t>9/10/17</a:t>
+              <a:t>6/23/18</a:t>
             </a:fld>
             <a:endParaRPr lang="en-US" dirty="0"/>
           </a:p>
@@ -953,7 +1039,7 @@
           </a:lstStyle>
           <a:p>
             <a:r>
-              <a:rPr lang="en-US" smtClean="0"/>
+              <a:rPr lang="en-US"/>
               <a:t>Click to edit Master title style</a:t>
             </a:r>
             <a:endParaRPr lang="en-US" dirty="0"/>
@@ -1076,7 +1162,7 @@
           <a:p>
             <a:pPr lvl="0"/>
             <a:r>
-              <a:rPr lang="en-US" smtClean="0"/>
+              <a:rPr lang="en-US"/>
               <a:t>Click to edit Master text styles</a:t>
             </a:r>
           </a:p>
@@ -1100,7 +1186,7 @@
             <a:fld id="{48A87A34-81AB-432B-8DAE-1953F412C126}" type="datetimeFigureOut">
               <a:rPr lang="en-US" smtClean="0"/>
               <a:pPr/>
-              <a:t>9/10/17</a:t>
+              <a:t>6/23/18</a:t>
             </a:fld>
             <a:endParaRPr lang="en-US" dirty="0"/>
           </a:p>
@@ -1288,7 +1374,7 @@
           </a:lstStyle>
           <a:p>
             <a:r>
-              <a:rPr lang="en-US" smtClean="0"/>
+              <a:rPr lang="en-US"/>
               <a:t>Click to edit Master title style</a:t>
             </a:r>
             <a:endParaRPr lang="en-US" dirty="0"/>
@@ -1352,7 +1438,7 @@
           <a:p>
             <a:pPr lvl="0"/>
             <a:r>
-              <a:rPr lang="en-US" smtClean="0"/>
+              <a:rPr lang="en-US"/>
               <a:t>Click to edit Master text styles</a:t>
             </a:r>
           </a:p>
@@ -1474,7 +1560,7 @@
           <a:p>
             <a:pPr lvl="0"/>
             <a:r>
-              <a:rPr lang="en-US" smtClean="0"/>
+              <a:rPr lang="en-US"/>
               <a:t>Click to edit Master text styles</a:t>
             </a:r>
           </a:p>
@@ -1498,7 +1584,7 @@
             <a:fld id="{48A87A34-81AB-432B-8DAE-1953F412C126}" type="datetimeFigureOut">
               <a:rPr lang="en-US" smtClean="0"/>
               <a:pPr/>
-              <a:t>9/10/17</a:t>
+              <a:t>6/23/18</a:t>
             </a:fld>
             <a:endParaRPr lang="en-US" dirty="0"/>
           </a:p>
@@ -1762,7 +1848,7 @@
           </a:lstStyle>
           <a:p>
             <a:r>
-              <a:rPr lang="en-US" smtClean="0"/>
+              <a:rPr lang="en-US"/>
               <a:t>Click to edit Master title style</a:t>
             </a:r>
             <a:endParaRPr lang="en-US" dirty="0"/>
@@ -1807,7 +1893,7 @@
               <a:buNone/>
             </a:pPr>
             <a:r>
-              <a:rPr lang="en-US" smtClean="0"/>
+              <a:rPr lang="en-US"/>
               <a:t>Click to edit Master text styles</a:t>
             </a:r>
           </a:p>
@@ -1831,7 +1917,7 @@
             <a:fld id="{48A87A34-81AB-432B-8DAE-1953F412C126}" type="datetimeFigureOut">
               <a:rPr lang="en-US" smtClean="0"/>
               <a:pPr/>
-              <a:t>9/10/17</a:t>
+              <a:t>6/23/18</a:t>
             </a:fld>
             <a:endParaRPr lang="en-US" dirty="0"/>
           </a:p>
@@ -2019,7 +2105,7 @@
           </a:lstStyle>
           <a:p>
             <a:r>
-              <a:rPr lang="en-US" smtClean="0"/>
+              <a:rPr lang="en-US"/>
               <a:t>Click to edit Master title style</a:t>
             </a:r>
             <a:endParaRPr lang="en-US" dirty="0"/>
@@ -2080,7 +2166,7 @@
           <a:p>
             <a:pPr lvl="0"/>
             <a:r>
-              <a:rPr lang="en-US" smtClean="0"/>
+              <a:rPr lang="en-US"/>
               <a:t>Click to edit Master text styles</a:t>
             </a:r>
           </a:p>
@@ -2124,7 +2210,7 @@
               <a:buNone/>
             </a:pPr>
             <a:r>
-              <a:rPr lang="en-US" smtClean="0"/>
+              <a:rPr lang="en-US"/>
               <a:t>Click to edit Master text styles</a:t>
             </a:r>
           </a:p>
@@ -2148,7 +2234,7 @@
             <a:fld id="{48A87A34-81AB-432B-8DAE-1953F412C126}" type="datetimeFigureOut">
               <a:rPr lang="en-US" smtClean="0"/>
               <a:pPr/>
-              <a:t>9/10/17</a:t>
+              <a:t>6/23/18</a:t>
             </a:fld>
             <a:endParaRPr lang="en-US" dirty="0"/>
           </a:p>
@@ -2412,7 +2498,7 @@
           </a:lstStyle>
           <a:p>
             <a:r>
-              <a:rPr lang="en-US" smtClean="0"/>
+              <a:rPr lang="en-US"/>
               <a:t>Click to edit Master title style</a:t>
             </a:r>
             <a:endParaRPr lang="en-US" dirty="0"/>
@@ -2473,7 +2559,7 @@
           <a:p>
             <a:pPr lvl="0"/>
             <a:r>
-              <a:rPr lang="en-US" smtClean="0"/>
+              <a:rPr lang="en-US"/>
               <a:t>Click to edit Master text styles</a:t>
             </a:r>
           </a:p>
@@ -2517,7 +2603,7 @@
               <a:buNone/>
             </a:pPr>
             <a:r>
-              <a:rPr lang="en-US" smtClean="0"/>
+              <a:rPr lang="en-US"/>
               <a:t>Click to edit Master text styles</a:t>
             </a:r>
           </a:p>
@@ -2541,7 +2627,7 @@
             <a:fld id="{48A87A34-81AB-432B-8DAE-1953F412C126}" type="datetimeFigureOut">
               <a:rPr lang="en-US" smtClean="0"/>
               <a:pPr/>
-              <a:t>9/10/17</a:t>
+              <a:t>6/23/18</a:t>
             </a:fld>
             <a:endParaRPr lang="en-US" dirty="0"/>
           </a:p>
@@ -2718,7 +2804,7 @@
           <a:lstStyle/>
           <a:p>
             <a:r>
-              <a:rPr lang="en-US" smtClean="0"/>
+              <a:rPr lang="en-US"/>
               <a:t>Click to edit Master title style</a:t>
             </a:r>
             <a:endParaRPr lang="en-US" dirty="0"/>
@@ -2742,35 +2828,35 @@
           <a:p>
             <a:pPr lvl="0"/>
             <a:r>
-              <a:rPr lang="en-US" smtClean="0"/>
+              <a:rPr lang="en-US"/>
               <a:t>Click to edit Master text styles</a:t>
             </a:r>
           </a:p>
           <a:p>
             <a:pPr lvl="1"/>
             <a:r>
-              <a:rPr lang="en-US" smtClean="0"/>
+              <a:rPr lang="en-US"/>
               <a:t>Second level</a:t>
             </a:r>
           </a:p>
           <a:p>
             <a:pPr lvl="2"/>
             <a:r>
-              <a:rPr lang="en-US" smtClean="0"/>
+              <a:rPr lang="en-US"/>
               <a:t>Third level</a:t>
             </a:r>
           </a:p>
           <a:p>
             <a:pPr lvl="3"/>
             <a:r>
-              <a:rPr lang="en-US" smtClean="0"/>
+              <a:rPr lang="en-US"/>
               <a:t>Fourth level</a:t>
             </a:r>
           </a:p>
           <a:p>
             <a:pPr lvl="4"/>
             <a:r>
-              <a:rPr lang="en-US" smtClean="0"/>
+              <a:rPr lang="en-US"/>
               <a:t>Fifth level</a:t>
             </a:r>
             <a:endParaRPr lang="en-US" dirty="0"/>
@@ -2794,7 +2880,7 @@
           <a:p>
             <a:fld id="{48A87A34-81AB-432B-8DAE-1953F412C126}" type="datetimeFigureOut">
               <a:rPr lang="en-US" smtClean="0"/>
-              <a:t>9/10/17</a:t>
+              <a:t>6/23/18</a:t>
             </a:fld>
             <a:endParaRPr lang="en-US" dirty="0"/>
           </a:p>
@@ -2970,7 +3056,7 @@
           <a:lstStyle/>
           <a:p>
             <a:r>
-              <a:rPr lang="en-US" smtClean="0"/>
+              <a:rPr lang="en-US"/>
               <a:t>Click to edit Master title style</a:t>
             </a:r>
             <a:endParaRPr lang="en-US" dirty="0"/>
@@ -2999,35 +3085,35 @@
           <a:p>
             <a:pPr lvl="0"/>
             <a:r>
-              <a:rPr lang="en-US" smtClean="0"/>
+              <a:rPr lang="en-US"/>
               <a:t>Click to edit Master text styles</a:t>
             </a:r>
           </a:p>
           <a:p>
             <a:pPr lvl="1"/>
             <a:r>
-              <a:rPr lang="en-US" smtClean="0"/>
+              <a:rPr lang="en-US"/>
               <a:t>Second level</a:t>
             </a:r>
           </a:p>
           <a:p>
             <a:pPr lvl="2"/>
             <a:r>
-              <a:rPr lang="en-US" smtClean="0"/>
+              <a:rPr lang="en-US"/>
               <a:t>Third level</a:t>
             </a:r>
           </a:p>
           <a:p>
             <a:pPr lvl="3"/>
             <a:r>
-              <a:rPr lang="en-US" smtClean="0"/>
+              <a:rPr lang="en-US"/>
               <a:t>Fourth level</a:t>
             </a:r>
           </a:p>
           <a:p>
             <a:pPr lvl="4"/>
             <a:r>
-              <a:rPr lang="en-US" smtClean="0"/>
+              <a:rPr lang="en-US"/>
               <a:t>Fifth level</a:t>
             </a:r>
             <a:endParaRPr lang="en-US" dirty="0"/>
@@ -3051,7 +3137,7 @@
           <a:p>
             <a:fld id="{48A87A34-81AB-432B-8DAE-1953F412C126}" type="datetimeFigureOut">
               <a:rPr lang="en-US" smtClean="0"/>
-              <a:t>9/10/17</a:t>
+              <a:t>6/23/18</a:t>
             </a:fld>
             <a:endParaRPr lang="en-US" dirty="0"/>
           </a:p>
@@ -3227,7 +3313,7 @@
           <a:lstStyle/>
           <a:p>
             <a:r>
-              <a:rPr lang="en-US" smtClean="0"/>
+              <a:rPr lang="en-US"/>
               <a:t>Click to edit Master title style</a:t>
             </a:r>
             <a:endParaRPr lang="en-US" dirty="0"/>
@@ -3256,35 +3342,35 @@
           <a:p>
             <a:pPr lvl="0"/>
             <a:r>
-              <a:rPr lang="en-US" smtClean="0"/>
+              <a:rPr lang="en-US"/>
               <a:t>Click to edit Master text styles</a:t>
             </a:r>
           </a:p>
           <a:p>
             <a:pPr lvl="1"/>
             <a:r>
-              <a:rPr lang="en-US" smtClean="0"/>
+              <a:rPr lang="en-US"/>
               <a:t>Second level</a:t>
             </a:r>
           </a:p>
           <a:p>
             <a:pPr lvl="2"/>
             <a:r>
-              <a:rPr lang="en-US" smtClean="0"/>
+              <a:rPr lang="en-US"/>
               <a:t>Third level</a:t>
             </a:r>
           </a:p>
           <a:p>
             <a:pPr lvl="3"/>
             <a:r>
-              <a:rPr lang="en-US" smtClean="0"/>
+              <a:rPr lang="en-US"/>
               <a:t>Fourth level</a:t>
             </a:r>
           </a:p>
           <a:p>
             <a:pPr lvl="4"/>
             <a:r>
-              <a:rPr lang="en-US" smtClean="0"/>
+              <a:rPr lang="en-US"/>
               <a:t>Fifth level</a:t>
             </a:r>
             <a:endParaRPr lang="en-US" dirty="0"/>
@@ -3308,7 +3394,7 @@
           <a:p>
             <a:fld id="{48A87A34-81AB-432B-8DAE-1953F412C126}" type="datetimeFigureOut">
               <a:rPr lang="en-US" smtClean="0"/>
-              <a:t>9/10/17</a:t>
+              <a:t>6/23/18</a:t>
             </a:fld>
             <a:endParaRPr lang="en-US" dirty="0"/>
           </a:p>
@@ -3488,7 +3574,7 @@
           </a:lstStyle>
           <a:p>
             <a:r>
-              <a:rPr lang="en-US" smtClean="0"/>
+              <a:rPr lang="en-US"/>
               <a:t>Click to edit Master title style</a:t>
             </a:r>
             <a:endParaRPr lang="en-US" dirty="0"/>
@@ -3609,7 +3695,7 @@
           <a:p>
             <a:pPr lvl="0"/>
             <a:r>
-              <a:rPr lang="en-US" smtClean="0"/>
+              <a:rPr lang="en-US"/>
               <a:t>Click to edit Master text styles</a:t>
             </a:r>
           </a:p>
@@ -3632,7 +3718,7 @@
           <a:p>
             <a:fld id="{48A87A34-81AB-432B-8DAE-1953F412C126}" type="datetimeFigureOut">
               <a:rPr lang="en-US" smtClean="0"/>
-              <a:t>9/10/17</a:t>
+              <a:t>6/23/18</a:t>
             </a:fld>
             <a:endParaRPr lang="en-US" dirty="0"/>
           </a:p>
@@ -3808,7 +3894,7 @@
           <a:lstStyle/>
           <a:p>
             <a:r>
-              <a:rPr lang="en-US" smtClean="0"/>
+              <a:rPr lang="en-US"/>
               <a:t>Click to edit Master title style</a:t>
             </a:r>
             <a:endParaRPr lang="en-US" dirty="0"/>
@@ -3839,35 +3925,35 @@
           <a:p>
             <a:pPr lvl="0"/>
             <a:r>
-              <a:rPr lang="en-US" smtClean="0"/>
+              <a:rPr lang="en-US"/>
               <a:t>Click to edit Master text styles</a:t>
             </a:r>
           </a:p>
           <a:p>
             <a:pPr lvl="1"/>
             <a:r>
-              <a:rPr lang="en-US" smtClean="0"/>
+              <a:rPr lang="en-US"/>
               <a:t>Second level</a:t>
             </a:r>
           </a:p>
           <a:p>
             <a:pPr lvl="2"/>
             <a:r>
-              <a:rPr lang="en-US" smtClean="0"/>
+              <a:rPr lang="en-US"/>
               <a:t>Third level</a:t>
             </a:r>
           </a:p>
           <a:p>
             <a:pPr lvl="3"/>
             <a:r>
-              <a:rPr lang="en-US" smtClean="0"/>
+              <a:rPr lang="en-US"/>
               <a:t>Fourth level</a:t>
             </a:r>
           </a:p>
           <a:p>
             <a:pPr lvl="4"/>
             <a:r>
-              <a:rPr lang="en-US" smtClean="0"/>
+              <a:rPr lang="en-US"/>
               <a:t>Fifth level</a:t>
             </a:r>
             <a:endParaRPr lang="en-US" dirty="0"/>
@@ -3898,35 +3984,35 @@
           <a:p>
             <a:pPr lvl="0"/>
             <a:r>
-              <a:rPr lang="en-US" smtClean="0"/>
+              <a:rPr lang="en-US"/>
               <a:t>Click to edit Master text styles</a:t>
             </a:r>
           </a:p>
           <a:p>
             <a:pPr lvl="1"/>
             <a:r>
-              <a:rPr lang="en-US" smtClean="0"/>
+              <a:rPr lang="en-US"/>
               <a:t>Second level</a:t>
             </a:r>
           </a:p>
           <a:p>
             <a:pPr lvl="2"/>
             <a:r>
-              <a:rPr lang="en-US" smtClean="0"/>
+              <a:rPr lang="en-US"/>
               <a:t>Third level</a:t>
             </a:r>
           </a:p>
           <a:p>
             <a:pPr lvl="3"/>
             <a:r>
-              <a:rPr lang="en-US" smtClean="0"/>
+              <a:rPr lang="en-US"/>
               <a:t>Fourth level</a:t>
             </a:r>
           </a:p>
           <a:p>
             <a:pPr lvl="4"/>
             <a:r>
-              <a:rPr lang="en-US" smtClean="0"/>
+              <a:rPr lang="en-US"/>
               <a:t>Fifth level</a:t>
             </a:r>
             <a:endParaRPr lang="en-US" dirty="0"/>
@@ -3950,7 +4036,7 @@
           <a:p>
             <a:fld id="{48A87A34-81AB-432B-8DAE-1953F412C126}" type="datetimeFigureOut">
               <a:rPr lang="en-US" smtClean="0"/>
-              <a:t>9/10/17</a:t>
+              <a:t>6/23/18</a:t>
             </a:fld>
             <a:endParaRPr lang="en-US" dirty="0"/>
           </a:p>
@@ -4126,7 +4212,7 @@
           <a:lstStyle/>
           <a:p>
             <a:r>
-              <a:rPr lang="en-US" smtClean="0"/>
+              <a:rPr lang="en-US"/>
               <a:t>Click to edit Master title style</a:t>
             </a:r>
             <a:endParaRPr lang="en-US" dirty="0"/>
@@ -4194,7 +4280,7 @@
           <a:p>
             <a:pPr lvl="0"/>
             <a:r>
-              <a:rPr lang="en-US" smtClean="0"/>
+              <a:rPr lang="en-US"/>
               <a:t>Click to edit Master text styles</a:t>
             </a:r>
           </a:p>
@@ -4224,35 +4310,35 @@
           <a:p>
             <a:pPr lvl="0"/>
             <a:r>
-              <a:rPr lang="en-US" smtClean="0"/>
+              <a:rPr lang="en-US"/>
               <a:t>Click to edit Master text styles</a:t>
             </a:r>
           </a:p>
           <a:p>
             <a:pPr lvl="1"/>
             <a:r>
-              <a:rPr lang="en-US" smtClean="0"/>
+              <a:rPr lang="en-US"/>
               <a:t>Second level</a:t>
             </a:r>
           </a:p>
           <a:p>
             <a:pPr lvl="2"/>
             <a:r>
-              <a:rPr lang="en-US" smtClean="0"/>
+              <a:rPr lang="en-US"/>
               <a:t>Third level</a:t>
             </a:r>
           </a:p>
           <a:p>
             <a:pPr lvl="3"/>
             <a:r>
-              <a:rPr lang="en-US" smtClean="0"/>
+              <a:rPr lang="en-US"/>
               <a:t>Fourth level</a:t>
             </a:r>
           </a:p>
           <a:p>
             <a:pPr lvl="4"/>
             <a:r>
-              <a:rPr lang="en-US" smtClean="0"/>
+              <a:rPr lang="en-US"/>
               <a:t>Fifth level</a:t>
             </a:r>
             <a:endParaRPr lang="en-US" dirty="0"/>
@@ -4320,7 +4406,7 @@
           <a:p>
             <a:pPr lvl="0"/>
             <a:r>
-              <a:rPr lang="en-US" smtClean="0"/>
+              <a:rPr lang="en-US"/>
               <a:t>Click to edit Master text styles</a:t>
             </a:r>
           </a:p>
@@ -4350,35 +4436,35 @@
           <a:p>
             <a:pPr lvl="0"/>
             <a:r>
-              <a:rPr lang="en-US" smtClean="0"/>
+              <a:rPr lang="en-US"/>
               <a:t>Click to edit Master text styles</a:t>
             </a:r>
           </a:p>
           <a:p>
             <a:pPr lvl="1"/>
             <a:r>
-              <a:rPr lang="en-US" smtClean="0"/>
+              <a:rPr lang="en-US"/>
               <a:t>Second level</a:t>
             </a:r>
           </a:p>
           <a:p>
             <a:pPr lvl="2"/>
             <a:r>
-              <a:rPr lang="en-US" smtClean="0"/>
+              <a:rPr lang="en-US"/>
               <a:t>Third level</a:t>
             </a:r>
           </a:p>
           <a:p>
             <a:pPr lvl="3"/>
             <a:r>
-              <a:rPr lang="en-US" smtClean="0"/>
+              <a:rPr lang="en-US"/>
               <a:t>Fourth level</a:t>
             </a:r>
           </a:p>
           <a:p>
             <a:pPr lvl="4"/>
             <a:r>
-              <a:rPr lang="en-US" smtClean="0"/>
+              <a:rPr lang="en-US"/>
               <a:t>Fifth level</a:t>
             </a:r>
             <a:endParaRPr lang="en-US" dirty="0"/>
@@ -4402,7 +4488,7 @@
           <a:p>
             <a:fld id="{48A87A34-81AB-432B-8DAE-1953F412C126}" type="datetimeFigureOut">
               <a:rPr lang="en-US" smtClean="0"/>
-              <a:t>9/10/17</a:t>
+              <a:t>6/23/18</a:t>
             </a:fld>
             <a:endParaRPr lang="en-US" dirty="0"/>
           </a:p>
@@ -4578,7 +4664,7 @@
           <a:lstStyle/>
           <a:p>
             <a:r>
-              <a:rPr lang="en-US" smtClean="0"/>
+              <a:rPr lang="en-US"/>
               <a:t>Click to edit Master title style</a:t>
             </a:r>
             <a:endParaRPr lang="en-US" dirty="0"/>
@@ -4602,7 +4688,7 @@
           <a:p>
             <a:fld id="{48A87A34-81AB-432B-8DAE-1953F412C126}" type="datetimeFigureOut">
               <a:rPr lang="en-US" smtClean="0"/>
-              <a:t>9/10/17</a:t>
+              <a:t>6/23/18</a:t>
             </a:fld>
             <a:endParaRPr lang="en-US" dirty="0"/>
           </a:p>
@@ -4774,7 +4860,7 @@
           <a:p>
             <a:fld id="{48A87A34-81AB-432B-8DAE-1953F412C126}" type="datetimeFigureOut">
               <a:rPr lang="en-US" smtClean="0"/>
-              <a:t>9/10/17</a:t>
+              <a:t>6/23/18</a:t>
             </a:fld>
             <a:endParaRPr lang="en-US" dirty="0"/>
           </a:p>
@@ -4954,7 +5040,7 @@
           </a:lstStyle>
           <a:p>
             <a:r>
-              <a:rPr lang="en-US" smtClean="0"/>
+              <a:rPr lang="en-US"/>
               <a:t>Click to edit Master title style</a:t>
             </a:r>
             <a:endParaRPr lang="en-US" dirty="0"/>
@@ -4985,35 +5071,35 @@
           <a:p>
             <a:pPr lvl="0"/>
             <a:r>
-              <a:rPr lang="en-US" smtClean="0"/>
+              <a:rPr lang="en-US"/>
               <a:t>Click to edit Master text styles</a:t>
             </a:r>
           </a:p>
           <a:p>
             <a:pPr lvl="1"/>
             <a:r>
-              <a:rPr lang="en-US" smtClean="0"/>
+              <a:rPr lang="en-US"/>
               <a:t>Second level</a:t>
             </a:r>
           </a:p>
           <a:p>
             <a:pPr lvl="2"/>
             <a:r>
-              <a:rPr lang="en-US" smtClean="0"/>
+              <a:rPr lang="en-US"/>
               <a:t>Third level</a:t>
             </a:r>
           </a:p>
           <a:p>
             <a:pPr lvl="3"/>
             <a:r>
-              <a:rPr lang="en-US" smtClean="0"/>
+              <a:rPr lang="en-US"/>
               <a:t>Fourth level</a:t>
             </a:r>
           </a:p>
           <a:p>
             <a:pPr lvl="4"/>
             <a:r>
-              <a:rPr lang="en-US" smtClean="0"/>
+              <a:rPr lang="en-US"/>
               <a:t>Fifth level</a:t>
             </a:r>
             <a:endParaRPr lang="en-US" dirty="0"/>
@@ -5079,7 +5165,7 @@
           <a:p>
             <a:pPr lvl="0"/>
             <a:r>
-              <a:rPr lang="en-US" smtClean="0"/>
+              <a:rPr lang="en-US"/>
               <a:t>Click to edit Master text styles</a:t>
             </a:r>
           </a:p>
@@ -5102,7 +5188,7 @@
           <a:p>
             <a:fld id="{48A87A34-81AB-432B-8DAE-1953F412C126}" type="datetimeFigureOut">
               <a:rPr lang="en-US" smtClean="0"/>
-              <a:t>9/10/17</a:t>
+              <a:t>6/23/18</a:t>
             </a:fld>
             <a:endParaRPr lang="en-US" dirty="0"/>
           </a:p>
@@ -5284,7 +5370,7 @@
           </a:lstStyle>
           <a:p>
             <a:r>
-              <a:rPr lang="en-US" smtClean="0"/>
+              <a:rPr lang="en-US"/>
               <a:t>Click to edit Master title style</a:t>
             </a:r>
             <a:endParaRPr lang="en-US" dirty="0"/>
@@ -5351,7 +5437,7 @@
           </a:lstStyle>
           <a:p>
             <a:r>
-              <a:rPr lang="en-US" smtClean="0"/>
+              <a:rPr lang="en-US"/>
               <a:t>Drag picture to placeholder or click icon to add</a:t>
             </a:r>
             <a:endParaRPr lang="en-US" dirty="0"/>
@@ -5419,7 +5505,7 @@
           <a:p>
             <a:pPr lvl="0"/>
             <a:r>
-              <a:rPr lang="en-US" smtClean="0"/>
+              <a:rPr lang="en-US"/>
               <a:t>Click to edit Master text styles</a:t>
             </a:r>
           </a:p>
@@ -5442,7 +5528,7 @@
           <a:p>
             <a:fld id="{48A87A34-81AB-432B-8DAE-1953F412C126}" type="datetimeFigureOut">
               <a:rPr lang="en-US" smtClean="0"/>
-              <a:t>9/10/17</a:t>
+              <a:t>6/23/18</a:t>
             </a:fld>
             <a:endParaRPr lang="en-US" dirty="0"/>
           </a:p>
@@ -7450,7 +7536,7 @@
           <a:lstStyle/>
           <a:p>
             <a:r>
-              <a:rPr lang="en-US" smtClean="0"/>
+              <a:rPr lang="en-US"/>
               <a:t>Click to edit Master title style</a:t>
             </a:r>
             <a:endParaRPr lang="en-US" dirty="0"/>
@@ -7484,35 +7570,35 @@
           <a:p>
             <a:pPr lvl="0"/>
             <a:r>
-              <a:rPr lang="en-US" smtClean="0"/>
+              <a:rPr lang="en-US"/>
               <a:t>Click to edit Master text styles</a:t>
             </a:r>
           </a:p>
           <a:p>
             <a:pPr lvl="1"/>
             <a:r>
-              <a:rPr lang="en-US" smtClean="0"/>
+              <a:rPr lang="en-US"/>
               <a:t>Second level</a:t>
             </a:r>
           </a:p>
           <a:p>
             <a:pPr lvl="2"/>
             <a:r>
-              <a:rPr lang="en-US" smtClean="0"/>
+              <a:rPr lang="en-US"/>
               <a:t>Third level</a:t>
             </a:r>
           </a:p>
           <a:p>
             <a:pPr lvl="3"/>
             <a:r>
-              <a:rPr lang="en-US" smtClean="0"/>
+              <a:rPr lang="en-US"/>
               <a:t>Fourth level</a:t>
             </a:r>
           </a:p>
           <a:p>
             <a:pPr lvl="4"/>
             <a:r>
-              <a:rPr lang="en-US" smtClean="0"/>
+              <a:rPr lang="en-US"/>
               <a:t>Fifth level</a:t>
             </a:r>
             <a:endParaRPr lang="en-US" dirty="0"/>
@@ -7555,7 +7641,7 @@
             <a:fld id="{48A87A34-81AB-432B-8DAE-1953F412C126}" type="datetimeFigureOut">
               <a:rPr lang="en-US" smtClean="0"/>
               <a:pPr/>
-              <a:t>9/10/17</a:t>
+              <a:t>6/23/18</a:t>
             </a:fld>
             <a:endParaRPr lang="en-US" dirty="0"/>
           </a:p>
@@ -8091,26 +8177,22 @@
           <a:p>
             <a:r>
               <a:rPr lang="en-US" altLang="zh-CN" dirty="0"/>
-              <a:t>I</a:t>
-            </a:r>
-            <a:r>
-              <a:rPr lang="en-US" altLang="zh-CN" dirty="0" smtClean="0"/>
-              <a:t>ntroduction</a:t>
-            </a:r>
-            <a:r>
-              <a:rPr lang="zh-CN" altLang="en-US" dirty="0" smtClean="0"/>
+              <a:t>Introduction</a:t>
+            </a:r>
+            <a:r>
+              <a:rPr lang="zh-CN" altLang="en-US" dirty="0"/>
               <a:t> </a:t>
             </a:r>
             <a:r>
-              <a:rPr lang="en-US" altLang="zh-CN" dirty="0" smtClean="0"/>
+              <a:rPr lang="en-US" altLang="zh-CN" dirty="0"/>
               <a:t>to</a:t>
             </a:r>
             <a:r>
-              <a:rPr lang="zh-CN" altLang="en-US" dirty="0" smtClean="0"/>
+              <a:rPr lang="zh-CN" altLang="en-US" dirty="0"/>
               <a:t> </a:t>
             </a:r>
             <a:r>
-              <a:rPr lang="en-US" altLang="zh-CN" dirty="0" smtClean="0"/>
+              <a:rPr lang="en-US" altLang="zh-CN" dirty="0"/>
               <a:t>python</a:t>
             </a:r>
             <a:endParaRPr lang="en-US" dirty="0"/>
@@ -8135,51 +8217,51 @@
           <a:lstStyle/>
           <a:p>
             <a:r>
-              <a:rPr lang="en-US" altLang="zh-CN" dirty="0" smtClean="0"/>
+              <a:rPr lang="en-US" altLang="zh-CN" dirty="0"/>
               <a:t>Charles</a:t>
             </a:r>
             <a:r>
-              <a:rPr lang="zh-CN" altLang="en-US" dirty="0" smtClean="0"/>
+              <a:rPr lang="zh-CN" altLang="en-US" dirty="0"/>
               <a:t> </a:t>
             </a:r>
             <a:r>
-              <a:rPr lang="en-US" altLang="zh-CN" dirty="0" smtClean="0"/>
+              <a:rPr lang="en-US" altLang="zh-CN" dirty="0"/>
               <a:t>Cao</a:t>
             </a:r>
             <a:r>
-              <a:rPr lang="zh-CN" altLang="en-US" dirty="0" smtClean="0"/>
+              <a:rPr lang="zh-CN" altLang="en-US" dirty="0"/>
               <a:t> </a:t>
             </a:r>
-            <a:endParaRPr lang="en-US" altLang="zh-CN" dirty="0" smtClean="0"/>
-          </a:p>
-          <a:p>
-            <a:r>
-              <a:rPr lang="en-US" altLang="zh-CN" dirty="0" smtClean="0">
+            <a:endParaRPr lang="en-US" altLang="zh-CN" dirty="0"/>
+          </a:p>
+          <a:p>
+            <a:r>
+              <a:rPr lang="en-US" altLang="zh-CN" dirty="0">
                 <a:hlinkClick r:id="rId2"/>
               </a:rPr>
               <a:t>ccao@ecvictor.com</a:t>
             </a:r>
-            <a:endParaRPr lang="en-US" altLang="zh-CN" dirty="0" smtClean="0"/>
-          </a:p>
-          <a:p>
-            <a:r>
-              <a:rPr lang="en-US" altLang="zh-CN" dirty="0" smtClean="0"/>
+            <a:endParaRPr lang="en-US" altLang="zh-CN" dirty="0"/>
+          </a:p>
+          <a:p>
+            <a:r>
+              <a:rPr lang="en-US" altLang="zh-CN" dirty="0"/>
               <a:t>Thanks</a:t>
             </a:r>
             <a:r>
-              <a:rPr lang="zh-CN" altLang="en-US" dirty="0" smtClean="0"/>
+              <a:rPr lang="zh-CN" altLang="en-US" dirty="0"/>
               <a:t> </a:t>
             </a:r>
             <a:r>
-              <a:rPr lang="en-US" altLang="zh-CN" dirty="0" smtClean="0"/>
+              <a:rPr lang="en-US" altLang="zh-CN" dirty="0"/>
               <a:t>to</a:t>
             </a:r>
             <a:r>
-              <a:rPr lang="zh-CN" altLang="en-US" dirty="0" smtClean="0"/>
+              <a:rPr lang="zh-CN" altLang="en-US" dirty="0"/>
               <a:t> </a:t>
             </a:r>
             <a:r>
-              <a:rPr lang="en-US" altLang="zh-CN" dirty="0" err="1" smtClean="0"/>
+              <a:rPr lang="en-US" altLang="zh-CN" dirty="0" err="1"/>
               <a:t>www.programiz.com</a:t>
             </a:r>
             <a:endParaRPr lang="en-US" dirty="0"/>
@@ -8259,17 +8341,11 @@
           <a:p>
             <a:r>
               <a:rPr lang="en-US" dirty="0">
-                <a:hlinkClick r:id="rId2"/>
+                <a:hlinkClick r:id="rId3"/>
               </a:rPr>
-              <a:t>https://www.python.org/downloads/release/python-362</a:t>
-            </a:r>
-            <a:r>
-              <a:rPr lang="en-US" dirty="0" smtClean="0">
-                <a:hlinkClick r:id="rId2"/>
-              </a:rPr>
-              <a:t>/</a:t>
-            </a:r>
-            <a:endParaRPr lang="en-US" dirty="0" smtClean="0"/>
+              <a:t>https://www.python.org/downloads/release/python-362/</a:t>
+            </a:r>
+            <a:endParaRPr lang="en-US" dirty="0"/>
           </a:p>
           <a:p>
             <a:r>
@@ -8330,11 +8406,7 @@
           <a:p>
             <a:r>
               <a:rPr lang="en-US" b="1" dirty="0"/>
-              <a:t>Hello World </a:t>
-            </a:r>
-            <a:r>
-              <a:rPr lang="en-US" b="1" dirty="0" smtClean="0"/>
-              <a:t>Example</a:t>
+              <a:t>Hello World Example</a:t>
             </a:r>
             <a:endParaRPr lang="en-US" dirty="0"/>
           </a:p>
@@ -8357,13 +8429,8 @@
           <a:p>
             <a:r>
               <a:rPr lang="en-US" dirty="0"/>
-              <a:t>print("Hello world</a:t>
-            </a:r>
-            <a:r>
-              <a:rPr lang="en-US" dirty="0" smtClean="0"/>
-              <a:t>!")</a:t>
-            </a:r>
-            <a:endParaRPr lang="en-US" dirty="0"/>
+              <a:t>print("Hello world!")</a:t>
+            </a:r>
           </a:p>
         </p:txBody>
       </p:sp>
@@ -8491,23 +8558,15 @@
             </a:r>
             <a:r>
               <a:rPr lang="en-US" dirty="0"/>
-              <a:t> name or any other identifier. They are used to define the syntax and structure of the Python </a:t>
-            </a:r>
-            <a:r>
-              <a:rPr lang="en-US" dirty="0" smtClean="0"/>
-              <a:t>language.</a:t>
-            </a:r>
-            <a:r>
-              <a:rPr lang="zh-CN" altLang="en-US" dirty="0" smtClean="0"/>
+              <a:t> name or any other identifier. They are used to define the syntax and structure of the Python language.</a:t>
+            </a:r>
+            <a:r>
+              <a:rPr lang="zh-CN" altLang="en-US" dirty="0"/>
               <a:t>    </a:t>
             </a:r>
             <a:r>
-              <a:rPr lang="en-US" dirty="0" smtClean="0"/>
-              <a:t>In </a:t>
-            </a:r>
-            <a:r>
               <a:rPr lang="en-US" dirty="0"/>
-              <a:t>Python, keywords are case sensitive.</a:t>
+              <a:t>In Python, keywords are case sensitive.</a:t>
             </a:r>
           </a:p>
         </p:txBody>
@@ -8689,36 +8748,26 @@
           <a:bodyPr/>
           <a:lstStyle/>
           <a:p>
-            <a:endParaRPr lang="en-US" dirty="0" smtClean="0"/>
+            <a:endParaRPr lang="en-US" dirty="0"/>
           </a:p>
           <a:p>
             <a:r>
               <a:rPr lang="en-US" dirty="0"/>
               <a:t>#This is a comment </a:t>
             </a:r>
-            <a:endParaRPr lang="en-US" dirty="0" smtClean="0"/>
-          </a:p>
-          <a:p>
-            <a:r>
-              <a:rPr lang="en-US" smtClean="0"/>
-              <a:t>#</a:t>
-            </a:r>
+          </a:p>
+          <a:p>
             <a:r>
               <a:rPr lang="en-US"/>
-              <a:t>print out Hello </a:t>
-            </a:r>
-            <a:endParaRPr lang="en-US" smtClean="0"/>
-          </a:p>
-          <a:p>
-            <a:r>
-              <a:rPr lang="en-US" smtClean="0"/>
-              <a:t>print</a:t>
-            </a:r>
+              <a:t>#print out Hello </a:t>
+            </a:r>
+          </a:p>
+          <a:p>
             <a:r>
               <a:rPr lang="en-US"/>
-              <a:t>('Hello')</a:t>
-            </a:r>
-            <a:endParaRPr lang="en-US" dirty="0" smtClean="0"/>
+              <a:t>print('Hello')</a:t>
+            </a:r>
+            <a:endParaRPr lang="en-US" dirty="0"/>
           </a:p>
           <a:p>
             <a:endParaRPr lang="en-US" dirty="0"/>
@@ -8731,27 +8780,17 @@
               <a:rPr lang="en-US" dirty="0"/>
               <a:t>#This is a long comment </a:t>
             </a:r>
-            <a:endParaRPr lang="en-US" dirty="0" smtClean="0"/>
-          </a:p>
-          <a:p>
-            <a:r>
-              <a:rPr lang="en-US" dirty="0" smtClean="0"/>
-              <a:t>#</a:t>
-            </a:r>
+          </a:p>
+          <a:p>
             <a:r>
               <a:rPr lang="en-US" dirty="0"/>
-              <a:t>and it extends </a:t>
-            </a:r>
-            <a:endParaRPr lang="en-US" dirty="0" smtClean="0"/>
-          </a:p>
-          <a:p>
-            <a:r>
-              <a:rPr lang="en-US" dirty="0" smtClean="0"/>
-              <a:t>#</a:t>
-            </a:r>
+              <a:t>#and it extends </a:t>
+            </a:r>
+          </a:p>
+          <a:p>
             <a:r>
               <a:rPr lang="en-US" dirty="0"/>
-              <a:t>to multiple lines</a:t>
+              <a:t>#to multiple lines</a:t>
             </a:r>
           </a:p>
         </p:txBody>
@@ -8825,37 +8864,29 @@
           <a:lstStyle/>
           <a:p>
             <a:r>
-              <a:rPr lang="en-US" b="1" dirty="0" smtClean="0"/>
+              <a:rPr lang="en-US" b="1" dirty="0"/>
               <a:t>Numbers</a:t>
             </a:r>
           </a:p>
           <a:p>
             <a:pPr lvl="1"/>
             <a:r>
-              <a:rPr lang="en-US" dirty="0" smtClean="0"/>
-              <a:t>Python </a:t>
-            </a:r>
-            <a:r>
               <a:rPr lang="en-US" dirty="0"/>
-              <a:t>supports two types of numbers - integers and floating point numbers</a:t>
-            </a:r>
-            <a:r>
-              <a:rPr lang="en-US" dirty="0" smtClean="0"/>
-              <a:t>.</a:t>
+              <a:t>Python supports two types of numbers - integers and floating point numbers.</a:t>
             </a:r>
           </a:p>
           <a:p>
             <a:pPr lvl="1"/>
             <a:r>
-              <a:rPr lang="en-US" altLang="zh-CN" b="1" dirty="0" err="1" smtClean="0"/>
+              <a:rPr lang="en-US" altLang="zh-CN" b="1" dirty="0" err="1"/>
               <a:t>E.g</a:t>
             </a:r>
             <a:r>
-              <a:rPr lang="zh-CN" altLang="en-US" b="1" dirty="0" smtClean="0"/>
+              <a:rPr lang="zh-CN" altLang="en-US" b="1" dirty="0"/>
               <a:t> </a:t>
             </a:r>
             <a:r>
-              <a:rPr lang="en-US" altLang="zh-CN" b="1" dirty="0" smtClean="0"/>
+              <a:rPr lang="en-US" altLang="zh-CN" b="1" dirty="0"/>
               <a:t>A=7</a:t>
             </a:r>
             <a:endParaRPr lang="en-US" b="1" dirty="0"/>
@@ -8924,13 +8955,8 @@
           <a:p>
             <a:r>
               <a:rPr lang="en-US" dirty="0"/>
-              <a:t>Mixing operators between numbers and strings is not </a:t>
-            </a:r>
-            <a:r>
-              <a:rPr lang="en-US" dirty="0" smtClean="0"/>
-              <a:t>supported</a:t>
-            </a:r>
-            <a:endParaRPr lang="en-US" dirty="0"/>
+              <a:t>Mixing operators between numbers and strings is not supported</a:t>
+            </a:r>
           </a:p>
         </p:txBody>
       </p:sp>
@@ -8950,60 +8976,27 @@
           <a:lstStyle/>
           <a:p>
             <a:r>
-              <a:rPr lang="en-US" dirty="0" smtClean="0"/>
-              <a:t>one </a:t>
-            </a:r>
-            <a:r>
               <a:rPr lang="en-US" dirty="0"/>
-              <a:t>= </a:t>
-            </a:r>
-            <a:r>
-              <a:rPr lang="en-US" dirty="0" smtClean="0"/>
-              <a:t>1</a:t>
-            </a:r>
-          </a:p>
-          <a:p>
-            <a:r>
-              <a:rPr lang="en-US" dirty="0" smtClean="0"/>
-              <a:t>two </a:t>
-            </a:r>
+              <a:t>one = 1</a:t>
+            </a:r>
+          </a:p>
+          <a:p>
             <a:r>
               <a:rPr lang="en-US" dirty="0"/>
-              <a:t>= </a:t>
-            </a:r>
-            <a:r>
-              <a:rPr lang="en-US" dirty="0" smtClean="0"/>
-              <a:t>2</a:t>
-            </a:r>
-          </a:p>
-          <a:p>
-            <a:r>
-              <a:rPr lang="en-US" dirty="0" smtClean="0"/>
-              <a:t>hello </a:t>
-            </a:r>
+              <a:t>two = 2</a:t>
+            </a:r>
+          </a:p>
+          <a:p>
             <a:r>
               <a:rPr lang="en-US" dirty="0"/>
-              <a:t>= "</a:t>
-            </a:r>
-            <a:r>
-              <a:rPr lang="en-US" dirty="0" smtClean="0"/>
-              <a:t>hello”</a:t>
-            </a:r>
-          </a:p>
-          <a:p>
-            <a:r>
-              <a:rPr lang="en-US" dirty="0" smtClean="0"/>
-              <a:t>print(one </a:t>
-            </a:r>
+              <a:t>hello = "hello”</a:t>
+            </a:r>
+          </a:p>
+          <a:p>
             <a:r>
               <a:rPr lang="en-US" dirty="0"/>
-              <a:t>+ two + hello</a:t>
-            </a:r>
-            <a:r>
-              <a:rPr lang="en-US" dirty="0" smtClean="0"/>
-              <a:t>)</a:t>
-            </a:r>
-            <a:endParaRPr lang="en-US" dirty="0"/>
+              <a:t>print(one + two + hello)</a:t>
+            </a:r>
           </a:p>
         </p:txBody>
       </p:sp>
@@ -9135,15 +9128,7 @@
             </a:r>
             <a:r>
               <a:rPr lang="en-US" dirty="0"/>
-              <a:t> -- so named because of the bumpy look of its </a:t>
-            </a:r>
-            <a:r>
-              <a:rPr lang="en-US" dirty="0" smtClean="0"/>
-              <a:t>letters. </a:t>
-            </a:r>
-            <a:r>
-              <a:rPr lang="en-US" dirty="0"/>
-              <a:t>This is also sometimes known as </a:t>
+              <a:t> -- so named because of the bumpy look of its letters. This is also sometimes known as </a:t>
             </a:r>
             <a:r>
               <a:rPr lang="en-US" dirty="0" err="1"/>
@@ -9287,14 +9272,14 @@
           <a:lstStyle/>
           <a:p>
             <a:r>
-              <a:rPr lang="en-US" dirty="0" err="1" smtClean="0"/>
+              <a:rPr lang="en-US" dirty="0" err="1"/>
               <a:t>local_var_name</a:t>
             </a:r>
-            <a:endParaRPr lang="en-US" dirty="0" smtClean="0"/>
-          </a:p>
-          <a:p>
-            <a:r>
-              <a:rPr lang="en-US" dirty="0" smtClean="0"/>
+            <a:endParaRPr lang="en-US" dirty="0"/>
+          </a:p>
+          <a:p>
+            <a:r>
+              <a:rPr lang="en-US" dirty="0"/>
               <a:t>GLOBAL_VAR_NAME</a:t>
             </a:r>
           </a:p>
@@ -9354,14 +9339,14 @@
           </a:p>
           <a:p>
             <a:r>
-              <a:rPr lang="en-US" dirty="0" err="1" smtClean="0"/>
+              <a:rPr lang="en-US" dirty="0" err="1"/>
               <a:t>instance_var_name</a:t>
             </a:r>
             <a:endParaRPr lang="en-US" dirty="0"/>
           </a:p>
           <a:p>
             <a:r>
-              <a:rPr lang="en-US" dirty="0" err="1" smtClean="0"/>
+              <a:rPr lang="en-US" dirty="0" err="1"/>
               <a:t>function_parameter_name</a:t>
             </a:r>
             <a:endParaRPr lang="en-US" dirty="0"/>
@@ -9444,11 +9429,7 @@
           <a:p>
             <a:r>
               <a:rPr lang="en-US" dirty="0"/>
-              <a:t>Lists are very similar to </a:t>
-            </a:r>
-            <a:r>
-              <a:rPr lang="en-US" dirty="0" smtClean="0"/>
-              <a:t>arrays</a:t>
+              <a:t>Lists are very similar to arrays</a:t>
             </a:r>
           </a:p>
           <a:p>
@@ -9456,40 +9437,28 @@
           </a:p>
           <a:p>
             <a:pPr lvl="1"/>
-            <a:endParaRPr lang="en-US" dirty="0" smtClean="0"/>
+            <a:endParaRPr lang="en-US" dirty="0"/>
           </a:p>
           <a:p>
             <a:pPr lvl="1"/>
             <a:r>
-              <a:rPr lang="en-US" dirty="0" err="1" smtClean="0"/>
+              <a:rPr lang="en-US" dirty="0" err="1"/>
               <a:t>mylist</a:t>
             </a:r>
             <a:r>
-              <a:rPr lang="en-US" dirty="0" smtClean="0"/>
-              <a:t> </a:t>
-            </a:r>
-            <a:r>
               <a:rPr lang="en-US" dirty="0"/>
-              <a:t>= </a:t>
-            </a:r>
-            <a:r>
-              <a:rPr lang="en-US" dirty="0" smtClean="0"/>
-              <a:t>[]</a:t>
+              <a:t> = []</a:t>
             </a:r>
           </a:p>
           <a:p>
             <a:pPr lvl="1"/>
             <a:r>
-              <a:rPr lang="en-US" dirty="0" err="1" smtClean="0"/>
+              <a:rPr lang="en-US" dirty="0" err="1"/>
               <a:t>mylist.append</a:t>
             </a:r>
             <a:r>
-              <a:rPr lang="en-US" dirty="0" smtClean="0"/>
-              <a:t>(1</a:t>
-            </a:r>
-            <a:r>
               <a:rPr lang="en-US" dirty="0"/>
-              <a:t>)</a:t>
+              <a:t>(1)</a:t>
             </a:r>
           </a:p>
         </p:txBody>
@@ -9540,7 +9509,7 @@
           <a:lstStyle/>
           <a:p>
             <a:r>
-              <a:rPr lang="en-US" altLang="zh-CN" dirty="0" smtClean="0"/>
+              <a:rPr lang="en-US" altLang="zh-CN" dirty="0"/>
               <a:t>Instructors</a:t>
             </a:r>
             <a:endParaRPr lang="en-US" dirty="0"/>
@@ -9563,19 +9532,19 @@
           <a:lstStyle/>
           <a:p>
             <a:r>
-              <a:rPr lang="en-US" altLang="zh-CN" dirty="0" smtClean="0"/>
+              <a:rPr lang="en-US" altLang="zh-CN" dirty="0"/>
               <a:t>Charles</a:t>
             </a:r>
             <a:r>
-              <a:rPr lang="zh-CN" altLang="en-US" dirty="0" smtClean="0"/>
+              <a:rPr lang="zh-CN" altLang="en-US" dirty="0"/>
               <a:t> </a:t>
             </a:r>
             <a:r>
-              <a:rPr lang="en-US" altLang="zh-CN" dirty="0" smtClean="0"/>
+              <a:rPr lang="en-US" altLang="zh-CN" dirty="0"/>
               <a:t>Cao</a:t>
             </a:r>
             <a:r>
-              <a:rPr lang="zh-CN" altLang="en-US" dirty="0" smtClean="0"/>
+              <a:rPr lang="zh-CN" altLang="en-US" dirty="0"/>
               <a:t> </a:t>
             </a:r>
             <a:endParaRPr lang="en-US" altLang="zh-CN" dirty="0"/>
@@ -9583,165 +9552,165 @@
           <a:p>
             <a:pPr lvl="1"/>
             <a:r>
-              <a:rPr lang="en-US" altLang="zh-CN" dirty="0" smtClean="0"/>
+              <a:rPr lang="en-US" altLang="zh-CN" dirty="0"/>
               <a:t>Team</a:t>
             </a:r>
             <a:r>
-              <a:rPr lang="zh-CN" altLang="en-US" dirty="0" smtClean="0"/>
+              <a:rPr lang="zh-CN" altLang="en-US" dirty="0"/>
               <a:t> </a:t>
             </a:r>
             <a:r>
-              <a:rPr lang="en-US" altLang="zh-CN" dirty="0" smtClean="0"/>
+              <a:rPr lang="en-US" altLang="zh-CN" dirty="0"/>
               <a:t>leader</a:t>
             </a:r>
             <a:r>
-              <a:rPr lang="zh-CN" altLang="en-US" dirty="0" smtClean="0"/>
+              <a:rPr lang="zh-CN" altLang="en-US" dirty="0"/>
               <a:t> </a:t>
             </a:r>
             <a:r>
-              <a:rPr lang="en-US" altLang="zh-CN" dirty="0" smtClean="0"/>
+              <a:rPr lang="en-US" altLang="zh-CN" dirty="0"/>
               <a:t>of</a:t>
             </a:r>
             <a:r>
-              <a:rPr lang="zh-CN" altLang="en-US" dirty="0" smtClean="0"/>
+              <a:rPr lang="zh-CN" altLang="en-US" dirty="0"/>
               <a:t> </a:t>
             </a:r>
             <a:r>
-              <a:rPr lang="en-US" altLang="zh-CN" dirty="0" err="1" smtClean="0"/>
+              <a:rPr lang="en-US" altLang="zh-CN" dirty="0" err="1"/>
               <a:t>Paysafe</a:t>
             </a:r>
-            <a:endParaRPr lang="en-US" altLang="zh-CN" dirty="0" smtClean="0"/>
+            <a:endParaRPr lang="en-US" altLang="zh-CN" dirty="0"/>
           </a:p>
           <a:p>
             <a:pPr lvl="1"/>
             <a:r>
-              <a:rPr lang="en-US" altLang="zh-CN" dirty="0" smtClean="0"/>
+              <a:rPr lang="en-US" altLang="zh-CN" dirty="0"/>
               <a:t>Founder</a:t>
             </a:r>
             <a:r>
-              <a:rPr lang="zh-CN" altLang="en-US" dirty="0" smtClean="0"/>
+              <a:rPr lang="zh-CN" altLang="en-US" dirty="0"/>
               <a:t> </a:t>
             </a:r>
             <a:r>
-              <a:rPr lang="en-US" altLang="zh-CN" dirty="0" smtClean="0"/>
+              <a:rPr lang="en-US" altLang="zh-CN" dirty="0"/>
               <a:t>of</a:t>
             </a:r>
             <a:r>
-              <a:rPr lang="zh-CN" altLang="en-US" dirty="0" smtClean="0"/>
+              <a:rPr lang="zh-CN" altLang="en-US" dirty="0"/>
               <a:t> </a:t>
             </a:r>
             <a:r>
-              <a:rPr lang="en-US" altLang="zh-CN" dirty="0" err="1" smtClean="0"/>
+              <a:rPr lang="en-US" altLang="zh-CN" dirty="0" err="1"/>
               <a:t>ECVictor</a:t>
             </a:r>
             <a:r>
-              <a:rPr lang="zh-CN" altLang="en-US" dirty="0" smtClean="0"/>
+              <a:rPr lang="zh-CN" altLang="en-US" dirty="0"/>
               <a:t> </a:t>
             </a:r>
-            <a:endParaRPr lang="en-US" altLang="zh-CN" dirty="0" smtClean="0"/>
+            <a:endParaRPr lang="en-US" altLang="zh-CN" dirty="0"/>
           </a:p>
           <a:p>
             <a:pPr lvl="1"/>
             <a:r>
-              <a:rPr lang="en-US" altLang="zh-CN" dirty="0" smtClean="0"/>
+              <a:rPr lang="en-US" altLang="zh-CN" dirty="0"/>
               <a:t>10+</a:t>
             </a:r>
             <a:r>
-              <a:rPr lang="zh-CN" altLang="en-US" dirty="0" smtClean="0"/>
+              <a:rPr lang="zh-CN" altLang="en-US" dirty="0"/>
               <a:t> </a:t>
             </a:r>
             <a:r>
-              <a:rPr lang="en-US" altLang="zh-CN" dirty="0" smtClean="0"/>
+              <a:rPr lang="en-US" altLang="zh-CN" dirty="0"/>
               <a:t>software</a:t>
             </a:r>
             <a:r>
-              <a:rPr lang="zh-CN" altLang="en-US" dirty="0" smtClean="0"/>
+              <a:rPr lang="zh-CN" altLang="en-US" dirty="0"/>
               <a:t> </a:t>
             </a:r>
             <a:r>
-              <a:rPr lang="en-US" altLang="zh-CN" dirty="0" smtClean="0"/>
+              <a:rPr lang="en-US" altLang="zh-CN" dirty="0"/>
               <a:t>development</a:t>
             </a:r>
             <a:r>
-              <a:rPr lang="zh-CN" altLang="en-US" dirty="0" smtClean="0"/>
+              <a:rPr lang="zh-CN" altLang="en-US" dirty="0"/>
               <a:t> </a:t>
             </a:r>
             <a:r>
-              <a:rPr lang="en-US" altLang="zh-CN" dirty="0" smtClean="0"/>
+              <a:rPr lang="en-US" altLang="zh-CN" dirty="0"/>
               <a:t>experience</a:t>
             </a:r>
           </a:p>
           <a:p>
             <a:r>
-              <a:rPr lang="en-US" altLang="zh-CN" dirty="0" smtClean="0"/>
+              <a:rPr lang="en-US" altLang="zh-CN" dirty="0"/>
               <a:t>Dr.</a:t>
             </a:r>
             <a:r>
-              <a:rPr lang="zh-CN" altLang="en-US" dirty="0" smtClean="0"/>
+              <a:rPr lang="zh-CN" altLang="en-US" dirty="0"/>
               <a:t> </a:t>
             </a:r>
             <a:r>
-              <a:rPr lang="en-US" altLang="zh-CN" dirty="0" smtClean="0"/>
+              <a:rPr lang="en-US" altLang="zh-CN" dirty="0"/>
               <a:t>Tony</a:t>
             </a:r>
             <a:r>
-              <a:rPr lang="zh-CN" altLang="en-US" dirty="0" smtClean="0"/>
+              <a:rPr lang="zh-CN" altLang="en-US" dirty="0"/>
               <a:t> </a:t>
             </a:r>
             <a:r>
-              <a:rPr lang="en-US" altLang="zh-CN" dirty="0" smtClean="0"/>
+              <a:rPr lang="en-US" altLang="zh-CN" dirty="0"/>
               <a:t>Deng</a:t>
             </a:r>
           </a:p>
           <a:p>
             <a:pPr lvl="1"/>
             <a:r>
-              <a:rPr lang="en-US" altLang="zh-CN" dirty="0" smtClean="0"/>
+              <a:rPr lang="en-US" altLang="zh-CN" dirty="0"/>
               <a:t>Data</a:t>
             </a:r>
             <a:r>
-              <a:rPr lang="zh-CN" altLang="en-US" dirty="0" smtClean="0"/>
+              <a:rPr lang="zh-CN" altLang="en-US" dirty="0"/>
               <a:t> </a:t>
             </a:r>
             <a:r>
-              <a:rPr lang="en-US" altLang="zh-CN" dirty="0" smtClean="0"/>
+              <a:rPr lang="en-US" altLang="zh-CN" dirty="0"/>
               <a:t>scientist</a:t>
             </a:r>
           </a:p>
           <a:p>
             <a:r>
-              <a:rPr lang="en-US" altLang="zh-CN" dirty="0" smtClean="0"/>
+              <a:rPr lang="en-US" altLang="zh-CN" dirty="0"/>
               <a:t>Richard</a:t>
             </a:r>
             <a:r>
-              <a:rPr lang="zh-CN" altLang="en-US" dirty="0" smtClean="0"/>
+              <a:rPr lang="zh-CN" altLang="en-US" dirty="0"/>
               <a:t> </a:t>
             </a:r>
             <a:r>
-              <a:rPr lang="en-US" altLang="zh-CN" dirty="0" smtClean="0"/>
+              <a:rPr lang="en-US" altLang="zh-CN" dirty="0"/>
               <a:t>Yan</a:t>
             </a:r>
           </a:p>
           <a:p>
             <a:pPr lvl="1"/>
             <a:r>
-              <a:rPr lang="en-US" altLang="zh-CN" dirty="0" smtClean="0"/>
+              <a:rPr lang="en-US" altLang="zh-CN" dirty="0"/>
               <a:t>Senior</a:t>
             </a:r>
             <a:r>
-              <a:rPr lang="zh-CN" altLang="en-US" dirty="0" smtClean="0"/>
+              <a:rPr lang="zh-CN" altLang="en-US" dirty="0"/>
               <a:t> </a:t>
             </a:r>
             <a:r>
-              <a:rPr lang="en-US" altLang="zh-CN" dirty="0" smtClean="0"/>
+              <a:rPr lang="en-US" altLang="zh-CN" dirty="0"/>
               <a:t>python</a:t>
             </a:r>
             <a:r>
-              <a:rPr lang="zh-CN" altLang="en-US" dirty="0" smtClean="0"/>
+              <a:rPr lang="zh-CN" altLang="en-US" dirty="0"/>
               <a:t> </a:t>
             </a:r>
             <a:r>
-              <a:rPr lang="en-US" altLang="zh-CN" dirty="0" smtClean="0"/>
+              <a:rPr lang="en-US" altLang="zh-CN" dirty="0"/>
               <a:t>developer</a:t>
             </a:r>
           </a:p>
@@ -9796,39 +9765,39 @@
           <a:lstStyle/>
           <a:p>
             <a:r>
-              <a:rPr lang="en-US" altLang="zh-CN" dirty="0" smtClean="0"/>
+              <a:rPr lang="en-US" altLang="zh-CN" dirty="0"/>
               <a:t>List</a:t>
             </a:r>
             <a:r>
-              <a:rPr lang="zh-CN" altLang="en-US" dirty="0" smtClean="0"/>
+              <a:rPr lang="zh-CN" altLang="en-US" dirty="0"/>
               <a:t> </a:t>
             </a:r>
             <a:r>
-              <a:rPr lang="en-US" altLang="zh-CN" dirty="0" smtClean="0"/>
+              <a:rPr lang="en-US" altLang="zh-CN" dirty="0"/>
               <a:t>count</a:t>
             </a:r>
             <a:r>
-              <a:rPr lang="zh-CN" altLang="en-US" dirty="0" smtClean="0"/>
+              <a:rPr lang="zh-CN" altLang="en-US" dirty="0"/>
               <a:t> </a:t>
             </a:r>
             <a:r>
-              <a:rPr lang="en-US" altLang="zh-CN" dirty="0" smtClean="0"/>
+              <a:rPr lang="en-US" altLang="zh-CN" dirty="0"/>
               <a:t>start</a:t>
             </a:r>
             <a:r>
-              <a:rPr lang="zh-CN" altLang="en-US" dirty="0" smtClean="0"/>
+              <a:rPr lang="zh-CN" altLang="en-US" dirty="0"/>
               <a:t> </a:t>
             </a:r>
             <a:r>
-              <a:rPr lang="en-US" altLang="zh-CN" dirty="0" smtClean="0"/>
+              <a:rPr lang="en-US" altLang="zh-CN" dirty="0"/>
               <a:t>from</a:t>
             </a:r>
             <a:r>
-              <a:rPr lang="zh-CN" altLang="en-US" dirty="0" smtClean="0"/>
+              <a:rPr lang="zh-CN" altLang="en-US" dirty="0"/>
               <a:t> </a:t>
             </a:r>
             <a:r>
-              <a:rPr lang="en-US" altLang="zh-CN" dirty="0" smtClean="0"/>
+              <a:rPr lang="en-US" altLang="zh-CN" dirty="0"/>
               <a:t>0</a:t>
             </a:r>
             <a:endParaRPr lang="en-US" dirty="0"/>
@@ -9856,28 +9825,27 @@
           <a:lstStyle/>
           <a:p>
             <a:r>
-              <a:rPr lang="en-US" altLang="zh-CN" dirty="0" err="1" smtClean="0"/>
+              <a:rPr lang="en-US" altLang="zh-CN" dirty="0" err="1"/>
               <a:t>my_list</a:t>
             </a:r>
             <a:r>
-              <a:rPr lang="en-US" altLang="zh-CN" dirty="0" smtClean="0"/>
+              <a:rPr lang="en-US" altLang="zh-CN" dirty="0"/>
               <a:t>=[1,2,3,4]</a:t>
             </a:r>
           </a:p>
           <a:p>
             <a:r>
-              <a:rPr lang="en-US" dirty="0" smtClean="0"/>
+              <a:rPr lang="en-US" dirty="0"/>
               <a:t>print(</a:t>
             </a:r>
             <a:r>
-              <a:rPr lang="en-US" altLang="zh-CN" dirty="0" smtClean="0"/>
+              <a:rPr lang="en-US" altLang="zh-CN" dirty="0"/>
               <a:t>1</a:t>
             </a:r>
             <a:r>
-              <a:rPr lang="en-US" dirty="0" smtClean="0"/>
+              <a:rPr lang="en-US" dirty="0"/>
               <a:t>)</a:t>
             </a:r>
-            <a:endParaRPr lang="en-US" dirty="0"/>
           </a:p>
         </p:txBody>
       </p:sp>
@@ -10004,13 +9972,6 @@
   <p:clrMapOvr>
     <a:masterClrMapping/>
   </p:clrMapOvr>
-  <p:timing>
-    <p:tnLst>
-      <p:par>
-        <p:cTn id="1" dur="indefinite" restart="never" nodeType="tmRoot"/>
-      </p:par>
-    </p:tnLst>
-  </p:timing>
 </p:sld>
 </file>
 
@@ -10048,11 +10009,7 @@
           <a:p>
             <a:r>
               <a:rPr lang="en-US" b="1" dirty="0"/>
-              <a:t>Arithmetic </a:t>
-            </a:r>
-            <a:r>
-              <a:rPr lang="en-US" b="1" dirty="0" smtClean="0"/>
-              <a:t>Operators</a:t>
+              <a:t>Arithmetic Operators</a:t>
             </a:r>
             <a:endParaRPr lang="en-US" dirty="0"/>
           </a:p>
@@ -10084,9 +10041,27 @@
                 <a:tableStyleId>{5C22544A-7EE6-4342-B048-85BDC9FD1C3A}</a:tableStyleId>
               </a:tblPr>
               <a:tblGrid>
-                <a:gridCol w="2610902"/>
-                <a:gridCol w="5425866"/>
-                <a:gridCol w="4018384"/>
+                <a:gridCol w="2610902">
+                  <a:extLst>
+                    <a:ext uri="{9D8B030D-6E8A-4147-A177-3AD203B41FA5}">
+                      <a16:colId xmlns:a16="http://schemas.microsoft.com/office/drawing/2014/main" val="20000"/>
+                    </a:ext>
+                  </a:extLst>
+                </a:gridCol>
+                <a:gridCol w="5425866">
+                  <a:extLst>
+                    <a:ext uri="{9D8B030D-6E8A-4147-A177-3AD203B41FA5}">
+                      <a16:colId xmlns:a16="http://schemas.microsoft.com/office/drawing/2014/main" val="20001"/>
+                    </a:ext>
+                  </a:extLst>
+                </a:gridCol>
+                <a:gridCol w="4018384">
+                  <a:extLst>
+                    <a:ext uri="{9D8B030D-6E8A-4147-A177-3AD203B41FA5}">
+                      <a16:colId xmlns:a16="http://schemas.microsoft.com/office/drawing/2014/main" val="20002"/>
+                    </a:ext>
+                  </a:extLst>
+                </a:gridCol>
               </a:tblGrid>
               <a:tr h="370840">
                 <a:tc>
@@ -10132,6 +10107,11 @@
                   </a:txBody>
                   <a:tcPr anchor="ctr"/>
                 </a:tc>
+                <a:extLst>
+                  <a:ext uri="{0D108BD9-81ED-4DB2-BD59-A6C34878D82A}">
+                    <a16:rowId xmlns:a16="http://schemas.microsoft.com/office/drawing/2014/main" val="10000"/>
+                  </a:ext>
+                </a:extLst>
               </a:tr>
               <a:tr h="370840">
                 <a:tc>
@@ -10173,6 +10153,11 @@
                   </a:txBody>
                   <a:tcPr anchor="ctr"/>
                 </a:tc>
+                <a:extLst>
+                  <a:ext uri="{0D108BD9-81ED-4DB2-BD59-A6C34878D82A}">
+                    <a16:rowId xmlns:a16="http://schemas.microsoft.com/office/drawing/2014/main" val="10001"/>
+                  </a:ext>
+                </a:extLst>
               </a:tr>
               <a:tr h="370840">
                 <a:tc>
@@ -10214,6 +10199,11 @@
                   </a:txBody>
                   <a:tcPr anchor="ctr"/>
                 </a:tc>
+                <a:extLst>
+                  <a:ext uri="{0D108BD9-81ED-4DB2-BD59-A6C34878D82A}">
+                    <a16:rowId xmlns:a16="http://schemas.microsoft.com/office/drawing/2014/main" val="10002"/>
+                  </a:ext>
+                </a:extLst>
               </a:tr>
               <a:tr h="370840">
                 <a:tc>
@@ -10255,6 +10245,11 @@
                   </a:txBody>
                   <a:tcPr anchor="ctr"/>
                 </a:tc>
+                <a:extLst>
+                  <a:ext uri="{0D108BD9-81ED-4DB2-BD59-A6C34878D82A}">
+                    <a16:rowId xmlns:a16="http://schemas.microsoft.com/office/drawing/2014/main" val="10003"/>
+                  </a:ext>
+                </a:extLst>
               </a:tr>
               <a:tr h="521843">
                 <a:tc>
@@ -10296,6 +10291,11 @@
                   </a:txBody>
                   <a:tcPr anchor="ctr"/>
                 </a:tc>
+                <a:extLst>
+                  <a:ext uri="{0D108BD9-81ED-4DB2-BD59-A6C34878D82A}">
+                    <a16:rowId xmlns:a16="http://schemas.microsoft.com/office/drawing/2014/main" val="10004"/>
+                  </a:ext>
+                </a:extLst>
               </a:tr>
               <a:tr h="758840">
                 <a:tc>
@@ -10349,6 +10349,11 @@
                   </a:txBody>
                   <a:tcPr anchor="ctr"/>
                 </a:tc>
+                <a:extLst>
+                  <a:ext uri="{0D108BD9-81ED-4DB2-BD59-A6C34878D82A}">
+                    <a16:rowId xmlns:a16="http://schemas.microsoft.com/office/drawing/2014/main" val="10005"/>
+                  </a:ext>
+                </a:extLst>
               </a:tr>
               <a:tr h="370840">
                 <a:tc>
@@ -10390,6 +10395,11 @@
                   </a:txBody>
                   <a:tcPr anchor="ctr"/>
                 </a:tc>
+                <a:extLst>
+                  <a:ext uri="{0D108BD9-81ED-4DB2-BD59-A6C34878D82A}">
+                    <a16:rowId xmlns:a16="http://schemas.microsoft.com/office/drawing/2014/main" val="10006"/>
+                  </a:ext>
+                </a:extLst>
               </a:tr>
               <a:tr h="1742287">
                 <a:tc>
@@ -10439,6 +10449,11 @@
                   </a:txBody>
                   <a:tcPr anchor="ctr"/>
                 </a:tc>
+                <a:extLst>
+                  <a:ext uri="{0D108BD9-81ED-4DB2-BD59-A6C34878D82A}">
+                    <a16:rowId xmlns:a16="http://schemas.microsoft.com/office/drawing/2014/main" val="10007"/>
+                  </a:ext>
+                </a:extLst>
               </a:tr>
             </a:tbl>
           </a:graphicData>
@@ -10454,13 +10469,6 @@
   <p:clrMapOvr>
     <a:masterClrMapping/>
   </p:clrMapOvr>
-  <p:timing>
-    <p:tnLst>
-      <p:par>
-        <p:cTn id="1" dur="indefinite" restart="never" nodeType="tmRoot"/>
-      </p:par>
-    </p:tnLst>
-  </p:timing>
 </p:sld>
 </file>
 
@@ -10498,11 +10506,7 @@
           <a:p>
             <a:r>
               <a:rPr lang="en-US" b="1" dirty="0"/>
-              <a:t>Comparison </a:t>
-            </a:r>
-            <a:r>
-              <a:rPr lang="en-US" b="1" dirty="0" smtClean="0"/>
-              <a:t>Operators</a:t>
+              <a:t>Comparison Operators</a:t>
             </a:r>
             <a:endParaRPr lang="en-US" dirty="0"/>
           </a:p>
@@ -10534,9 +10538,27 @@
                 <a:tableStyleId>{5C22544A-7EE6-4342-B048-85BDC9FD1C3A}</a:tableStyleId>
               </a:tblPr>
               <a:tblGrid>
-                <a:gridCol w="2971800"/>
-                <a:gridCol w="2971800"/>
-                <a:gridCol w="2971800"/>
+                <a:gridCol w="2971800">
+                  <a:extLst>
+                    <a:ext uri="{9D8B030D-6E8A-4147-A177-3AD203B41FA5}">
+                      <a16:colId xmlns:a16="http://schemas.microsoft.com/office/drawing/2014/main" val="20000"/>
+                    </a:ext>
+                  </a:extLst>
+                </a:gridCol>
+                <a:gridCol w="2971800">
+                  <a:extLst>
+                    <a:ext uri="{9D8B030D-6E8A-4147-A177-3AD203B41FA5}">
+                      <a16:colId xmlns:a16="http://schemas.microsoft.com/office/drawing/2014/main" val="20001"/>
+                    </a:ext>
+                  </a:extLst>
+                </a:gridCol>
+                <a:gridCol w="2971800">
+                  <a:extLst>
+                    <a:ext uri="{9D8B030D-6E8A-4147-A177-3AD203B41FA5}">
+                      <a16:colId xmlns:a16="http://schemas.microsoft.com/office/drawing/2014/main" val="20002"/>
+                    </a:ext>
+                  </a:extLst>
+                </a:gridCol>
               </a:tblGrid>
               <a:tr h="370840">
                 <a:tc>
@@ -10599,6 +10621,11 @@
                   </a:txBody>
                   <a:tcPr marL="6350" marR="6350" marT="6350" marB="0" anchor="b"/>
                 </a:tc>
+                <a:extLst>
+                  <a:ext uri="{0D108BD9-81ED-4DB2-BD59-A6C34878D82A}">
+                    <a16:rowId xmlns:a16="http://schemas.microsoft.com/office/drawing/2014/main" val="10000"/>
+                  </a:ext>
+                </a:extLst>
               </a:tr>
               <a:tr h="370840">
                 <a:tc>
@@ -10661,6 +10688,11 @@
                   </a:txBody>
                   <a:tcPr marL="6350" marR="6350" marT="6350" marB="0" anchor="b"/>
                 </a:tc>
+                <a:extLst>
+                  <a:ext uri="{0D108BD9-81ED-4DB2-BD59-A6C34878D82A}">
+                    <a16:rowId xmlns:a16="http://schemas.microsoft.com/office/drawing/2014/main" val="10001"/>
+                  </a:ext>
+                </a:extLst>
               </a:tr>
               <a:tr h="370840">
                 <a:tc>
@@ -10713,6 +10745,11 @@
                   </a:txBody>
                   <a:tcPr/>
                 </a:tc>
+                <a:extLst>
+                  <a:ext uri="{0D108BD9-81ED-4DB2-BD59-A6C34878D82A}">
+                    <a16:rowId xmlns:a16="http://schemas.microsoft.com/office/drawing/2014/main" val="10002"/>
+                  </a:ext>
+                </a:extLst>
               </a:tr>
               <a:tr h="370840">
                 <a:tc>
@@ -10775,6 +10812,11 @@
                   </a:txBody>
                   <a:tcPr marL="6350" marR="6350" marT="6350" marB="0" anchor="b"/>
                 </a:tc>
+                <a:extLst>
+                  <a:ext uri="{0D108BD9-81ED-4DB2-BD59-A6C34878D82A}">
+                    <a16:rowId xmlns:a16="http://schemas.microsoft.com/office/drawing/2014/main" val="10003"/>
+                  </a:ext>
+                </a:extLst>
               </a:tr>
               <a:tr h="370840">
                 <a:tc>
@@ -10837,6 +10879,11 @@
                   </a:txBody>
                   <a:tcPr marL="6350" marR="6350" marT="6350" marB="0" anchor="b"/>
                 </a:tc>
+                <a:extLst>
+                  <a:ext uri="{0D108BD9-81ED-4DB2-BD59-A6C34878D82A}">
+                    <a16:rowId xmlns:a16="http://schemas.microsoft.com/office/drawing/2014/main" val="10004"/>
+                  </a:ext>
+                </a:extLst>
               </a:tr>
               <a:tr h="370840">
                 <a:tc>
@@ -10899,6 +10946,11 @@
                   </a:txBody>
                   <a:tcPr marL="6350" marR="6350" marT="6350" marB="0" anchor="b"/>
                 </a:tc>
+                <a:extLst>
+                  <a:ext uri="{0D108BD9-81ED-4DB2-BD59-A6C34878D82A}">
+                    <a16:rowId xmlns:a16="http://schemas.microsoft.com/office/drawing/2014/main" val="10005"/>
+                  </a:ext>
+                </a:extLst>
               </a:tr>
               <a:tr h="370840">
                 <a:tc>
@@ -11041,6 +11093,11 @@
                   </a:txBody>
                   <a:tcPr marL="6350" marR="6350" marT="6350" marB="0" anchor="b"/>
                 </a:tc>
+                <a:extLst>
+                  <a:ext uri="{0D108BD9-81ED-4DB2-BD59-A6C34878D82A}">
+                    <a16:rowId xmlns:a16="http://schemas.microsoft.com/office/drawing/2014/main" val="10006"/>
+                  </a:ext>
+                </a:extLst>
               </a:tr>
             </a:tbl>
           </a:graphicData>
@@ -11056,13 +11113,6 @@
   <p:clrMapOvr>
     <a:masterClrMapping/>
   </p:clrMapOvr>
-  <p:timing>
-    <p:tnLst>
-      <p:par>
-        <p:cTn id="1" dur="indefinite" restart="never" nodeType="tmRoot"/>
-      </p:par>
-    </p:tnLst>
-  </p:timing>
 </p:sld>
 </file>
 
@@ -11135,9 +11185,27 @@
                 <a:tableStyleId>{5C22544A-7EE6-4342-B048-85BDC9FD1C3A}</a:tableStyleId>
               </a:tblPr>
               <a:tblGrid>
-                <a:gridCol w="2397967"/>
-                <a:gridCol w="4687056"/>
-                <a:gridCol w="3542512"/>
+                <a:gridCol w="2397967">
+                  <a:extLst>
+                    <a:ext uri="{9D8B030D-6E8A-4147-A177-3AD203B41FA5}">
+                      <a16:colId xmlns:a16="http://schemas.microsoft.com/office/drawing/2014/main" val="20000"/>
+                    </a:ext>
+                  </a:extLst>
+                </a:gridCol>
+                <a:gridCol w="4687056">
+                  <a:extLst>
+                    <a:ext uri="{9D8B030D-6E8A-4147-A177-3AD203B41FA5}">
+                      <a16:colId xmlns:a16="http://schemas.microsoft.com/office/drawing/2014/main" val="20001"/>
+                    </a:ext>
+                  </a:extLst>
+                </a:gridCol>
+                <a:gridCol w="3542512">
+                  <a:extLst>
+                    <a:ext uri="{9D8B030D-6E8A-4147-A177-3AD203B41FA5}">
+                      <a16:colId xmlns:a16="http://schemas.microsoft.com/office/drawing/2014/main" val="20002"/>
+                    </a:ext>
+                  </a:extLst>
+                </a:gridCol>
               </a:tblGrid>
               <a:tr h="405052">
                 <a:tc>
@@ -11183,6 +11251,11 @@
                   </a:txBody>
                   <a:tcPr anchor="ctr"/>
                 </a:tc>
+                <a:extLst>
+                  <a:ext uri="{0D108BD9-81ED-4DB2-BD59-A6C34878D82A}">
+                    <a16:rowId xmlns:a16="http://schemas.microsoft.com/office/drawing/2014/main" val="10000"/>
+                  </a:ext>
+                </a:extLst>
               </a:tr>
               <a:tr h="370840">
                 <a:tc>
@@ -11224,6 +11297,11 @@
                   </a:txBody>
                   <a:tcPr anchor="ctr"/>
                 </a:tc>
+                <a:extLst>
+                  <a:ext uri="{0D108BD9-81ED-4DB2-BD59-A6C34878D82A}">
+                    <a16:rowId xmlns:a16="http://schemas.microsoft.com/office/drawing/2014/main" val="10001"/>
+                  </a:ext>
+                </a:extLst>
               </a:tr>
               <a:tr h="370840">
                 <a:tc>
@@ -11265,6 +11343,11 @@
                   </a:txBody>
                   <a:tcPr anchor="ctr"/>
                 </a:tc>
+                <a:extLst>
+                  <a:ext uri="{0D108BD9-81ED-4DB2-BD59-A6C34878D82A}">
+                    <a16:rowId xmlns:a16="http://schemas.microsoft.com/office/drawing/2014/main" val="10002"/>
+                  </a:ext>
+                </a:extLst>
               </a:tr>
               <a:tr h="370840">
                 <a:tc>
@@ -11306,6 +11389,11 @@
                   </a:txBody>
                   <a:tcPr anchor="ctr"/>
                 </a:tc>
+                <a:extLst>
+                  <a:ext uri="{0D108BD9-81ED-4DB2-BD59-A6C34878D82A}">
+                    <a16:rowId xmlns:a16="http://schemas.microsoft.com/office/drawing/2014/main" val="10003"/>
+                  </a:ext>
+                </a:extLst>
               </a:tr>
               <a:tr h="370840">
                 <a:tc>
@@ -11347,6 +11435,11 @@
                   </a:txBody>
                   <a:tcPr anchor="ctr"/>
                 </a:tc>
+                <a:extLst>
+                  <a:ext uri="{0D108BD9-81ED-4DB2-BD59-A6C34878D82A}">
+                    <a16:rowId xmlns:a16="http://schemas.microsoft.com/office/drawing/2014/main" val="10004"/>
+                  </a:ext>
+                </a:extLst>
               </a:tr>
               <a:tr h="370840">
                 <a:tc>
@@ -11388,6 +11481,11 @@
                   </a:txBody>
                   <a:tcPr anchor="ctr"/>
                 </a:tc>
+                <a:extLst>
+                  <a:ext uri="{0D108BD9-81ED-4DB2-BD59-A6C34878D82A}">
+                    <a16:rowId xmlns:a16="http://schemas.microsoft.com/office/drawing/2014/main" val="10005"/>
+                  </a:ext>
+                </a:extLst>
               </a:tr>
               <a:tr h="370840">
                 <a:tc>
@@ -11429,6 +11527,11 @@
                   </a:txBody>
                   <a:tcPr anchor="ctr"/>
                 </a:tc>
+                <a:extLst>
+                  <a:ext uri="{0D108BD9-81ED-4DB2-BD59-A6C34878D82A}">
+                    <a16:rowId xmlns:a16="http://schemas.microsoft.com/office/drawing/2014/main" val="10006"/>
+                  </a:ext>
+                </a:extLst>
               </a:tr>
               <a:tr h="370840">
                 <a:tc>
@@ -11470,6 +11573,11 @@
                   </a:txBody>
                   <a:tcPr anchor="ctr"/>
                 </a:tc>
+                <a:extLst>
+                  <a:ext uri="{0D108BD9-81ED-4DB2-BD59-A6C34878D82A}">
+                    <a16:rowId xmlns:a16="http://schemas.microsoft.com/office/drawing/2014/main" val="10007"/>
+                  </a:ext>
+                </a:extLst>
               </a:tr>
               <a:tr h="370840">
                 <a:tc>
@@ -11511,6 +11619,11 @@
                   </a:txBody>
                   <a:tcPr anchor="ctr"/>
                 </a:tc>
+                <a:extLst>
+                  <a:ext uri="{0D108BD9-81ED-4DB2-BD59-A6C34878D82A}">
+                    <a16:rowId xmlns:a16="http://schemas.microsoft.com/office/drawing/2014/main" val="10008"/>
+                  </a:ext>
+                </a:extLst>
               </a:tr>
             </a:tbl>
           </a:graphicData>
@@ -11563,13 +11676,8 @@
           <a:p>
             <a:r>
               <a:rPr lang="en-US" dirty="0"/>
-              <a:t>Logical </a:t>
-            </a:r>
-            <a:r>
-              <a:rPr lang="en-US" dirty="0" smtClean="0"/>
-              <a:t>Operators</a:t>
-            </a:r>
-            <a:endParaRPr lang="en-US" dirty="0"/>
+              <a:t>Logical Operators</a:t>
+            </a:r>
           </a:p>
         </p:txBody>
       </p:sp>
@@ -11599,9 +11707,27 @@
                 <a:tableStyleId>{5C22544A-7EE6-4342-B048-85BDC9FD1C3A}</a:tableStyleId>
               </a:tblPr>
               <a:tblGrid>
-                <a:gridCol w="2971800"/>
-                <a:gridCol w="2971800"/>
-                <a:gridCol w="2971800"/>
+                <a:gridCol w="2971800">
+                  <a:extLst>
+                    <a:ext uri="{9D8B030D-6E8A-4147-A177-3AD203B41FA5}">
+                      <a16:colId xmlns:a16="http://schemas.microsoft.com/office/drawing/2014/main" val="20000"/>
+                    </a:ext>
+                  </a:extLst>
+                </a:gridCol>
+                <a:gridCol w="2971800">
+                  <a:extLst>
+                    <a:ext uri="{9D8B030D-6E8A-4147-A177-3AD203B41FA5}">
+                      <a16:colId xmlns:a16="http://schemas.microsoft.com/office/drawing/2014/main" val="20001"/>
+                    </a:ext>
+                  </a:extLst>
+                </a:gridCol>
+                <a:gridCol w="2971800">
+                  <a:extLst>
+                    <a:ext uri="{9D8B030D-6E8A-4147-A177-3AD203B41FA5}">
+                      <a16:colId xmlns:a16="http://schemas.microsoft.com/office/drawing/2014/main" val="20002"/>
+                    </a:ext>
+                  </a:extLst>
+                </a:gridCol>
               </a:tblGrid>
               <a:tr h="370840">
                 <a:tc>
@@ -11647,6 +11773,11 @@
                   </a:txBody>
                   <a:tcPr anchor="ctr"/>
                 </a:tc>
+                <a:extLst>
+                  <a:ext uri="{0D108BD9-81ED-4DB2-BD59-A6C34878D82A}">
+                    <a16:rowId xmlns:a16="http://schemas.microsoft.com/office/drawing/2014/main" val="10000"/>
+                  </a:ext>
+                </a:extLst>
               </a:tr>
               <a:tr h="370840">
                 <a:tc>
@@ -11688,6 +11819,11 @@
                   </a:txBody>
                   <a:tcPr anchor="ctr"/>
                 </a:tc>
+                <a:extLst>
+                  <a:ext uri="{0D108BD9-81ED-4DB2-BD59-A6C34878D82A}">
+                    <a16:rowId xmlns:a16="http://schemas.microsoft.com/office/drawing/2014/main" val="10001"/>
+                  </a:ext>
+                </a:extLst>
               </a:tr>
               <a:tr h="370840">
                 <a:tc>
@@ -11729,6 +11865,11 @@
                   </a:txBody>
                   <a:tcPr anchor="ctr"/>
                 </a:tc>
+                <a:extLst>
+                  <a:ext uri="{0D108BD9-81ED-4DB2-BD59-A6C34878D82A}">
+                    <a16:rowId xmlns:a16="http://schemas.microsoft.com/office/drawing/2014/main" val="10002"/>
+                  </a:ext>
+                </a:extLst>
               </a:tr>
               <a:tr h="370840">
                 <a:tc>
@@ -11770,6 +11911,11 @@
                   </a:txBody>
                   <a:tcPr anchor="ctr"/>
                 </a:tc>
+                <a:extLst>
+                  <a:ext uri="{0D108BD9-81ED-4DB2-BD59-A6C34878D82A}">
+                    <a16:rowId xmlns:a16="http://schemas.microsoft.com/office/drawing/2014/main" val="10003"/>
+                  </a:ext>
+                </a:extLst>
               </a:tr>
             </a:tbl>
           </a:graphicData>
@@ -11857,9 +12003,27 @@
                 <a:tableStyleId>{5C22544A-7EE6-4342-B048-85BDC9FD1C3A}</a:tableStyleId>
               </a:tblPr>
               <a:tblGrid>
-                <a:gridCol w="2971800"/>
-                <a:gridCol w="2971800"/>
-                <a:gridCol w="2971800"/>
+                <a:gridCol w="2971800">
+                  <a:extLst>
+                    <a:ext uri="{9D8B030D-6E8A-4147-A177-3AD203B41FA5}">
+                      <a16:colId xmlns:a16="http://schemas.microsoft.com/office/drawing/2014/main" val="20000"/>
+                    </a:ext>
+                  </a:extLst>
+                </a:gridCol>
+                <a:gridCol w="2971800">
+                  <a:extLst>
+                    <a:ext uri="{9D8B030D-6E8A-4147-A177-3AD203B41FA5}">
+                      <a16:colId xmlns:a16="http://schemas.microsoft.com/office/drawing/2014/main" val="20001"/>
+                    </a:ext>
+                  </a:extLst>
+                </a:gridCol>
+                <a:gridCol w="2971800">
+                  <a:extLst>
+                    <a:ext uri="{9D8B030D-6E8A-4147-A177-3AD203B41FA5}">
+                      <a16:colId xmlns:a16="http://schemas.microsoft.com/office/drawing/2014/main" val="20002"/>
+                    </a:ext>
+                  </a:extLst>
+                </a:gridCol>
               </a:tblGrid>
               <a:tr h="370840">
                 <a:tc>
@@ -11905,6 +12069,11 @@
                   </a:txBody>
                   <a:tcPr anchor="ctr"/>
                 </a:tc>
+                <a:extLst>
+                  <a:ext uri="{0D108BD9-81ED-4DB2-BD59-A6C34878D82A}">
+                    <a16:rowId xmlns:a16="http://schemas.microsoft.com/office/drawing/2014/main" val="10000"/>
+                  </a:ext>
+                </a:extLst>
               </a:tr>
               <a:tr h="370840">
                 <a:tc>
@@ -11946,6 +12115,11 @@
                   </a:txBody>
                   <a:tcPr anchor="ctr"/>
                 </a:tc>
+                <a:extLst>
+                  <a:ext uri="{0D108BD9-81ED-4DB2-BD59-A6C34878D82A}">
+                    <a16:rowId xmlns:a16="http://schemas.microsoft.com/office/drawing/2014/main" val="10001"/>
+                  </a:ext>
+                </a:extLst>
               </a:tr>
               <a:tr h="370840">
                 <a:tc>
@@ -11987,6 +12161,11 @@
                   </a:txBody>
                   <a:tcPr anchor="ctr"/>
                 </a:tc>
+                <a:extLst>
+                  <a:ext uri="{0D108BD9-81ED-4DB2-BD59-A6C34878D82A}">
+                    <a16:rowId xmlns:a16="http://schemas.microsoft.com/office/drawing/2014/main" val="10002"/>
+                  </a:ext>
+                </a:extLst>
               </a:tr>
             </a:tbl>
           </a:graphicData>
@@ -12079,9 +12258,27 @@
                 <a:tableStyleId>{5C22544A-7EE6-4342-B048-85BDC9FD1C3A}</a:tableStyleId>
               </a:tblPr>
               <a:tblGrid>
-                <a:gridCol w="2971800"/>
-                <a:gridCol w="2971800"/>
-                <a:gridCol w="2971800"/>
+                <a:gridCol w="2971800">
+                  <a:extLst>
+                    <a:ext uri="{9D8B030D-6E8A-4147-A177-3AD203B41FA5}">
+                      <a16:colId xmlns:a16="http://schemas.microsoft.com/office/drawing/2014/main" val="20000"/>
+                    </a:ext>
+                  </a:extLst>
+                </a:gridCol>
+                <a:gridCol w="2971800">
+                  <a:extLst>
+                    <a:ext uri="{9D8B030D-6E8A-4147-A177-3AD203B41FA5}">
+                      <a16:colId xmlns:a16="http://schemas.microsoft.com/office/drawing/2014/main" val="20001"/>
+                    </a:ext>
+                  </a:extLst>
+                </a:gridCol>
+                <a:gridCol w="2971800">
+                  <a:extLst>
+                    <a:ext uri="{9D8B030D-6E8A-4147-A177-3AD203B41FA5}">
+                      <a16:colId xmlns:a16="http://schemas.microsoft.com/office/drawing/2014/main" val="20002"/>
+                    </a:ext>
+                  </a:extLst>
+                </a:gridCol>
               </a:tblGrid>
               <a:tr h="370840">
                 <a:tc>
@@ -12127,6 +12324,11 @@
                   </a:txBody>
                   <a:tcPr anchor="ctr"/>
                 </a:tc>
+                <a:extLst>
+                  <a:ext uri="{0D108BD9-81ED-4DB2-BD59-A6C34878D82A}">
+                    <a16:rowId xmlns:a16="http://schemas.microsoft.com/office/drawing/2014/main" val="10000"/>
+                  </a:ext>
+                </a:extLst>
               </a:tr>
               <a:tr h="370840">
                 <a:tc>
@@ -12176,6 +12378,11 @@
                   </a:txBody>
                   <a:tcPr anchor="ctr"/>
                 </a:tc>
+                <a:extLst>
+                  <a:ext uri="{0D108BD9-81ED-4DB2-BD59-A6C34878D82A}">
+                    <a16:rowId xmlns:a16="http://schemas.microsoft.com/office/drawing/2014/main" val="10001"/>
+                  </a:ext>
+                </a:extLst>
               </a:tr>
               <a:tr h="370840">
                 <a:tc>
@@ -12225,6 +12432,11 @@
                   </a:txBody>
                   <a:tcPr anchor="ctr"/>
                 </a:tc>
+                <a:extLst>
+                  <a:ext uri="{0D108BD9-81ED-4DB2-BD59-A6C34878D82A}">
+                    <a16:rowId xmlns:a16="http://schemas.microsoft.com/office/drawing/2014/main" val="10002"/>
+                  </a:ext>
+                </a:extLst>
               </a:tr>
             </a:tbl>
           </a:graphicData>
@@ -12312,9 +12524,27 @@
                 <a:tableStyleId>{5C22544A-7EE6-4342-B048-85BDC9FD1C3A}</a:tableStyleId>
               </a:tblPr>
               <a:tblGrid>
-                <a:gridCol w="3816210"/>
-                <a:gridCol w="3816210"/>
-                <a:gridCol w="3816210"/>
+                <a:gridCol w="3816210">
+                  <a:extLst>
+                    <a:ext uri="{9D8B030D-6E8A-4147-A177-3AD203B41FA5}">
+                      <a16:colId xmlns:a16="http://schemas.microsoft.com/office/drawing/2014/main" val="20000"/>
+                    </a:ext>
+                  </a:extLst>
+                </a:gridCol>
+                <a:gridCol w="3816210">
+                  <a:extLst>
+                    <a:ext uri="{9D8B030D-6E8A-4147-A177-3AD203B41FA5}">
+                      <a16:colId xmlns:a16="http://schemas.microsoft.com/office/drawing/2014/main" val="20001"/>
+                    </a:ext>
+                  </a:extLst>
+                </a:gridCol>
+                <a:gridCol w="3816210">
+                  <a:extLst>
+                    <a:ext uri="{9D8B030D-6E8A-4147-A177-3AD203B41FA5}">
+                      <a16:colId xmlns:a16="http://schemas.microsoft.com/office/drawing/2014/main" val="20002"/>
+                    </a:ext>
+                  </a:extLst>
+                </a:gridCol>
               </a:tblGrid>
               <a:tr h="357101">
                 <a:tc>
@@ -12360,6 +12590,11 @@
                   </a:txBody>
                   <a:tcPr anchor="ctr"/>
                 </a:tc>
+                <a:extLst>
+                  <a:ext uri="{0D108BD9-81ED-4DB2-BD59-A6C34878D82A}">
+                    <a16:rowId xmlns:a16="http://schemas.microsoft.com/office/drawing/2014/main" val="10000"/>
+                  </a:ext>
+                </a:extLst>
               </a:tr>
               <a:tr h="370840">
                 <a:tc>
@@ -12401,6 +12636,11 @@
                   </a:txBody>
                   <a:tcPr anchor="ctr"/>
                 </a:tc>
+                <a:extLst>
+                  <a:ext uri="{0D108BD9-81ED-4DB2-BD59-A6C34878D82A}">
+                    <a16:rowId xmlns:a16="http://schemas.microsoft.com/office/drawing/2014/main" val="10001"/>
+                  </a:ext>
+                </a:extLst>
               </a:tr>
               <a:tr h="370840">
                 <a:tc>
@@ -12442,6 +12682,11 @@
                   </a:txBody>
                   <a:tcPr anchor="ctr"/>
                 </a:tc>
+                <a:extLst>
+                  <a:ext uri="{0D108BD9-81ED-4DB2-BD59-A6C34878D82A}">
+                    <a16:rowId xmlns:a16="http://schemas.microsoft.com/office/drawing/2014/main" val="10002"/>
+                  </a:ext>
+                </a:extLst>
               </a:tr>
               <a:tr h="370840">
                 <a:tc>
@@ -12483,6 +12728,11 @@
                   </a:txBody>
                   <a:tcPr anchor="ctr"/>
                 </a:tc>
+                <a:extLst>
+                  <a:ext uri="{0D108BD9-81ED-4DB2-BD59-A6C34878D82A}">
+                    <a16:rowId xmlns:a16="http://schemas.microsoft.com/office/drawing/2014/main" val="10003"/>
+                  </a:ext>
+                </a:extLst>
               </a:tr>
               <a:tr h="370840">
                 <a:tc>
@@ -12524,6 +12774,11 @@
                   </a:txBody>
                   <a:tcPr anchor="ctr"/>
                 </a:tc>
+                <a:extLst>
+                  <a:ext uri="{0D108BD9-81ED-4DB2-BD59-A6C34878D82A}">
+                    <a16:rowId xmlns:a16="http://schemas.microsoft.com/office/drawing/2014/main" val="10004"/>
+                  </a:ext>
+                </a:extLst>
               </a:tr>
               <a:tr h="370840">
                 <a:tc>
@@ -12565,6 +12820,11 @@
                   </a:txBody>
                   <a:tcPr anchor="ctr"/>
                 </a:tc>
+                <a:extLst>
+                  <a:ext uri="{0D108BD9-81ED-4DB2-BD59-A6C34878D82A}">
+                    <a16:rowId xmlns:a16="http://schemas.microsoft.com/office/drawing/2014/main" val="10005"/>
+                  </a:ext>
+                </a:extLst>
               </a:tr>
               <a:tr h="370840">
                 <a:tc>
@@ -12606,6 +12866,11 @@
                   </a:txBody>
                   <a:tcPr anchor="ctr"/>
                 </a:tc>
+                <a:extLst>
+                  <a:ext uri="{0D108BD9-81ED-4DB2-BD59-A6C34878D82A}">
+                    <a16:rowId xmlns:a16="http://schemas.microsoft.com/office/drawing/2014/main" val="10006"/>
+                  </a:ext>
+                </a:extLst>
               </a:tr>
             </a:tbl>
           </a:graphicData>
@@ -12693,9 +12958,27 @@
                 <a:tableStyleId>{5C22544A-7EE6-4342-B048-85BDC9FD1C3A}</a:tableStyleId>
               </a:tblPr>
               <a:tblGrid>
-                <a:gridCol w="2971800"/>
-                <a:gridCol w="2971800"/>
-                <a:gridCol w="2971800"/>
+                <a:gridCol w="2971800">
+                  <a:extLst>
+                    <a:ext uri="{9D8B030D-6E8A-4147-A177-3AD203B41FA5}">
+                      <a16:colId xmlns:a16="http://schemas.microsoft.com/office/drawing/2014/main" val="20000"/>
+                    </a:ext>
+                  </a:extLst>
+                </a:gridCol>
+                <a:gridCol w="2971800">
+                  <a:extLst>
+                    <a:ext uri="{9D8B030D-6E8A-4147-A177-3AD203B41FA5}">
+                      <a16:colId xmlns:a16="http://schemas.microsoft.com/office/drawing/2014/main" val="20001"/>
+                    </a:ext>
+                  </a:extLst>
+                </a:gridCol>
+                <a:gridCol w="2971800">
+                  <a:extLst>
+                    <a:ext uri="{9D8B030D-6E8A-4147-A177-3AD203B41FA5}">
+                      <a16:colId xmlns:a16="http://schemas.microsoft.com/office/drawing/2014/main" val="20002"/>
+                    </a:ext>
+                  </a:extLst>
+                </a:gridCol>
               </a:tblGrid>
               <a:tr h="370840">
                 <a:tc>
@@ -12734,6 +13017,11 @@
                   </a:txBody>
                   <a:tcPr/>
                 </a:tc>
+                <a:extLst>
+                  <a:ext uri="{0D108BD9-81ED-4DB2-BD59-A6C34878D82A}">
+                    <a16:rowId xmlns:a16="http://schemas.microsoft.com/office/drawing/2014/main" val="10000"/>
+                  </a:ext>
+                </a:extLst>
               </a:tr>
               <a:tr h="370840">
                 <a:tc>
@@ -12772,6 +13060,11 @@
                   </a:txBody>
                   <a:tcPr/>
                 </a:tc>
+                <a:extLst>
+                  <a:ext uri="{0D108BD9-81ED-4DB2-BD59-A6C34878D82A}">
+                    <a16:rowId xmlns:a16="http://schemas.microsoft.com/office/drawing/2014/main" val="10001"/>
+                  </a:ext>
+                </a:extLst>
               </a:tr>
               <a:tr h="370840">
                 <a:tc>
@@ -12810,6 +13103,11 @@
                   </a:txBody>
                   <a:tcPr/>
                 </a:tc>
+                <a:extLst>
+                  <a:ext uri="{0D108BD9-81ED-4DB2-BD59-A6C34878D82A}">
+                    <a16:rowId xmlns:a16="http://schemas.microsoft.com/office/drawing/2014/main" val="10002"/>
+                  </a:ext>
+                </a:extLst>
               </a:tr>
               <a:tr h="370840">
                 <a:tc>
@@ -12848,6 +13146,11 @@
                   </a:txBody>
                   <a:tcPr/>
                 </a:tc>
+                <a:extLst>
+                  <a:ext uri="{0D108BD9-81ED-4DB2-BD59-A6C34878D82A}">
+                    <a16:rowId xmlns:a16="http://schemas.microsoft.com/office/drawing/2014/main" val="10003"/>
+                  </a:ext>
+                </a:extLst>
               </a:tr>
               <a:tr h="370840">
                 <a:tc>
@@ -12886,6 +13189,11 @@
                   </a:txBody>
                   <a:tcPr/>
                 </a:tc>
+                <a:extLst>
+                  <a:ext uri="{0D108BD9-81ED-4DB2-BD59-A6C34878D82A}">
+                    <a16:rowId xmlns:a16="http://schemas.microsoft.com/office/drawing/2014/main" val="10004"/>
+                  </a:ext>
+                </a:extLst>
               </a:tr>
               <a:tr h="370840">
                 <a:tc>
@@ -12924,6 +13232,11 @@
                   </a:txBody>
                   <a:tcPr/>
                 </a:tc>
+                <a:extLst>
+                  <a:ext uri="{0D108BD9-81ED-4DB2-BD59-A6C34878D82A}">
+                    <a16:rowId xmlns:a16="http://schemas.microsoft.com/office/drawing/2014/main" val="10005"/>
+                  </a:ext>
+                </a:extLst>
               </a:tr>
               <a:tr h="370840">
                 <a:tc>
@@ -12962,6 +13275,11 @@
                   </a:txBody>
                   <a:tcPr anchor="ctr"/>
                 </a:tc>
+                <a:extLst>
+                  <a:ext uri="{0D108BD9-81ED-4DB2-BD59-A6C34878D82A}">
+                    <a16:rowId xmlns:a16="http://schemas.microsoft.com/office/drawing/2014/main" val="10006"/>
+                  </a:ext>
+                </a:extLst>
               </a:tr>
               <a:tr h="370840">
                 <a:tc>
@@ -13000,6 +13318,11 @@
                   </a:txBody>
                   <a:tcPr/>
                 </a:tc>
+                <a:extLst>
+                  <a:ext uri="{0D108BD9-81ED-4DB2-BD59-A6C34878D82A}">
+                    <a16:rowId xmlns:a16="http://schemas.microsoft.com/office/drawing/2014/main" val="10007"/>
+                  </a:ext>
+                </a:extLst>
               </a:tr>
               <a:tr h="370840">
                 <a:tc>
@@ -13038,6 +13361,11 @@
                   </a:txBody>
                   <a:tcPr/>
                 </a:tc>
+                <a:extLst>
+                  <a:ext uri="{0D108BD9-81ED-4DB2-BD59-A6C34878D82A}">
+                    <a16:rowId xmlns:a16="http://schemas.microsoft.com/office/drawing/2014/main" val="10008"/>
+                  </a:ext>
+                </a:extLst>
               </a:tr>
               <a:tr h="370840">
                 <a:tc>
@@ -13076,6 +13404,11 @@
                   </a:txBody>
                   <a:tcPr/>
                 </a:tc>
+                <a:extLst>
+                  <a:ext uri="{0D108BD9-81ED-4DB2-BD59-A6C34878D82A}">
+                    <a16:rowId xmlns:a16="http://schemas.microsoft.com/office/drawing/2014/main" val="10009"/>
+                  </a:ext>
+                </a:extLst>
               </a:tr>
               <a:tr h="370840">
                 <a:tc>
@@ -13114,6 +13447,11 @@
                   </a:txBody>
                   <a:tcPr/>
                 </a:tc>
+                <a:extLst>
+                  <a:ext uri="{0D108BD9-81ED-4DB2-BD59-A6C34878D82A}">
+                    <a16:rowId xmlns:a16="http://schemas.microsoft.com/office/drawing/2014/main" val="10010"/>
+                  </a:ext>
+                </a:extLst>
               </a:tr>
               <a:tr h="370840">
                 <a:tc>
@@ -13152,6 +13490,11 @@
                   </a:txBody>
                   <a:tcPr/>
                 </a:tc>
+                <a:extLst>
+                  <a:ext uri="{0D108BD9-81ED-4DB2-BD59-A6C34878D82A}">
+                    <a16:rowId xmlns:a16="http://schemas.microsoft.com/office/drawing/2014/main" val="10011"/>
+                  </a:ext>
+                </a:extLst>
               </a:tr>
               <a:tr h="370840">
                 <a:tc>
@@ -13190,6 +13533,11 @@
                   </a:txBody>
                   <a:tcPr/>
                 </a:tc>
+                <a:extLst>
+                  <a:ext uri="{0D108BD9-81ED-4DB2-BD59-A6C34878D82A}">
+                    <a16:rowId xmlns:a16="http://schemas.microsoft.com/office/drawing/2014/main" val="10012"/>
+                  </a:ext>
+                </a:extLst>
               </a:tr>
               <a:tr h="370840">
                 <a:tc>
@@ -13228,6 +13576,11 @@
                   </a:txBody>
                   <a:tcPr/>
                 </a:tc>
+                <a:extLst>
+                  <a:ext uri="{0D108BD9-81ED-4DB2-BD59-A6C34878D82A}">
+                    <a16:rowId xmlns:a16="http://schemas.microsoft.com/office/drawing/2014/main" val="10013"/>
+                  </a:ext>
+                </a:extLst>
               </a:tr>
             </a:tbl>
           </a:graphicData>
@@ -13279,19 +13632,19 @@
           <a:lstStyle/>
           <a:p>
             <a:r>
-              <a:rPr lang="en-US" altLang="zh-CN" dirty="0" smtClean="0"/>
+              <a:rPr lang="en-US" altLang="zh-CN" dirty="0"/>
               <a:t>Python</a:t>
             </a:r>
             <a:r>
-              <a:rPr lang="zh-CN" altLang="en-US" dirty="0" smtClean="0"/>
+              <a:rPr lang="zh-CN" altLang="en-US" dirty="0"/>
               <a:t> </a:t>
             </a:r>
             <a:r>
-              <a:rPr lang="en-US" altLang="zh-CN" dirty="0" smtClean="0"/>
+              <a:rPr lang="en-US" altLang="zh-CN" dirty="0"/>
               <a:t>Salary</a:t>
             </a:r>
             <a:r>
-              <a:rPr lang="zh-CN" altLang="en-US" dirty="0" smtClean="0"/>
+              <a:rPr lang="zh-CN" altLang="en-US" dirty="0"/>
               <a:t>  </a:t>
             </a:r>
             <a:endParaRPr lang="en-US" dirty="0"/>
@@ -13324,55 +13677,43 @@
               <a:rPr lang="en-US" dirty="0">
                 <a:hlinkClick r:id="rId2"/>
               </a:rPr>
-              <a:t>http://</a:t>
-            </a:r>
-            <a:r>
-              <a:rPr lang="en-US" dirty="0" smtClean="0">
-                <a:hlinkClick r:id="rId2"/>
-              </a:rPr>
-              <a:t>www.payscale.com/research/CA/Skill=Python/Salary</a:t>
-            </a:r>
-            <a:endParaRPr lang="en-US" dirty="0" smtClean="0"/>
-          </a:p>
-          <a:p>
+              <a:t>http://www.payscale.com/research/CA/Skill=Python/Salary</a:t>
+            </a:r>
             <a:endParaRPr lang="en-US" dirty="0"/>
           </a:p>
           <a:p>
-            <a:endParaRPr lang="en-US" dirty="0" smtClean="0"/>
-          </a:p>
-          <a:p>
             <a:endParaRPr lang="en-US" dirty="0"/>
           </a:p>
           <a:p>
-            <a:endParaRPr lang="en-US" dirty="0" smtClean="0"/>
-          </a:p>
-          <a:p>
             <a:endParaRPr lang="en-US" dirty="0"/>
           </a:p>
           <a:p>
-            <a:endParaRPr lang="en-US" dirty="0" smtClean="0"/>
-          </a:p>
-          <a:p>
             <a:endParaRPr lang="en-US" dirty="0"/>
           </a:p>
           <a:p>
-            <a:endParaRPr lang="en-US" dirty="0" smtClean="0"/>
-          </a:p>
-          <a:p>
             <a:endParaRPr lang="en-US" dirty="0"/>
           </a:p>
           <a:p>
-            <a:r>
-              <a:rPr lang="en-US" dirty="0" smtClean="0">
-                <a:hlinkClick r:id="rId2"/>
-              </a:rPr>
-              <a:t>http</a:t>
-            </a:r>
+            <a:endParaRPr lang="en-US" dirty="0"/>
+          </a:p>
+          <a:p>
+            <a:endParaRPr lang="en-US" dirty="0"/>
+          </a:p>
+          <a:p>
+            <a:endParaRPr lang="en-US" dirty="0"/>
+          </a:p>
+          <a:p>
+            <a:endParaRPr lang="en-US" dirty="0"/>
+          </a:p>
+          <a:p>
+            <a:endParaRPr lang="en-US" dirty="0"/>
+          </a:p>
+          <a:p>
             <a:r>
               <a:rPr lang="en-US" dirty="0">
                 <a:hlinkClick r:id="rId2"/>
               </a:rPr>
-              <a:t>://www.payscale.com/research/CA/Skill=Python/Salary</a:t>
+              <a:t>http://www.payscale.com/research/CA/Skill=Python/Salary</a:t>
             </a:r>
             <a:endParaRPr lang="en-US" dirty="0"/>
           </a:p>
@@ -13524,11 +13865,7 @@
             </a:r>
             <a:r>
               <a:rPr lang="en-US" b="1"/>
-              <a:t>Data </a:t>
-            </a:r>
-            <a:r>
-              <a:rPr lang="en-US" b="1" smtClean="0"/>
-              <a:t>Analyst</a:t>
+              <a:t>Data Analyst</a:t>
             </a:r>
             <a:endParaRPr lang="en-US" dirty="0"/>
           </a:p>
@@ -13606,15 +13943,15 @@
           <a:lstStyle/>
           <a:p>
             <a:r>
-              <a:rPr lang="en-US" altLang="zh-CN" dirty="0" smtClean="0"/>
+              <a:rPr lang="en-US" altLang="zh-CN" dirty="0"/>
               <a:t>Course</a:t>
             </a:r>
             <a:r>
-              <a:rPr lang="zh-CN" altLang="en-US" dirty="0" smtClean="0"/>
+              <a:rPr lang="zh-CN" altLang="en-US" dirty="0"/>
               <a:t> </a:t>
             </a:r>
             <a:r>
-              <a:rPr lang="en-US" altLang="zh-CN" dirty="0" smtClean="0"/>
+              <a:rPr lang="en-US" altLang="zh-CN" dirty="0"/>
               <a:t>Outline</a:t>
             </a:r>
             <a:endParaRPr lang="en-US" dirty="0"/>
@@ -13637,12 +13974,8 @@
           <a:lstStyle/>
           <a:p>
             <a:r>
-              <a:rPr lang="en-US" i="1" dirty="0" smtClean="0"/>
-              <a:t>Hello</a:t>
-            </a:r>
-            <a:r>
               <a:rPr lang="en-US" i="1" dirty="0"/>
-              <a:t>, World!</a:t>
+              <a:t>Hello, World!</a:t>
             </a:r>
             <a:br>
               <a:rPr lang="en-US" i="1" dirty="0"/>
@@ -13771,7 +14104,7 @@
           <a:lstStyle/>
           <a:p>
             <a:r>
-              <a:rPr lang="en-US" altLang="zh-CN" dirty="0" smtClean="0"/>
+              <a:rPr lang="en-US" altLang="zh-CN" dirty="0"/>
               <a:t>Projects</a:t>
             </a:r>
             <a:endParaRPr lang="en-US" dirty="0"/>
@@ -13813,16 +14146,11 @@
               <a:rPr lang="en-US" i="1" dirty="0"/>
               <a:t>   </a:t>
             </a:r>
-            <a:endParaRPr lang="en-US" i="1" dirty="0" smtClean="0"/>
-          </a:p>
-          <a:p>
-            <a:r>
-              <a:rPr lang="en-US" i="1" dirty="0" smtClean="0"/>
-              <a:t> </a:t>
-            </a:r>
+          </a:p>
+          <a:p>
             <a:r>
               <a:rPr lang="en-US" i="1" dirty="0"/>
-              <a:t>Stock Market Prediction in Python</a:t>
+              <a:t> Stock Market Prediction in Python</a:t>
             </a:r>
             <a:br>
               <a:rPr lang="en-US" i="1" dirty="0"/>
@@ -13838,16 +14166,11 @@
               <a:rPr lang="en-US" i="1" dirty="0"/>
               <a:t>   </a:t>
             </a:r>
-            <a:endParaRPr lang="en-US" i="1" dirty="0" smtClean="0"/>
-          </a:p>
-          <a:p>
-            <a:r>
-              <a:rPr lang="en-US" i="1" dirty="0" smtClean="0"/>
-              <a:t>Bitcoin/Digital </a:t>
-            </a:r>
+          </a:p>
+          <a:p>
             <a:r>
               <a:rPr lang="en-US" i="1" dirty="0"/>
-              <a:t>currency Automated Trading  </a:t>
+              <a:t>Bitcoin/Digital currency Automated Trading  </a:t>
             </a:r>
             <a:br>
               <a:rPr lang="en-US" i="1" dirty="0"/>
@@ -13930,11 +14253,7 @@
           <a:p>
             <a:r>
               <a:rPr lang="en-US" b="1" dirty="0"/>
-              <a:t>An Informal Introduction to </a:t>
-            </a:r>
-            <a:r>
-              <a:rPr lang="en-US" b="1" dirty="0" smtClean="0"/>
-              <a:t>Python</a:t>
+              <a:t>An Informal Introduction to Python</a:t>
             </a:r>
             <a:endParaRPr lang="en-US" dirty="0"/>
           </a:p>
@@ -14038,11 +14357,7 @@
           <a:p>
             <a:r>
               <a:rPr lang="en-US" dirty="0"/>
-              <a:t>In late 1980s, Guido Van Rossum was working on the Amoeba distributed operating system group. He wanted to use an interpreted language like ABC (ABC has simple easy-to-understand syntax) that could access the Amoeba system calls. So, he decided to create a language that was extensible. This led to a design of new language which was later named Python</a:t>
-            </a:r>
-            <a:r>
-              <a:rPr lang="en-US" dirty="0" smtClean="0"/>
-              <a:t>.</a:t>
+              <a:t>In late 1980s, Guido Van Rossum was working on the Amoeba distributed operating system group. He wanted to use an interpreted language like ABC (ABC has simple easy-to-understand syntax) that could access the Amoeba system calls. So, he decided to create a language that was extensible. This led to a design of new language which was later named Python.</a:t>
             </a:r>
           </a:p>
         </p:txBody>
@@ -14127,8 +14442,20 @@
             <a:tbl>
               <a:tblPr/>
               <a:tblGrid>
-                <a:gridCol w="4457700"/>
-                <a:gridCol w="4457700"/>
+                <a:gridCol w="4457700">
+                  <a:extLst>
+                    <a:ext uri="{9D8B030D-6E8A-4147-A177-3AD203B41FA5}">
+                      <a16:colId xmlns:a16="http://schemas.microsoft.com/office/drawing/2014/main" val="20000"/>
+                    </a:ext>
+                  </a:extLst>
+                </a:gridCol>
+                <a:gridCol w="4457700">
+                  <a:extLst>
+                    <a:ext uri="{9D8B030D-6E8A-4147-A177-3AD203B41FA5}">
+                      <a16:colId xmlns:a16="http://schemas.microsoft.com/office/drawing/2014/main" val="20001"/>
+                    </a:ext>
+                  </a:extLst>
+                </a:gridCol>
               </a:tblGrid>
               <a:tr h="0">
                 <a:tc>
@@ -14197,6 +14524,11 @@
                     </a:lnB>
                   </a:tcPr>
                 </a:tc>
+                <a:extLst>
+                  <a:ext uri="{0D108BD9-81ED-4DB2-BD59-A6C34878D82A}">
+                    <a16:rowId xmlns:a16="http://schemas.microsoft.com/office/drawing/2014/main" val="10000"/>
+                  </a:ext>
+                </a:extLst>
               </a:tr>
               <a:tr h="0">
                 <a:tc>
@@ -14265,6 +14597,11 @@
                     </a:lnB>
                   </a:tcPr>
                 </a:tc>
+                <a:extLst>
+                  <a:ext uri="{0D108BD9-81ED-4DB2-BD59-A6C34878D82A}">
+                    <a16:rowId xmlns:a16="http://schemas.microsoft.com/office/drawing/2014/main" val="10001"/>
+                  </a:ext>
+                </a:extLst>
               </a:tr>
               <a:tr h="0">
                 <a:tc>
@@ -14281,23 +14618,15 @@
                       </a:br>
                       <a:r>
                         <a:rPr lang="en-US" dirty="0"/>
-                        <a:t>Python </a:t>
-                      </a:r>
-                      <a:r>
-                        <a:rPr lang="en-US" dirty="0" smtClean="0"/>
-                        <a:t>3.</a:t>
-                      </a:r>
-                      <a:r>
-                        <a:rPr lang="en-US" altLang="zh-CN" dirty="0" smtClean="0"/>
+                        <a:t>Python 3.</a:t>
+                      </a:r>
+                      <a:r>
+                        <a:rPr lang="en-US" altLang="zh-CN" dirty="0"/>
                         <a:t>6.2</a:t>
                       </a:r>
                       <a:r>
-                        <a:rPr lang="en-US" dirty="0" smtClean="0"/>
-                        <a:t> </a:t>
-                      </a:r>
-                      <a:r>
                         <a:rPr lang="en-US" dirty="0"/>
-                        <a:t>(Last updated version)</a:t>
+                        <a:t> (Last updated version)</a:t>
                       </a:r>
                     </a:p>
                   </a:txBody>
@@ -14329,19 +14658,19 @@
                         <a:rPr lang="is-IS" dirty="0"/>
                       </a:br>
                       <a:r>
-                        <a:rPr lang="is-IS" dirty="0" smtClean="0"/>
+                        <a:rPr lang="is-IS" dirty="0"/>
                         <a:t>December 1</a:t>
                       </a:r>
                       <a:r>
-                        <a:rPr lang="en-US" altLang="zh-CN" dirty="0" smtClean="0"/>
+                        <a:rPr lang="en-US" altLang="zh-CN" dirty="0"/>
                         <a:t>2</a:t>
                       </a:r>
                       <a:r>
-                        <a:rPr lang="is-IS" dirty="0" smtClean="0"/>
+                        <a:rPr lang="is-IS" dirty="0"/>
                         <a:t>, 201</a:t>
                       </a:r>
                       <a:r>
-                        <a:rPr lang="en-US" altLang="zh-CN" dirty="0" smtClean="0"/>
+                        <a:rPr lang="en-US" altLang="zh-CN" dirty="0"/>
                         <a:t>6</a:t>
                       </a:r>
                       <a:endParaRPr lang="is-IS" dirty="0"/>
@@ -14362,6 +14691,11 @@
                     </a:lnB>
                   </a:tcPr>
                 </a:tc>
+                <a:extLst>
+                  <a:ext uri="{0D108BD9-81ED-4DB2-BD59-A6C34878D82A}">
+                    <a16:rowId xmlns:a16="http://schemas.microsoft.com/office/drawing/2014/main" val="10002"/>
+                  </a:ext>
+                </a:extLst>
               </a:tr>
             </a:tbl>
           </a:graphicData>
